--- a/lectures/19.bridge/bridge.pptx
+++ b/lectures/19.bridge/bridge.pptx
@@ -230,7 +230,7 @@
           <a:p>
             <a:fld id="{2F3DCB6D-0B48-4A3D-B663-06C3F903A9D3}" type="datetimeFigureOut">
               <a:rPr lang="ru-RU" smtClean="0"/>
-              <a:t>28.11.2019</a:t>
+              <a:t>08.12.2023</a:t>
             </a:fld>
             <a:endParaRPr lang="ru-RU"/>
           </a:p>
@@ -911,7 +911,7 @@
           <a:p>
             <a:fld id="{2590F9C9-AB92-4E86-B698-DEC9BF4350FF}" type="datetimeFigureOut">
               <a:rPr lang="ru-RU" smtClean="0"/>
-              <a:t>28.11.2019</a:t>
+              <a:t>08.12.2023</a:t>
             </a:fld>
             <a:endParaRPr lang="ru-RU"/>
           </a:p>
@@ -1128,7 +1128,7 @@
           <a:p>
             <a:fld id="{2590F9C9-AB92-4E86-B698-DEC9BF4350FF}" type="datetimeFigureOut">
               <a:rPr lang="ru-RU" smtClean="0"/>
-              <a:t>28.11.2019</a:t>
+              <a:t>08.12.2023</a:t>
             </a:fld>
             <a:endParaRPr lang="ru-RU"/>
           </a:p>
@@ -1400,7 +1400,7 @@
           <a:p>
             <a:fld id="{2590F9C9-AB92-4E86-B698-DEC9BF4350FF}" type="datetimeFigureOut">
               <a:rPr lang="ru-RU" smtClean="0"/>
-              <a:t>28.11.2019</a:t>
+              <a:t>08.12.2023</a:t>
             </a:fld>
             <a:endParaRPr lang="ru-RU"/>
           </a:p>
@@ -1575,7 +1575,7 @@
           <a:p>
             <a:fld id="{2590F9C9-AB92-4E86-B698-DEC9BF4350FF}" type="datetimeFigureOut">
               <a:rPr lang="ru-RU" smtClean="0"/>
-              <a:t>28.11.2019</a:t>
+              <a:t>08.12.2023</a:t>
             </a:fld>
             <a:endParaRPr lang="ru-RU"/>
           </a:p>
@@ -1929,7 +1929,7 @@
           <a:p>
             <a:fld id="{2590F9C9-AB92-4E86-B698-DEC9BF4350FF}" type="datetimeFigureOut">
               <a:rPr lang="ru-RU" smtClean="0"/>
-              <a:t>28.11.2019</a:t>
+              <a:t>08.12.2023</a:t>
             </a:fld>
             <a:endParaRPr lang="ru-RU"/>
           </a:p>
@@ -2214,7 +2214,7 @@
           <a:p>
             <a:fld id="{2590F9C9-AB92-4E86-B698-DEC9BF4350FF}" type="datetimeFigureOut">
               <a:rPr lang="ru-RU" smtClean="0"/>
-              <a:t>28.11.2019</a:t>
+              <a:t>08.12.2023</a:t>
             </a:fld>
             <a:endParaRPr lang="ru-RU"/>
           </a:p>
@@ -2636,7 +2636,7 @@
           <a:p>
             <a:fld id="{2590F9C9-AB92-4E86-B698-DEC9BF4350FF}" type="datetimeFigureOut">
               <a:rPr lang="ru-RU" smtClean="0"/>
-              <a:t>28.11.2019</a:t>
+              <a:t>08.12.2023</a:t>
             </a:fld>
             <a:endParaRPr lang="ru-RU"/>
           </a:p>
@@ -2749,7 +2749,7 @@
           <a:p>
             <a:fld id="{2590F9C9-AB92-4E86-B698-DEC9BF4350FF}" type="datetimeFigureOut">
               <a:rPr lang="ru-RU" smtClean="0"/>
-              <a:t>28.11.2019</a:t>
+              <a:t>08.12.2023</a:t>
             </a:fld>
             <a:endParaRPr lang="ru-RU"/>
           </a:p>
@@ -2839,7 +2839,7 @@
           <a:p>
             <a:fld id="{2590F9C9-AB92-4E86-B698-DEC9BF4350FF}" type="datetimeFigureOut">
               <a:rPr lang="ru-RU" smtClean="0"/>
-              <a:t>28.11.2019</a:t>
+              <a:t>08.12.2023</a:t>
             </a:fld>
             <a:endParaRPr lang="ru-RU"/>
           </a:p>
@@ -3117,7 +3117,7 @@
           <a:p>
             <a:fld id="{2590F9C9-AB92-4E86-B698-DEC9BF4350FF}" type="datetimeFigureOut">
               <a:rPr lang="ru-RU" smtClean="0"/>
-              <a:t>28.11.2019</a:t>
+              <a:t>08.12.2023</a:t>
             </a:fld>
             <a:endParaRPr lang="ru-RU"/>
           </a:p>
@@ -3479,7 +3479,7 @@
           <a:p>
             <a:fld id="{2590F9C9-AB92-4E86-B698-DEC9BF4350FF}" type="datetimeFigureOut">
               <a:rPr lang="ru-RU" smtClean="0"/>
-              <a:t>28.11.2019</a:t>
+              <a:t>08.12.2023</a:t>
             </a:fld>
             <a:endParaRPr lang="ru-RU"/>
           </a:p>
@@ -3904,7 +3904,7 @@
           <a:p>
             <a:fld id="{2590F9C9-AB92-4E86-B698-DEC9BF4350FF}" type="datetimeFigureOut">
               <a:rPr lang="ru-RU" smtClean="0"/>
-              <a:t>28.11.2019</a:t>
+              <a:t>08.12.2023</a:t>
             </a:fld>
             <a:endParaRPr lang="ru-RU"/>
           </a:p>
@@ -4326,11 +4326,11 @@
           <a:lstStyle/>
           <a:p>
             <a:r>
-              <a:rPr lang="ru-RU" dirty="0" smtClean="0"/>
+              <a:rPr lang="ru-RU" dirty="0"/>
               <a:t>Мост</a:t>
             </a:r>
             <a:r>
-              <a:rPr lang="en-US" dirty="0" smtClean="0"/>
+              <a:rPr lang="en-US" dirty="0"/>
               <a:t> (Bridge)</a:t>
             </a:r>
             <a:endParaRPr lang="ru-RU" dirty="0"/>
@@ -4366,13 +4366,6 @@
   <p:clrMapOvr>
     <a:masterClrMapping/>
   </p:clrMapOvr>
-  <p:timing>
-    <p:tnLst>
-      <p:par>
-        <p:cTn id="1" dur="indefinite" restart="never" nodeType="tmRoot"/>
-      </p:par>
-    </p:tnLst>
-  </p:timing>
 </p:sld>
 </file>
 
@@ -4409,10 +4402,9 @@
           <a:lstStyle/>
           <a:p>
             <a:r>
-              <a:rPr lang="ru-RU" dirty="0" smtClean="0"/>
+              <a:rPr lang="ru-RU" dirty="0"/>
               <a:t>Применимость</a:t>
             </a:r>
-            <a:endParaRPr lang="ru-RU" dirty="0"/>
           </a:p>
         </p:txBody>
       </p:sp>
@@ -4432,30 +4424,29 @@
           <a:lstStyle/>
           <a:p>
             <a:r>
-              <a:rPr lang="ru-RU" dirty="0" smtClean="0"/>
+              <a:rPr lang="ru-RU" dirty="0"/>
               <a:t>Нужно избежать привязки абстракции к реализации</a:t>
             </a:r>
           </a:p>
           <a:p>
             <a:pPr lvl="1"/>
             <a:r>
-              <a:rPr lang="ru-RU" dirty="0" smtClean="0"/>
+              <a:rPr lang="ru-RU" dirty="0"/>
               <a:t>Например, выбирать реализацию во время выполнения</a:t>
             </a:r>
           </a:p>
           <a:p>
             <a:r>
-              <a:rPr lang="ru-RU" dirty="0" smtClean="0"/>
+              <a:rPr lang="ru-RU" dirty="0"/>
               <a:t>И абстракции и реализации должны расширяться</a:t>
             </a:r>
           </a:p>
           <a:p>
             <a:pPr lvl="1"/>
             <a:r>
-              <a:rPr lang="ru-RU" dirty="0" smtClean="0"/>
+              <a:rPr lang="ru-RU" dirty="0"/>
               <a:t>Паттерн позволяет комбинировать разные абстракции и реализации</a:t>
             </a:r>
-            <a:endParaRPr lang="ru-RU" dirty="0"/>
           </a:p>
         </p:txBody>
       </p:sp>
@@ -4746,10 +4737,9 @@
           <a:lstStyle/>
           <a:p>
             <a:r>
-              <a:rPr lang="ru-RU" dirty="0" smtClean="0"/>
+              <a:rPr lang="ru-RU" dirty="0"/>
               <a:t>Применимость</a:t>
             </a:r>
-            <a:endParaRPr lang="ru-RU" dirty="0"/>
           </a:p>
         </p:txBody>
       </p:sp>
@@ -4769,25 +4759,25 @@
           <a:lstStyle/>
           <a:p>
             <a:r>
-              <a:rPr lang="ru-RU" dirty="0" smtClean="0"/>
+              <a:rPr lang="ru-RU" dirty="0"/>
               <a:t>Изменения в реализации не должны сказываться на клиентах</a:t>
             </a:r>
           </a:p>
           <a:p>
             <a:r>
-              <a:rPr lang="ru-RU" dirty="0" smtClean="0"/>
+              <a:rPr lang="ru-RU" dirty="0"/>
               <a:t>Нужно скрыть реализацию абстракции от клиентов (С++)</a:t>
             </a:r>
           </a:p>
           <a:p>
             <a:r>
-              <a:rPr lang="ru-RU" dirty="0" smtClean="0"/>
-              <a:t>Число классов начинает быстро расти</a:t>
-            </a:r>
-          </a:p>
-          <a:p>
-            <a:r>
-              <a:rPr lang="ru-RU" dirty="0" smtClean="0"/>
+              <a:rPr lang="ru-RU" dirty="0"/>
+              <a:t>Решить проблему быстрого роста количества классов</a:t>
+            </a:r>
+          </a:p>
+          <a:p>
+            <a:r>
+              <a:rPr lang="ru-RU" dirty="0"/>
               <a:t>Нужно разделить одну реализацию между несколькими объектами</a:t>
             </a:r>
           </a:p>
@@ -5116,10 +5106,9 @@
           <a:lstStyle/>
           <a:p>
             <a:r>
-              <a:rPr lang="ru-RU" dirty="0" smtClean="0"/>
+              <a:rPr lang="ru-RU" dirty="0"/>
               <a:t>Преимущества</a:t>
             </a:r>
-            <a:endParaRPr lang="ru-RU" dirty="0"/>
           </a:p>
         </p:txBody>
       </p:sp>
@@ -5139,34 +5128,33 @@
           <a:lstStyle/>
           <a:p>
             <a:r>
-              <a:rPr lang="ru-RU" dirty="0" smtClean="0"/>
+              <a:rPr lang="ru-RU" dirty="0"/>
               <a:t>Реализация отделена от интерфейса</a:t>
             </a:r>
           </a:p>
           <a:p>
             <a:r>
-              <a:rPr lang="ru-RU" dirty="0" smtClean="0"/>
+              <a:rPr lang="ru-RU" dirty="0"/>
               <a:t>Повышение степени расширяемости</a:t>
             </a:r>
           </a:p>
           <a:p>
             <a:r>
-              <a:rPr lang="ru-RU" dirty="0" smtClean="0"/>
+              <a:rPr lang="ru-RU" dirty="0"/>
               <a:t>Сокрытие деталей реализации от клиентов</a:t>
             </a:r>
           </a:p>
           <a:p>
             <a:r>
-              <a:rPr lang="ru-RU" dirty="0" smtClean="0"/>
+              <a:rPr lang="ru-RU" dirty="0"/>
               <a:t>Следование принципу открытости/закрытости</a:t>
             </a:r>
           </a:p>
           <a:p>
             <a:r>
-              <a:rPr lang="ru-RU" dirty="0" smtClean="0"/>
+              <a:rPr lang="ru-RU" dirty="0"/>
               <a:t>Классы абстракций и реализаций могут разрабатывать разные команды</a:t>
             </a:r>
-            <a:endParaRPr lang="ru-RU" dirty="0"/>
           </a:p>
         </p:txBody>
       </p:sp>
@@ -5554,10 +5542,9 @@
           <a:lstStyle/>
           <a:p>
             <a:r>
-              <a:rPr lang="ru-RU" dirty="0" smtClean="0"/>
+              <a:rPr lang="ru-RU" dirty="0"/>
               <a:t>Недостатки</a:t>
             </a:r>
-            <a:endParaRPr lang="ru-RU" dirty="0"/>
           </a:p>
         </p:txBody>
       </p:sp>
@@ -5577,10 +5564,9 @@
           <a:lstStyle/>
           <a:p>
             <a:r>
-              <a:rPr lang="ru-RU" dirty="0" smtClean="0"/>
+              <a:rPr lang="ru-RU" dirty="0"/>
               <a:t>Код может стать сложнее из-за введения дополнительных классов</a:t>
             </a:r>
-            <a:endParaRPr lang="ru-RU" dirty="0"/>
           </a:p>
         </p:txBody>
       </p:sp>
@@ -5594,13 +5580,6 @@
   <p:clrMapOvr>
     <a:masterClrMapping/>
   </p:clrMapOvr>
-  <p:timing>
-    <p:tnLst>
-      <p:par>
-        <p:cTn id="1" dur="indefinite" restart="never" nodeType="tmRoot"/>
-      </p:par>
-    </p:tnLst>
-  </p:timing>
 </p:sld>
 </file>
 
@@ -5637,11 +5616,11 @@
           <a:lstStyle/>
           <a:p>
             <a:r>
-              <a:rPr lang="ru-RU" dirty="0" smtClean="0"/>
+              <a:rPr lang="ru-RU" dirty="0"/>
               <a:t>Связь с паттерном </a:t>
             </a:r>
             <a:r>
-              <a:rPr lang="en-US" dirty="0" smtClean="0"/>
+              <a:rPr lang="en-US" dirty="0"/>
               <a:t>Adapter</a:t>
             </a:r>
             <a:endParaRPr lang="ru-RU" dirty="0"/>
@@ -5664,16 +5643,15 @@
           <a:lstStyle/>
           <a:p>
             <a:r>
-              <a:rPr lang="ru-RU" dirty="0" smtClean="0"/>
+              <a:rPr lang="ru-RU" dirty="0"/>
               <a:t>Мост проектируют заранее, чтобы развивать части приложения отдельно друг от друга</a:t>
             </a:r>
           </a:p>
           <a:p>
             <a:r>
-              <a:rPr lang="ru-RU" dirty="0" smtClean="0"/>
+              <a:rPr lang="ru-RU" dirty="0"/>
               <a:t>Адаптер применяется постфактум, чтобы заставить несовместимые классы работать вместе</a:t>
             </a:r>
-            <a:endParaRPr lang="ru-RU" dirty="0"/>
           </a:p>
         </p:txBody>
       </p:sp>
@@ -5880,10 +5858,9 @@
           <a:lstStyle/>
           <a:p>
             <a:r>
-              <a:rPr lang="ru-RU" dirty="0" smtClean="0"/>
+              <a:rPr lang="ru-RU" dirty="0"/>
               <a:t>Связь с паттерном Абстрактная фабрика</a:t>
             </a:r>
-            <a:endParaRPr lang="ru-RU" dirty="0"/>
           </a:p>
         </p:txBody>
       </p:sp>
@@ -5903,16 +5880,15 @@
           <a:lstStyle/>
           <a:p>
             <a:r>
-              <a:rPr lang="ru-RU" dirty="0" smtClean="0"/>
+              <a:rPr lang="ru-RU" dirty="0"/>
               <a:t>Создание экземпляра конкретной реализации клиент может поручить Абстрактной фабрике</a:t>
             </a:r>
           </a:p>
           <a:p>
             <a:r>
-              <a:rPr lang="ru-RU" dirty="0" smtClean="0"/>
+              <a:rPr lang="ru-RU" dirty="0"/>
               <a:t>Абстрактная фабрика может определять типы абстракций и реализаций</a:t>
             </a:r>
-            <a:endParaRPr lang="ru-RU" dirty="0"/>
           </a:p>
         </p:txBody>
       </p:sp>
@@ -6119,10 +6095,9 @@
           <a:lstStyle/>
           <a:p>
             <a:r>
-              <a:rPr lang="ru-RU" dirty="0" smtClean="0"/>
+              <a:rPr lang="ru-RU" dirty="0"/>
               <a:t>Фабрика окон</a:t>
             </a:r>
-            <a:endParaRPr lang="ru-RU" dirty="0"/>
           </a:p>
         </p:txBody>
       </p:sp>
@@ -6162,13 +6137,6 @@
   <p:clrMapOvr>
     <a:masterClrMapping/>
   </p:clrMapOvr>
-  <p:timing>
-    <p:tnLst>
-      <p:par>
-        <p:cTn id="1" dur="indefinite" restart="never" nodeType="tmRoot"/>
-      </p:par>
-    </p:tnLst>
-  </p:timing>
 </p:sld>
 </file>
 
@@ -6205,10 +6173,9 @@
           <a:lstStyle/>
           <a:p>
             <a:r>
-              <a:rPr lang="ru-RU" dirty="0" smtClean="0"/>
+              <a:rPr lang="ru-RU" dirty="0"/>
               <a:t>Связь с паттерном Строитель</a:t>
             </a:r>
-            <a:endParaRPr lang="ru-RU" dirty="0"/>
           </a:p>
         </p:txBody>
       </p:sp>
@@ -6228,24 +6195,23 @@
           <a:lstStyle/>
           <a:p>
             <a:r>
-              <a:rPr lang="ru-RU" dirty="0" smtClean="0"/>
+              <a:rPr lang="ru-RU" dirty="0"/>
               <a:t>Строитель может быть построен в виде моста</a:t>
             </a:r>
           </a:p>
           <a:p>
             <a:pPr lvl="1"/>
             <a:r>
-              <a:rPr lang="ru-RU" dirty="0" smtClean="0"/>
+              <a:rPr lang="ru-RU" dirty="0"/>
               <a:t>Распорядитель играет роль абстракции</a:t>
             </a:r>
           </a:p>
           <a:p>
             <a:pPr lvl="1"/>
             <a:r>
-              <a:rPr lang="ru-RU" dirty="0" smtClean="0"/>
+              <a:rPr lang="ru-RU" dirty="0"/>
               <a:t>Строитель играет роль реализации</a:t>
             </a:r>
-            <a:endParaRPr lang="ru-RU" dirty="0"/>
           </a:p>
         </p:txBody>
       </p:sp>
@@ -6259,13 +6225,6 @@
   <p:clrMapOvr>
     <a:masterClrMapping/>
   </p:clrMapOvr>
-  <p:timing>
-    <p:tnLst>
-      <p:par>
-        <p:cTn id="1" dur="indefinite" restart="never" nodeType="tmRoot"/>
-      </p:par>
-    </p:tnLst>
-  </p:timing>
 </p:sld>
 </file>
 
@@ -6302,10 +6261,9 @@
           <a:lstStyle/>
           <a:p>
             <a:r>
-              <a:rPr lang="ru-RU" dirty="0" smtClean="0"/>
+              <a:rPr lang="ru-RU" dirty="0"/>
               <a:t>Строитель</a:t>
             </a:r>
-            <a:endParaRPr lang="ru-RU" dirty="0"/>
           </a:p>
         </p:txBody>
       </p:sp>
@@ -6508,10 +6466,9 @@
           <a:lstStyle/>
           <a:p>
             <a:r>
-              <a:rPr lang="ru-RU" dirty="0" smtClean="0"/>
+              <a:rPr lang="ru-RU" dirty="0"/>
               <a:t>Итоги</a:t>
             </a:r>
-            <a:endParaRPr lang="ru-RU" dirty="0"/>
           </a:p>
         </p:txBody>
       </p:sp>
@@ -6531,16 +6488,23 @@
           <a:lstStyle/>
           <a:p>
             <a:r>
-              <a:rPr lang="ru-RU" dirty="0" smtClean="0"/>
+              <a:rPr lang="ru-RU" dirty="0"/>
               <a:t>Композиция и агрегация часто являются лучшей альтернативой наследованию</a:t>
             </a:r>
           </a:p>
           <a:p>
             <a:r>
-              <a:rPr lang="ru-RU" dirty="0" smtClean="0"/>
-              <a:t>Применение паттерна Мост позволяет сделать код не зависящим от деталей инфраструктуры</a:t>
-            </a:r>
-            <a:endParaRPr lang="ru-RU" dirty="0"/>
+              <a:rPr lang="ru-RU" dirty="0"/>
+              <a:t>Паттерн </a:t>
+            </a:r>
+            <a:r>
+              <a:rPr lang="ru-RU"/>
+              <a:t>Мост делает код </a:t>
+            </a:r>
+            <a:r>
+              <a:rPr lang="ru-RU" dirty="0"/>
+              <a:t>не зависящим от деталей инфраструктуры</a:t>
+            </a:r>
           </a:p>
         </p:txBody>
       </p:sp>
@@ -6554,13 +6518,6 @@
   <p:clrMapOvr>
     <a:masterClrMapping/>
   </p:clrMapOvr>
-  <p:timing>
-    <p:tnLst>
-      <p:par>
-        <p:cTn id="1" dur="indefinite" restart="never" nodeType="tmRoot"/>
-      </p:par>
-    </p:tnLst>
-  </p:timing>
 </p:sld>
 </file>
 
@@ -6599,10 +6556,9 @@
           <a:lstStyle/>
           <a:p>
             <a:r>
-              <a:rPr lang="ru-RU" dirty="0" smtClean="0"/>
+              <a:rPr lang="ru-RU" dirty="0"/>
               <a:t>Библиотека элементов пользовательского интерфейса</a:t>
             </a:r>
-            <a:endParaRPr lang="ru-RU" dirty="0"/>
           </a:p>
         </p:txBody>
       </p:sp>
@@ -6642,13 +6598,6 @@
   <p:clrMapOvr>
     <a:masterClrMapping/>
   </p:clrMapOvr>
-  <p:timing>
-    <p:tnLst>
-      <p:par>
-        <p:cTn id="1" dur="indefinite" restart="never" nodeType="tmRoot"/>
-      </p:par>
-    </p:tnLst>
-  </p:timing>
 </p:sld>
 </file>
 
@@ -6685,10 +6634,9 @@
           <a:lstStyle/>
           <a:p>
             <a:r>
-              <a:rPr lang="ru-RU" dirty="0" smtClean="0"/>
+              <a:rPr lang="ru-RU" dirty="0"/>
               <a:t>Ссылки</a:t>
             </a:r>
-            <a:endParaRPr lang="ru-RU" dirty="0"/>
           </a:p>
         </p:txBody>
       </p:sp>
@@ -6711,34 +6659,23 @@
               <a:rPr lang="en-US" dirty="0">
                 <a:hlinkClick r:id="rId2"/>
               </a:rPr>
-              <a:t>https://</a:t>
-            </a:r>
-            <a:r>
-              <a:rPr lang="en-US" dirty="0" smtClean="0">
-                <a:hlinkClick r:id="rId2"/>
-              </a:rPr>
-              <a:t>refactoring.guru/ru/design-patterns/bridge</a:t>
-            </a:r>
-            <a:endParaRPr lang="ru-RU" dirty="0" smtClean="0"/>
-          </a:p>
-          <a:p>
-            <a:r>
-              <a:rPr lang="ru-RU" dirty="0" smtClean="0"/>
+              <a:t>https://refactoring.guru/ru/design-patterns/bridge</a:t>
+            </a:r>
+            <a:endParaRPr lang="ru-RU" dirty="0"/>
+          </a:p>
+          <a:p>
+            <a:r>
+              <a:rPr lang="ru-RU" dirty="0"/>
               <a:t>Приёмы </a:t>
             </a:r>
             <a:r>
-              <a:rPr lang="ru-RU" dirty="0" err="1" smtClean="0"/>
+              <a:rPr lang="ru-RU" dirty="0" err="1"/>
               <a:t>обектно</a:t>
             </a:r>
             <a:r>
               <a:rPr lang="ru-RU" dirty="0"/>
-              <a:t>-</a:t>
-            </a:r>
-            <a:r>
-              <a:rPr lang="ru-RU" dirty="0" smtClean="0"/>
-              <a:t>ориентированного проектирования. Паттерны проектирования</a:t>
-            </a:r>
-            <a:endParaRPr lang="ru-RU" dirty="0"/>
+              <a:t>-ориентированного проектирования. Паттерны проектирования</a:t>
+            </a:r>
           </a:p>
         </p:txBody>
       </p:sp>
@@ -6752,13 +6689,6 @@
   <p:clrMapOvr>
     <a:masterClrMapping/>
   </p:clrMapOvr>
-  <p:timing>
-    <p:tnLst>
-      <p:par>
-        <p:cTn id="1" dur="indefinite" restart="never" nodeType="tmRoot"/>
-      </p:par>
-    </p:tnLst>
-  </p:timing>
 </p:sld>
 </file>
 
@@ -6797,15 +6727,15 @@
           <a:lstStyle/>
           <a:p>
             <a:r>
-              <a:rPr lang="ru-RU" dirty="0" smtClean="0"/>
+              <a:rPr lang="ru-RU" dirty="0"/>
               <a:t>Новое требование – добавить версию под </a:t>
             </a:r>
             <a:r>
-              <a:rPr lang="en-US" dirty="0" err="1" smtClean="0"/>
+              <a:rPr lang="en-US" dirty="0" err="1"/>
               <a:t>MacOS</a:t>
             </a:r>
             <a:r>
-              <a:rPr lang="en-US" dirty="0" smtClean="0"/>
+              <a:rPr lang="en-US" dirty="0"/>
               <a:t> X</a:t>
             </a:r>
             <a:endParaRPr lang="ru-RU" dirty="0"/>
@@ -6967,10 +6897,9 @@
           <a:lstStyle/>
           <a:p>
             <a:r>
-              <a:rPr lang="ru-RU" dirty="0" smtClean="0"/>
+              <a:rPr lang="ru-RU" dirty="0"/>
               <a:t>Анализ решения</a:t>
             </a:r>
-            <a:endParaRPr lang="ru-RU" dirty="0"/>
           </a:p>
         </p:txBody>
       </p:sp>
@@ -6990,29 +6919,28 @@
           <a:lstStyle/>
           <a:p>
             <a:r>
-              <a:rPr lang="ru-RU" dirty="0" smtClean="0"/>
-              <a:t>Клиентский код зависит от классов конкретной платформы</a:t>
+              <a:rPr lang="ru-RU" dirty="0"/>
+              <a:t>Клиентский код зависит от классов конкретной платформы или фреймворка</a:t>
             </a:r>
           </a:p>
           <a:p>
             <a:pPr lvl="1"/>
             <a:r>
-              <a:rPr lang="ru-RU" dirty="0" smtClean="0"/>
+              <a:rPr lang="ru-RU" dirty="0"/>
               <a:t>Можно решить при помощи фабрики</a:t>
             </a:r>
           </a:p>
           <a:p>
             <a:r>
-              <a:rPr lang="ru-RU" dirty="0" smtClean="0"/>
+              <a:rPr lang="ru-RU" dirty="0"/>
               <a:t>Для поддержки новой платформы придётся добавить много новых классов</a:t>
             </a:r>
           </a:p>
           <a:p>
             <a:r>
-              <a:rPr lang="ru-RU" dirty="0" smtClean="0"/>
+              <a:rPr lang="ru-RU" dirty="0"/>
               <a:t>Абстракция (тип окна) и реализация (особенности платформы) сильно связаны</a:t>
             </a:r>
-            <a:endParaRPr lang="ru-RU" dirty="0"/>
           </a:p>
         </p:txBody>
       </p:sp>
@@ -7323,10 +7251,9 @@
           <a:lstStyle/>
           <a:p>
             <a:r>
-              <a:rPr lang="ru-RU" dirty="0" smtClean="0"/>
+              <a:rPr lang="ru-RU" dirty="0"/>
               <a:t>Решение – паттерн Мост</a:t>
             </a:r>
-            <a:endParaRPr lang="ru-RU" dirty="0"/>
           </a:p>
         </p:txBody>
       </p:sp>
@@ -7346,63 +7273,55 @@
           <a:lstStyle/>
           <a:p>
             <a:r>
-              <a:rPr lang="ru-RU" dirty="0" smtClean="0"/>
+              <a:rPr lang="ru-RU" dirty="0"/>
               <a:t>Абстракция и реализация класса окна помещаются в раздельные иерархии</a:t>
             </a:r>
           </a:p>
           <a:p>
             <a:r>
-              <a:rPr lang="ru-RU" dirty="0" smtClean="0"/>
+              <a:rPr lang="ru-RU" dirty="0"/>
               <a:t>Операции подклассов </a:t>
             </a:r>
             <a:r>
-              <a:rPr lang="en-US" dirty="0" smtClean="0"/>
+              <a:rPr lang="en-US" dirty="0"/>
               <a:t>Window</a:t>
             </a:r>
             <a:r>
-              <a:rPr lang="ru-RU" dirty="0" smtClean="0"/>
-              <a:t> должны быть реализованы в терминах абстрак</a:t>
-            </a:r>
-            <a:r>
               <a:rPr lang="ru-RU" dirty="0"/>
-              <a:t>т</a:t>
-            </a:r>
-            <a:r>
-              <a:rPr lang="ru-RU" dirty="0" smtClean="0"/>
-              <a:t>ных операций </a:t>
-            </a:r>
-            <a:r>
-              <a:rPr lang="en-US" dirty="0" err="1" smtClean="0"/>
+              <a:t> должны быть реализованы в терминах абстрактных операций </a:t>
+            </a:r>
+            <a:r>
+              <a:rPr lang="en-US" dirty="0" err="1"/>
               <a:t>WindowImp</a:t>
             </a:r>
-            <a:endParaRPr lang="ru-RU" dirty="0" smtClean="0"/>
-          </a:p>
-          <a:p>
-            <a:r>
-              <a:rPr lang="ru-RU" dirty="0" smtClean="0"/>
+            <a:endParaRPr lang="ru-RU" dirty="0"/>
+          </a:p>
+          <a:p>
+            <a:r>
+              <a:rPr lang="ru-RU" dirty="0"/>
               <a:t>Отношение между </a:t>
             </a:r>
             <a:r>
-              <a:rPr lang="en-US" dirty="0" smtClean="0"/>
+              <a:rPr lang="en-US" dirty="0"/>
               <a:t>Window </a:t>
             </a:r>
             <a:r>
-              <a:rPr lang="ru-RU" dirty="0" smtClean="0"/>
+              <a:rPr lang="ru-RU" dirty="0"/>
               <a:t>и </a:t>
             </a:r>
             <a:r>
-              <a:rPr lang="en-US" dirty="0" err="1" smtClean="0"/>
+              <a:rPr lang="en-US" dirty="0" err="1"/>
               <a:t>WindowImp</a:t>
             </a:r>
             <a:r>
-              <a:rPr lang="en-US" dirty="0" smtClean="0"/>
+              <a:rPr lang="en-US" dirty="0"/>
               <a:t> - </a:t>
             </a:r>
             <a:r>
-              <a:rPr lang="ru-RU" dirty="0" smtClean="0"/>
+              <a:rPr lang="ru-RU" dirty="0"/>
               <a:t>мост</a:t>
             </a:r>
-            <a:endParaRPr lang="en-US" dirty="0" smtClean="0"/>
+            <a:endParaRPr lang="en-US" dirty="0"/>
           </a:p>
         </p:txBody>
       </p:sp>
@@ -7416,13 +7335,6 @@
   <p:clrMapOvr>
     <a:masterClrMapping/>
   </p:clrMapOvr>
-  <p:timing>
-    <p:tnLst>
-      <p:par>
-        <p:cTn id="1" dur="indefinite" restart="never" nodeType="tmRoot"/>
-      </p:par>
-    </p:tnLst>
-  </p:timing>
 </p:sld>
 </file>
 
@@ -7459,10 +7371,9 @@
           <a:lstStyle/>
           <a:p>
             <a:r>
-              <a:rPr lang="ru-RU" dirty="0" smtClean="0"/>
+              <a:rPr lang="ru-RU" dirty="0"/>
               <a:t>Структура паттерна</a:t>
             </a:r>
-            <a:endParaRPr lang="ru-RU" dirty="0"/>
           </a:p>
         </p:txBody>
       </p:sp>
@@ -7529,20 +7440,19 @@
             <a:lstStyle/>
             <a:p>
               <a:r>
-                <a:rPr lang="ru-RU" sz="1600" b="1" dirty="0" smtClean="0"/>
+                <a:rPr lang="ru-RU" sz="1600" b="1" dirty="0"/>
                 <a:t>Абстракция</a:t>
               </a:r>
               <a:r>
-                <a:rPr lang="ru-RU" sz="1600" dirty="0" smtClean="0"/>
+                <a:rPr lang="ru-RU" sz="1600" dirty="0"/>
                 <a:t> содержит управляющую логику.</a:t>
               </a:r>
             </a:p>
             <a:p>
               <a:r>
-                <a:rPr lang="ru-RU" sz="1600" dirty="0" smtClean="0"/>
+                <a:rPr lang="ru-RU" sz="1600" dirty="0"/>
                 <a:t>Код абстракции делегирует работу связанному объекту реализации</a:t>
               </a:r>
-              <a:endParaRPr lang="ru-RU" sz="1600" dirty="0"/>
             </a:p>
           </p:txBody>
         </p:sp>
@@ -7620,20 +7530,19 @@
             <a:lstStyle/>
             <a:p>
               <a:r>
-                <a:rPr lang="ru-RU" sz="1600" b="1" dirty="0" smtClean="0"/>
+                <a:rPr lang="ru-RU" sz="1600" b="1" dirty="0"/>
                 <a:t>Реализация</a:t>
               </a:r>
               <a:r>
-                <a:rPr lang="ru-RU" sz="1600" dirty="0" smtClean="0"/>
+                <a:rPr lang="ru-RU" sz="1600" dirty="0"/>
                 <a:t> задаёт общий интерфейс для всех реализаций.</a:t>
               </a:r>
             </a:p>
             <a:p>
               <a:r>
-                <a:rPr lang="ru-RU" sz="1600" dirty="0" smtClean="0"/>
+                <a:rPr lang="ru-RU" sz="1600" dirty="0"/>
                 <a:t>Обычно в реализации присутствуют базовые операции, за счёт которых реализуются сложные операции абстракции</a:t>
               </a:r>
-              <a:endParaRPr lang="ru-RU" sz="1600" dirty="0"/>
             </a:p>
           </p:txBody>
         </p:sp>
@@ -7711,22 +7620,21 @@
             <a:lstStyle/>
             <a:p>
               <a:r>
-                <a:rPr lang="ru-RU" sz="1600" b="1" dirty="0" smtClean="0"/>
+                <a:rPr lang="ru-RU" sz="1600" b="1" dirty="0"/>
                 <a:t>Конкретные реализации</a:t>
               </a:r>
               <a:r>
-                <a:rPr lang="ru-RU" sz="1600" dirty="0" smtClean="0"/>
+                <a:rPr lang="ru-RU" sz="1600" dirty="0"/>
                 <a:t> содержат </a:t>
               </a:r>
               <a:r>
-                <a:rPr lang="ru-RU" sz="1600" dirty="0" err="1" smtClean="0"/>
+                <a:rPr lang="ru-RU" sz="1600" dirty="0" err="1"/>
                 <a:t>платформо</a:t>
               </a:r>
               <a:r>
-                <a:rPr lang="ru-RU" sz="1600" dirty="0" smtClean="0"/>
+                <a:rPr lang="ru-RU" sz="1600" dirty="0"/>
                 <a:t>-зависимый код</a:t>
               </a:r>
-              <a:endParaRPr lang="ru-RU" sz="1600" dirty="0"/>
             </a:p>
           </p:txBody>
         </p:sp>
@@ -7804,14 +7712,13 @@
             <a:lstStyle/>
             <a:p>
               <a:r>
-                <a:rPr lang="ru-RU" sz="1600" b="1" dirty="0" smtClean="0"/>
+                <a:rPr lang="ru-RU" sz="1600" b="1" dirty="0"/>
                 <a:t>Расширенные абстракции </a:t>
               </a:r>
               <a:r>
-                <a:rPr lang="ru-RU" sz="1600" dirty="0" smtClean="0"/>
+                <a:rPr lang="ru-RU" sz="1600" dirty="0"/>
                 <a:t>различные варианты управляющей логики</a:t>
               </a:r>
-              <a:endParaRPr lang="ru-RU" sz="1600" dirty="0"/>
             </a:p>
           </p:txBody>
         </p:sp>
@@ -7889,14 +7796,13 @@
             <a:lstStyle/>
             <a:p>
               <a:r>
-                <a:rPr lang="ru-RU" sz="1600" b="1" dirty="0" smtClean="0"/>
+                <a:rPr lang="ru-RU" sz="1600" b="1" dirty="0"/>
                 <a:t>Клиент </a:t>
               </a:r>
               <a:r>
-                <a:rPr lang="ru-RU" sz="1600" dirty="0" smtClean="0"/>
+                <a:rPr lang="ru-RU" sz="1600" dirty="0"/>
                 <a:t>работает только с объектами абстракции.</a:t>
               </a:r>
-              <a:endParaRPr lang="ru-RU" sz="1600" dirty="0"/>
             </a:p>
           </p:txBody>
         </p:sp>
@@ -8015,10 +7921,9 @@
             <a:lstStyle/>
             <a:p>
               <a:r>
-                <a:rPr lang="ru-RU" dirty="0" smtClean="0"/>
+                <a:rPr lang="ru-RU" dirty="0"/>
                 <a:t>Мост</a:t>
               </a:r>
-              <a:endParaRPr lang="ru-RU" dirty="0"/>
             </a:p>
           </p:txBody>
         </p:sp>
@@ -8419,10 +8324,9 @@
           <a:lstStyle/>
           <a:p>
             <a:r>
-              <a:rPr lang="ru-RU" dirty="0" smtClean="0"/>
+              <a:rPr lang="ru-RU" dirty="0"/>
               <a:t>Шаги реализации</a:t>
             </a:r>
-            <a:endParaRPr lang="ru-RU" dirty="0"/>
           </a:p>
         </p:txBody>
       </p:sp>
@@ -8442,36 +8346,35 @@
           <a:lstStyle/>
           <a:p>
             <a:r>
-              <a:rPr lang="ru-RU" dirty="0" smtClean="0"/>
+              <a:rPr lang="ru-RU" dirty="0"/>
               <a:t>Определить наличие непересекающихся измерений в классах</a:t>
             </a:r>
           </a:p>
           <a:p>
             <a:pPr lvl="1"/>
             <a:r>
-              <a:rPr lang="ru-RU" dirty="0" smtClean="0"/>
+              <a:rPr lang="ru-RU" dirty="0"/>
               <a:t>Функциональность/платформа</a:t>
             </a:r>
           </a:p>
           <a:p>
             <a:pPr lvl="1"/>
             <a:r>
-              <a:rPr lang="ru-RU" dirty="0" smtClean="0"/>
+              <a:rPr lang="ru-RU" dirty="0"/>
               <a:t>Предметная область/инфраструктура</a:t>
             </a:r>
           </a:p>
           <a:p>
             <a:r>
-              <a:rPr lang="ru-RU" dirty="0" smtClean="0"/>
+              <a:rPr lang="ru-RU" dirty="0"/>
               <a:t>Операции, нужные клиентам описать в базовом классе Абстракции</a:t>
             </a:r>
           </a:p>
           <a:p>
             <a:r>
-              <a:rPr lang="ru-RU" dirty="0" smtClean="0"/>
+              <a:rPr lang="ru-RU" dirty="0"/>
               <a:t>Описать интерфейс Реализации, определив поведение, необходимое абстракции</a:t>
             </a:r>
-            <a:endParaRPr lang="ru-RU" dirty="0"/>
           </a:p>
         </p:txBody>
       </p:sp>
@@ -8825,10 +8728,9 @@
           <a:lstStyle/>
           <a:p>
             <a:r>
-              <a:rPr lang="ru-RU" dirty="0" smtClean="0"/>
+              <a:rPr lang="ru-RU" dirty="0"/>
               <a:t>Шаги реализации (продолжение)</a:t>
             </a:r>
-            <a:endParaRPr lang="ru-RU" dirty="0"/>
           </a:p>
         </p:txBody>
       </p:sp>
@@ -8848,28 +8750,27 @@
           <a:lstStyle/>
           <a:p>
             <a:r>
-              <a:rPr lang="ru-RU" dirty="0" smtClean="0"/>
+              <a:rPr lang="ru-RU" dirty="0"/>
               <a:t>Добавить ссылку на интерфейс Реализации в класс Абстракции</a:t>
             </a:r>
           </a:p>
           <a:p>
             <a:r>
-              <a:rPr lang="ru-RU" dirty="0" smtClean="0"/>
+              <a:rPr lang="ru-RU" dirty="0"/>
               <a:t>Реализовать методы Абстракции, делегируя основную работу связанному объекту Реализации</a:t>
             </a:r>
           </a:p>
           <a:p>
             <a:r>
-              <a:rPr lang="ru-RU" dirty="0" smtClean="0"/>
+              <a:rPr lang="ru-RU" dirty="0"/>
               <a:t>Создать при необходимости подклассы Абстракций</a:t>
             </a:r>
           </a:p>
           <a:p>
             <a:r>
-              <a:rPr lang="ru-RU" dirty="0" smtClean="0"/>
+              <a:rPr lang="ru-RU" dirty="0"/>
               <a:t>Передать объект реализации конструктору Абстракции</a:t>
             </a:r>
-            <a:endParaRPr lang="ru-RU" dirty="0"/>
           </a:p>
         </p:txBody>
       </p:sp>
@@ -9198,10 +9099,9 @@
           <a:lstStyle/>
           <a:p>
             <a:r>
-              <a:rPr lang="ru-RU" dirty="0" smtClean="0"/>
+              <a:rPr lang="ru-RU" dirty="0"/>
               <a:t>Возможный вариант реализации</a:t>
             </a:r>
-            <a:endParaRPr lang="ru-RU" dirty="0"/>
           </a:p>
         </p:txBody>
       </p:sp>
@@ -9241,13 +9141,6 @@
   <p:clrMapOvr>
     <a:masterClrMapping/>
   </p:clrMapOvr>
-  <p:timing>
-    <p:tnLst>
-      <p:par>
-        <p:cTn id="1" dur="indefinite" restart="never" nodeType="tmRoot"/>
-      </p:par>
-    </p:tnLst>
-  </p:timing>
 </p:sld>
 </file>
 

--- a/lectures/19.bridge/bridge.pptx
+++ b/lectures/19.bridge/bridge.pptx
@@ -230,7 +230,7 @@
           <a:p>
             <a:fld id="{2F3DCB6D-0B48-4A3D-B663-06C3F903A9D3}" type="datetimeFigureOut">
               <a:rPr lang="ru-RU" smtClean="0"/>
-              <a:t>08.12.2023</a:t>
+              <a:t>14.12.2023</a:t>
             </a:fld>
             <a:endParaRPr lang="ru-RU"/>
           </a:p>
@@ -911,7 +911,7 @@
           <a:p>
             <a:fld id="{2590F9C9-AB92-4E86-B698-DEC9BF4350FF}" type="datetimeFigureOut">
               <a:rPr lang="ru-RU" smtClean="0"/>
-              <a:t>08.12.2023</a:t>
+              <a:t>14.12.2023</a:t>
             </a:fld>
             <a:endParaRPr lang="ru-RU"/>
           </a:p>
@@ -1128,7 +1128,7 @@
           <a:p>
             <a:fld id="{2590F9C9-AB92-4E86-B698-DEC9BF4350FF}" type="datetimeFigureOut">
               <a:rPr lang="ru-RU" smtClean="0"/>
-              <a:t>08.12.2023</a:t>
+              <a:t>14.12.2023</a:t>
             </a:fld>
             <a:endParaRPr lang="ru-RU"/>
           </a:p>
@@ -1400,7 +1400,7 @@
           <a:p>
             <a:fld id="{2590F9C9-AB92-4E86-B698-DEC9BF4350FF}" type="datetimeFigureOut">
               <a:rPr lang="ru-RU" smtClean="0"/>
-              <a:t>08.12.2023</a:t>
+              <a:t>14.12.2023</a:t>
             </a:fld>
             <a:endParaRPr lang="ru-RU"/>
           </a:p>
@@ -1575,7 +1575,7 @@
           <a:p>
             <a:fld id="{2590F9C9-AB92-4E86-B698-DEC9BF4350FF}" type="datetimeFigureOut">
               <a:rPr lang="ru-RU" smtClean="0"/>
-              <a:t>08.12.2023</a:t>
+              <a:t>14.12.2023</a:t>
             </a:fld>
             <a:endParaRPr lang="ru-RU"/>
           </a:p>
@@ -1929,7 +1929,7 @@
           <a:p>
             <a:fld id="{2590F9C9-AB92-4E86-B698-DEC9BF4350FF}" type="datetimeFigureOut">
               <a:rPr lang="ru-RU" smtClean="0"/>
-              <a:t>08.12.2023</a:t>
+              <a:t>14.12.2023</a:t>
             </a:fld>
             <a:endParaRPr lang="ru-RU"/>
           </a:p>
@@ -2214,7 +2214,7 @@
           <a:p>
             <a:fld id="{2590F9C9-AB92-4E86-B698-DEC9BF4350FF}" type="datetimeFigureOut">
               <a:rPr lang="ru-RU" smtClean="0"/>
-              <a:t>08.12.2023</a:t>
+              <a:t>14.12.2023</a:t>
             </a:fld>
             <a:endParaRPr lang="ru-RU"/>
           </a:p>
@@ -2636,7 +2636,7 @@
           <a:p>
             <a:fld id="{2590F9C9-AB92-4E86-B698-DEC9BF4350FF}" type="datetimeFigureOut">
               <a:rPr lang="ru-RU" smtClean="0"/>
-              <a:t>08.12.2023</a:t>
+              <a:t>14.12.2023</a:t>
             </a:fld>
             <a:endParaRPr lang="ru-RU"/>
           </a:p>
@@ -2749,7 +2749,7 @@
           <a:p>
             <a:fld id="{2590F9C9-AB92-4E86-B698-DEC9BF4350FF}" type="datetimeFigureOut">
               <a:rPr lang="ru-RU" smtClean="0"/>
-              <a:t>08.12.2023</a:t>
+              <a:t>14.12.2023</a:t>
             </a:fld>
             <a:endParaRPr lang="ru-RU"/>
           </a:p>
@@ -2839,7 +2839,7 @@
           <a:p>
             <a:fld id="{2590F9C9-AB92-4E86-B698-DEC9BF4350FF}" type="datetimeFigureOut">
               <a:rPr lang="ru-RU" smtClean="0"/>
-              <a:t>08.12.2023</a:t>
+              <a:t>14.12.2023</a:t>
             </a:fld>
             <a:endParaRPr lang="ru-RU"/>
           </a:p>
@@ -3117,7 +3117,7 @@
           <a:p>
             <a:fld id="{2590F9C9-AB92-4E86-B698-DEC9BF4350FF}" type="datetimeFigureOut">
               <a:rPr lang="ru-RU" smtClean="0"/>
-              <a:t>08.12.2023</a:t>
+              <a:t>14.12.2023</a:t>
             </a:fld>
             <a:endParaRPr lang="ru-RU"/>
           </a:p>
@@ -3479,7 +3479,7 @@
           <a:p>
             <a:fld id="{2590F9C9-AB92-4E86-B698-DEC9BF4350FF}" type="datetimeFigureOut">
               <a:rPr lang="ru-RU" smtClean="0"/>
-              <a:t>08.12.2023</a:t>
+              <a:t>14.12.2023</a:t>
             </a:fld>
             <a:endParaRPr lang="ru-RU"/>
           </a:p>
@@ -3904,7 +3904,7 @@
           <a:p>
             <a:fld id="{2590F9C9-AB92-4E86-B698-DEC9BF4350FF}" type="datetimeFigureOut">
               <a:rPr lang="ru-RU" smtClean="0"/>
-              <a:t>08.12.2023</a:t>
+              <a:t>14.12.2023</a:t>
             </a:fld>
             <a:endParaRPr lang="ru-RU"/>
           </a:p>
@@ -4310,6 +4310,42 @@
           <a:chExt cx="0" cy="0"/>
         </a:xfrm>
       </p:grpSpPr>
+      <p:pic>
+        <p:nvPicPr>
+          <p:cNvPr id="4" name="Рисунок 3">
+            <a:extLst>
+              <a:ext uri="{FF2B5EF4-FFF2-40B4-BE49-F238E27FC236}">
+                <a16:creationId xmlns:a16="http://schemas.microsoft.com/office/drawing/2014/main" id="{5E686A67-0E6D-4351-AB13-AE3EDD22C6E3}"/>
+              </a:ext>
+            </a:extLst>
+          </p:cNvPr>
+          <p:cNvPicPr>
+            <a:picLocks noChangeAspect="1"/>
+          </p:cNvPicPr>
+          <p:nvPr/>
+        </p:nvPicPr>
+        <p:blipFill>
+          <a:blip r:embed="rId2">
+            <a:extLst>
+              <a:ext uri="{28A0092B-C50C-407E-A947-70E740481C1C}">
+                <a14:useLocalDpi xmlns:a14="http://schemas.microsoft.com/office/drawing/2010/main" val="0"/>
+              </a:ext>
+            </a:extLst>
+          </a:blip>
+          <a:stretch>
+            <a:fillRect/>
+          </a:stretch>
+        </p:blipFill>
+        <p:spPr>
+          <a:xfrm>
+            <a:off x="0" y="0"/>
+            <a:ext cx="9144000" cy="5225143"/>
+          </a:xfrm>
+          <a:prstGeom prst="rect">
+            <a:avLst/>
+          </a:prstGeom>
+        </p:spPr>
+      </p:pic>
       <p:sp>
         <p:nvSpPr>
           <p:cNvPr id="7" name="Заголовок 6"/>
@@ -4320,20 +4356,54 @@
             <p:ph type="ctrTitle"/>
           </p:nvPr>
         </p:nvSpPr>
-        <p:spPr/>
-        <p:txBody>
-          <a:bodyPr/>
+        <p:spPr>
+          <a:effectLst>
+            <a:outerShdw blurRad="63500" sx="47000" sy="47000" algn="ctr" rotWithShape="0">
+              <a:schemeClr val="bg1">
+                <a:alpha val="96000"/>
+              </a:schemeClr>
+            </a:outerShdw>
+          </a:effectLst>
+        </p:spPr>
+        <p:txBody>
+          <a:bodyPr>
+            <a:normAutofit/>
+          </a:bodyPr>
           <a:lstStyle/>
           <a:p>
             <a:r>
-              <a:rPr lang="ru-RU" dirty="0"/>
+              <a:rPr lang="ru-RU" sz="7200" dirty="0">
+                <a:effectLst>
+                  <a:outerShdw blurRad="38100" algn="ctr" rotWithShape="0">
+                    <a:prstClr val="black">
+                      <a:alpha val="92000"/>
+                    </a:prstClr>
+                  </a:outerShdw>
+                </a:effectLst>
+              </a:rPr>
               <a:t>Мост</a:t>
             </a:r>
             <a:r>
-              <a:rPr lang="en-US" dirty="0"/>
+              <a:rPr lang="en-US" sz="7200" dirty="0">
+                <a:effectLst>
+                  <a:outerShdw blurRad="38100" algn="ctr" rotWithShape="0">
+                    <a:prstClr val="black">
+                      <a:alpha val="92000"/>
+                    </a:prstClr>
+                  </a:outerShdw>
+                </a:effectLst>
+              </a:rPr>
               <a:t> (Bridge)</a:t>
             </a:r>
-            <a:endParaRPr lang="ru-RU" dirty="0"/>
+            <a:endParaRPr lang="ru-RU" sz="7200" dirty="0">
+              <a:effectLst>
+                <a:outerShdw blurRad="38100" algn="ctr" rotWithShape="0">
+                  <a:prstClr val="black">
+                    <a:alpha val="92000"/>
+                  </a:prstClr>
+                </a:outerShdw>
+              </a:effectLst>
+            </a:endParaRPr>
           </a:p>
         </p:txBody>
       </p:sp>
@@ -4347,12 +4417,33 @@
             <p:ph type="subTitle" idx="1"/>
           </p:nvPr>
         </p:nvSpPr>
-        <p:spPr/>
-        <p:txBody>
-          <a:bodyPr/>
+        <p:spPr>
+          <a:effectLst>
+            <a:outerShdw blurRad="63500" sx="47000" sy="47000" algn="ctr" rotWithShape="0">
+              <a:schemeClr val="bg1">
+                <a:alpha val="96000"/>
+              </a:schemeClr>
+            </a:outerShdw>
+          </a:effectLst>
+        </p:spPr>
+        <p:txBody>
+          <a:bodyPr>
+            <a:normAutofit/>
+          </a:bodyPr>
           <a:lstStyle/>
           <a:p>
-            <a:endParaRPr lang="ru-RU"/>
+            <a:r>
+              <a:rPr lang="ru-RU" sz="4000" dirty="0">
+                <a:effectLst>
+                  <a:outerShdw blurRad="38100" algn="ctr" rotWithShape="0">
+                    <a:prstClr val="black">
+                      <a:alpha val="92000"/>
+                    </a:prstClr>
+                  </a:outerShdw>
+                </a:effectLst>
+              </a:rPr>
+              <a:t>Паттерн проектирования</a:t>
+            </a:r>
           </a:p>
         </p:txBody>
       </p:sp>

--- a/lectures/19.bridge/bridge.pptx
+++ b/lectures/19.bridge/bridge.pptx
@@ -2,13 +2,13 @@
 <file path=ppt/presentation.xml><?xml version="1.0" encoding="utf-8"?>
 <p:presentation xmlns:a="http://schemas.openxmlformats.org/drawingml/2006/main" xmlns:r="http://schemas.openxmlformats.org/officeDocument/2006/relationships" xmlns:p="http://schemas.openxmlformats.org/presentationml/2006/main" saveSubsetFonts="1">
   <p:sldMasterIdLst>
-    <p:sldMasterId id="2147483672" r:id="rId1"/>
+    <p:sldMasterId id="2147483684" r:id="rId1"/>
   </p:sldMasterIdLst>
   <p:notesMasterIdLst>
-    <p:notesMasterId r:id="rId22"/>
+    <p:notesMasterId r:id="rId23"/>
   </p:notesMasterIdLst>
   <p:sldIdLst>
-    <p:sldId id="282" r:id="rId2"/>
+    <p:sldId id="320" r:id="rId2"/>
     <p:sldId id="284" r:id="rId3"/>
     <p:sldId id="285" r:id="rId4"/>
     <p:sldId id="286" r:id="rId5"/>
@@ -21,18 +21,19 @@
     <p:sldId id="289" r:id="rId12"/>
     <p:sldId id="290" r:id="rId13"/>
     <p:sldId id="291" r:id="rId14"/>
-    <p:sldId id="295" r:id="rId15"/>
-    <p:sldId id="296" r:id="rId16"/>
-    <p:sldId id="297" r:id="rId17"/>
-    <p:sldId id="298" r:id="rId18"/>
-    <p:sldId id="299" r:id="rId19"/>
-    <p:sldId id="301" r:id="rId20"/>
-    <p:sldId id="300" r:id="rId21"/>
+    <p:sldId id="321" r:id="rId15"/>
+    <p:sldId id="295" r:id="rId16"/>
+    <p:sldId id="296" r:id="rId17"/>
+    <p:sldId id="297" r:id="rId18"/>
+    <p:sldId id="298" r:id="rId19"/>
+    <p:sldId id="299" r:id="rId20"/>
+    <p:sldId id="301" r:id="rId21"/>
+    <p:sldId id="300" r:id="rId22"/>
   </p:sldIdLst>
-  <p:sldSz cx="9144000" cy="6858000" type="screen4x3"/>
+  <p:sldSz cx="12192000" cy="6858000"/>
   <p:notesSz cx="6858000" cy="9144000"/>
   <p:custDataLst>
-    <p:tags r:id="rId23"/>
+    <p:tags r:id="rId24"/>
   </p:custDataLst>
   <p:defaultTextStyle>
     <a:defPPr>
@@ -132,12 +133,12 @@
   <p:extLst>
     <p:ext uri="{EFAFB233-063F-42B5-8137-9DF3F51BA10A}">
       <p15:sldGuideLst xmlns:p15="http://schemas.microsoft.com/office/powerpoint/2012/main">
-        <p15:guide id="1" orient="horz" pos="2160">
+        <p15:guide id="1" orient="horz" pos="2160" userDrawn="1">
           <p15:clr>
             <a:srgbClr val="A4A3A4"/>
           </p15:clr>
         </p15:guide>
-        <p15:guide id="2" pos="2880">
+        <p15:guide id="2" pos="3840" userDrawn="1">
           <p15:clr>
             <a:srgbClr val="A4A3A4"/>
           </p15:clr>
@@ -230,7 +231,7 @@
           <a:p>
             <a:fld id="{2F3DCB6D-0B48-4A3D-B663-06C3F903A9D3}" type="datetimeFigureOut">
               <a:rPr lang="ru-RU" smtClean="0"/>
-              <a:t>14.12.2023</a:t>
+              <a:t>13.12.2024</a:t>
             </a:fld>
             <a:endParaRPr lang="ru-RU"/>
           </a:p>
@@ -248,8 +249,8 @@
         </p:nvSpPr>
         <p:spPr>
           <a:xfrm>
-            <a:off x="1143000" y="685800"/>
-            <a:ext cx="4572000" cy="3429000"/>
+            <a:off x="381000" y="685800"/>
+            <a:ext cx="6096000" cy="3429000"/>
           </a:xfrm>
           <a:prstGeom prst="rect">
             <a:avLst/>
@@ -524,7 +525,12 @@
             <p:ph type="sldImg"/>
           </p:nvPr>
         </p:nvSpPr>
-        <p:spPr/>
+        <p:spPr>
+          <a:xfrm>
+            <a:off x="381000" y="685800"/>
+            <a:ext cx="6096000" cy="3429000"/>
+          </a:xfrm>
+        </p:spPr>
       </p:sp>
       <p:sp>
         <p:nvSpPr>
@@ -608,7 +614,12 @@
             <p:ph type="sldImg"/>
           </p:nvPr>
         </p:nvSpPr>
-        <p:spPr/>
+        <p:spPr>
+          <a:xfrm>
+            <a:off x="381000" y="685800"/>
+            <a:ext cx="6096000" cy="3429000"/>
+          </a:xfrm>
+        </p:spPr>
       </p:sp>
       <p:sp>
         <p:nvSpPr>
@@ -666,13 +677,8 @@
 </file>
 
 <file path=ppt/slideLayouts/slideLayout1.xml><?xml version="1.0" encoding="utf-8"?>
-<p:sldLayout xmlns:a="http://schemas.openxmlformats.org/drawingml/2006/main" xmlns:r="http://schemas.openxmlformats.org/officeDocument/2006/relationships" xmlns:p="http://schemas.openxmlformats.org/presentationml/2006/main" showMasterSp="0" type="title" preserve="1">
-  <p:cSld name="Титульный слайд">
-    <p:bg>
-      <p:bgRef idx="1002">
-        <a:schemeClr val="bg2"/>
-      </p:bgRef>
-    </p:bg>
+<p:sldLayout xmlns:a="http://schemas.openxmlformats.org/drawingml/2006/main" xmlns:r="http://schemas.openxmlformats.org/officeDocument/2006/relationships" xmlns:p="http://schemas.openxmlformats.org/presentationml/2006/main" type="title" preserve="1">
+  <p:cSld name="Title Slide">
     <p:spTree>
       <p:nvGrpSpPr>
         <p:cNvPr id="1" name=""/>
@@ -689,52 +695,13 @@
       </p:grpSpPr>
       <p:sp>
         <p:nvSpPr>
-          <p:cNvPr id="9" name="Прямоугольник 8"/>
-          <p:cNvSpPr/>
-          <p:nvPr/>
-        </p:nvSpPr>
-        <p:spPr bwMode="ltGray">
-          <a:xfrm>
-            <a:off x="0" y="0"/>
-            <a:ext cx="9143999" cy="5135430"/>
-          </a:xfrm>
-          <a:prstGeom prst="rect">
-            <a:avLst/>
-          </a:prstGeom>
-          <a:solidFill>
-            <a:srgbClr val="000000"/>
-          </a:solidFill>
-          <a:ln w="48000" cap="flat" cmpd="thickThin" algn="ctr">
-            <a:noFill/>
-            <a:prstDash val="solid"/>
-          </a:ln>
-        </p:spPr>
-        <p:style>
-          <a:lnRef idx="2">
-            <a:schemeClr val="accent1"/>
-          </a:lnRef>
-          <a:fillRef idx="1">
-            <a:schemeClr val="accent1"/>
-          </a:fillRef>
-          <a:effectRef idx="0">
-            <a:schemeClr val="accent1"/>
-          </a:effectRef>
-          <a:fontRef idx="minor">
-            <a:schemeClr val="lt1"/>
-          </a:fontRef>
-        </p:style>
-        <p:txBody>
-          <a:bodyPr rtlCol="0" anchor="ctr"/>
-          <a:lstStyle/>
-          <a:p>
-            <a:pPr algn="ctr" eaLnBrk="1" latinLnBrk="0" hangingPunct="1"/>
-            <a:endParaRPr kumimoji="0" lang="en-US"/>
-          </a:p>
-        </p:txBody>
-      </p:sp>
-      <p:sp>
-        <p:nvSpPr>
-          <p:cNvPr id="2" name="Заголовок 1"/>
+          <p:cNvPr id="2" name="Title 1">
+            <a:extLst>
+              <a:ext uri="{FF2B5EF4-FFF2-40B4-BE49-F238E27FC236}">
+                <a16:creationId xmlns:a16="http://schemas.microsoft.com/office/drawing/2014/main" id="{7D0066E3-B92B-4EB0-AF7F-D60A03434BF7}"/>
+              </a:ext>
+            </a:extLst>
+          </p:cNvPr>
           <p:cNvSpPr>
             <a:spLocks noGrp="1"/>
           </p:cNvSpPr>
@@ -744,41 +711,35 @@
         </p:nvSpPr>
         <p:spPr>
           <a:xfrm>
-            <a:off x="685800" y="3355848"/>
-            <a:ext cx="8077200" cy="1673352"/>
+            <a:off x="1524000" y="1122363"/>
+            <a:ext cx="9144000" cy="2387600"/>
           </a:xfrm>
         </p:spPr>
         <p:txBody>
-          <a:bodyPr vert="horz" lIns="91440" tIns="0" rIns="45720" bIns="0" rtlCol="0" anchor="t">
-            <a:normAutofit/>
-            <a:scene3d>
-              <a:camera prst="orthographicFront"/>
-              <a:lightRig rig="threePt" dir="t">
-                <a:rot lat="0" lon="0" rev="4800000"/>
-              </a:lightRig>
-            </a:scene3d>
-            <a:sp3d prstMaterial="matte">
-              <a:bevelT w="50800" h="10160"/>
-            </a:sp3d>
-          </a:bodyPr>
+          <a:bodyPr anchor="b"/>
           <a:lstStyle>
-            <a:lvl1pPr algn="l">
-              <a:defRPr sz="4700" b="1"/>
+            <a:lvl1pPr algn="ctr">
+              <a:defRPr sz="6000"/>
             </a:lvl1pPr>
-            <a:extLst/>
           </a:lstStyle>
           <a:p>
             <a:r>
-              <a:rPr kumimoji="0" lang="ru-RU"/>
-              <a:t>Образец заголовка</a:t>
-            </a:r>
-            <a:endParaRPr kumimoji="0" lang="en-US"/>
-          </a:p>
-        </p:txBody>
-      </p:sp>
-      <p:sp>
-        <p:nvSpPr>
-          <p:cNvPr id="3" name="Подзаголовок 2"/>
+              <a:rPr lang="en-US"/>
+              <a:t>Click to edit Master title style</a:t>
+            </a:r>
+            <a:endParaRPr lang="ru-RU"/>
+          </a:p>
+        </p:txBody>
+      </p:sp>
+      <p:sp>
+        <p:nvSpPr>
+          <p:cNvPr id="3" name="Subtitle 2">
+            <a:extLst>
+              <a:ext uri="{FF2B5EF4-FFF2-40B4-BE49-F238E27FC236}">
+                <a16:creationId xmlns:a16="http://schemas.microsoft.com/office/drawing/2014/main" id="{3E4FCC5B-5E10-45E1-BE01-98C0A47A3BEC}"/>
+              </a:ext>
+            </a:extLst>
+          </p:cNvPr>
           <p:cNvSpPr>
             <a:spLocks noGrp="1"/>
           </p:cNvSpPr>
@@ -788,115 +749,68 @@
         </p:nvSpPr>
         <p:spPr>
           <a:xfrm>
-            <a:off x="685800" y="1828800"/>
-            <a:ext cx="8077200" cy="1499616"/>
+            <a:off x="1524000" y="3602038"/>
+            <a:ext cx="9144000" cy="1655762"/>
           </a:xfrm>
         </p:spPr>
         <p:txBody>
-          <a:bodyPr lIns="118872" tIns="0" rIns="45720" bIns="0" anchor="b"/>
+          <a:bodyPr/>
           <a:lstStyle>
-            <a:lvl1pPr marL="0" indent="0" algn="l">
+            <a:lvl1pPr marL="0" indent="0" algn="ctr">
               <a:buNone/>
-              <a:defRPr sz="2000">
-                <a:solidFill>
-                  <a:srgbClr val="FFFFFF"/>
-                </a:solidFill>
-              </a:defRPr>
+              <a:defRPr sz="2400"/>
             </a:lvl1pPr>
             <a:lvl2pPr marL="457200" indent="0" algn="ctr">
               <a:buNone/>
-              <a:defRPr>
-                <a:solidFill>
-                  <a:schemeClr val="tx1">
-                    <a:tint val="75000"/>
-                  </a:schemeClr>
-                </a:solidFill>
-              </a:defRPr>
+              <a:defRPr sz="2000"/>
             </a:lvl2pPr>
             <a:lvl3pPr marL="914400" indent="0" algn="ctr">
               <a:buNone/>
-              <a:defRPr>
-                <a:solidFill>
-                  <a:schemeClr val="tx1">
-                    <a:tint val="75000"/>
-                  </a:schemeClr>
-                </a:solidFill>
-              </a:defRPr>
+              <a:defRPr sz="1800"/>
             </a:lvl3pPr>
             <a:lvl4pPr marL="1371600" indent="0" algn="ctr">
               <a:buNone/>
-              <a:defRPr>
-                <a:solidFill>
-                  <a:schemeClr val="tx1">
-                    <a:tint val="75000"/>
-                  </a:schemeClr>
-                </a:solidFill>
-              </a:defRPr>
+              <a:defRPr sz="1600"/>
             </a:lvl4pPr>
             <a:lvl5pPr marL="1828800" indent="0" algn="ctr">
               <a:buNone/>
-              <a:defRPr>
-                <a:solidFill>
-                  <a:schemeClr val="tx1">
-                    <a:tint val="75000"/>
-                  </a:schemeClr>
-                </a:solidFill>
-              </a:defRPr>
+              <a:defRPr sz="1600"/>
             </a:lvl5pPr>
             <a:lvl6pPr marL="2286000" indent="0" algn="ctr">
               <a:buNone/>
-              <a:defRPr>
-                <a:solidFill>
-                  <a:schemeClr val="tx1">
-                    <a:tint val="75000"/>
-                  </a:schemeClr>
-                </a:solidFill>
-              </a:defRPr>
+              <a:defRPr sz="1600"/>
             </a:lvl6pPr>
             <a:lvl7pPr marL="2743200" indent="0" algn="ctr">
               <a:buNone/>
-              <a:defRPr>
-                <a:solidFill>
-                  <a:schemeClr val="tx1">
-                    <a:tint val="75000"/>
-                  </a:schemeClr>
-                </a:solidFill>
-              </a:defRPr>
+              <a:defRPr sz="1600"/>
             </a:lvl7pPr>
             <a:lvl8pPr marL="3200400" indent="0" algn="ctr">
               <a:buNone/>
-              <a:defRPr>
-                <a:solidFill>
-                  <a:schemeClr val="tx1">
-                    <a:tint val="75000"/>
-                  </a:schemeClr>
-                </a:solidFill>
-              </a:defRPr>
+              <a:defRPr sz="1600"/>
             </a:lvl8pPr>
             <a:lvl9pPr marL="3657600" indent="0" algn="ctr">
               <a:buNone/>
-              <a:defRPr>
-                <a:solidFill>
-                  <a:schemeClr val="tx1">
-                    <a:tint val="75000"/>
-                  </a:schemeClr>
-                </a:solidFill>
-              </a:defRPr>
+              <a:defRPr sz="1600"/>
             </a:lvl9pPr>
-            <a:extLst/>
           </a:lstStyle>
           <a:p>
             <a:r>
-              <a:rPr kumimoji="0" lang="ru-RU"/>
-              <a:t>Образец подзаголовка</a:t>
-            </a:r>
-            <a:endParaRPr kumimoji="0" lang="en-US"/>
-          </a:p>
-        </p:txBody>
-      </p:sp>
-      <p:sp>
-        <p:nvSpPr>
-          <p:cNvPr id="4" name="Дата 3"/>
+              <a:rPr lang="en-US"/>
+              <a:t>Click to edit Master subtitle style</a:t>
+            </a:r>
+            <a:endParaRPr lang="ru-RU"/>
+          </a:p>
+        </p:txBody>
+      </p:sp>
+      <p:sp>
+        <p:nvSpPr>
+          <p:cNvPr id="4" name="Date Placeholder 3">
+            <a:extLst>
+              <a:ext uri="{FF2B5EF4-FFF2-40B4-BE49-F238E27FC236}">
+                <a16:creationId xmlns:a16="http://schemas.microsoft.com/office/drawing/2014/main" id="{5BB53A77-AB07-4946-9453-04F616C2D678}"/>
+              </a:ext>
+            </a:extLst>
+          </p:cNvPr>
           <p:cNvSpPr>
             <a:spLocks noGrp="1"/>
           </p:cNvSpPr>
@@ -911,7 +825,7 @@
           <a:p>
             <a:fld id="{2590F9C9-AB92-4E86-B698-DEC9BF4350FF}" type="datetimeFigureOut">
               <a:rPr lang="ru-RU" smtClean="0"/>
-              <a:t>14.12.2023</a:t>
+              <a:t>13.12.2024</a:t>
             </a:fld>
             <a:endParaRPr lang="ru-RU"/>
           </a:p>
@@ -919,7 +833,13 @@
       </p:sp>
       <p:sp>
         <p:nvSpPr>
-          <p:cNvPr id="5" name="Нижний колонтитул 4"/>
+          <p:cNvPr id="5" name="Footer Placeholder 4">
+            <a:extLst>
+              <a:ext uri="{FF2B5EF4-FFF2-40B4-BE49-F238E27FC236}">
+                <a16:creationId xmlns:a16="http://schemas.microsoft.com/office/drawing/2014/main" id="{26D95E6A-F4D6-40E6-8504-889F71C7858E}"/>
+              </a:ext>
+            </a:extLst>
+          </p:cNvPr>
           <p:cNvSpPr>
             <a:spLocks noGrp="1"/>
           </p:cNvSpPr>
@@ -938,7 +858,13 @@
       </p:sp>
       <p:sp>
         <p:nvSpPr>
-          <p:cNvPr id="6" name="Номер слайда 5"/>
+          <p:cNvPr id="6" name="Slide Number Placeholder 5">
+            <a:extLst>
+              <a:ext uri="{FF2B5EF4-FFF2-40B4-BE49-F238E27FC236}">
+                <a16:creationId xmlns:a16="http://schemas.microsoft.com/office/drawing/2014/main" id="{184A2B56-BA46-44C0-88B5-EA522081320C}"/>
+              </a:ext>
+            </a:extLst>
+          </p:cNvPr>
           <p:cNvSpPr>
             <a:spLocks noGrp="1"/>
           </p:cNvSpPr>
@@ -959,69 +885,22 @@
           </a:p>
         </p:txBody>
       </p:sp>
-      <p:sp>
-        <p:nvSpPr>
-          <p:cNvPr id="10" name="Прямоугольник 9"/>
-          <p:cNvSpPr/>
-          <p:nvPr/>
-        </p:nvSpPr>
-        <p:spPr bwMode="invGray">
-          <a:xfrm>
-            <a:off x="0" y="5128334"/>
-            <a:ext cx="9144000" cy="45720"/>
-          </a:xfrm>
-          <a:prstGeom prst="rect">
-            <a:avLst/>
-          </a:prstGeom>
-          <a:solidFill>
-            <a:srgbClr val="FFFFFF"/>
-          </a:solidFill>
-          <a:ln w="48000" cap="flat" cmpd="thickThin" algn="ctr">
-            <a:noFill/>
-            <a:prstDash val="solid"/>
-          </a:ln>
-          <a:effectLst>
-            <a:outerShdw blurRad="31750" dist="10160" dir="5400000" algn="tl" rotWithShape="0">
-              <a:srgbClr val="000000">
-                <a:alpha val="60000"/>
-              </a:srgbClr>
-            </a:outerShdw>
-          </a:effectLst>
-        </p:spPr>
-        <p:style>
-          <a:lnRef idx="2">
-            <a:schemeClr val="accent1"/>
-          </a:lnRef>
-          <a:fillRef idx="1">
-            <a:schemeClr val="accent1"/>
-          </a:fillRef>
-          <a:effectRef idx="0">
-            <a:schemeClr val="accent1"/>
-          </a:effectRef>
-          <a:fontRef idx="minor">
-            <a:schemeClr val="lt1"/>
-          </a:fontRef>
-        </p:style>
-        <p:txBody>
-          <a:bodyPr rtlCol="0" anchor="ctr"/>
-          <a:lstStyle/>
-          <a:p>
-            <a:pPr algn="ctr" eaLnBrk="1" latinLnBrk="0" hangingPunct="1"/>
-            <a:endParaRPr kumimoji="0" lang="en-US"/>
-          </a:p>
-        </p:txBody>
-      </p:sp>
     </p:spTree>
+    <p:extLst>
+      <p:ext uri="{BB962C8B-B14F-4D97-AF65-F5344CB8AC3E}">
+        <p14:creationId xmlns:p14="http://schemas.microsoft.com/office/powerpoint/2010/main" val="2912893543"/>
+      </p:ext>
+    </p:extLst>
   </p:cSld>
   <p:clrMapOvr>
-    <a:overrideClrMapping bg1="dk1" tx1="lt1" bg2="dk2" tx2="lt2" accent1="accent1" accent2="accent2" accent3="accent3" accent4="accent4" accent5="accent5" accent6="accent6" hlink="hlink" folHlink="folHlink"/>
+    <a:masterClrMapping/>
   </p:clrMapOvr>
 </p:sldLayout>
 </file>
 
 <file path=ppt/slideLayouts/slideLayout10.xml><?xml version="1.0" encoding="utf-8"?>
 <p:sldLayout xmlns:a="http://schemas.openxmlformats.org/drawingml/2006/main" xmlns:r="http://schemas.openxmlformats.org/officeDocument/2006/relationships" xmlns:p="http://schemas.openxmlformats.org/presentationml/2006/main" type="vertTx" preserve="1">
-  <p:cSld name="Заголовок и вертикальный текст">
+  <p:cSld name="Title and Vertical Text">
     <p:spTree>
       <p:nvGrpSpPr>
         <p:cNvPr id="1" name=""/>
@@ -1038,7 +917,13 @@
       </p:grpSpPr>
       <p:sp>
         <p:nvSpPr>
-          <p:cNvPr id="2" name="Заголовок 1"/>
+          <p:cNvPr id="2" name="Title 1">
+            <a:extLst>
+              <a:ext uri="{FF2B5EF4-FFF2-40B4-BE49-F238E27FC236}">
+                <a16:creationId xmlns:a16="http://schemas.microsoft.com/office/drawing/2014/main" id="{46198E7C-9F66-41D3-A4E0-4D1C75E9CB1F}"/>
+              </a:ext>
+            </a:extLst>
+          </p:cNvPr>
           <p:cNvSpPr>
             <a:spLocks noGrp="1"/>
           </p:cNvSpPr>
@@ -1052,16 +937,22 @@
           <a:lstStyle/>
           <a:p>
             <a:r>
-              <a:rPr kumimoji="0" lang="ru-RU"/>
-              <a:t>Образец заголовка</a:t>
-            </a:r>
-            <a:endParaRPr kumimoji="0" lang="en-US"/>
-          </a:p>
-        </p:txBody>
-      </p:sp>
-      <p:sp>
-        <p:nvSpPr>
-          <p:cNvPr id="3" name="Вертикальный текст 2"/>
+              <a:rPr lang="en-US"/>
+              <a:t>Click to edit Master title style</a:t>
+            </a:r>
+            <a:endParaRPr lang="ru-RU"/>
+          </a:p>
+        </p:txBody>
+      </p:sp>
+      <p:sp>
+        <p:nvSpPr>
+          <p:cNvPr id="3" name="Vertical Text Placeholder 2">
+            <a:extLst>
+              <a:ext uri="{FF2B5EF4-FFF2-40B4-BE49-F238E27FC236}">
+                <a16:creationId xmlns:a16="http://schemas.microsoft.com/office/drawing/2014/main" id="{4CEA82D5-BF83-4EF2-81AA-8501C6830480}"/>
+              </a:ext>
+            </a:extLst>
+          </p:cNvPr>
           <p:cNvSpPr>
             <a:spLocks noGrp="1"/>
           </p:cNvSpPr>
@@ -1074,46 +965,52 @@
           <a:bodyPr vert="eaVert"/>
           <a:lstStyle/>
           <a:p>
-            <a:pPr lvl="0" eaLnBrk="1" latinLnBrk="0" hangingPunct="1"/>
-            <a:r>
-              <a:rPr lang="ru-RU"/>
-              <a:t>Образец текста</a:t>
-            </a:r>
-          </a:p>
-          <a:p>
-            <a:pPr lvl="1" eaLnBrk="1" latinLnBrk="0" hangingPunct="1"/>
-            <a:r>
-              <a:rPr lang="ru-RU"/>
-              <a:t>Второй уровень</a:t>
-            </a:r>
-          </a:p>
-          <a:p>
-            <a:pPr lvl="2" eaLnBrk="1" latinLnBrk="0" hangingPunct="1"/>
-            <a:r>
-              <a:rPr lang="ru-RU"/>
-              <a:t>Третий уровень</a:t>
-            </a:r>
-          </a:p>
-          <a:p>
-            <a:pPr lvl="3" eaLnBrk="1" latinLnBrk="0" hangingPunct="1"/>
-            <a:r>
-              <a:rPr lang="ru-RU"/>
-              <a:t>Четвертый уровень</a:t>
-            </a:r>
-          </a:p>
-          <a:p>
-            <a:pPr lvl="4" eaLnBrk="1" latinLnBrk="0" hangingPunct="1"/>
-            <a:r>
-              <a:rPr lang="ru-RU"/>
-              <a:t>Пятый уровень</a:t>
-            </a:r>
-            <a:endParaRPr kumimoji="0" lang="en-US"/>
-          </a:p>
-        </p:txBody>
-      </p:sp>
-      <p:sp>
-        <p:nvSpPr>
-          <p:cNvPr id="4" name="Дата 3"/>
+            <a:pPr lvl="0"/>
+            <a:r>
+              <a:rPr lang="en-US"/>
+              <a:t>Edit Master text styles</a:t>
+            </a:r>
+          </a:p>
+          <a:p>
+            <a:pPr lvl="1"/>
+            <a:r>
+              <a:rPr lang="en-US"/>
+              <a:t>Second level</a:t>
+            </a:r>
+          </a:p>
+          <a:p>
+            <a:pPr lvl="2"/>
+            <a:r>
+              <a:rPr lang="en-US"/>
+              <a:t>Third level</a:t>
+            </a:r>
+          </a:p>
+          <a:p>
+            <a:pPr lvl="3"/>
+            <a:r>
+              <a:rPr lang="en-US"/>
+              <a:t>Fourth level</a:t>
+            </a:r>
+          </a:p>
+          <a:p>
+            <a:pPr lvl="4"/>
+            <a:r>
+              <a:rPr lang="en-US"/>
+              <a:t>Fifth level</a:t>
+            </a:r>
+            <a:endParaRPr lang="ru-RU"/>
+          </a:p>
+        </p:txBody>
+      </p:sp>
+      <p:sp>
+        <p:nvSpPr>
+          <p:cNvPr id="4" name="Date Placeholder 3">
+            <a:extLst>
+              <a:ext uri="{FF2B5EF4-FFF2-40B4-BE49-F238E27FC236}">
+                <a16:creationId xmlns:a16="http://schemas.microsoft.com/office/drawing/2014/main" id="{6626B344-346A-4A05-99FB-284806F87A4D}"/>
+              </a:ext>
+            </a:extLst>
+          </p:cNvPr>
           <p:cNvSpPr>
             <a:spLocks noGrp="1"/>
           </p:cNvSpPr>
@@ -1128,7 +1025,7 @@
           <a:p>
             <a:fld id="{2590F9C9-AB92-4E86-B698-DEC9BF4350FF}" type="datetimeFigureOut">
               <a:rPr lang="ru-RU" smtClean="0"/>
-              <a:t>14.12.2023</a:t>
+              <a:t>13.12.2024</a:t>
             </a:fld>
             <a:endParaRPr lang="ru-RU"/>
           </a:p>
@@ -1136,7 +1033,13 @@
       </p:sp>
       <p:sp>
         <p:nvSpPr>
-          <p:cNvPr id="5" name="Нижний колонтитул 4"/>
+          <p:cNvPr id="5" name="Footer Placeholder 4">
+            <a:extLst>
+              <a:ext uri="{FF2B5EF4-FFF2-40B4-BE49-F238E27FC236}">
+                <a16:creationId xmlns:a16="http://schemas.microsoft.com/office/drawing/2014/main" id="{617BE701-D103-4BFF-A11B-66ECA59CC438}"/>
+              </a:ext>
+            </a:extLst>
+          </p:cNvPr>
           <p:cNvSpPr>
             <a:spLocks noGrp="1"/>
           </p:cNvSpPr>
@@ -1155,7 +1058,13 @@
       </p:sp>
       <p:sp>
         <p:nvSpPr>
-          <p:cNvPr id="6" name="Номер слайда 5"/>
+          <p:cNvPr id="6" name="Slide Number Placeholder 5">
+            <a:extLst>
+              <a:ext uri="{FF2B5EF4-FFF2-40B4-BE49-F238E27FC236}">
+                <a16:creationId xmlns:a16="http://schemas.microsoft.com/office/drawing/2014/main" id="{5D26084E-EB6C-4177-B3A2-D4BA850BC617}"/>
+              </a:ext>
+            </a:extLst>
+          </p:cNvPr>
           <p:cNvSpPr>
             <a:spLocks noGrp="1"/>
           </p:cNvSpPr>
@@ -1177,6 +1086,11 @@
         </p:txBody>
       </p:sp>
     </p:spTree>
+    <p:extLst>
+      <p:ext uri="{BB962C8B-B14F-4D97-AF65-F5344CB8AC3E}">
+        <p14:creationId xmlns:p14="http://schemas.microsoft.com/office/powerpoint/2010/main" val="1566707594"/>
+      </p:ext>
+    </p:extLst>
   </p:cSld>
   <p:clrMapOvr>
     <a:masterClrMapping/>
@@ -1185,8 +1099,8 @@
 </file>
 
 <file path=ppt/slideLayouts/slideLayout11.xml><?xml version="1.0" encoding="utf-8"?>
-<p:sldLayout xmlns:a="http://schemas.openxmlformats.org/drawingml/2006/main" xmlns:r="http://schemas.openxmlformats.org/officeDocument/2006/relationships" xmlns:p="http://schemas.openxmlformats.org/presentationml/2006/main" showMasterSp="0" type="vertTitleAndTx" preserve="1">
-  <p:cSld name="Вертикальный заголовок и текст">
+<p:sldLayout xmlns:a="http://schemas.openxmlformats.org/drawingml/2006/main" xmlns:r="http://schemas.openxmlformats.org/officeDocument/2006/relationships" xmlns:p="http://schemas.openxmlformats.org/presentationml/2006/main" type="vertTitleAndTx" preserve="1">
+  <p:cSld name="Vertical Title and Text">
     <p:spTree>
       <p:nvGrpSpPr>
         <p:cNvPr id="1" name=""/>
@@ -1203,104 +1117,13 @@
       </p:grpSpPr>
       <p:sp>
         <p:nvSpPr>
-          <p:cNvPr id="9" name="Прямоугольник 8"/>
-          <p:cNvSpPr/>
-          <p:nvPr/>
-        </p:nvSpPr>
-        <p:spPr bwMode="invGray">
-          <a:xfrm>
-            <a:off x="6598920" y="0"/>
-            <a:ext cx="45720" cy="6858000"/>
-          </a:xfrm>
-          <a:prstGeom prst="rect">
-            <a:avLst/>
-          </a:prstGeom>
-          <a:solidFill>
-            <a:srgbClr val="FFFFFF"/>
-          </a:solidFill>
-          <a:ln w="48000" cap="flat" cmpd="thickThin" algn="ctr">
-            <a:noFill/>
-            <a:prstDash val="solid"/>
-          </a:ln>
-          <a:effectLst>
-            <a:outerShdw blurRad="31750" dist="10160" dir="10800000" algn="tl" rotWithShape="0">
-              <a:srgbClr val="000000">
-                <a:alpha val="60000"/>
-              </a:srgbClr>
-            </a:outerShdw>
-          </a:effectLst>
-        </p:spPr>
-        <p:style>
-          <a:lnRef idx="2">
-            <a:schemeClr val="accent1"/>
-          </a:lnRef>
-          <a:fillRef idx="1">
-            <a:schemeClr val="accent1"/>
-          </a:fillRef>
-          <a:effectRef idx="0">
-            <a:schemeClr val="accent1"/>
-          </a:effectRef>
-          <a:fontRef idx="minor">
-            <a:schemeClr val="lt1"/>
-          </a:fontRef>
-        </p:style>
-        <p:txBody>
-          <a:bodyPr rtlCol="0" anchor="ctr"/>
-          <a:lstStyle/>
-          <a:p>
-            <a:pPr algn="ctr" eaLnBrk="1" latinLnBrk="0" hangingPunct="1"/>
-            <a:endParaRPr kumimoji="0" lang="en-US"/>
-          </a:p>
-        </p:txBody>
-      </p:sp>
-      <p:sp>
-        <p:nvSpPr>
-          <p:cNvPr id="8" name="Прямоугольник 7"/>
-          <p:cNvSpPr/>
-          <p:nvPr/>
-        </p:nvSpPr>
-        <p:spPr bwMode="ltGray">
-          <a:xfrm>
-            <a:off x="6647687" y="0"/>
-            <a:ext cx="2514601" cy="6858000"/>
-          </a:xfrm>
-          <a:prstGeom prst="rect">
-            <a:avLst/>
-          </a:prstGeom>
-          <a:solidFill>
-            <a:srgbClr val="000000"/>
-          </a:solidFill>
-          <a:ln w="48000" cap="flat" cmpd="thickThin" algn="ctr">
-            <a:noFill/>
-            <a:prstDash val="solid"/>
-          </a:ln>
-        </p:spPr>
-        <p:style>
-          <a:lnRef idx="2">
-            <a:schemeClr val="accent1"/>
-          </a:lnRef>
-          <a:fillRef idx="1">
-            <a:schemeClr val="accent1"/>
-          </a:fillRef>
-          <a:effectRef idx="0">
-            <a:schemeClr val="accent1"/>
-          </a:effectRef>
-          <a:fontRef idx="minor">
-            <a:schemeClr val="lt1"/>
-          </a:fontRef>
-        </p:style>
-        <p:txBody>
-          <a:bodyPr rtlCol="0" anchor="ctr"/>
-          <a:lstStyle/>
-          <a:p>
-            <a:pPr algn="ctr" eaLnBrk="1" latinLnBrk="0" hangingPunct="1"/>
-            <a:endParaRPr kumimoji="0" lang="en-US"/>
-          </a:p>
-        </p:txBody>
-      </p:sp>
-      <p:sp>
-        <p:nvSpPr>
-          <p:cNvPr id="2" name="Вертикальный заголовок 1"/>
+          <p:cNvPr id="2" name="Vertical Title 1">
+            <a:extLst>
+              <a:ext uri="{FF2B5EF4-FFF2-40B4-BE49-F238E27FC236}">
+                <a16:creationId xmlns:a16="http://schemas.microsoft.com/office/drawing/2014/main" id="{6545E462-D21B-4EBD-A687-4A731B148D7C}"/>
+              </a:ext>
+            </a:extLst>
+          </p:cNvPr>
           <p:cNvSpPr>
             <a:spLocks noGrp="1"/>
           </p:cNvSpPr>
@@ -1310,8 +1133,8 @@
         </p:nvSpPr>
         <p:spPr>
           <a:xfrm>
-            <a:off x="6781800" y="274640"/>
-            <a:ext cx="1905000" cy="5851525"/>
+            <a:off x="8724900" y="365125"/>
+            <a:ext cx="2628900" cy="5811838"/>
           </a:xfrm>
         </p:spPr>
         <p:txBody>
@@ -1319,16 +1142,22 @@
           <a:lstStyle/>
           <a:p>
             <a:r>
-              <a:rPr kumimoji="0" lang="ru-RU"/>
-              <a:t>Образец заголовка</a:t>
-            </a:r>
-            <a:endParaRPr kumimoji="0" lang="en-US"/>
-          </a:p>
-        </p:txBody>
-      </p:sp>
-      <p:sp>
-        <p:nvSpPr>
-          <p:cNvPr id="3" name="Вертикальный текст 2"/>
+              <a:rPr lang="en-US"/>
+              <a:t>Click to edit Master title style</a:t>
+            </a:r>
+            <a:endParaRPr lang="ru-RU"/>
+          </a:p>
+        </p:txBody>
+      </p:sp>
+      <p:sp>
+        <p:nvSpPr>
+          <p:cNvPr id="3" name="Vertical Text Placeholder 2">
+            <a:extLst>
+              <a:ext uri="{FF2B5EF4-FFF2-40B4-BE49-F238E27FC236}">
+                <a16:creationId xmlns:a16="http://schemas.microsoft.com/office/drawing/2014/main" id="{BA7FD11B-691D-4D1E-9D40-741586E1FE71}"/>
+              </a:ext>
+            </a:extLst>
+          </p:cNvPr>
           <p:cNvSpPr>
             <a:spLocks noGrp="1"/>
           </p:cNvSpPr>
@@ -1338,54 +1167,60 @@
         </p:nvSpPr>
         <p:spPr>
           <a:xfrm>
-            <a:off x="457200" y="304800"/>
-            <a:ext cx="6019800" cy="5851525"/>
+            <a:off x="838200" y="365125"/>
+            <a:ext cx="7734300" cy="5811838"/>
           </a:xfrm>
         </p:spPr>
         <p:txBody>
           <a:bodyPr vert="eaVert"/>
           <a:lstStyle/>
           <a:p>
-            <a:pPr lvl="0" eaLnBrk="1" latinLnBrk="0" hangingPunct="1"/>
-            <a:r>
-              <a:rPr lang="ru-RU"/>
-              <a:t>Образец текста</a:t>
-            </a:r>
-          </a:p>
-          <a:p>
-            <a:pPr lvl="1" eaLnBrk="1" latinLnBrk="0" hangingPunct="1"/>
-            <a:r>
-              <a:rPr lang="ru-RU"/>
-              <a:t>Второй уровень</a:t>
-            </a:r>
-          </a:p>
-          <a:p>
-            <a:pPr lvl="2" eaLnBrk="1" latinLnBrk="0" hangingPunct="1"/>
-            <a:r>
-              <a:rPr lang="ru-RU"/>
-              <a:t>Третий уровень</a:t>
-            </a:r>
-          </a:p>
-          <a:p>
-            <a:pPr lvl="3" eaLnBrk="1" latinLnBrk="0" hangingPunct="1"/>
-            <a:r>
-              <a:rPr lang="ru-RU"/>
-              <a:t>Четвертый уровень</a:t>
-            </a:r>
-          </a:p>
-          <a:p>
-            <a:pPr lvl="4" eaLnBrk="1" latinLnBrk="0" hangingPunct="1"/>
-            <a:r>
-              <a:rPr lang="ru-RU"/>
-              <a:t>Пятый уровень</a:t>
-            </a:r>
-            <a:endParaRPr kumimoji="0" lang="en-US"/>
-          </a:p>
-        </p:txBody>
-      </p:sp>
-      <p:sp>
-        <p:nvSpPr>
-          <p:cNvPr id="4" name="Дата 3"/>
+            <a:pPr lvl="0"/>
+            <a:r>
+              <a:rPr lang="en-US"/>
+              <a:t>Edit Master text styles</a:t>
+            </a:r>
+          </a:p>
+          <a:p>
+            <a:pPr lvl="1"/>
+            <a:r>
+              <a:rPr lang="en-US"/>
+              <a:t>Second level</a:t>
+            </a:r>
+          </a:p>
+          <a:p>
+            <a:pPr lvl="2"/>
+            <a:r>
+              <a:rPr lang="en-US"/>
+              <a:t>Third level</a:t>
+            </a:r>
+          </a:p>
+          <a:p>
+            <a:pPr lvl="3"/>
+            <a:r>
+              <a:rPr lang="en-US"/>
+              <a:t>Fourth level</a:t>
+            </a:r>
+          </a:p>
+          <a:p>
+            <a:pPr lvl="4"/>
+            <a:r>
+              <a:rPr lang="en-US"/>
+              <a:t>Fifth level</a:t>
+            </a:r>
+            <a:endParaRPr lang="ru-RU"/>
+          </a:p>
+        </p:txBody>
+      </p:sp>
+      <p:sp>
+        <p:nvSpPr>
+          <p:cNvPr id="4" name="Date Placeholder 3">
+            <a:extLst>
+              <a:ext uri="{FF2B5EF4-FFF2-40B4-BE49-F238E27FC236}">
+                <a16:creationId xmlns:a16="http://schemas.microsoft.com/office/drawing/2014/main" id="{99F41C39-2C0E-4A05-AAD8-51890355C742}"/>
+              </a:ext>
+            </a:extLst>
+          </p:cNvPr>
           <p:cNvSpPr>
             <a:spLocks noGrp="1"/>
           </p:cNvSpPr>
@@ -1400,7 +1235,7 @@
           <a:p>
             <a:fld id="{2590F9C9-AB92-4E86-B698-DEC9BF4350FF}" type="datetimeFigureOut">
               <a:rPr lang="ru-RU" smtClean="0"/>
-              <a:t>14.12.2023</a:t>
+              <a:t>13.12.2024</a:t>
             </a:fld>
             <a:endParaRPr lang="ru-RU"/>
           </a:p>
@@ -1408,7 +1243,13 @@
       </p:sp>
       <p:sp>
         <p:nvSpPr>
-          <p:cNvPr id="5" name="Нижний колонтитул 4"/>
+          <p:cNvPr id="5" name="Footer Placeholder 4">
+            <a:extLst>
+              <a:ext uri="{FF2B5EF4-FFF2-40B4-BE49-F238E27FC236}">
+                <a16:creationId xmlns:a16="http://schemas.microsoft.com/office/drawing/2014/main" id="{3FC73503-E011-4463-8AD8-D61ACDD6038D}"/>
+              </a:ext>
+            </a:extLst>
+          </p:cNvPr>
           <p:cNvSpPr>
             <a:spLocks noGrp="1"/>
           </p:cNvSpPr>
@@ -1416,12 +1257,7 @@
             <p:ph type="ftr" sz="quarter" idx="11"/>
           </p:nvPr>
         </p:nvSpPr>
-        <p:spPr>
-          <a:xfrm>
-            <a:off x="2640597" y="6377459"/>
-            <a:ext cx="3836404" cy="365125"/>
-          </a:xfrm>
-        </p:spPr>
+        <p:spPr/>
         <p:txBody>
           <a:bodyPr/>
           <a:lstStyle/>
@@ -1432,7 +1268,13 @@
       </p:sp>
       <p:sp>
         <p:nvSpPr>
-          <p:cNvPr id="6" name="Номер слайда 5"/>
+          <p:cNvPr id="6" name="Slide Number Placeholder 5">
+            <a:extLst>
+              <a:ext uri="{FF2B5EF4-FFF2-40B4-BE49-F238E27FC236}">
+                <a16:creationId xmlns:a16="http://schemas.microsoft.com/office/drawing/2014/main" id="{75AA7A7E-0F61-4705-B90B-EA2AC19AEA05}"/>
+              </a:ext>
+            </a:extLst>
+          </p:cNvPr>
           <p:cNvSpPr>
             <a:spLocks noGrp="1"/>
           </p:cNvSpPr>
@@ -1454,6 +1296,11 @@
         </p:txBody>
       </p:sp>
     </p:spTree>
+    <p:extLst>
+      <p:ext uri="{BB962C8B-B14F-4D97-AF65-F5344CB8AC3E}">
+        <p14:creationId xmlns:p14="http://schemas.microsoft.com/office/powerpoint/2010/main" val="2210463443"/>
+      </p:ext>
+    </p:extLst>
   </p:cSld>
   <p:clrMapOvr>
     <a:masterClrMapping/>
@@ -1463,7 +1310,7 @@
 
 <file path=ppt/slideLayouts/slideLayout2.xml><?xml version="1.0" encoding="utf-8"?>
 <p:sldLayout xmlns:a="http://schemas.openxmlformats.org/drawingml/2006/main" xmlns:r="http://schemas.openxmlformats.org/officeDocument/2006/relationships" xmlns:p="http://schemas.openxmlformats.org/presentationml/2006/main" type="obj" preserve="1">
-  <p:cSld name="Заголовок и объект">
+  <p:cSld name="Title and Content">
     <p:spTree>
       <p:nvGrpSpPr>
         <p:cNvPr id="1" name=""/>
@@ -1480,7 +1327,13 @@
       </p:grpSpPr>
       <p:sp>
         <p:nvSpPr>
-          <p:cNvPr id="2" name="Заголовок 1"/>
+          <p:cNvPr id="2" name="Title 1">
+            <a:extLst>
+              <a:ext uri="{FF2B5EF4-FFF2-40B4-BE49-F238E27FC236}">
+                <a16:creationId xmlns:a16="http://schemas.microsoft.com/office/drawing/2014/main" id="{D1A1A9C9-21D2-4FE3-B4D5-DC8EC4171D61}"/>
+              </a:ext>
+            </a:extLst>
+          </p:cNvPr>
           <p:cNvSpPr>
             <a:spLocks noGrp="1"/>
           </p:cNvSpPr>
@@ -1488,27 +1341,28 @@
             <p:ph type="title"/>
           </p:nvPr>
         </p:nvSpPr>
-        <p:spPr>
-          <a:xfrm>
-            <a:off x="457200" y="155448"/>
-            <a:ext cx="8229600" cy="1252728"/>
-          </a:xfrm>
-        </p:spPr>
+        <p:spPr/>
         <p:txBody>
           <a:bodyPr/>
           <a:lstStyle/>
           <a:p>
             <a:r>
-              <a:rPr kumimoji="0" lang="ru-RU"/>
-              <a:t>Образец заголовка</a:t>
-            </a:r>
-            <a:endParaRPr kumimoji="0" lang="en-US"/>
-          </a:p>
-        </p:txBody>
-      </p:sp>
-      <p:sp>
-        <p:nvSpPr>
-          <p:cNvPr id="3" name="Объект 2"/>
+              <a:rPr lang="en-US"/>
+              <a:t>Click to edit Master title style</a:t>
+            </a:r>
+            <a:endParaRPr lang="ru-RU"/>
+          </a:p>
+        </p:txBody>
+      </p:sp>
+      <p:sp>
+        <p:nvSpPr>
+          <p:cNvPr id="3" name="Content Placeholder 2">
+            <a:extLst>
+              <a:ext uri="{FF2B5EF4-FFF2-40B4-BE49-F238E27FC236}">
+                <a16:creationId xmlns:a16="http://schemas.microsoft.com/office/drawing/2014/main" id="{AF09F9D6-DD6C-4ECA-A444-D98222E0E8F3}"/>
+              </a:ext>
+            </a:extLst>
+          </p:cNvPr>
           <p:cNvSpPr>
             <a:spLocks noGrp="1"/>
           </p:cNvSpPr>
@@ -1521,46 +1375,52 @@
           <a:bodyPr/>
           <a:lstStyle/>
           <a:p>
-            <a:pPr lvl="0" eaLnBrk="1" latinLnBrk="0" hangingPunct="1"/>
-            <a:r>
-              <a:rPr lang="ru-RU"/>
-              <a:t>Образец текста</a:t>
-            </a:r>
-          </a:p>
-          <a:p>
-            <a:pPr lvl="1" eaLnBrk="1" latinLnBrk="0" hangingPunct="1"/>
-            <a:r>
-              <a:rPr lang="ru-RU"/>
-              <a:t>Второй уровень</a:t>
-            </a:r>
-          </a:p>
-          <a:p>
-            <a:pPr lvl="2" eaLnBrk="1" latinLnBrk="0" hangingPunct="1"/>
-            <a:r>
-              <a:rPr lang="ru-RU"/>
-              <a:t>Третий уровень</a:t>
-            </a:r>
-          </a:p>
-          <a:p>
-            <a:pPr lvl="3" eaLnBrk="1" latinLnBrk="0" hangingPunct="1"/>
-            <a:r>
-              <a:rPr lang="ru-RU"/>
-              <a:t>Четвертый уровень</a:t>
-            </a:r>
-          </a:p>
-          <a:p>
-            <a:pPr lvl="4" eaLnBrk="1" latinLnBrk="0" hangingPunct="1"/>
-            <a:r>
-              <a:rPr lang="ru-RU"/>
-              <a:t>Пятый уровень</a:t>
-            </a:r>
-            <a:endParaRPr kumimoji="0" lang="en-US"/>
-          </a:p>
-        </p:txBody>
-      </p:sp>
-      <p:sp>
-        <p:nvSpPr>
-          <p:cNvPr id="4" name="Дата 3"/>
+            <a:pPr lvl="0"/>
+            <a:r>
+              <a:rPr lang="en-US"/>
+              <a:t>Edit Master text styles</a:t>
+            </a:r>
+          </a:p>
+          <a:p>
+            <a:pPr lvl="1"/>
+            <a:r>
+              <a:rPr lang="en-US"/>
+              <a:t>Second level</a:t>
+            </a:r>
+          </a:p>
+          <a:p>
+            <a:pPr lvl="2"/>
+            <a:r>
+              <a:rPr lang="en-US"/>
+              <a:t>Third level</a:t>
+            </a:r>
+          </a:p>
+          <a:p>
+            <a:pPr lvl="3"/>
+            <a:r>
+              <a:rPr lang="en-US"/>
+              <a:t>Fourth level</a:t>
+            </a:r>
+          </a:p>
+          <a:p>
+            <a:pPr lvl="4"/>
+            <a:r>
+              <a:rPr lang="en-US"/>
+              <a:t>Fifth level</a:t>
+            </a:r>
+            <a:endParaRPr lang="ru-RU"/>
+          </a:p>
+        </p:txBody>
+      </p:sp>
+      <p:sp>
+        <p:nvSpPr>
+          <p:cNvPr id="4" name="Date Placeholder 3">
+            <a:extLst>
+              <a:ext uri="{FF2B5EF4-FFF2-40B4-BE49-F238E27FC236}">
+                <a16:creationId xmlns:a16="http://schemas.microsoft.com/office/drawing/2014/main" id="{96981510-FCEC-4941-9C67-3C41C3C47F14}"/>
+              </a:ext>
+            </a:extLst>
+          </p:cNvPr>
           <p:cNvSpPr>
             <a:spLocks noGrp="1"/>
           </p:cNvSpPr>
@@ -1575,7 +1435,7 @@
           <a:p>
             <a:fld id="{2590F9C9-AB92-4E86-B698-DEC9BF4350FF}" type="datetimeFigureOut">
               <a:rPr lang="ru-RU" smtClean="0"/>
-              <a:t>14.12.2023</a:t>
+              <a:t>13.12.2024</a:t>
             </a:fld>
             <a:endParaRPr lang="ru-RU"/>
           </a:p>
@@ -1583,7 +1443,13 @@
       </p:sp>
       <p:sp>
         <p:nvSpPr>
-          <p:cNvPr id="5" name="Нижний колонтитул 4"/>
+          <p:cNvPr id="5" name="Footer Placeholder 4">
+            <a:extLst>
+              <a:ext uri="{FF2B5EF4-FFF2-40B4-BE49-F238E27FC236}">
+                <a16:creationId xmlns:a16="http://schemas.microsoft.com/office/drawing/2014/main" id="{47BABFF1-86FC-46EA-B42D-0B330482D819}"/>
+              </a:ext>
+            </a:extLst>
+          </p:cNvPr>
           <p:cNvSpPr>
             <a:spLocks noGrp="1"/>
           </p:cNvSpPr>
@@ -1602,7 +1468,13 @@
       </p:sp>
       <p:sp>
         <p:nvSpPr>
-          <p:cNvPr id="6" name="Номер слайда 5"/>
+          <p:cNvPr id="6" name="Slide Number Placeholder 5">
+            <a:extLst>
+              <a:ext uri="{FF2B5EF4-FFF2-40B4-BE49-F238E27FC236}">
+                <a16:creationId xmlns:a16="http://schemas.microsoft.com/office/drawing/2014/main" id="{9D29CCCC-6B74-44F6-82D5-099B91B1E0B9}"/>
+              </a:ext>
+            </a:extLst>
+          </p:cNvPr>
           <p:cNvSpPr>
             <a:spLocks noGrp="1"/>
           </p:cNvSpPr>
@@ -1624,6 +1496,11 @@
         </p:txBody>
       </p:sp>
     </p:spTree>
+    <p:extLst>
+      <p:ext uri="{BB962C8B-B14F-4D97-AF65-F5344CB8AC3E}">
+        <p14:creationId xmlns:p14="http://schemas.microsoft.com/office/powerpoint/2010/main" val="2384116583"/>
+      </p:ext>
+    </p:extLst>
   </p:cSld>
   <p:clrMapOvr>
     <a:masterClrMapping/>
@@ -1632,13 +1509,8 @@
 </file>
 
 <file path=ppt/slideLayouts/slideLayout3.xml><?xml version="1.0" encoding="utf-8"?>
-<p:sldLayout xmlns:a="http://schemas.openxmlformats.org/drawingml/2006/main" xmlns:r="http://schemas.openxmlformats.org/officeDocument/2006/relationships" xmlns:p="http://schemas.openxmlformats.org/presentationml/2006/main" showMasterSp="0" type="secHead" preserve="1">
-  <p:cSld name="Заголовок раздела">
-    <p:bg>
-      <p:bgRef idx="1002">
-        <a:schemeClr val="bg2"/>
-      </p:bgRef>
-    </p:bg>
+<p:sldLayout xmlns:a="http://schemas.openxmlformats.org/drawingml/2006/main" xmlns:r="http://schemas.openxmlformats.org/officeDocument/2006/relationships" xmlns:p="http://schemas.openxmlformats.org/presentationml/2006/main" type="secHead" preserve="1">
+  <p:cSld name="Section Header">
     <p:spTree>
       <p:nvGrpSpPr>
         <p:cNvPr id="1" name=""/>
@@ -1655,104 +1527,13 @@
       </p:grpSpPr>
       <p:sp>
         <p:nvSpPr>
-          <p:cNvPr id="9" name="Прямоугольник 8"/>
-          <p:cNvSpPr/>
-          <p:nvPr/>
-        </p:nvSpPr>
-        <p:spPr bwMode="ltGray">
-          <a:xfrm>
-            <a:off x="0" y="1"/>
-            <a:ext cx="9144000" cy="2602520"/>
-          </a:xfrm>
-          <a:prstGeom prst="rect">
-            <a:avLst/>
-          </a:prstGeom>
-          <a:solidFill>
-            <a:srgbClr val="000000"/>
-          </a:solidFill>
-          <a:ln w="48000" cap="flat" cmpd="thickThin" algn="ctr">
-            <a:noFill/>
-            <a:prstDash val="solid"/>
-          </a:ln>
-        </p:spPr>
-        <p:style>
-          <a:lnRef idx="2">
-            <a:schemeClr val="accent1"/>
-          </a:lnRef>
-          <a:fillRef idx="1">
-            <a:schemeClr val="accent1"/>
-          </a:fillRef>
-          <a:effectRef idx="0">
-            <a:schemeClr val="accent1"/>
-          </a:effectRef>
-          <a:fontRef idx="minor">
-            <a:schemeClr val="lt1"/>
-          </a:fontRef>
-        </p:style>
-        <p:txBody>
-          <a:bodyPr rtlCol="0" anchor="ctr"/>
-          <a:lstStyle/>
-          <a:p>
-            <a:pPr algn="ctr" eaLnBrk="1" latinLnBrk="0" hangingPunct="1"/>
-            <a:endParaRPr kumimoji="0" lang="en-US"/>
-          </a:p>
-        </p:txBody>
-      </p:sp>
-      <p:sp>
-        <p:nvSpPr>
-          <p:cNvPr id="12" name="Прямоугольник 11"/>
-          <p:cNvSpPr/>
-          <p:nvPr/>
-        </p:nvSpPr>
-        <p:spPr bwMode="invGray">
-          <a:xfrm>
-            <a:off x="0" y="2602520"/>
-            <a:ext cx="9144000" cy="45720"/>
-          </a:xfrm>
-          <a:prstGeom prst="rect">
-            <a:avLst/>
-          </a:prstGeom>
-          <a:solidFill>
-            <a:srgbClr val="FFFFFF"/>
-          </a:solidFill>
-          <a:ln w="48000" cap="flat" cmpd="thickThin" algn="ctr">
-            <a:noFill/>
-            <a:prstDash val="solid"/>
-          </a:ln>
-          <a:effectLst>
-            <a:outerShdw blurRad="31750" dist="10160" dir="5400000" algn="tl" rotWithShape="0">
-              <a:srgbClr val="000000">
-                <a:alpha val="60000"/>
-              </a:srgbClr>
-            </a:outerShdw>
-          </a:effectLst>
-        </p:spPr>
-        <p:style>
-          <a:lnRef idx="2">
-            <a:schemeClr val="accent1"/>
-          </a:lnRef>
-          <a:fillRef idx="1">
-            <a:schemeClr val="accent1"/>
-          </a:fillRef>
-          <a:effectRef idx="0">
-            <a:schemeClr val="accent1"/>
-          </a:effectRef>
-          <a:fontRef idx="minor">
-            <a:schemeClr val="lt1"/>
-          </a:fontRef>
-        </p:style>
-        <p:txBody>
-          <a:bodyPr rtlCol="0" anchor="ctr"/>
-          <a:lstStyle/>
-          <a:p>
-            <a:pPr algn="ctr" eaLnBrk="1" latinLnBrk="0" hangingPunct="1"/>
-            <a:endParaRPr kumimoji="0" lang="en-US"/>
-          </a:p>
-        </p:txBody>
-      </p:sp>
-      <p:sp>
-        <p:nvSpPr>
-          <p:cNvPr id="2" name="Заголовок 1"/>
+          <p:cNvPr id="2" name="Title 1">
+            <a:extLst>
+              <a:ext uri="{FF2B5EF4-FFF2-40B4-BE49-F238E27FC236}">
+                <a16:creationId xmlns:a16="http://schemas.microsoft.com/office/drawing/2014/main" id="{26867C8C-4BFA-416A-84CF-97B98924B74A}"/>
+              </a:ext>
+            </a:extLst>
+          </p:cNvPr>
           <p:cNvSpPr>
             <a:spLocks noGrp="1"/>
           </p:cNvSpPr>
@@ -1762,41 +1543,35 @@
         </p:nvSpPr>
         <p:spPr>
           <a:xfrm>
-            <a:off x="749808" y="118872"/>
-            <a:ext cx="8013192" cy="1636776"/>
+            <a:off x="831850" y="1709738"/>
+            <a:ext cx="10515600" cy="2852737"/>
           </a:xfrm>
         </p:spPr>
         <p:txBody>
-          <a:bodyPr vert="horz" lIns="91440" tIns="0" rIns="91440" bIns="0" rtlCol="0" anchor="b">
-            <a:normAutofit/>
-            <a:scene3d>
-              <a:camera prst="orthographicFront"/>
-              <a:lightRig rig="threePt" dir="t">
-                <a:rot lat="0" lon="0" rev="4800000"/>
-              </a:lightRig>
-            </a:scene3d>
-            <a:sp3d prstMaterial="matte">
-              <a:bevelT w="50800" h="10160"/>
-            </a:sp3d>
-          </a:bodyPr>
+          <a:bodyPr anchor="b"/>
           <a:lstStyle>
-            <a:lvl1pPr algn="l">
-              <a:defRPr sz="4700" b="1" cap="none" baseline="0"/>
+            <a:lvl1pPr>
+              <a:defRPr sz="6000"/>
             </a:lvl1pPr>
-            <a:extLst/>
           </a:lstStyle>
           <a:p>
             <a:r>
-              <a:rPr kumimoji="0" lang="ru-RU"/>
-              <a:t>Образец заголовка</a:t>
-            </a:r>
-            <a:endParaRPr kumimoji="0" lang="en-US"/>
-          </a:p>
-        </p:txBody>
-      </p:sp>
-      <p:sp>
-        <p:nvSpPr>
-          <p:cNvPr id="3" name="Текст 2"/>
+              <a:rPr lang="en-US"/>
+              <a:t>Click to edit Master title style</a:t>
+            </a:r>
+            <a:endParaRPr lang="ru-RU"/>
+          </a:p>
+        </p:txBody>
+      </p:sp>
+      <p:sp>
+        <p:nvSpPr>
+          <p:cNvPr id="3" name="Text Placeholder 2">
+            <a:extLst>
+              <a:ext uri="{FF2B5EF4-FFF2-40B4-BE49-F238E27FC236}">
+                <a16:creationId xmlns:a16="http://schemas.microsoft.com/office/drawing/2014/main" id="{86C664FB-22FB-4789-B971-0FAD1BF2260F}"/>
+              </a:ext>
+            </a:extLst>
+          </p:cNvPr>
           <p:cNvSpPr>
             <a:spLocks noGrp="1"/>
           </p:cNvSpPr>
@@ -1806,24 +1581,26 @@
         </p:nvSpPr>
         <p:spPr>
           <a:xfrm>
-            <a:off x="740664" y="1828800"/>
-            <a:ext cx="8022336" cy="685800"/>
+            <a:off x="831850" y="4589463"/>
+            <a:ext cx="10515600" cy="1500187"/>
           </a:xfrm>
         </p:spPr>
         <p:txBody>
-          <a:bodyPr lIns="146304" tIns="0" rIns="45720" bIns="0" anchor="t"/>
+          <a:bodyPr/>
           <a:lstStyle>
             <a:lvl1pPr marL="0" indent="0">
               <a:buNone/>
-              <a:defRPr sz="2000">
+              <a:defRPr sz="2400">
                 <a:solidFill>
-                  <a:srgbClr val="FFFFFF"/>
+                  <a:schemeClr val="tx1">
+                    <a:tint val="75000"/>
+                  </a:schemeClr>
                 </a:solidFill>
               </a:defRPr>
             </a:lvl1pPr>
             <a:lvl2pPr marL="457200" indent="0">
               <a:buNone/>
-              <a:defRPr sz="1800">
+              <a:defRPr sz="2000">
                 <a:solidFill>
                   <a:schemeClr val="tx1">
                     <a:tint val="75000"/>
@@ -1833,7 +1610,7 @@
             </a:lvl2pPr>
             <a:lvl3pPr marL="914400" indent="0">
               <a:buNone/>
-              <a:defRPr sz="1600">
+              <a:defRPr sz="1800">
                 <a:solidFill>
                   <a:schemeClr val="tx1">
                     <a:tint val="75000"/>
@@ -1843,7 +1620,7 @@
             </a:lvl3pPr>
             <a:lvl4pPr marL="1371600" indent="0">
               <a:buNone/>
-              <a:defRPr sz="1400">
+              <a:defRPr sz="1600">
                 <a:solidFill>
                   <a:schemeClr val="tx1">
                     <a:tint val="75000"/>
@@ -1853,7 +1630,7 @@
             </a:lvl4pPr>
             <a:lvl5pPr marL="1828800" indent="0">
               <a:buNone/>
-              <a:defRPr sz="1400">
+              <a:defRPr sz="1600">
                 <a:solidFill>
                   <a:schemeClr val="tx1">
                     <a:tint val="75000"/>
@@ -1863,7 +1640,7 @@
             </a:lvl5pPr>
             <a:lvl6pPr marL="2286000" indent="0">
               <a:buNone/>
-              <a:defRPr sz="1400">
+              <a:defRPr sz="1600">
                 <a:solidFill>
                   <a:schemeClr val="tx1">
                     <a:tint val="75000"/>
@@ -1873,7 +1650,7 @@
             </a:lvl6pPr>
             <a:lvl7pPr marL="2743200" indent="0">
               <a:buNone/>
-              <a:defRPr sz="1400">
+              <a:defRPr sz="1600">
                 <a:solidFill>
                   <a:schemeClr val="tx1">
                     <a:tint val="75000"/>
@@ -1883,7 +1660,7 @@
             </a:lvl7pPr>
             <a:lvl8pPr marL="3200400" indent="0">
               <a:buNone/>
-              <a:defRPr sz="1400">
+              <a:defRPr sz="1600">
                 <a:solidFill>
                   <a:schemeClr val="tx1">
                     <a:tint val="75000"/>
@@ -1893,7 +1670,7 @@
             </a:lvl8pPr>
             <a:lvl9pPr marL="3657600" indent="0">
               <a:buNone/>
-              <a:defRPr sz="1400">
+              <a:defRPr sz="1600">
                 <a:solidFill>
                   <a:schemeClr val="tx1">
                     <a:tint val="75000"/>
@@ -1901,20 +1678,25 @@
                 </a:solidFill>
               </a:defRPr>
             </a:lvl9pPr>
-            <a:extLst/>
           </a:lstStyle>
           <a:p>
-            <a:pPr lvl="0" eaLnBrk="1" latinLnBrk="0" hangingPunct="1"/>
-            <a:r>
-              <a:rPr kumimoji="0" lang="ru-RU"/>
-              <a:t>Образец текста</a:t>
-            </a:r>
-          </a:p>
-        </p:txBody>
-      </p:sp>
-      <p:sp>
-        <p:nvSpPr>
-          <p:cNvPr id="4" name="Дата 3"/>
+            <a:pPr lvl="0"/>
+            <a:r>
+              <a:rPr lang="en-US"/>
+              <a:t>Edit Master text styles</a:t>
+            </a:r>
+          </a:p>
+        </p:txBody>
+      </p:sp>
+      <p:sp>
+        <p:nvSpPr>
+          <p:cNvPr id="4" name="Date Placeholder 3">
+            <a:extLst>
+              <a:ext uri="{FF2B5EF4-FFF2-40B4-BE49-F238E27FC236}">
+                <a16:creationId xmlns:a16="http://schemas.microsoft.com/office/drawing/2014/main" id="{E9DBF2B9-1712-4485-9CF2-6838CC03245E}"/>
+              </a:ext>
+            </a:extLst>
+          </p:cNvPr>
           <p:cNvSpPr>
             <a:spLocks noGrp="1"/>
           </p:cNvSpPr>
@@ -1929,7 +1711,7 @@
           <a:p>
             <a:fld id="{2590F9C9-AB92-4E86-B698-DEC9BF4350FF}" type="datetimeFigureOut">
               <a:rPr lang="ru-RU" smtClean="0"/>
-              <a:t>14.12.2023</a:t>
+              <a:t>13.12.2024</a:t>
             </a:fld>
             <a:endParaRPr lang="ru-RU"/>
           </a:p>
@@ -1937,7 +1719,13 @@
       </p:sp>
       <p:sp>
         <p:nvSpPr>
-          <p:cNvPr id="5" name="Нижний колонтитул 4"/>
+          <p:cNvPr id="5" name="Footer Placeholder 4">
+            <a:extLst>
+              <a:ext uri="{FF2B5EF4-FFF2-40B4-BE49-F238E27FC236}">
+                <a16:creationId xmlns:a16="http://schemas.microsoft.com/office/drawing/2014/main" id="{F89A1F2E-CE3E-414E-9819-5EB9A70F1D2F}"/>
+              </a:ext>
+            </a:extLst>
+          </p:cNvPr>
           <p:cNvSpPr>
             <a:spLocks noGrp="1"/>
           </p:cNvSpPr>
@@ -1956,7 +1744,13 @@
       </p:sp>
       <p:sp>
         <p:nvSpPr>
-          <p:cNvPr id="6" name="Номер слайда 5"/>
+          <p:cNvPr id="6" name="Slide Number Placeholder 5">
+            <a:extLst>
+              <a:ext uri="{FF2B5EF4-FFF2-40B4-BE49-F238E27FC236}">
+                <a16:creationId xmlns:a16="http://schemas.microsoft.com/office/drawing/2014/main" id="{A1326DC5-F0C3-40F5-A056-FCCE2295D63B}"/>
+              </a:ext>
+            </a:extLst>
+          </p:cNvPr>
           <p:cNvSpPr>
             <a:spLocks noGrp="1"/>
           </p:cNvSpPr>
@@ -1978,16 +1772,21 @@
         </p:txBody>
       </p:sp>
     </p:spTree>
+    <p:extLst>
+      <p:ext uri="{BB962C8B-B14F-4D97-AF65-F5344CB8AC3E}">
+        <p14:creationId xmlns:p14="http://schemas.microsoft.com/office/powerpoint/2010/main" val="484481118"/>
+      </p:ext>
+    </p:extLst>
   </p:cSld>
   <p:clrMapOvr>
-    <a:overrideClrMapping bg1="dk1" tx1="lt1" bg2="dk2" tx2="lt2" accent1="accent1" accent2="accent2" accent3="accent3" accent4="accent4" accent5="accent5" accent6="accent6" hlink="hlink" folHlink="folHlink"/>
+    <a:masterClrMapping/>
   </p:clrMapOvr>
 </p:sldLayout>
 </file>
 
 <file path=ppt/slideLayouts/slideLayout4.xml><?xml version="1.0" encoding="utf-8"?>
 <p:sldLayout xmlns:a="http://schemas.openxmlformats.org/drawingml/2006/main" xmlns:r="http://schemas.openxmlformats.org/officeDocument/2006/relationships" xmlns:p="http://schemas.openxmlformats.org/presentationml/2006/main" type="twoObj" preserve="1">
-  <p:cSld name="Два объекта">
+  <p:cSld name="Two Content">
     <p:spTree>
       <p:nvGrpSpPr>
         <p:cNvPr id="1" name=""/>
@@ -2004,7 +1803,13 @@
       </p:grpSpPr>
       <p:sp>
         <p:nvSpPr>
-          <p:cNvPr id="2" name="Заголовок 1"/>
+          <p:cNvPr id="2" name="Title 1">
+            <a:extLst>
+              <a:ext uri="{FF2B5EF4-FFF2-40B4-BE49-F238E27FC236}">
+                <a16:creationId xmlns:a16="http://schemas.microsoft.com/office/drawing/2014/main" id="{46E3DD9C-80F6-457C-8569-74C211D82341}"/>
+              </a:ext>
+            </a:extLst>
+          </p:cNvPr>
           <p:cNvSpPr>
             <a:spLocks noGrp="1"/>
           </p:cNvSpPr>
@@ -2018,16 +1823,22 @@
           <a:lstStyle/>
           <a:p>
             <a:r>
-              <a:rPr kumimoji="0" lang="ru-RU"/>
-              <a:t>Образец заголовка</a:t>
-            </a:r>
-            <a:endParaRPr kumimoji="0" lang="en-US"/>
-          </a:p>
-        </p:txBody>
-      </p:sp>
-      <p:sp>
-        <p:nvSpPr>
-          <p:cNvPr id="3" name="Объект 2"/>
+              <a:rPr lang="en-US"/>
+              <a:t>Click to edit Master title style</a:t>
+            </a:r>
+            <a:endParaRPr lang="ru-RU"/>
+          </a:p>
+        </p:txBody>
+      </p:sp>
+      <p:sp>
+        <p:nvSpPr>
+          <p:cNvPr id="3" name="Content Placeholder 2">
+            <a:extLst>
+              <a:ext uri="{FF2B5EF4-FFF2-40B4-BE49-F238E27FC236}">
+                <a16:creationId xmlns:a16="http://schemas.microsoft.com/office/drawing/2014/main" id="{BF1C3752-3AC7-469C-9CEB-EF8405B75CF2}"/>
+              </a:ext>
+            </a:extLst>
+          </p:cNvPr>
           <p:cNvSpPr>
             <a:spLocks noGrp="1"/>
           </p:cNvSpPr>
@@ -2037,83 +1848,60 @@
         </p:nvSpPr>
         <p:spPr>
           <a:xfrm>
-            <a:off x="457200" y="1773936"/>
-            <a:ext cx="4038600" cy="4623816"/>
+            <a:off x="838200" y="1825625"/>
+            <a:ext cx="5181600" cy="4351338"/>
           </a:xfrm>
         </p:spPr>
         <p:txBody>
-          <a:bodyPr lIns="91440"/>
-          <a:lstStyle>
-            <a:lvl1pPr>
-              <a:defRPr sz="2800"/>
-            </a:lvl1pPr>
-            <a:lvl2pPr>
-              <a:defRPr sz="2400"/>
-            </a:lvl2pPr>
-            <a:lvl3pPr>
-              <a:defRPr sz="2000"/>
-            </a:lvl3pPr>
-            <a:lvl4pPr>
-              <a:defRPr sz="1800"/>
-            </a:lvl4pPr>
-            <a:lvl5pPr>
-              <a:defRPr sz="1800"/>
-            </a:lvl5pPr>
-            <a:lvl6pPr>
-              <a:defRPr sz="1800"/>
-            </a:lvl6pPr>
-            <a:lvl7pPr>
-              <a:defRPr sz="1800"/>
-            </a:lvl7pPr>
-            <a:lvl8pPr>
-              <a:defRPr sz="1800"/>
-            </a:lvl8pPr>
-            <a:lvl9pPr>
-              <a:defRPr sz="1800"/>
-            </a:lvl9pPr>
-            <a:extLst/>
-          </a:lstStyle>
-          <a:p>
-            <a:pPr lvl="0" eaLnBrk="1" latinLnBrk="0" hangingPunct="1"/>
-            <a:r>
-              <a:rPr lang="ru-RU"/>
-              <a:t>Образец текста</a:t>
-            </a:r>
-          </a:p>
-          <a:p>
-            <a:pPr lvl="1" eaLnBrk="1" latinLnBrk="0" hangingPunct="1"/>
-            <a:r>
-              <a:rPr lang="ru-RU"/>
-              <a:t>Второй уровень</a:t>
-            </a:r>
-          </a:p>
-          <a:p>
-            <a:pPr lvl="2" eaLnBrk="1" latinLnBrk="0" hangingPunct="1"/>
-            <a:r>
-              <a:rPr lang="ru-RU"/>
-              <a:t>Третий уровень</a:t>
-            </a:r>
-          </a:p>
-          <a:p>
-            <a:pPr lvl="3" eaLnBrk="1" latinLnBrk="0" hangingPunct="1"/>
-            <a:r>
-              <a:rPr lang="ru-RU"/>
-              <a:t>Четвертый уровень</a:t>
-            </a:r>
-          </a:p>
-          <a:p>
-            <a:pPr lvl="4" eaLnBrk="1" latinLnBrk="0" hangingPunct="1"/>
-            <a:r>
-              <a:rPr lang="ru-RU"/>
-              <a:t>Пятый уровень</a:t>
-            </a:r>
-            <a:endParaRPr kumimoji="0" lang="en-US"/>
-          </a:p>
-        </p:txBody>
-      </p:sp>
-      <p:sp>
-        <p:nvSpPr>
-          <p:cNvPr id="4" name="Объект 3"/>
+          <a:bodyPr/>
+          <a:lstStyle/>
+          <a:p>
+            <a:pPr lvl="0"/>
+            <a:r>
+              <a:rPr lang="en-US"/>
+              <a:t>Edit Master text styles</a:t>
+            </a:r>
+          </a:p>
+          <a:p>
+            <a:pPr lvl="1"/>
+            <a:r>
+              <a:rPr lang="en-US"/>
+              <a:t>Second level</a:t>
+            </a:r>
+          </a:p>
+          <a:p>
+            <a:pPr lvl="2"/>
+            <a:r>
+              <a:rPr lang="en-US"/>
+              <a:t>Third level</a:t>
+            </a:r>
+          </a:p>
+          <a:p>
+            <a:pPr lvl="3"/>
+            <a:r>
+              <a:rPr lang="en-US"/>
+              <a:t>Fourth level</a:t>
+            </a:r>
+          </a:p>
+          <a:p>
+            <a:pPr lvl="4"/>
+            <a:r>
+              <a:rPr lang="en-US"/>
+              <a:t>Fifth level</a:t>
+            </a:r>
+            <a:endParaRPr lang="ru-RU"/>
+          </a:p>
+        </p:txBody>
+      </p:sp>
+      <p:sp>
+        <p:nvSpPr>
+          <p:cNvPr id="4" name="Content Placeholder 3">
+            <a:extLst>
+              <a:ext uri="{FF2B5EF4-FFF2-40B4-BE49-F238E27FC236}">
+                <a16:creationId xmlns:a16="http://schemas.microsoft.com/office/drawing/2014/main" id="{07300489-272C-4E92-96CF-A514E78F0A46}"/>
+              </a:ext>
+            </a:extLst>
+          </p:cNvPr>
           <p:cNvSpPr>
             <a:spLocks noGrp="1"/>
           </p:cNvSpPr>
@@ -2123,83 +1911,60 @@
         </p:nvSpPr>
         <p:spPr>
           <a:xfrm>
-            <a:off x="4648200" y="1773936"/>
-            <a:ext cx="4038600" cy="4623816"/>
+            <a:off x="6172200" y="1825625"/>
+            <a:ext cx="5181600" cy="4351338"/>
           </a:xfrm>
         </p:spPr>
         <p:txBody>
           <a:bodyPr/>
-          <a:lstStyle>
-            <a:lvl1pPr>
-              <a:defRPr sz="2800"/>
-            </a:lvl1pPr>
-            <a:lvl2pPr>
-              <a:defRPr sz="2400"/>
-            </a:lvl2pPr>
-            <a:lvl3pPr>
-              <a:defRPr sz="2000"/>
-            </a:lvl3pPr>
-            <a:lvl4pPr>
-              <a:defRPr sz="1800"/>
-            </a:lvl4pPr>
-            <a:lvl5pPr>
-              <a:defRPr sz="1800"/>
-            </a:lvl5pPr>
-            <a:lvl6pPr>
-              <a:defRPr sz="1800"/>
-            </a:lvl6pPr>
-            <a:lvl7pPr>
-              <a:defRPr sz="1800"/>
-            </a:lvl7pPr>
-            <a:lvl8pPr>
-              <a:defRPr sz="1800"/>
-            </a:lvl8pPr>
-            <a:lvl9pPr>
-              <a:defRPr sz="1800"/>
-            </a:lvl9pPr>
-            <a:extLst/>
-          </a:lstStyle>
-          <a:p>
-            <a:pPr lvl="0" eaLnBrk="1" latinLnBrk="0" hangingPunct="1"/>
-            <a:r>
-              <a:rPr lang="ru-RU"/>
-              <a:t>Образец текста</a:t>
-            </a:r>
-          </a:p>
-          <a:p>
-            <a:pPr lvl="1" eaLnBrk="1" latinLnBrk="0" hangingPunct="1"/>
-            <a:r>
-              <a:rPr lang="ru-RU"/>
-              <a:t>Второй уровень</a:t>
-            </a:r>
-          </a:p>
-          <a:p>
-            <a:pPr lvl="2" eaLnBrk="1" latinLnBrk="0" hangingPunct="1"/>
-            <a:r>
-              <a:rPr lang="ru-RU"/>
-              <a:t>Третий уровень</a:t>
-            </a:r>
-          </a:p>
-          <a:p>
-            <a:pPr lvl="3" eaLnBrk="1" latinLnBrk="0" hangingPunct="1"/>
-            <a:r>
-              <a:rPr lang="ru-RU"/>
-              <a:t>Четвертый уровень</a:t>
-            </a:r>
-          </a:p>
-          <a:p>
-            <a:pPr lvl="4" eaLnBrk="1" latinLnBrk="0" hangingPunct="1"/>
-            <a:r>
-              <a:rPr lang="ru-RU"/>
-              <a:t>Пятый уровень</a:t>
-            </a:r>
-            <a:endParaRPr kumimoji="0" lang="en-US"/>
-          </a:p>
-        </p:txBody>
-      </p:sp>
-      <p:sp>
-        <p:nvSpPr>
-          <p:cNvPr id="5" name="Дата 4"/>
+          <a:lstStyle/>
+          <a:p>
+            <a:pPr lvl="0"/>
+            <a:r>
+              <a:rPr lang="en-US"/>
+              <a:t>Edit Master text styles</a:t>
+            </a:r>
+          </a:p>
+          <a:p>
+            <a:pPr lvl="1"/>
+            <a:r>
+              <a:rPr lang="en-US"/>
+              <a:t>Second level</a:t>
+            </a:r>
+          </a:p>
+          <a:p>
+            <a:pPr lvl="2"/>
+            <a:r>
+              <a:rPr lang="en-US"/>
+              <a:t>Third level</a:t>
+            </a:r>
+          </a:p>
+          <a:p>
+            <a:pPr lvl="3"/>
+            <a:r>
+              <a:rPr lang="en-US"/>
+              <a:t>Fourth level</a:t>
+            </a:r>
+          </a:p>
+          <a:p>
+            <a:pPr lvl="4"/>
+            <a:r>
+              <a:rPr lang="en-US"/>
+              <a:t>Fifth level</a:t>
+            </a:r>
+            <a:endParaRPr lang="ru-RU"/>
+          </a:p>
+        </p:txBody>
+      </p:sp>
+      <p:sp>
+        <p:nvSpPr>
+          <p:cNvPr id="5" name="Date Placeholder 4">
+            <a:extLst>
+              <a:ext uri="{FF2B5EF4-FFF2-40B4-BE49-F238E27FC236}">
+                <a16:creationId xmlns:a16="http://schemas.microsoft.com/office/drawing/2014/main" id="{3971BCF8-D1A9-428C-835B-E0A4B54B9F0C}"/>
+              </a:ext>
+            </a:extLst>
+          </p:cNvPr>
           <p:cNvSpPr>
             <a:spLocks noGrp="1"/>
           </p:cNvSpPr>
@@ -2214,7 +1979,7 @@
           <a:p>
             <a:fld id="{2590F9C9-AB92-4E86-B698-DEC9BF4350FF}" type="datetimeFigureOut">
               <a:rPr lang="ru-RU" smtClean="0"/>
-              <a:t>14.12.2023</a:t>
+              <a:t>13.12.2024</a:t>
             </a:fld>
             <a:endParaRPr lang="ru-RU"/>
           </a:p>
@@ -2222,7 +1987,13 @@
       </p:sp>
       <p:sp>
         <p:nvSpPr>
-          <p:cNvPr id="6" name="Нижний колонтитул 5"/>
+          <p:cNvPr id="6" name="Footer Placeholder 5">
+            <a:extLst>
+              <a:ext uri="{FF2B5EF4-FFF2-40B4-BE49-F238E27FC236}">
+                <a16:creationId xmlns:a16="http://schemas.microsoft.com/office/drawing/2014/main" id="{5E5E34C6-288E-440D-B52C-6B7697051EE2}"/>
+              </a:ext>
+            </a:extLst>
+          </p:cNvPr>
           <p:cNvSpPr>
             <a:spLocks noGrp="1"/>
           </p:cNvSpPr>
@@ -2241,7 +2012,13 @@
       </p:sp>
       <p:sp>
         <p:nvSpPr>
-          <p:cNvPr id="7" name="Номер слайда 6"/>
+          <p:cNvPr id="7" name="Slide Number Placeholder 6">
+            <a:extLst>
+              <a:ext uri="{FF2B5EF4-FFF2-40B4-BE49-F238E27FC236}">
+                <a16:creationId xmlns:a16="http://schemas.microsoft.com/office/drawing/2014/main" id="{BFDCF58F-2CAA-46FC-B972-1D5C1CA5CE09}"/>
+              </a:ext>
+            </a:extLst>
+          </p:cNvPr>
           <p:cNvSpPr>
             <a:spLocks noGrp="1"/>
           </p:cNvSpPr>
@@ -2263,6 +2040,11 @@
         </p:txBody>
       </p:sp>
     </p:spTree>
+    <p:extLst>
+      <p:ext uri="{BB962C8B-B14F-4D97-AF65-F5344CB8AC3E}">
+        <p14:creationId xmlns:p14="http://schemas.microsoft.com/office/powerpoint/2010/main" val="101096018"/>
+      </p:ext>
+    </p:extLst>
   </p:cSld>
   <p:clrMapOvr>
     <a:masterClrMapping/>
@@ -2272,7 +2054,7 @@
 
 <file path=ppt/slideLayouts/slideLayout5.xml><?xml version="1.0" encoding="utf-8"?>
 <p:sldLayout xmlns:a="http://schemas.openxmlformats.org/drawingml/2006/main" xmlns:r="http://schemas.openxmlformats.org/officeDocument/2006/relationships" xmlns:p="http://schemas.openxmlformats.org/presentationml/2006/main" type="twoTxTwoObj" preserve="1">
-  <p:cSld name="Сравнение">
+  <p:cSld name="Comparison">
     <p:spTree>
       <p:nvGrpSpPr>
         <p:cNvPr id="1" name=""/>
@@ -2289,54 +2071,66 @@
       </p:grpSpPr>
       <p:sp>
         <p:nvSpPr>
-          <p:cNvPr id="2" name="Заголовок 1"/>
+          <p:cNvPr id="2" name="Title 1">
+            <a:extLst>
+              <a:ext uri="{FF2B5EF4-FFF2-40B4-BE49-F238E27FC236}">
+                <a16:creationId xmlns:a16="http://schemas.microsoft.com/office/drawing/2014/main" id="{856108C9-F265-4539-AF20-0CF067F28068}"/>
+              </a:ext>
+            </a:extLst>
+          </p:cNvPr>
           <p:cNvSpPr>
             <a:spLocks noGrp="1"/>
           </p:cNvSpPr>
           <p:nvPr>
             <p:ph type="title"/>
-          </p:nvPr>
-        </p:nvSpPr>
-        <p:spPr/>
-        <p:txBody>
-          <a:bodyPr/>
-          <a:lstStyle>
-            <a:lvl1pPr>
-              <a:defRPr/>
-            </a:lvl1pPr>
-            <a:extLst/>
-          </a:lstStyle>
-          <a:p>
-            <a:r>
-              <a:rPr kumimoji="0" lang="ru-RU"/>
-              <a:t>Образец заголовка</a:t>
-            </a:r>
-            <a:endParaRPr kumimoji="0" lang="en-US"/>
-          </a:p>
-        </p:txBody>
-      </p:sp>
-      <p:sp>
-        <p:nvSpPr>
-          <p:cNvPr id="3" name="Текст 2"/>
-          <p:cNvSpPr>
-            <a:spLocks noGrp="1"/>
-          </p:cNvSpPr>
-          <p:nvPr>
-            <p:ph type="body" idx="1"/>
           </p:nvPr>
         </p:nvSpPr>
         <p:spPr>
           <a:xfrm>
-            <a:off x="457200" y="1698987"/>
-            <a:ext cx="4040188" cy="715355"/>
+            <a:off x="839788" y="365125"/>
+            <a:ext cx="10515600" cy="1325563"/>
           </a:xfrm>
         </p:spPr>
         <p:txBody>
-          <a:bodyPr lIns="146304" anchor="ctr"/>
+          <a:bodyPr/>
+          <a:lstStyle/>
+          <a:p>
+            <a:r>
+              <a:rPr lang="en-US"/>
+              <a:t>Click to edit Master title style</a:t>
+            </a:r>
+            <a:endParaRPr lang="ru-RU"/>
+          </a:p>
+        </p:txBody>
+      </p:sp>
+      <p:sp>
+        <p:nvSpPr>
+          <p:cNvPr id="3" name="Text Placeholder 2">
+            <a:extLst>
+              <a:ext uri="{FF2B5EF4-FFF2-40B4-BE49-F238E27FC236}">
+                <a16:creationId xmlns:a16="http://schemas.microsoft.com/office/drawing/2014/main" id="{7CFCD4E8-E17B-4BA8-BC89-B508783C78D0}"/>
+              </a:ext>
+            </a:extLst>
+          </p:cNvPr>
+          <p:cNvSpPr>
+            <a:spLocks noGrp="1"/>
+          </p:cNvSpPr>
+          <p:nvPr>
+            <p:ph type="body" idx="1"/>
+          </p:nvPr>
+        </p:nvSpPr>
+        <p:spPr>
+          <a:xfrm>
+            <a:off x="839788" y="1681163"/>
+            <a:ext cx="5157787" cy="823912"/>
+          </a:xfrm>
+        </p:spPr>
+        <p:txBody>
+          <a:bodyPr anchor="b"/>
           <a:lstStyle>
             <a:lvl1pPr marL="0" indent="0">
               <a:buNone/>
-              <a:defRPr sz="2300" b="1" cap="all" baseline="0"/>
+              <a:defRPr sz="2400" b="1"/>
             </a:lvl1pPr>
             <a:lvl2pPr marL="457200" indent="0">
               <a:buNone/>
@@ -2370,20 +2164,25 @@
               <a:buNone/>
               <a:defRPr sz="1600" b="1"/>
             </a:lvl9pPr>
-            <a:extLst/>
           </a:lstStyle>
           <a:p>
-            <a:pPr lvl="0" eaLnBrk="1" latinLnBrk="0" hangingPunct="1"/>
-            <a:r>
-              <a:rPr kumimoji="0" lang="ru-RU"/>
-              <a:t>Образец текста</a:t>
-            </a:r>
-          </a:p>
-        </p:txBody>
-      </p:sp>
-      <p:sp>
-        <p:nvSpPr>
-          <p:cNvPr id="4" name="Объект 3"/>
+            <a:pPr lvl="0"/>
+            <a:r>
+              <a:rPr lang="en-US"/>
+              <a:t>Edit Master text styles</a:t>
+            </a:r>
+          </a:p>
+        </p:txBody>
+      </p:sp>
+      <p:sp>
+        <p:nvSpPr>
+          <p:cNvPr id="4" name="Content Placeholder 3">
+            <a:extLst>
+              <a:ext uri="{FF2B5EF4-FFF2-40B4-BE49-F238E27FC236}">
+                <a16:creationId xmlns:a16="http://schemas.microsoft.com/office/drawing/2014/main" id="{46428986-3689-4AD0-A845-96541D857150}"/>
+              </a:ext>
+            </a:extLst>
+          </p:cNvPr>
           <p:cNvSpPr>
             <a:spLocks noGrp="1"/>
           </p:cNvSpPr>
@@ -2393,83 +2192,60 @@
         </p:nvSpPr>
         <p:spPr>
           <a:xfrm>
-            <a:off x="457200" y="2449512"/>
-            <a:ext cx="4040188" cy="3951288"/>
+            <a:off x="839788" y="2505075"/>
+            <a:ext cx="5157787" cy="3684588"/>
           </a:xfrm>
         </p:spPr>
         <p:txBody>
           <a:bodyPr/>
-          <a:lstStyle>
-            <a:lvl1pPr>
-              <a:defRPr sz="2400"/>
-            </a:lvl1pPr>
-            <a:lvl2pPr>
-              <a:defRPr sz="2000"/>
-            </a:lvl2pPr>
-            <a:lvl3pPr>
-              <a:defRPr sz="1800"/>
-            </a:lvl3pPr>
-            <a:lvl4pPr>
-              <a:defRPr sz="1600"/>
-            </a:lvl4pPr>
-            <a:lvl5pPr>
-              <a:defRPr sz="1600"/>
-            </a:lvl5pPr>
-            <a:lvl6pPr>
-              <a:defRPr sz="1600"/>
-            </a:lvl6pPr>
-            <a:lvl7pPr>
-              <a:defRPr sz="1600"/>
-            </a:lvl7pPr>
-            <a:lvl8pPr>
-              <a:defRPr sz="1600"/>
-            </a:lvl8pPr>
-            <a:lvl9pPr>
-              <a:defRPr sz="1600"/>
-            </a:lvl9pPr>
-            <a:extLst/>
-          </a:lstStyle>
-          <a:p>
-            <a:pPr lvl="0" eaLnBrk="1" latinLnBrk="0" hangingPunct="1"/>
-            <a:r>
-              <a:rPr lang="ru-RU"/>
-              <a:t>Образец текста</a:t>
-            </a:r>
-          </a:p>
-          <a:p>
-            <a:pPr lvl="1" eaLnBrk="1" latinLnBrk="0" hangingPunct="1"/>
-            <a:r>
-              <a:rPr lang="ru-RU"/>
-              <a:t>Второй уровень</a:t>
-            </a:r>
-          </a:p>
-          <a:p>
-            <a:pPr lvl="2" eaLnBrk="1" latinLnBrk="0" hangingPunct="1"/>
-            <a:r>
-              <a:rPr lang="ru-RU"/>
-              <a:t>Третий уровень</a:t>
-            </a:r>
-          </a:p>
-          <a:p>
-            <a:pPr lvl="3" eaLnBrk="1" latinLnBrk="0" hangingPunct="1"/>
-            <a:r>
-              <a:rPr lang="ru-RU"/>
-              <a:t>Четвертый уровень</a:t>
-            </a:r>
-          </a:p>
-          <a:p>
-            <a:pPr lvl="4" eaLnBrk="1" latinLnBrk="0" hangingPunct="1"/>
-            <a:r>
-              <a:rPr lang="ru-RU"/>
-              <a:t>Пятый уровень</a:t>
-            </a:r>
-            <a:endParaRPr kumimoji="0" lang="en-US"/>
-          </a:p>
-        </p:txBody>
-      </p:sp>
-      <p:sp>
-        <p:nvSpPr>
-          <p:cNvPr id="5" name="Текст 4"/>
+          <a:lstStyle/>
+          <a:p>
+            <a:pPr lvl="0"/>
+            <a:r>
+              <a:rPr lang="en-US"/>
+              <a:t>Edit Master text styles</a:t>
+            </a:r>
+          </a:p>
+          <a:p>
+            <a:pPr lvl="1"/>
+            <a:r>
+              <a:rPr lang="en-US"/>
+              <a:t>Second level</a:t>
+            </a:r>
+          </a:p>
+          <a:p>
+            <a:pPr lvl="2"/>
+            <a:r>
+              <a:rPr lang="en-US"/>
+              <a:t>Third level</a:t>
+            </a:r>
+          </a:p>
+          <a:p>
+            <a:pPr lvl="3"/>
+            <a:r>
+              <a:rPr lang="en-US"/>
+              <a:t>Fourth level</a:t>
+            </a:r>
+          </a:p>
+          <a:p>
+            <a:pPr lvl="4"/>
+            <a:r>
+              <a:rPr lang="en-US"/>
+              <a:t>Fifth level</a:t>
+            </a:r>
+            <a:endParaRPr lang="ru-RU"/>
+          </a:p>
+        </p:txBody>
+      </p:sp>
+      <p:sp>
+        <p:nvSpPr>
+          <p:cNvPr id="5" name="Text Placeholder 4">
+            <a:extLst>
+              <a:ext uri="{FF2B5EF4-FFF2-40B4-BE49-F238E27FC236}">
+                <a16:creationId xmlns:a16="http://schemas.microsoft.com/office/drawing/2014/main" id="{5E6BFEA5-A6F4-478C-AB8C-3FED8AEE68FD}"/>
+              </a:ext>
+            </a:extLst>
+          </p:cNvPr>
           <p:cNvSpPr>
             <a:spLocks noGrp="1"/>
           </p:cNvSpPr>
@@ -2479,16 +2255,16 @@
         </p:nvSpPr>
         <p:spPr>
           <a:xfrm>
-            <a:off x="4645025" y="1698987"/>
-            <a:ext cx="4041775" cy="715355"/>
+            <a:off x="6172200" y="1681163"/>
+            <a:ext cx="5183188" cy="823912"/>
           </a:xfrm>
         </p:spPr>
         <p:txBody>
-          <a:bodyPr lIns="146304" anchor="ctr"/>
+          <a:bodyPr anchor="b"/>
           <a:lstStyle>
             <a:lvl1pPr marL="0" indent="0">
               <a:buNone/>
-              <a:defRPr sz="2300" b="1" cap="all" baseline="0"/>
+              <a:defRPr sz="2400" b="1"/>
             </a:lvl1pPr>
             <a:lvl2pPr marL="457200" indent="0">
               <a:buNone/>
@@ -2522,20 +2298,25 @@
               <a:buNone/>
               <a:defRPr sz="1600" b="1"/>
             </a:lvl9pPr>
-            <a:extLst/>
           </a:lstStyle>
           <a:p>
-            <a:pPr lvl="0" eaLnBrk="1" latinLnBrk="0" hangingPunct="1"/>
-            <a:r>
-              <a:rPr kumimoji="0" lang="ru-RU"/>
-              <a:t>Образец текста</a:t>
-            </a:r>
-          </a:p>
-        </p:txBody>
-      </p:sp>
-      <p:sp>
-        <p:nvSpPr>
-          <p:cNvPr id="6" name="Объект 5"/>
+            <a:pPr lvl="0"/>
+            <a:r>
+              <a:rPr lang="en-US"/>
+              <a:t>Edit Master text styles</a:t>
+            </a:r>
+          </a:p>
+        </p:txBody>
+      </p:sp>
+      <p:sp>
+        <p:nvSpPr>
+          <p:cNvPr id="6" name="Content Placeholder 5">
+            <a:extLst>
+              <a:ext uri="{FF2B5EF4-FFF2-40B4-BE49-F238E27FC236}">
+                <a16:creationId xmlns:a16="http://schemas.microsoft.com/office/drawing/2014/main" id="{7524AB8F-F854-41DD-BD07-2CB75F13DC0C}"/>
+              </a:ext>
+            </a:extLst>
+          </p:cNvPr>
           <p:cNvSpPr>
             <a:spLocks noGrp="1"/>
           </p:cNvSpPr>
@@ -2545,83 +2326,60 @@
         </p:nvSpPr>
         <p:spPr>
           <a:xfrm>
-            <a:off x="4645025" y="2449512"/>
-            <a:ext cx="4041775" cy="3951288"/>
+            <a:off x="6172200" y="2505075"/>
+            <a:ext cx="5183188" cy="3684588"/>
           </a:xfrm>
         </p:spPr>
         <p:txBody>
           <a:bodyPr/>
-          <a:lstStyle>
-            <a:lvl1pPr>
-              <a:defRPr sz="2400"/>
-            </a:lvl1pPr>
-            <a:lvl2pPr>
-              <a:defRPr sz="2000"/>
-            </a:lvl2pPr>
-            <a:lvl3pPr>
-              <a:defRPr sz="1800"/>
-            </a:lvl3pPr>
-            <a:lvl4pPr>
-              <a:defRPr sz="1600"/>
-            </a:lvl4pPr>
-            <a:lvl5pPr>
-              <a:defRPr sz="1600"/>
-            </a:lvl5pPr>
-            <a:lvl6pPr>
-              <a:defRPr sz="1600"/>
-            </a:lvl6pPr>
-            <a:lvl7pPr>
-              <a:defRPr sz="1600"/>
-            </a:lvl7pPr>
-            <a:lvl8pPr>
-              <a:defRPr sz="1600"/>
-            </a:lvl8pPr>
-            <a:lvl9pPr>
-              <a:defRPr sz="1600"/>
-            </a:lvl9pPr>
-            <a:extLst/>
-          </a:lstStyle>
-          <a:p>
-            <a:pPr lvl="0" eaLnBrk="1" latinLnBrk="0" hangingPunct="1"/>
-            <a:r>
-              <a:rPr lang="ru-RU"/>
-              <a:t>Образец текста</a:t>
-            </a:r>
-          </a:p>
-          <a:p>
-            <a:pPr lvl="1" eaLnBrk="1" latinLnBrk="0" hangingPunct="1"/>
-            <a:r>
-              <a:rPr lang="ru-RU"/>
-              <a:t>Второй уровень</a:t>
-            </a:r>
-          </a:p>
-          <a:p>
-            <a:pPr lvl="2" eaLnBrk="1" latinLnBrk="0" hangingPunct="1"/>
-            <a:r>
-              <a:rPr lang="ru-RU"/>
-              <a:t>Третий уровень</a:t>
-            </a:r>
-          </a:p>
-          <a:p>
-            <a:pPr lvl="3" eaLnBrk="1" latinLnBrk="0" hangingPunct="1"/>
-            <a:r>
-              <a:rPr lang="ru-RU"/>
-              <a:t>Четвертый уровень</a:t>
-            </a:r>
-          </a:p>
-          <a:p>
-            <a:pPr lvl="4" eaLnBrk="1" latinLnBrk="0" hangingPunct="1"/>
-            <a:r>
-              <a:rPr lang="ru-RU"/>
-              <a:t>Пятый уровень</a:t>
-            </a:r>
-            <a:endParaRPr kumimoji="0" lang="en-US"/>
-          </a:p>
-        </p:txBody>
-      </p:sp>
-      <p:sp>
-        <p:nvSpPr>
-          <p:cNvPr id="7" name="Дата 6"/>
+          <a:lstStyle/>
+          <a:p>
+            <a:pPr lvl="0"/>
+            <a:r>
+              <a:rPr lang="en-US"/>
+              <a:t>Edit Master text styles</a:t>
+            </a:r>
+          </a:p>
+          <a:p>
+            <a:pPr lvl="1"/>
+            <a:r>
+              <a:rPr lang="en-US"/>
+              <a:t>Second level</a:t>
+            </a:r>
+          </a:p>
+          <a:p>
+            <a:pPr lvl="2"/>
+            <a:r>
+              <a:rPr lang="en-US"/>
+              <a:t>Third level</a:t>
+            </a:r>
+          </a:p>
+          <a:p>
+            <a:pPr lvl="3"/>
+            <a:r>
+              <a:rPr lang="en-US"/>
+              <a:t>Fourth level</a:t>
+            </a:r>
+          </a:p>
+          <a:p>
+            <a:pPr lvl="4"/>
+            <a:r>
+              <a:rPr lang="en-US"/>
+              <a:t>Fifth level</a:t>
+            </a:r>
+            <a:endParaRPr lang="ru-RU"/>
+          </a:p>
+        </p:txBody>
+      </p:sp>
+      <p:sp>
+        <p:nvSpPr>
+          <p:cNvPr id="7" name="Date Placeholder 6">
+            <a:extLst>
+              <a:ext uri="{FF2B5EF4-FFF2-40B4-BE49-F238E27FC236}">
+                <a16:creationId xmlns:a16="http://schemas.microsoft.com/office/drawing/2014/main" id="{E245717C-F962-486A-A2C1-A9BF5A2CA1A9}"/>
+              </a:ext>
+            </a:extLst>
+          </p:cNvPr>
           <p:cNvSpPr>
             <a:spLocks noGrp="1"/>
           </p:cNvSpPr>
@@ -2636,7 +2394,7 @@
           <a:p>
             <a:fld id="{2590F9C9-AB92-4E86-B698-DEC9BF4350FF}" type="datetimeFigureOut">
               <a:rPr lang="ru-RU" smtClean="0"/>
-              <a:t>14.12.2023</a:t>
+              <a:t>13.12.2024</a:t>
             </a:fld>
             <a:endParaRPr lang="ru-RU"/>
           </a:p>
@@ -2644,7 +2402,13 @@
       </p:sp>
       <p:sp>
         <p:nvSpPr>
-          <p:cNvPr id="8" name="Нижний колонтитул 7"/>
+          <p:cNvPr id="8" name="Footer Placeholder 7">
+            <a:extLst>
+              <a:ext uri="{FF2B5EF4-FFF2-40B4-BE49-F238E27FC236}">
+                <a16:creationId xmlns:a16="http://schemas.microsoft.com/office/drawing/2014/main" id="{3DD139C9-24CA-46F3-A2EB-9DC3D5B8AA89}"/>
+              </a:ext>
+            </a:extLst>
+          </p:cNvPr>
           <p:cNvSpPr>
             <a:spLocks noGrp="1"/>
           </p:cNvSpPr>
@@ -2663,7 +2427,13 @@
       </p:sp>
       <p:sp>
         <p:nvSpPr>
-          <p:cNvPr id="9" name="Номер слайда 8"/>
+          <p:cNvPr id="9" name="Slide Number Placeholder 8">
+            <a:extLst>
+              <a:ext uri="{FF2B5EF4-FFF2-40B4-BE49-F238E27FC236}">
+                <a16:creationId xmlns:a16="http://schemas.microsoft.com/office/drawing/2014/main" id="{0218074C-CF67-4A31-AE56-A4590BECA81E}"/>
+              </a:ext>
+            </a:extLst>
+          </p:cNvPr>
           <p:cNvSpPr>
             <a:spLocks noGrp="1"/>
           </p:cNvSpPr>
@@ -2685,6 +2455,11 @@
         </p:txBody>
       </p:sp>
     </p:spTree>
+    <p:extLst>
+      <p:ext uri="{BB962C8B-B14F-4D97-AF65-F5344CB8AC3E}">
+        <p14:creationId xmlns:p14="http://schemas.microsoft.com/office/powerpoint/2010/main" val="399820954"/>
+      </p:ext>
+    </p:extLst>
   </p:cSld>
   <p:clrMapOvr>
     <a:masterClrMapping/>
@@ -2694,7 +2469,7 @@
 
 <file path=ppt/slideLayouts/slideLayout6.xml><?xml version="1.0" encoding="utf-8"?>
 <p:sldLayout xmlns:a="http://schemas.openxmlformats.org/drawingml/2006/main" xmlns:r="http://schemas.openxmlformats.org/officeDocument/2006/relationships" xmlns:p="http://schemas.openxmlformats.org/presentationml/2006/main" type="titleOnly" preserve="1">
-  <p:cSld name="Только заголовок">
+  <p:cSld name="Title Only">
     <p:spTree>
       <p:nvGrpSpPr>
         <p:cNvPr id="1" name=""/>
@@ -2711,7 +2486,13 @@
       </p:grpSpPr>
       <p:sp>
         <p:nvSpPr>
-          <p:cNvPr id="2" name="Заголовок 1"/>
+          <p:cNvPr id="2" name="Title 1">
+            <a:extLst>
+              <a:ext uri="{FF2B5EF4-FFF2-40B4-BE49-F238E27FC236}">
+                <a16:creationId xmlns:a16="http://schemas.microsoft.com/office/drawing/2014/main" id="{95A878EF-DF42-463C-B9CC-96FC3890EE82}"/>
+              </a:ext>
+            </a:extLst>
+          </p:cNvPr>
           <p:cNvSpPr>
             <a:spLocks noGrp="1"/>
           </p:cNvSpPr>
@@ -2725,16 +2506,22 @@
           <a:lstStyle/>
           <a:p>
             <a:r>
-              <a:rPr kumimoji="0" lang="ru-RU"/>
-              <a:t>Образец заголовка</a:t>
-            </a:r>
-            <a:endParaRPr kumimoji="0" lang="en-US"/>
-          </a:p>
-        </p:txBody>
-      </p:sp>
-      <p:sp>
-        <p:nvSpPr>
-          <p:cNvPr id="3" name="Дата 2"/>
+              <a:rPr lang="en-US"/>
+              <a:t>Click to edit Master title style</a:t>
+            </a:r>
+            <a:endParaRPr lang="ru-RU"/>
+          </a:p>
+        </p:txBody>
+      </p:sp>
+      <p:sp>
+        <p:nvSpPr>
+          <p:cNvPr id="3" name="Date Placeholder 2">
+            <a:extLst>
+              <a:ext uri="{FF2B5EF4-FFF2-40B4-BE49-F238E27FC236}">
+                <a16:creationId xmlns:a16="http://schemas.microsoft.com/office/drawing/2014/main" id="{BDBAFBD1-9AF8-4DA8-B7F8-93521F7863BD}"/>
+              </a:ext>
+            </a:extLst>
+          </p:cNvPr>
           <p:cNvSpPr>
             <a:spLocks noGrp="1"/>
           </p:cNvSpPr>
@@ -2749,7 +2536,7 @@
           <a:p>
             <a:fld id="{2590F9C9-AB92-4E86-B698-DEC9BF4350FF}" type="datetimeFigureOut">
               <a:rPr lang="ru-RU" smtClean="0"/>
-              <a:t>14.12.2023</a:t>
+              <a:t>13.12.2024</a:t>
             </a:fld>
             <a:endParaRPr lang="ru-RU"/>
           </a:p>
@@ -2757,7 +2544,13 @@
       </p:sp>
       <p:sp>
         <p:nvSpPr>
-          <p:cNvPr id="4" name="Нижний колонтитул 3"/>
+          <p:cNvPr id="4" name="Footer Placeholder 3">
+            <a:extLst>
+              <a:ext uri="{FF2B5EF4-FFF2-40B4-BE49-F238E27FC236}">
+                <a16:creationId xmlns:a16="http://schemas.microsoft.com/office/drawing/2014/main" id="{7D307175-D7C9-47ED-87DD-66EF20C85BA1}"/>
+              </a:ext>
+            </a:extLst>
+          </p:cNvPr>
           <p:cNvSpPr>
             <a:spLocks noGrp="1"/>
           </p:cNvSpPr>
@@ -2776,7 +2569,13 @@
       </p:sp>
       <p:sp>
         <p:nvSpPr>
-          <p:cNvPr id="5" name="Номер слайда 4"/>
+          <p:cNvPr id="5" name="Slide Number Placeholder 4">
+            <a:extLst>
+              <a:ext uri="{FF2B5EF4-FFF2-40B4-BE49-F238E27FC236}">
+                <a16:creationId xmlns:a16="http://schemas.microsoft.com/office/drawing/2014/main" id="{DB853CBA-350B-4EF2-8ACB-C1E3B654AE2D}"/>
+              </a:ext>
+            </a:extLst>
+          </p:cNvPr>
           <p:cNvSpPr>
             <a:spLocks noGrp="1"/>
           </p:cNvSpPr>
@@ -2798,6 +2597,11 @@
         </p:txBody>
       </p:sp>
     </p:spTree>
+    <p:extLst>
+      <p:ext uri="{BB962C8B-B14F-4D97-AF65-F5344CB8AC3E}">
+        <p14:creationId xmlns:p14="http://schemas.microsoft.com/office/powerpoint/2010/main" val="2568728147"/>
+      </p:ext>
+    </p:extLst>
   </p:cSld>
   <p:clrMapOvr>
     <a:masterClrMapping/>
@@ -2806,8 +2610,8 @@
 </file>
 
 <file path=ppt/slideLayouts/slideLayout7.xml><?xml version="1.0" encoding="utf-8"?>
-<p:sldLayout xmlns:a="http://schemas.openxmlformats.org/drawingml/2006/main" xmlns:r="http://schemas.openxmlformats.org/officeDocument/2006/relationships" xmlns:p="http://schemas.openxmlformats.org/presentationml/2006/main" showMasterSp="0" type="blank" preserve="1">
-  <p:cSld name="Пустой слайд">
+<p:sldLayout xmlns:a="http://schemas.openxmlformats.org/drawingml/2006/main" xmlns:r="http://schemas.openxmlformats.org/officeDocument/2006/relationships" xmlns:p="http://schemas.openxmlformats.org/presentationml/2006/main" type="blank" preserve="1">
+  <p:cSld name="Blank">
     <p:spTree>
       <p:nvGrpSpPr>
         <p:cNvPr id="1" name=""/>
@@ -2824,7 +2628,13 @@
       </p:grpSpPr>
       <p:sp>
         <p:nvSpPr>
-          <p:cNvPr id="2" name="Дата 1"/>
+          <p:cNvPr id="2" name="Date Placeholder 1">
+            <a:extLst>
+              <a:ext uri="{FF2B5EF4-FFF2-40B4-BE49-F238E27FC236}">
+                <a16:creationId xmlns:a16="http://schemas.microsoft.com/office/drawing/2014/main" id="{C0BC6B23-1B8A-408E-9200-D2233E1359B6}"/>
+              </a:ext>
+            </a:extLst>
+          </p:cNvPr>
           <p:cNvSpPr>
             <a:spLocks noGrp="1"/>
           </p:cNvSpPr>
@@ -2839,7 +2649,7 @@
           <a:p>
             <a:fld id="{2590F9C9-AB92-4E86-B698-DEC9BF4350FF}" type="datetimeFigureOut">
               <a:rPr lang="ru-RU" smtClean="0"/>
-              <a:t>14.12.2023</a:t>
+              <a:t>13.12.2024</a:t>
             </a:fld>
             <a:endParaRPr lang="ru-RU"/>
           </a:p>
@@ -2847,7 +2657,13 @@
       </p:sp>
       <p:sp>
         <p:nvSpPr>
-          <p:cNvPr id="3" name="Нижний колонтитул 2"/>
+          <p:cNvPr id="3" name="Footer Placeholder 2">
+            <a:extLst>
+              <a:ext uri="{FF2B5EF4-FFF2-40B4-BE49-F238E27FC236}">
+                <a16:creationId xmlns:a16="http://schemas.microsoft.com/office/drawing/2014/main" id="{A10C8282-614B-4FF7-9248-1FAFAD46C8FC}"/>
+              </a:ext>
+            </a:extLst>
+          </p:cNvPr>
           <p:cNvSpPr>
             <a:spLocks noGrp="1"/>
           </p:cNvSpPr>
@@ -2866,7 +2682,13 @@
       </p:sp>
       <p:sp>
         <p:nvSpPr>
-          <p:cNvPr id="4" name="Номер слайда 3"/>
+          <p:cNvPr id="4" name="Slide Number Placeholder 3">
+            <a:extLst>
+              <a:ext uri="{FF2B5EF4-FFF2-40B4-BE49-F238E27FC236}">
+                <a16:creationId xmlns:a16="http://schemas.microsoft.com/office/drawing/2014/main" id="{58C9CAD0-064B-4919-A8A3-774266DE1877}"/>
+              </a:ext>
+            </a:extLst>
+          </p:cNvPr>
           <p:cNvSpPr>
             <a:spLocks noGrp="1"/>
           </p:cNvSpPr>
@@ -2888,6 +2710,11 @@
         </p:txBody>
       </p:sp>
     </p:spTree>
+    <p:extLst>
+      <p:ext uri="{BB962C8B-B14F-4D97-AF65-F5344CB8AC3E}">
+        <p14:creationId xmlns:p14="http://schemas.microsoft.com/office/powerpoint/2010/main" val="2115115715"/>
+      </p:ext>
+    </p:extLst>
   </p:cSld>
   <p:clrMapOvr>
     <a:masterClrMapping/>
@@ -2897,7 +2724,7 @@
 
 <file path=ppt/slideLayouts/slideLayout8.xml><?xml version="1.0" encoding="utf-8"?>
 <p:sldLayout xmlns:a="http://schemas.openxmlformats.org/drawingml/2006/main" xmlns:r="http://schemas.openxmlformats.org/officeDocument/2006/relationships" xmlns:p="http://schemas.openxmlformats.org/presentationml/2006/main" type="objTx" preserve="1">
-  <p:cSld name="Объект с подписью">
+  <p:cSld name="Content with Caption">
     <p:spTree>
       <p:nvGrpSpPr>
         <p:cNvPr id="1" name=""/>
@@ -2914,7 +2741,13 @@
       </p:grpSpPr>
       <p:sp>
         <p:nvSpPr>
-          <p:cNvPr id="2" name="Заголовок 1"/>
+          <p:cNvPr id="2" name="Title 1">
+            <a:extLst>
+              <a:ext uri="{FF2B5EF4-FFF2-40B4-BE49-F238E27FC236}">
+                <a16:creationId xmlns:a16="http://schemas.microsoft.com/office/drawing/2014/main" id="{D6E8C262-93AD-4ECF-83C9-A529F20FEEC8}"/>
+              </a:ext>
+            </a:extLst>
+          </p:cNvPr>
           <p:cNvSpPr>
             <a:spLocks noGrp="1"/>
           </p:cNvSpPr>
@@ -2924,33 +2757,35 @@
         </p:nvSpPr>
         <p:spPr>
           <a:xfrm>
-            <a:off x="167838" y="152400"/>
-            <a:ext cx="2523744" cy="978408"/>
+            <a:off x="839788" y="457200"/>
+            <a:ext cx="3932237" cy="1600200"/>
           </a:xfrm>
         </p:spPr>
         <p:txBody>
-          <a:bodyPr vert="horz" lIns="73152" rIns="45720" bIns="0" rtlCol="0" anchor="b">
-            <a:normAutofit/>
-            <a:sp3d prstMaterial="matte"/>
-          </a:bodyPr>
+          <a:bodyPr anchor="b"/>
           <a:lstStyle>
-            <a:lvl1pPr algn="l">
-              <a:defRPr sz="2000" b="0"/>
+            <a:lvl1pPr>
+              <a:defRPr sz="3200"/>
             </a:lvl1pPr>
-            <a:extLst/>
           </a:lstStyle>
           <a:p>
             <a:r>
-              <a:rPr kumimoji="0" lang="ru-RU"/>
-              <a:t>Образец заголовка</a:t>
-            </a:r>
-            <a:endParaRPr kumimoji="0" lang="en-US"/>
-          </a:p>
-        </p:txBody>
-      </p:sp>
-      <p:sp>
-        <p:nvSpPr>
-          <p:cNvPr id="3" name="Объект 2"/>
+              <a:rPr lang="en-US"/>
+              <a:t>Click to edit Master title style</a:t>
+            </a:r>
+            <a:endParaRPr lang="ru-RU"/>
+          </a:p>
+        </p:txBody>
+      </p:sp>
+      <p:sp>
+        <p:nvSpPr>
+          <p:cNvPr id="3" name="Content Placeholder 2">
+            <a:extLst>
+              <a:ext uri="{FF2B5EF4-FFF2-40B4-BE49-F238E27FC236}">
+                <a16:creationId xmlns:a16="http://schemas.microsoft.com/office/drawing/2014/main" id="{09FE072D-69B4-4247-BEFF-BD517C132554}"/>
+              </a:ext>
+            </a:extLst>
+          </p:cNvPr>
           <p:cNvSpPr>
             <a:spLocks noGrp="1"/>
           </p:cNvSpPr>
@@ -2960,8 +2795,8 @@
         </p:nvSpPr>
         <p:spPr>
           <a:xfrm>
-            <a:off x="3019377" y="1743133"/>
-            <a:ext cx="5920641" cy="4558885"/>
+            <a:off x="5183188" y="987425"/>
+            <a:ext cx="6172200" cy="4873625"/>
           </a:xfrm>
         </p:spPr>
         <p:txBody>
@@ -2994,49 +2829,54 @@
             <a:lvl9pPr>
               <a:defRPr sz="2000"/>
             </a:lvl9pPr>
-            <a:extLst/>
           </a:lstStyle>
           <a:p>
-            <a:pPr lvl="0" eaLnBrk="1" latinLnBrk="0" hangingPunct="1"/>
-            <a:r>
-              <a:rPr lang="ru-RU"/>
-              <a:t>Образец текста</a:t>
-            </a:r>
-          </a:p>
-          <a:p>
-            <a:pPr lvl="1" eaLnBrk="1" latinLnBrk="0" hangingPunct="1"/>
-            <a:r>
-              <a:rPr lang="ru-RU"/>
-              <a:t>Второй уровень</a:t>
-            </a:r>
-          </a:p>
-          <a:p>
-            <a:pPr lvl="2" eaLnBrk="1" latinLnBrk="0" hangingPunct="1"/>
-            <a:r>
-              <a:rPr lang="ru-RU"/>
-              <a:t>Третий уровень</a:t>
-            </a:r>
-          </a:p>
-          <a:p>
-            <a:pPr lvl="3" eaLnBrk="1" latinLnBrk="0" hangingPunct="1"/>
-            <a:r>
-              <a:rPr lang="ru-RU"/>
-              <a:t>Четвертый уровень</a:t>
-            </a:r>
-          </a:p>
-          <a:p>
-            <a:pPr lvl="4" eaLnBrk="1" latinLnBrk="0" hangingPunct="1"/>
-            <a:r>
-              <a:rPr lang="ru-RU"/>
-              <a:t>Пятый уровень</a:t>
-            </a:r>
-            <a:endParaRPr kumimoji="0" lang="en-US"/>
-          </a:p>
-        </p:txBody>
-      </p:sp>
-      <p:sp>
-        <p:nvSpPr>
-          <p:cNvPr id="4" name="Текст 3"/>
+            <a:pPr lvl="0"/>
+            <a:r>
+              <a:rPr lang="en-US"/>
+              <a:t>Edit Master text styles</a:t>
+            </a:r>
+          </a:p>
+          <a:p>
+            <a:pPr lvl="1"/>
+            <a:r>
+              <a:rPr lang="en-US"/>
+              <a:t>Second level</a:t>
+            </a:r>
+          </a:p>
+          <a:p>
+            <a:pPr lvl="2"/>
+            <a:r>
+              <a:rPr lang="en-US"/>
+              <a:t>Third level</a:t>
+            </a:r>
+          </a:p>
+          <a:p>
+            <a:pPr lvl="3"/>
+            <a:r>
+              <a:rPr lang="en-US"/>
+              <a:t>Fourth level</a:t>
+            </a:r>
+          </a:p>
+          <a:p>
+            <a:pPr lvl="4"/>
+            <a:r>
+              <a:rPr lang="en-US"/>
+              <a:t>Fifth level</a:t>
+            </a:r>
+            <a:endParaRPr lang="ru-RU"/>
+          </a:p>
+        </p:txBody>
+      </p:sp>
+      <p:sp>
+        <p:nvSpPr>
+          <p:cNvPr id="4" name="Text Placeholder 3">
+            <a:extLst>
+              <a:ext uri="{FF2B5EF4-FFF2-40B4-BE49-F238E27FC236}">
+                <a16:creationId xmlns:a16="http://schemas.microsoft.com/office/drawing/2014/main" id="{676ED731-4ECF-4B66-A544-F861A247FF24}"/>
+              </a:ext>
+            </a:extLst>
+          </p:cNvPr>
           <p:cNvSpPr>
             <a:spLocks noGrp="1"/>
           </p:cNvSpPr>
@@ -3046,8 +2886,8 @@
         </p:nvSpPr>
         <p:spPr>
           <a:xfrm>
-            <a:off x="167838" y="1730018"/>
-            <a:ext cx="2468880" cy="4572000"/>
+            <a:off x="839788" y="2057400"/>
+            <a:ext cx="3932237" cy="3811588"/>
           </a:xfrm>
         </p:spPr>
         <p:txBody>
@@ -3055,54 +2895,59 @@
           <a:lstStyle>
             <a:lvl1pPr marL="0" indent="0">
               <a:buNone/>
-              <a:defRPr sz="1400"/>
+              <a:defRPr sz="1600"/>
             </a:lvl1pPr>
             <a:lvl2pPr marL="457200" indent="0">
               <a:buNone/>
-              <a:defRPr sz="1200"/>
+              <a:defRPr sz="1400"/>
             </a:lvl2pPr>
             <a:lvl3pPr marL="914400" indent="0">
               <a:buNone/>
-              <a:defRPr sz="1000"/>
+              <a:defRPr sz="1200"/>
             </a:lvl3pPr>
             <a:lvl4pPr marL="1371600" indent="0">
               <a:buNone/>
-              <a:defRPr sz="900"/>
+              <a:defRPr sz="1000"/>
             </a:lvl4pPr>
             <a:lvl5pPr marL="1828800" indent="0">
               <a:buNone/>
-              <a:defRPr sz="900"/>
+              <a:defRPr sz="1000"/>
             </a:lvl5pPr>
             <a:lvl6pPr marL="2286000" indent="0">
               <a:buNone/>
-              <a:defRPr sz="900"/>
+              <a:defRPr sz="1000"/>
             </a:lvl6pPr>
             <a:lvl7pPr marL="2743200" indent="0">
               <a:buNone/>
-              <a:defRPr sz="900"/>
+              <a:defRPr sz="1000"/>
             </a:lvl7pPr>
             <a:lvl8pPr marL="3200400" indent="0">
               <a:buNone/>
-              <a:defRPr sz="900"/>
+              <a:defRPr sz="1000"/>
             </a:lvl8pPr>
             <a:lvl9pPr marL="3657600" indent="0">
               <a:buNone/>
-              <a:defRPr sz="900"/>
+              <a:defRPr sz="1000"/>
             </a:lvl9pPr>
-            <a:extLst/>
           </a:lstStyle>
           <a:p>
-            <a:pPr lvl="0" eaLnBrk="1" latinLnBrk="0" hangingPunct="1"/>
-            <a:r>
-              <a:rPr kumimoji="0" lang="ru-RU"/>
-              <a:t>Образец текста</a:t>
-            </a:r>
-          </a:p>
-        </p:txBody>
-      </p:sp>
-      <p:sp>
-        <p:nvSpPr>
-          <p:cNvPr id="5" name="Дата 4"/>
+            <a:pPr lvl="0"/>
+            <a:r>
+              <a:rPr lang="en-US"/>
+              <a:t>Edit Master text styles</a:t>
+            </a:r>
+          </a:p>
+        </p:txBody>
+      </p:sp>
+      <p:sp>
+        <p:nvSpPr>
+          <p:cNvPr id="5" name="Date Placeholder 4">
+            <a:extLst>
+              <a:ext uri="{FF2B5EF4-FFF2-40B4-BE49-F238E27FC236}">
+                <a16:creationId xmlns:a16="http://schemas.microsoft.com/office/drawing/2014/main" id="{557442F4-8248-4D38-935E-E3B004C849F4}"/>
+              </a:ext>
+            </a:extLst>
+          </p:cNvPr>
           <p:cNvSpPr>
             <a:spLocks noGrp="1"/>
           </p:cNvSpPr>
@@ -3117,7 +2962,7 @@
           <a:p>
             <a:fld id="{2590F9C9-AB92-4E86-B698-DEC9BF4350FF}" type="datetimeFigureOut">
               <a:rPr lang="ru-RU" smtClean="0"/>
-              <a:t>14.12.2023</a:t>
+              <a:t>13.12.2024</a:t>
             </a:fld>
             <a:endParaRPr lang="ru-RU"/>
           </a:p>
@@ -3125,7 +2970,13 @@
       </p:sp>
       <p:sp>
         <p:nvSpPr>
-          <p:cNvPr id="6" name="Нижний колонтитул 5"/>
+          <p:cNvPr id="6" name="Footer Placeholder 5">
+            <a:extLst>
+              <a:ext uri="{FF2B5EF4-FFF2-40B4-BE49-F238E27FC236}">
+                <a16:creationId xmlns:a16="http://schemas.microsoft.com/office/drawing/2014/main" id="{6B1FE622-0D4F-4ABF-BB92-EDCFFC606B3F}"/>
+              </a:ext>
+            </a:extLst>
+          </p:cNvPr>
           <p:cNvSpPr>
             <a:spLocks noGrp="1"/>
           </p:cNvSpPr>
@@ -3144,7 +2995,13 @@
       </p:sp>
       <p:sp>
         <p:nvSpPr>
-          <p:cNvPr id="7" name="Номер слайда 6"/>
+          <p:cNvPr id="7" name="Slide Number Placeholder 6">
+            <a:extLst>
+              <a:ext uri="{FF2B5EF4-FFF2-40B4-BE49-F238E27FC236}">
+                <a16:creationId xmlns:a16="http://schemas.microsoft.com/office/drawing/2014/main" id="{A871B195-5999-4557-ADD5-4F92C1A66628}"/>
+              </a:ext>
+            </a:extLst>
+          </p:cNvPr>
           <p:cNvSpPr>
             <a:spLocks noGrp="1"/>
           </p:cNvSpPr>
@@ -3165,97 +3022,12 @@
           </a:p>
         </p:txBody>
       </p:sp>
-      <p:sp>
-        <p:nvSpPr>
-          <p:cNvPr id="12" name="Прямоугольник 11"/>
-          <p:cNvSpPr/>
-          <p:nvPr/>
-        </p:nvSpPr>
-        <p:spPr bwMode="invGray">
-          <a:xfrm>
-            <a:off x="2855737" y="0"/>
-            <a:ext cx="45720" cy="1453896"/>
-          </a:xfrm>
-          <a:prstGeom prst="rect">
-            <a:avLst/>
-          </a:prstGeom>
-          <a:solidFill>
-            <a:srgbClr val="FFFFFF"/>
-          </a:solidFill>
-          <a:ln w="48000" cap="flat" cmpd="thickThin" algn="ctr">
-            <a:noFill/>
-            <a:prstDash val="solid"/>
-          </a:ln>
-        </p:spPr>
-        <p:style>
-          <a:lnRef idx="2">
-            <a:schemeClr val="accent1"/>
-          </a:lnRef>
-          <a:fillRef idx="1">
-            <a:schemeClr val="accent1"/>
-          </a:fillRef>
-          <a:effectRef idx="0">
-            <a:schemeClr val="accent1"/>
-          </a:effectRef>
-          <a:fontRef idx="minor">
-            <a:schemeClr val="lt1"/>
-          </a:fontRef>
-        </p:style>
-        <p:txBody>
-          <a:bodyPr rtlCol="0" anchor="ctr"/>
-          <a:lstStyle/>
-          <a:p>
-            <a:pPr algn="ctr" eaLnBrk="1" latinLnBrk="0" hangingPunct="1"/>
-            <a:endParaRPr kumimoji="0" lang="en-US"/>
-          </a:p>
-        </p:txBody>
-      </p:sp>
-      <p:sp>
-        <p:nvSpPr>
-          <p:cNvPr id="9" name="Прямоугольник 8"/>
-          <p:cNvSpPr/>
-          <p:nvPr/>
-        </p:nvSpPr>
-        <p:spPr bwMode="invGray">
-          <a:xfrm>
-            <a:off x="2855737" y="0"/>
-            <a:ext cx="45720" cy="1453896"/>
-          </a:xfrm>
-          <a:prstGeom prst="rect">
-            <a:avLst/>
-          </a:prstGeom>
-          <a:solidFill>
-            <a:srgbClr val="FFFFFF"/>
-          </a:solidFill>
-          <a:ln w="48000" cap="flat" cmpd="thickThin" algn="ctr">
-            <a:noFill/>
-            <a:prstDash val="solid"/>
-          </a:ln>
-        </p:spPr>
-        <p:style>
-          <a:lnRef idx="2">
-            <a:schemeClr val="accent1"/>
-          </a:lnRef>
-          <a:fillRef idx="1">
-            <a:schemeClr val="accent1"/>
-          </a:fillRef>
-          <a:effectRef idx="0">
-            <a:schemeClr val="accent1"/>
-          </a:effectRef>
-          <a:fontRef idx="minor">
-            <a:schemeClr val="lt1"/>
-          </a:fontRef>
-        </p:style>
-        <p:txBody>
-          <a:bodyPr rtlCol="0" anchor="ctr"/>
-          <a:lstStyle/>
-          <a:p>
-            <a:pPr algn="ctr" eaLnBrk="1" latinLnBrk="0" hangingPunct="1"/>
-            <a:endParaRPr kumimoji="0" lang="en-US"/>
-          </a:p>
-        </p:txBody>
-      </p:sp>
     </p:spTree>
+    <p:extLst>
+      <p:ext uri="{BB962C8B-B14F-4D97-AF65-F5344CB8AC3E}">
+        <p14:creationId xmlns:p14="http://schemas.microsoft.com/office/powerpoint/2010/main" val="851772693"/>
+      </p:ext>
+    </p:extLst>
   </p:cSld>
   <p:clrMapOvr>
     <a:masterClrMapping/>
@@ -3265,12 +3037,7 @@
 
 <file path=ppt/slideLayouts/slideLayout9.xml><?xml version="1.0" encoding="utf-8"?>
 <p:sldLayout xmlns:a="http://schemas.openxmlformats.org/drawingml/2006/main" xmlns:r="http://schemas.openxmlformats.org/officeDocument/2006/relationships" xmlns:p="http://schemas.openxmlformats.org/presentationml/2006/main" type="picTx" preserve="1">
-  <p:cSld name="Рисунок с подписью">
-    <p:bg>
-      <p:bgRef idx="1001">
-        <a:schemeClr val="bg2"/>
-      </p:bgRef>
-    </p:bg>
+  <p:cSld name="Picture with Caption">
     <p:spTree>
       <p:nvGrpSpPr>
         <p:cNvPr id="1" name=""/>
@@ -3287,7 +3054,13 @@
       </p:grpSpPr>
       <p:sp>
         <p:nvSpPr>
-          <p:cNvPr id="2" name="Заголовок 1"/>
+          <p:cNvPr id="2" name="Title 1">
+            <a:extLst>
+              <a:ext uri="{FF2B5EF4-FFF2-40B4-BE49-F238E27FC236}">
+                <a16:creationId xmlns:a16="http://schemas.microsoft.com/office/drawing/2014/main" id="{95A14B38-D02B-4CAF-AF07-F123FD045356}"/>
+              </a:ext>
+            </a:extLst>
+          </p:cNvPr>
           <p:cNvSpPr>
             <a:spLocks noGrp="1"/>
           </p:cNvSpPr>
@@ -3297,32 +3070,35 @@
         </p:nvSpPr>
         <p:spPr>
           <a:xfrm>
-            <a:off x="164592" y="155448"/>
-            <a:ext cx="2525150" cy="978408"/>
+            <a:off x="839788" y="457200"/>
+            <a:ext cx="3932237" cy="1600200"/>
           </a:xfrm>
         </p:spPr>
         <p:txBody>
-          <a:bodyPr lIns="73152" bIns="0" anchor="b">
-            <a:sp3d prstMaterial="matte"/>
-          </a:bodyPr>
+          <a:bodyPr anchor="b"/>
           <a:lstStyle>
-            <a:lvl1pPr algn="l">
-              <a:defRPr sz="2000" b="0"/>
+            <a:lvl1pPr>
+              <a:defRPr sz="3200"/>
             </a:lvl1pPr>
-            <a:extLst/>
           </a:lstStyle>
           <a:p>
             <a:r>
-              <a:rPr kumimoji="0" lang="ru-RU"/>
-              <a:t>Образец заголовка</a:t>
-            </a:r>
-            <a:endParaRPr kumimoji="0" lang="en-US"/>
-          </a:p>
-        </p:txBody>
-      </p:sp>
-      <p:sp>
-        <p:nvSpPr>
-          <p:cNvPr id="3" name="Рисунок 2"/>
+              <a:rPr lang="en-US"/>
+              <a:t>Click to edit Master title style</a:t>
+            </a:r>
+            <a:endParaRPr lang="ru-RU"/>
+          </a:p>
+        </p:txBody>
+      </p:sp>
+      <p:sp>
+        <p:nvSpPr>
+          <p:cNvPr id="3" name="Picture Placeholder 2">
+            <a:extLst>
+              <a:ext uri="{FF2B5EF4-FFF2-40B4-BE49-F238E27FC236}">
+                <a16:creationId xmlns:a16="http://schemas.microsoft.com/office/drawing/2014/main" id="{A351525B-A3CE-4E70-A52F-0A95F5C982D0}"/>
+              </a:ext>
+            </a:extLst>
+          </p:cNvPr>
           <p:cNvSpPr>
             <a:spLocks noGrp="1"/>
           </p:cNvSpPr>
@@ -3332,14 +3108,9 @@
         </p:nvSpPr>
         <p:spPr>
           <a:xfrm>
-            <a:off x="2903805" y="1484808"/>
-            <a:ext cx="6247397" cy="5373192"/>
+            <a:off x="5183188" y="987425"/>
+            <a:ext cx="6172200" cy="4873625"/>
           </a:xfrm>
-          <a:solidFill>
-            <a:schemeClr val="bg2">
-              <a:shade val="75000"/>
-            </a:schemeClr>
-          </a:solidFill>
         </p:spPr>
         <p:txBody>
           <a:bodyPr/>
@@ -3380,20 +3151,21 @@
               <a:buNone/>
               <a:defRPr sz="2000"/>
             </a:lvl9pPr>
-            <a:extLst/>
           </a:lstStyle>
           <a:p>
-            <a:r>
-              <a:rPr kumimoji="0" lang="ru-RU"/>
-              <a:t>Вставка рисунка</a:t>
-            </a:r>
-            <a:endParaRPr kumimoji="0" lang="en-US" dirty="0"/>
-          </a:p>
-        </p:txBody>
-      </p:sp>
-      <p:sp>
-        <p:nvSpPr>
-          <p:cNvPr id="4" name="Текст 3"/>
+            <a:endParaRPr lang="ru-RU"/>
+          </a:p>
+        </p:txBody>
+      </p:sp>
+      <p:sp>
+        <p:nvSpPr>
+          <p:cNvPr id="4" name="Text Placeholder 3">
+            <a:extLst>
+              <a:ext uri="{FF2B5EF4-FFF2-40B4-BE49-F238E27FC236}">
+                <a16:creationId xmlns:a16="http://schemas.microsoft.com/office/drawing/2014/main" id="{EB2D5C69-54AF-4AD4-AD2A-E24BD24A385E}"/>
+              </a:ext>
+            </a:extLst>
+          </p:cNvPr>
           <p:cNvSpPr>
             <a:spLocks noGrp="1"/>
           </p:cNvSpPr>
@@ -3403,8 +3175,8 @@
         </p:nvSpPr>
         <p:spPr>
           <a:xfrm>
-            <a:off x="164592" y="1728216"/>
-            <a:ext cx="2468880" cy="4572000"/>
+            <a:off x="839788" y="2057400"/>
+            <a:ext cx="3932237" cy="3811588"/>
           </a:xfrm>
         </p:spPr>
         <p:txBody>
@@ -3412,54 +3184,59 @@
           <a:lstStyle>
             <a:lvl1pPr marL="0" indent="0">
               <a:buNone/>
-              <a:defRPr sz="1400"/>
+              <a:defRPr sz="1600"/>
             </a:lvl1pPr>
             <a:lvl2pPr marL="457200" indent="0">
               <a:buNone/>
-              <a:defRPr sz="1200"/>
+              <a:defRPr sz="1400"/>
             </a:lvl2pPr>
             <a:lvl3pPr marL="914400" indent="0">
               <a:buNone/>
-              <a:defRPr sz="1000"/>
+              <a:defRPr sz="1200"/>
             </a:lvl3pPr>
             <a:lvl4pPr marL="1371600" indent="0">
               <a:buNone/>
-              <a:defRPr sz="900"/>
+              <a:defRPr sz="1000"/>
             </a:lvl4pPr>
             <a:lvl5pPr marL="1828800" indent="0">
               <a:buNone/>
-              <a:defRPr sz="900"/>
+              <a:defRPr sz="1000"/>
             </a:lvl5pPr>
             <a:lvl6pPr marL="2286000" indent="0">
               <a:buNone/>
-              <a:defRPr sz="900"/>
+              <a:defRPr sz="1000"/>
             </a:lvl6pPr>
             <a:lvl7pPr marL="2743200" indent="0">
               <a:buNone/>
-              <a:defRPr sz="900"/>
+              <a:defRPr sz="1000"/>
             </a:lvl7pPr>
             <a:lvl8pPr marL="3200400" indent="0">
               <a:buNone/>
-              <a:defRPr sz="900"/>
+              <a:defRPr sz="1000"/>
             </a:lvl8pPr>
             <a:lvl9pPr marL="3657600" indent="0">
               <a:buNone/>
-              <a:defRPr sz="900"/>
+              <a:defRPr sz="1000"/>
             </a:lvl9pPr>
-            <a:extLst/>
           </a:lstStyle>
           <a:p>
-            <a:pPr lvl="0" eaLnBrk="1" latinLnBrk="0" hangingPunct="1"/>
-            <a:r>
-              <a:rPr kumimoji="0" lang="ru-RU"/>
-              <a:t>Образец текста</a:t>
-            </a:r>
-          </a:p>
-        </p:txBody>
-      </p:sp>
-      <p:sp>
-        <p:nvSpPr>
-          <p:cNvPr id="5" name="Дата 4"/>
+            <a:pPr lvl="0"/>
+            <a:r>
+              <a:rPr lang="en-US"/>
+              <a:t>Edit Master text styles</a:t>
+            </a:r>
+          </a:p>
+        </p:txBody>
+      </p:sp>
+      <p:sp>
+        <p:nvSpPr>
+          <p:cNvPr id="5" name="Date Placeholder 4">
+            <a:extLst>
+              <a:ext uri="{FF2B5EF4-FFF2-40B4-BE49-F238E27FC236}">
+                <a16:creationId xmlns:a16="http://schemas.microsoft.com/office/drawing/2014/main" id="{C55DE935-74C4-484A-8271-D534B2C77325}"/>
+              </a:ext>
+            </a:extLst>
+          </p:cNvPr>
           <p:cNvSpPr>
             <a:spLocks noGrp="1"/>
           </p:cNvSpPr>
@@ -3467,19 +3244,14 @@
             <p:ph type="dt" sz="half" idx="10"/>
           </p:nvPr>
         </p:nvSpPr>
-        <p:spPr>
-          <a:xfrm>
-            <a:off x="164592" y="1170432"/>
-            <a:ext cx="2523744" cy="201168"/>
-          </a:xfrm>
-        </p:spPr>
+        <p:spPr/>
         <p:txBody>
           <a:bodyPr/>
           <a:lstStyle/>
           <a:p>
             <a:fld id="{2590F9C9-AB92-4E86-B698-DEC9BF4350FF}" type="datetimeFigureOut">
               <a:rPr lang="ru-RU" smtClean="0"/>
-              <a:t>14.12.2023</a:t>
+              <a:t>13.12.2024</a:t>
             </a:fld>
             <a:endParaRPr lang="ru-RU"/>
           </a:p>
@@ -3487,131 +3259,38 @@
       </p:sp>
       <p:sp>
         <p:nvSpPr>
-          <p:cNvPr id="11" name="Прямоугольник 10"/>
-          <p:cNvSpPr/>
-          <p:nvPr/>
-        </p:nvSpPr>
-        <p:spPr>
-          <a:xfrm>
-            <a:off x="2855737" y="0"/>
-            <a:ext cx="45720" cy="6858000"/>
-          </a:xfrm>
-          <a:prstGeom prst="rect">
-            <a:avLst/>
-          </a:prstGeom>
-          <a:solidFill>
-            <a:srgbClr val="FFFFFF"/>
-          </a:solidFill>
-          <a:ln w="48000" cap="flat" cmpd="thickThin" algn="ctr">
-            <a:noFill/>
-            <a:prstDash val="solid"/>
-          </a:ln>
-        </p:spPr>
-        <p:style>
-          <a:lnRef idx="2">
-            <a:schemeClr val="accent1"/>
-          </a:lnRef>
-          <a:fillRef idx="1">
-            <a:schemeClr val="accent1"/>
-          </a:fillRef>
-          <a:effectRef idx="0">
-            <a:schemeClr val="accent1"/>
-          </a:effectRef>
-          <a:fontRef idx="minor">
-            <a:schemeClr val="lt1"/>
-          </a:fontRef>
-        </p:style>
-        <p:txBody>
-          <a:bodyPr rtlCol="0" anchor="ctr"/>
+          <p:cNvPr id="6" name="Footer Placeholder 5">
+            <a:extLst>
+              <a:ext uri="{FF2B5EF4-FFF2-40B4-BE49-F238E27FC236}">
+                <a16:creationId xmlns:a16="http://schemas.microsoft.com/office/drawing/2014/main" id="{426B5A8C-EDE7-4AB1-BC3A-CD4063373B12}"/>
+              </a:ext>
+            </a:extLst>
+          </p:cNvPr>
+          <p:cNvSpPr>
+            <a:spLocks noGrp="1"/>
+          </p:cNvSpPr>
+          <p:nvPr>
+            <p:ph type="ftr" sz="quarter" idx="11"/>
+          </p:nvPr>
+        </p:nvSpPr>
+        <p:spPr/>
+        <p:txBody>
+          <a:bodyPr/>
           <a:lstStyle/>
           <a:p>
-            <a:pPr algn="ctr" eaLnBrk="1" latinLnBrk="0" hangingPunct="1"/>
-            <a:endParaRPr kumimoji="0" lang="en-US"/>
-          </a:p>
-        </p:txBody>
-      </p:sp>
-      <p:sp>
-        <p:nvSpPr>
-          <p:cNvPr id="9" name="Прямоугольник 8"/>
-          <p:cNvSpPr/>
-          <p:nvPr/>
-        </p:nvSpPr>
-        <p:spPr bwMode="invGray">
-          <a:xfrm>
-            <a:off x="2855737" y="0"/>
-            <a:ext cx="45720" cy="6858000"/>
-          </a:xfrm>
-          <a:prstGeom prst="rect">
-            <a:avLst/>
-          </a:prstGeom>
-          <a:solidFill>
-            <a:srgbClr val="FFFFFF"/>
-          </a:solidFill>
-          <a:ln w="48000" cap="flat" cmpd="thickThin" algn="ctr">
-            <a:noFill/>
-            <a:prstDash val="solid"/>
-          </a:ln>
-        </p:spPr>
-        <p:style>
-          <a:lnRef idx="2">
-            <a:schemeClr val="accent1"/>
-          </a:lnRef>
-          <a:fillRef idx="1">
-            <a:schemeClr val="accent1"/>
-          </a:fillRef>
-          <a:effectRef idx="0">
-            <a:schemeClr val="accent1"/>
-          </a:effectRef>
-          <a:fontRef idx="minor">
-            <a:schemeClr val="lt1"/>
-          </a:fontRef>
-        </p:style>
-        <p:txBody>
-          <a:bodyPr rtlCol="0" anchor="ctr"/>
-          <a:lstStyle/>
-          <a:p>
-            <a:pPr algn="ctr" eaLnBrk="1" latinLnBrk="0" hangingPunct="1"/>
-            <a:endParaRPr kumimoji="0" lang="en-US"/>
-          </a:p>
-        </p:txBody>
-      </p:sp>
-      <p:sp>
-        <p:nvSpPr>
-          <p:cNvPr id="6" name="Нижний колонтитул 5"/>
-          <p:cNvSpPr>
-            <a:spLocks noGrp="1"/>
-          </p:cNvSpPr>
-          <p:nvPr>
-            <p:ph type="ftr" sz="quarter" idx="11"/>
-          </p:nvPr>
-        </p:nvSpPr>
-        <p:spPr>
-          <a:xfrm>
-            <a:off x="3035808" y="1170432"/>
-            <a:ext cx="5193792" cy="201168"/>
-          </a:xfrm>
-        </p:spPr>
-        <p:txBody>
-          <a:bodyPr/>
-          <a:lstStyle>
-            <a:lvl1pPr>
-              <a:defRPr>
-                <a:solidFill>
-                  <a:schemeClr val="bg1">
-                    <a:shade val="50000"/>
-                  </a:schemeClr>
-                </a:solidFill>
-              </a:defRPr>
-            </a:lvl1pPr>
-          </a:lstStyle>
-          <a:p>
             <a:endParaRPr lang="ru-RU"/>
           </a:p>
         </p:txBody>
       </p:sp>
       <p:sp>
         <p:nvSpPr>
-          <p:cNvPr id="7" name="Номер слайда 6"/>
+          <p:cNvPr id="7" name="Slide Number Placeholder 6">
+            <a:extLst>
+              <a:ext uri="{FF2B5EF4-FFF2-40B4-BE49-F238E27FC236}">
+                <a16:creationId xmlns:a16="http://schemas.microsoft.com/office/drawing/2014/main" id="{84F4B69A-E3BF-493D-99F1-F40047FAA291}"/>
+              </a:ext>
+            </a:extLst>
+          </p:cNvPr>
           <p:cNvSpPr>
             <a:spLocks noGrp="1"/>
           </p:cNvSpPr>
@@ -3619,12 +3298,7 @@
             <p:ph type="sldNum" sz="quarter" idx="12"/>
           </p:nvPr>
         </p:nvSpPr>
-        <p:spPr>
-          <a:xfrm>
-            <a:off x="8339328" y="1170432"/>
-            <a:ext cx="733864" cy="201168"/>
-          </a:xfrm>
-        </p:spPr>
+        <p:spPr/>
         <p:txBody>
           <a:bodyPr/>
           <a:lstStyle/>
@@ -3638,9 +3312,14 @@
         </p:txBody>
       </p:sp>
     </p:spTree>
+    <p:extLst>
+      <p:ext uri="{BB962C8B-B14F-4D97-AF65-F5344CB8AC3E}">
+        <p14:creationId xmlns:p14="http://schemas.microsoft.com/office/powerpoint/2010/main" val="2148733784"/>
+      </p:ext>
+    </p:extLst>
   </p:cSld>
   <p:clrMapOvr>
-    <a:overrideClrMapping bg1="lt1" tx1="dk1" bg2="lt2" tx2="dk2" accent1="accent1" accent2="accent2" accent3="accent3" accent4="accent4" accent5="accent5" accent6="accent6" hlink="hlink" folHlink="folHlink"/>
+    <a:masterClrMapping/>
   </p:clrMapOvr>
 </p:sldLayout>
 </file>
@@ -3669,104 +3348,13 @@
       </p:grpSpPr>
       <p:sp>
         <p:nvSpPr>
-          <p:cNvPr id="10" name="Прямоугольник 9"/>
-          <p:cNvSpPr/>
-          <p:nvPr/>
-        </p:nvSpPr>
-        <p:spPr bwMode="invGray">
-          <a:xfrm>
-            <a:off x="0" y="1435895"/>
-            <a:ext cx="9144000" cy="45720"/>
-          </a:xfrm>
-          <a:prstGeom prst="rect">
-            <a:avLst/>
-          </a:prstGeom>
-          <a:solidFill>
-            <a:srgbClr val="FFFFFF"/>
-          </a:solidFill>
-          <a:ln w="48000" cap="flat" cmpd="thickThin" algn="ctr">
-            <a:noFill/>
-            <a:prstDash val="solid"/>
-          </a:ln>
-          <a:effectLst>
-            <a:outerShdw blurRad="31750" dist="10160" dir="5400000" algn="tl" rotWithShape="0">
-              <a:srgbClr val="000000">
-                <a:alpha val="60000"/>
-              </a:srgbClr>
-            </a:outerShdw>
-          </a:effectLst>
-        </p:spPr>
-        <p:style>
-          <a:lnRef idx="2">
-            <a:schemeClr val="accent1"/>
-          </a:lnRef>
-          <a:fillRef idx="1">
-            <a:schemeClr val="accent1"/>
-          </a:fillRef>
-          <a:effectRef idx="0">
-            <a:schemeClr val="accent1"/>
-          </a:effectRef>
-          <a:fontRef idx="minor">
-            <a:schemeClr val="lt1"/>
-          </a:fontRef>
-        </p:style>
-        <p:txBody>
-          <a:bodyPr rtlCol="0" anchor="ctr"/>
-          <a:lstStyle/>
-          <a:p>
-            <a:pPr algn="ctr" eaLnBrk="1" latinLnBrk="0" hangingPunct="1"/>
-            <a:endParaRPr kumimoji="0" lang="en-US"/>
-          </a:p>
-        </p:txBody>
-      </p:sp>
-      <p:sp>
-        <p:nvSpPr>
-          <p:cNvPr id="7" name="Прямоугольник 6"/>
-          <p:cNvSpPr/>
-          <p:nvPr/>
-        </p:nvSpPr>
-        <p:spPr bwMode="ltGray">
-          <a:xfrm>
-            <a:off x="0" y="0"/>
-            <a:ext cx="9143999" cy="1433733"/>
-          </a:xfrm>
-          <a:prstGeom prst="rect">
-            <a:avLst/>
-          </a:prstGeom>
-          <a:solidFill>
-            <a:srgbClr val="000000"/>
-          </a:solidFill>
-          <a:ln w="48000" cap="flat" cmpd="thickThin" algn="ctr">
-            <a:noFill/>
-            <a:prstDash val="solid"/>
-          </a:ln>
-        </p:spPr>
-        <p:style>
-          <a:lnRef idx="2">
-            <a:schemeClr val="accent1"/>
-          </a:lnRef>
-          <a:fillRef idx="1">
-            <a:schemeClr val="accent1"/>
-          </a:fillRef>
-          <a:effectRef idx="0">
-            <a:schemeClr val="accent1"/>
-          </a:effectRef>
-          <a:fontRef idx="minor">
-            <a:schemeClr val="lt1"/>
-          </a:fontRef>
-        </p:style>
-        <p:txBody>
-          <a:bodyPr rtlCol="0" anchor="ctr"/>
-          <a:lstStyle/>
-          <a:p>
-            <a:pPr algn="ctr" eaLnBrk="1" latinLnBrk="0" hangingPunct="1"/>
-            <a:endParaRPr kumimoji="0" lang="en-US"/>
-          </a:p>
-        </p:txBody>
-      </p:sp>
-      <p:sp>
-        <p:nvSpPr>
-          <p:cNvPr id="2" name="Заголовок 1"/>
+          <p:cNvPr id="2" name="Title Placeholder 1">
+            <a:extLst>
+              <a:ext uri="{FF2B5EF4-FFF2-40B4-BE49-F238E27FC236}">
+                <a16:creationId xmlns:a16="http://schemas.microsoft.com/office/drawing/2014/main" id="{ADBBDE1F-4855-4D04-8012-D7C3E9BE7600}"/>
+              </a:ext>
+            </a:extLst>
+          </p:cNvPr>
           <p:cNvSpPr>
             <a:spLocks noGrp="1"/>
           </p:cNvSpPr>
@@ -3776,39 +3364,36 @@
         </p:nvSpPr>
         <p:spPr>
           <a:xfrm>
-            <a:off x="457200" y="152400"/>
-            <a:ext cx="8229600" cy="1251062"/>
+            <a:off x="838200" y="365125"/>
+            <a:ext cx="10515600" cy="1325563"/>
           </a:xfrm>
           <a:prstGeom prst="rect">
             <a:avLst/>
           </a:prstGeom>
         </p:spPr>
         <p:txBody>
-          <a:bodyPr vert="horz" lIns="91440" rIns="45720" rtlCol="0" anchor="ctr">
+          <a:bodyPr vert="horz" lIns="91440" tIns="45720" rIns="91440" bIns="45720" rtlCol="0" anchor="ctr">
             <a:normAutofit/>
-            <a:scene3d>
-              <a:camera prst="orthographicFront"/>
-              <a:lightRig rig="threePt" dir="t">
-                <a:rot lat="0" lon="0" rev="4800000"/>
-              </a:lightRig>
-            </a:scene3d>
-            <a:sp3d prstMaterial="matte">
-              <a:bevelT w="50800" h="10160"/>
-            </a:sp3d>
           </a:bodyPr>
           <a:lstStyle/>
           <a:p>
             <a:r>
-              <a:rPr kumimoji="0" lang="ru-RU"/>
-              <a:t>Образец заголовка</a:t>
-            </a:r>
-            <a:endParaRPr kumimoji="0" lang="en-US"/>
-          </a:p>
-        </p:txBody>
-      </p:sp>
-      <p:sp>
-        <p:nvSpPr>
-          <p:cNvPr id="3" name="Текст 2"/>
+              <a:rPr lang="en-US"/>
+              <a:t>Click to edit Master title style</a:t>
+            </a:r>
+            <a:endParaRPr lang="ru-RU"/>
+          </a:p>
+        </p:txBody>
+      </p:sp>
+      <p:sp>
+        <p:nvSpPr>
+          <p:cNvPr id="3" name="Text Placeholder 2">
+            <a:extLst>
+              <a:ext uri="{FF2B5EF4-FFF2-40B4-BE49-F238E27FC236}">
+                <a16:creationId xmlns:a16="http://schemas.microsoft.com/office/drawing/2014/main" id="{372A5F56-1101-4F67-9DC4-BE3B8F8D0E96}"/>
+              </a:ext>
+            </a:extLst>
+          </p:cNvPr>
           <p:cNvSpPr>
             <a:spLocks noGrp="1"/>
           </p:cNvSpPr>
@@ -3818,59 +3403,65 @@
         </p:nvSpPr>
         <p:spPr>
           <a:xfrm>
-            <a:off x="457200" y="1775191"/>
-            <a:ext cx="8229600" cy="4625609"/>
+            <a:off x="838200" y="1825625"/>
+            <a:ext cx="10515600" cy="4351338"/>
           </a:xfrm>
           <a:prstGeom prst="rect">
             <a:avLst/>
           </a:prstGeom>
         </p:spPr>
         <p:txBody>
-          <a:bodyPr vert="horz" lIns="54864" tIns="91440" rtlCol="0">
+          <a:bodyPr vert="horz" lIns="91440" tIns="45720" rIns="91440" bIns="45720" rtlCol="0">
             <a:normAutofit/>
           </a:bodyPr>
           <a:lstStyle/>
           <a:p>
-            <a:pPr lvl="0" eaLnBrk="1" latinLnBrk="0" hangingPunct="1"/>
-            <a:r>
-              <a:rPr kumimoji="0" lang="ru-RU"/>
-              <a:t>Образец текста</a:t>
-            </a:r>
-          </a:p>
-          <a:p>
-            <a:pPr lvl="1" eaLnBrk="1" latinLnBrk="0" hangingPunct="1"/>
-            <a:r>
-              <a:rPr kumimoji="0" lang="ru-RU"/>
-              <a:t>Второй уровень</a:t>
-            </a:r>
-          </a:p>
-          <a:p>
-            <a:pPr lvl="2" eaLnBrk="1" latinLnBrk="0" hangingPunct="1"/>
-            <a:r>
-              <a:rPr kumimoji="0" lang="ru-RU"/>
-              <a:t>Третий уровень</a:t>
-            </a:r>
-          </a:p>
-          <a:p>
-            <a:pPr lvl="3" eaLnBrk="1" latinLnBrk="0" hangingPunct="1"/>
-            <a:r>
-              <a:rPr kumimoji="0" lang="ru-RU"/>
-              <a:t>Четвертый уровень</a:t>
-            </a:r>
-          </a:p>
-          <a:p>
-            <a:pPr lvl="4" eaLnBrk="1" latinLnBrk="0" hangingPunct="1"/>
-            <a:r>
-              <a:rPr kumimoji="0" lang="ru-RU"/>
-              <a:t>Пятый уровень</a:t>
-            </a:r>
-            <a:endParaRPr kumimoji="0" lang="en-US"/>
-          </a:p>
-        </p:txBody>
-      </p:sp>
-      <p:sp>
-        <p:nvSpPr>
-          <p:cNvPr id="4" name="Дата 3"/>
+            <a:pPr lvl="0"/>
+            <a:r>
+              <a:rPr lang="en-US"/>
+              <a:t>Edit Master text styles</a:t>
+            </a:r>
+          </a:p>
+          <a:p>
+            <a:pPr lvl="1"/>
+            <a:r>
+              <a:rPr lang="en-US"/>
+              <a:t>Second level</a:t>
+            </a:r>
+          </a:p>
+          <a:p>
+            <a:pPr lvl="2"/>
+            <a:r>
+              <a:rPr lang="en-US"/>
+              <a:t>Third level</a:t>
+            </a:r>
+          </a:p>
+          <a:p>
+            <a:pPr lvl="3"/>
+            <a:r>
+              <a:rPr lang="en-US"/>
+              <a:t>Fourth level</a:t>
+            </a:r>
+          </a:p>
+          <a:p>
+            <a:pPr lvl="4"/>
+            <a:r>
+              <a:rPr lang="en-US"/>
+              <a:t>Fifth level</a:t>
+            </a:r>
+            <a:endParaRPr lang="ru-RU"/>
+          </a:p>
+        </p:txBody>
+      </p:sp>
+      <p:sp>
+        <p:nvSpPr>
+          <p:cNvPr id="4" name="Date Placeholder 3">
+            <a:extLst>
+              <a:ext uri="{FF2B5EF4-FFF2-40B4-BE49-F238E27FC236}">
+                <a16:creationId xmlns:a16="http://schemas.microsoft.com/office/drawing/2014/main" id="{3B2A2781-6275-463E-AEEE-899BC61D663D}"/>
+              </a:ext>
+            </a:extLst>
+          </p:cNvPr>
           <p:cNvSpPr>
             <a:spLocks noGrp="1"/>
           </p:cNvSpPr>
@@ -3880,31 +3471,30 @@
         </p:nvSpPr>
         <p:spPr>
           <a:xfrm>
-            <a:off x="457200" y="6476999"/>
-            <a:ext cx="2133600" cy="274320"/>
+            <a:off x="838200" y="6356350"/>
+            <a:ext cx="2743200" cy="365125"/>
           </a:xfrm>
           <a:prstGeom prst="rect">
             <a:avLst/>
           </a:prstGeom>
         </p:spPr>
         <p:txBody>
-          <a:bodyPr vert="horz" lIns="109728" rIns="45720" bIns="0" rtlCol="0" anchor="b"/>
+          <a:bodyPr vert="horz" lIns="91440" tIns="45720" rIns="91440" bIns="45720" rtlCol="0" anchor="ctr"/>
           <a:lstStyle>
-            <a:lvl1pPr algn="l" eaLnBrk="1" latinLnBrk="0" hangingPunct="1">
-              <a:defRPr kumimoji="0" sz="1200">
+            <a:lvl1pPr algn="l">
+              <a:defRPr sz="1200">
                 <a:solidFill>
                   <a:schemeClr val="tx1">
-                    <a:tint val="95000"/>
+                    <a:tint val="75000"/>
                   </a:schemeClr>
                 </a:solidFill>
               </a:defRPr>
             </a:lvl1pPr>
-            <a:extLst/>
           </a:lstStyle>
           <a:p>
             <a:fld id="{2590F9C9-AB92-4E86-B698-DEC9BF4350FF}" type="datetimeFigureOut">
               <a:rPr lang="ru-RU" smtClean="0"/>
-              <a:t>14.12.2023</a:t>
+              <a:t>13.12.2024</a:t>
             </a:fld>
             <a:endParaRPr lang="ru-RU"/>
           </a:p>
@@ -3912,7 +3502,13 @@
       </p:sp>
       <p:sp>
         <p:nvSpPr>
-          <p:cNvPr id="5" name="Нижний колонтитул 4"/>
+          <p:cNvPr id="5" name="Footer Placeholder 4">
+            <a:extLst>
+              <a:ext uri="{FF2B5EF4-FFF2-40B4-BE49-F238E27FC236}">
+                <a16:creationId xmlns:a16="http://schemas.microsoft.com/office/drawing/2014/main" id="{92CEE7F7-3AF5-44D2-A4EE-19271D71B8D7}"/>
+              </a:ext>
+            </a:extLst>
+          </p:cNvPr>
           <p:cNvSpPr>
             <a:spLocks noGrp="1"/>
           </p:cNvSpPr>
@@ -3922,26 +3518,25 @@
         </p:nvSpPr>
         <p:spPr>
           <a:xfrm>
-            <a:off x="2640596" y="6476999"/>
-            <a:ext cx="5507719" cy="274320"/>
+            <a:off x="4038600" y="6356350"/>
+            <a:ext cx="4114800" cy="365125"/>
           </a:xfrm>
           <a:prstGeom prst="rect">
             <a:avLst/>
           </a:prstGeom>
         </p:spPr>
         <p:txBody>
-          <a:bodyPr vert="horz" lIns="45720" rIns="45720" bIns="0" rtlCol="0" anchor="b"/>
+          <a:bodyPr vert="horz" lIns="91440" tIns="45720" rIns="91440" bIns="45720" rtlCol="0" anchor="ctr"/>
           <a:lstStyle>
-            <a:lvl1pPr algn="l" eaLnBrk="1" latinLnBrk="0" hangingPunct="1">
-              <a:defRPr kumimoji="0" sz="1200">
+            <a:lvl1pPr algn="ctr">
+              <a:defRPr sz="1200">
                 <a:solidFill>
                   <a:schemeClr val="tx1">
-                    <a:tint val="95000"/>
+                    <a:tint val="75000"/>
                   </a:schemeClr>
                 </a:solidFill>
               </a:defRPr>
             </a:lvl1pPr>
-            <a:extLst/>
           </a:lstStyle>
           <a:p>
             <a:endParaRPr lang="ru-RU"/>
@@ -3950,7 +3545,13 @@
       </p:sp>
       <p:sp>
         <p:nvSpPr>
-          <p:cNvPr id="6" name="Номер слайда 5"/>
+          <p:cNvPr id="6" name="Slide Number Placeholder 5">
+            <a:extLst>
+              <a:ext uri="{FF2B5EF4-FFF2-40B4-BE49-F238E27FC236}">
+                <a16:creationId xmlns:a16="http://schemas.microsoft.com/office/drawing/2014/main" id="{9D989CDD-F151-41A5-8616-C3548E72A186}"/>
+              </a:ext>
+            </a:extLst>
+          </p:cNvPr>
           <p:cNvSpPr>
             <a:spLocks noGrp="1"/>
           </p:cNvSpPr>
@@ -3960,26 +3561,25 @@
         </p:nvSpPr>
         <p:spPr>
           <a:xfrm>
-            <a:off x="8204396" y="6476999"/>
-            <a:ext cx="733864" cy="274320"/>
+            <a:off x="8610600" y="6356350"/>
+            <a:ext cx="2743200" cy="365125"/>
           </a:xfrm>
           <a:prstGeom prst="rect">
             <a:avLst/>
           </a:prstGeom>
         </p:spPr>
         <p:txBody>
-          <a:bodyPr vert="horz" bIns="0" rtlCol="0" anchor="b"/>
+          <a:bodyPr vert="horz" lIns="91440" tIns="45720" rIns="91440" bIns="45720" rtlCol="0" anchor="ctr"/>
           <a:lstStyle>
-            <a:lvl1pPr algn="r" eaLnBrk="1" latinLnBrk="0" hangingPunct="1">
-              <a:defRPr kumimoji="0" sz="1200">
+            <a:lvl1pPr algn="r">
+              <a:defRPr sz="1200">
                 <a:solidFill>
                   <a:schemeClr val="tx1">
-                    <a:tint val="95000"/>
+                    <a:tint val="75000"/>
                   </a:schemeClr>
                 </a:solidFill>
               </a:defRPr>
             </a:lvl1pPr>
-            <a:extLst/>
           </a:lstStyle>
           <a:p>
             <a:fld id="{DFFDEFA0-FF01-4CA2-B8AA-E5F5B71BEE8D}" type="slidenum">
@@ -3991,54 +3591,57 @@
         </p:txBody>
       </p:sp>
     </p:spTree>
+    <p:extLst>
+      <p:ext uri="{BB962C8B-B14F-4D97-AF65-F5344CB8AC3E}">
+        <p14:creationId xmlns:p14="http://schemas.microsoft.com/office/powerpoint/2010/main" val="2257291670"/>
+      </p:ext>
+    </p:extLst>
   </p:cSld>
   <p:clrMap bg1="lt1" tx1="dk1" bg2="lt2" tx2="dk2" accent1="accent1" accent2="accent2" accent3="accent3" accent4="accent4" accent5="accent5" accent6="accent6" hlink="hlink" folHlink="folHlink"/>
   <p:sldLayoutIdLst>
-    <p:sldLayoutId id="2147483673" r:id="rId1"/>
-    <p:sldLayoutId id="2147483674" r:id="rId2"/>
-    <p:sldLayoutId id="2147483675" r:id="rId3"/>
-    <p:sldLayoutId id="2147483676" r:id="rId4"/>
-    <p:sldLayoutId id="2147483677" r:id="rId5"/>
-    <p:sldLayoutId id="2147483678" r:id="rId6"/>
-    <p:sldLayoutId id="2147483679" r:id="rId7"/>
-    <p:sldLayoutId id="2147483680" r:id="rId8"/>
-    <p:sldLayoutId id="2147483681" r:id="rId9"/>
-    <p:sldLayoutId id="2147483682" r:id="rId10"/>
-    <p:sldLayoutId id="2147483683" r:id="rId11"/>
+    <p:sldLayoutId id="2147483685" r:id="rId1"/>
+    <p:sldLayoutId id="2147483686" r:id="rId2"/>
+    <p:sldLayoutId id="2147483687" r:id="rId3"/>
+    <p:sldLayoutId id="2147483688" r:id="rId4"/>
+    <p:sldLayoutId id="2147483689" r:id="rId5"/>
+    <p:sldLayoutId id="2147483690" r:id="rId6"/>
+    <p:sldLayoutId id="2147483691" r:id="rId7"/>
+    <p:sldLayoutId id="2147483692" r:id="rId8"/>
+    <p:sldLayoutId id="2147483693" r:id="rId9"/>
+    <p:sldLayoutId id="2147483694" r:id="rId10"/>
+    <p:sldLayoutId id="2147483695" r:id="rId11"/>
   </p:sldLayoutIdLst>
   <p:txStyles>
     <p:titleStyle>
-      <a:lvl1pPr algn="l" rtl="0" eaLnBrk="1" latinLnBrk="0" hangingPunct="1">
+      <a:lvl1pPr algn="l" defTabSz="914400" rtl="0" eaLnBrk="1" latinLnBrk="0" hangingPunct="1">
+        <a:lnSpc>
+          <a:spcPct val="90000"/>
+        </a:lnSpc>
         <a:spcBef>
           <a:spcPct val="0"/>
         </a:spcBef>
         <a:buNone/>
-        <a:defRPr kumimoji="0" sz="4500" b="1" kern="1200">
+        <a:defRPr sz="4400" kern="1200">
           <a:solidFill>
-            <a:schemeClr val="accent1">
-              <a:satMod val="150000"/>
-            </a:schemeClr>
+            <a:schemeClr val="tx1"/>
           </a:solidFill>
-          <a:effectLst/>
           <a:latin typeface="+mj-lt"/>
           <a:ea typeface="+mj-ea"/>
           <a:cs typeface="+mj-cs"/>
         </a:defRPr>
       </a:lvl1pPr>
-      <a:extLst/>
     </p:titleStyle>
     <p:bodyStyle>
-      <a:lvl1pPr marL="438912" indent="-320040" algn="l" rtl="0" eaLnBrk="1" latinLnBrk="0" hangingPunct="1">
+      <a:lvl1pPr marL="228600" indent="-228600" algn="l" defTabSz="914400" rtl="0" eaLnBrk="1" latinLnBrk="0" hangingPunct="1">
+        <a:lnSpc>
+          <a:spcPct val="90000"/>
+        </a:lnSpc>
         <a:spcBef>
-          <a:spcPts val="0"/>
+          <a:spcPts val="1000"/>
         </a:spcBef>
-        <a:buClr>
-          <a:schemeClr val="accent1"/>
-        </a:buClr>
-        <a:buSzPct val="80000"/>
-        <a:buFont typeface="Wingdings 2"/>
-        <a:buChar char=""/>
-        <a:defRPr kumimoji="0" sz="3200" kern="1200">
+        <a:buFont typeface="Arial" panose="020B0604020202020204" pitchFamily="34" charset="0"/>
+        <a:buChar char="•"/>
+        <a:defRPr sz="2800" kern="1200">
           <a:solidFill>
             <a:schemeClr val="tx1"/>
           </a:solidFill>
@@ -4047,17 +3650,16 @@
           <a:cs typeface="+mn-cs"/>
         </a:defRPr>
       </a:lvl1pPr>
-      <a:lvl2pPr marL="731520" indent="-274320" algn="l" rtl="0" eaLnBrk="1" latinLnBrk="0" hangingPunct="1">
+      <a:lvl2pPr marL="685800" indent="-228600" algn="l" defTabSz="914400" rtl="0" eaLnBrk="1" latinLnBrk="0" hangingPunct="1">
+        <a:lnSpc>
+          <a:spcPct val="90000"/>
+        </a:lnSpc>
         <a:spcBef>
-          <a:spcPct val="20000"/>
+          <a:spcPts val="500"/>
         </a:spcBef>
-        <a:buClr>
-          <a:schemeClr val="accent2"/>
-        </a:buClr>
-        <a:buSzPct val="90000"/>
-        <a:buFont typeface="Wingdings"/>
-        <a:buChar char=""/>
-        <a:defRPr kumimoji="0" sz="2800" kern="1200">
+        <a:buFont typeface="Arial" panose="020B0604020202020204" pitchFamily="34" charset="0"/>
+        <a:buChar char="•"/>
+        <a:defRPr sz="2400" kern="1200">
           <a:solidFill>
             <a:schemeClr val="tx1"/>
           </a:solidFill>
@@ -4066,16 +3668,16 @@
           <a:cs typeface="+mn-cs"/>
         </a:defRPr>
       </a:lvl2pPr>
-      <a:lvl3pPr marL="996696" indent="-228600" algn="l" rtl="0" eaLnBrk="1" latinLnBrk="0" hangingPunct="1">
+      <a:lvl3pPr marL="1143000" indent="-228600" algn="l" defTabSz="914400" rtl="0" eaLnBrk="1" latinLnBrk="0" hangingPunct="1">
+        <a:lnSpc>
+          <a:spcPct val="90000"/>
+        </a:lnSpc>
         <a:spcBef>
-          <a:spcPct val="20000"/>
+          <a:spcPts val="500"/>
         </a:spcBef>
-        <a:buClr>
-          <a:schemeClr val="accent3"/>
-        </a:buClr>
-        <a:buFont typeface="Arial"/>
-        <a:buChar char="▪"/>
-        <a:defRPr kumimoji="0" sz="2400" kern="1200">
+        <a:buFont typeface="Arial" panose="020B0604020202020204" pitchFamily="34" charset="0"/>
+        <a:buChar char="•"/>
+        <a:defRPr sz="2000" kern="1200">
           <a:solidFill>
             <a:schemeClr val="tx1"/>
           </a:solidFill>
@@ -4084,16 +3686,16 @@
           <a:cs typeface="+mn-cs"/>
         </a:defRPr>
       </a:lvl3pPr>
-      <a:lvl4pPr marL="1216152" indent="-182880" algn="l" rtl="0" eaLnBrk="1" latinLnBrk="0" hangingPunct="1">
+      <a:lvl4pPr marL="1600200" indent="-228600" algn="l" defTabSz="914400" rtl="0" eaLnBrk="1" latinLnBrk="0" hangingPunct="1">
+        <a:lnSpc>
+          <a:spcPct val="90000"/>
+        </a:lnSpc>
         <a:spcBef>
-          <a:spcPct val="20000"/>
+          <a:spcPts val="500"/>
         </a:spcBef>
-        <a:buClr>
-          <a:schemeClr val="accent4"/>
-        </a:buClr>
-        <a:buFont typeface="Arial"/>
-        <a:buChar char="▪"/>
-        <a:defRPr kumimoji="0" sz="2000" kern="1200">
+        <a:buFont typeface="Arial" panose="020B0604020202020204" pitchFamily="34" charset="0"/>
+        <a:buChar char="•"/>
+        <a:defRPr sz="1800" kern="1200">
           <a:solidFill>
             <a:schemeClr val="tx1"/>
           </a:solidFill>
@@ -4102,16 +3704,16 @@
           <a:cs typeface="+mn-cs"/>
         </a:defRPr>
       </a:lvl4pPr>
-      <a:lvl5pPr marL="1426464" indent="-182880" algn="l" rtl="0" eaLnBrk="1" latinLnBrk="0" hangingPunct="1">
+      <a:lvl5pPr marL="2057400" indent="-228600" algn="l" defTabSz="914400" rtl="0" eaLnBrk="1" latinLnBrk="0" hangingPunct="1">
+        <a:lnSpc>
+          <a:spcPct val="90000"/>
+        </a:lnSpc>
         <a:spcBef>
-          <a:spcPct val="20000"/>
+          <a:spcPts val="500"/>
         </a:spcBef>
-        <a:buClr>
-          <a:schemeClr val="accent5"/>
-        </a:buClr>
-        <a:buFont typeface="Wingdings 3"/>
-        <a:buChar char=""/>
-        <a:defRPr kumimoji="0" lang="en-US" sz="2000" kern="1200" smtClean="0">
+        <a:buFont typeface="Arial" panose="020B0604020202020204" pitchFamily="34" charset="0"/>
+        <a:buChar char="•"/>
+        <a:defRPr sz="1800" kern="1200">
           <a:solidFill>
             <a:schemeClr val="tx1"/>
           </a:solidFill>
@@ -4120,17 +3722,16 @@
           <a:cs typeface="+mn-cs"/>
         </a:defRPr>
       </a:lvl5pPr>
-      <a:lvl6pPr marL="1627632" indent="-182880" algn="l" rtl="0" eaLnBrk="1" latinLnBrk="0" hangingPunct="1">
+      <a:lvl6pPr marL="2514600" indent="-228600" algn="l" defTabSz="914400" rtl="0" eaLnBrk="1" latinLnBrk="0" hangingPunct="1">
+        <a:lnSpc>
+          <a:spcPct val="90000"/>
+        </a:lnSpc>
         <a:spcBef>
-          <a:spcPct val="20000"/>
+          <a:spcPts val="500"/>
         </a:spcBef>
-        <a:buClr>
-          <a:schemeClr val="accent6"/>
-        </a:buClr>
-        <a:buSzPct val="100000"/>
-        <a:buFont typeface="Wingdings 2"/>
-        <a:buChar char=""/>
-        <a:defRPr kumimoji="0" sz="2000" kern="1200">
+        <a:buFont typeface="Arial" panose="020B0604020202020204" pitchFamily="34" charset="0"/>
+        <a:buChar char="•"/>
+        <a:defRPr sz="1800" kern="1200">
           <a:solidFill>
             <a:schemeClr val="tx1"/>
           </a:solidFill>
@@ -4139,17 +3740,16 @@
           <a:cs typeface="+mn-cs"/>
         </a:defRPr>
       </a:lvl6pPr>
-      <a:lvl7pPr marL="1828800" indent="-182880" algn="l" rtl="0" eaLnBrk="1" latinLnBrk="0" hangingPunct="1">
+      <a:lvl7pPr marL="2971800" indent="-228600" algn="l" defTabSz="914400" rtl="0" eaLnBrk="1" latinLnBrk="0" hangingPunct="1">
+        <a:lnSpc>
+          <a:spcPct val="90000"/>
+        </a:lnSpc>
         <a:spcBef>
-          <a:spcPct val="20000"/>
+          <a:spcPts val="500"/>
         </a:spcBef>
-        <a:buClr>
-          <a:schemeClr val="accent1"/>
-        </a:buClr>
-        <a:buSzPct val="100000"/>
-        <a:buFont typeface="Wingdings 2"/>
-        <a:buChar char=""/>
-        <a:defRPr kumimoji="0" sz="1800" kern="1200">
+        <a:buFont typeface="Arial" panose="020B0604020202020204" pitchFamily="34" charset="0"/>
+        <a:buChar char="•"/>
+        <a:defRPr sz="1800" kern="1200">
           <a:solidFill>
             <a:schemeClr val="tx1"/>
           </a:solidFill>
@@ -4158,16 +3758,16 @@
           <a:cs typeface="+mn-cs"/>
         </a:defRPr>
       </a:lvl7pPr>
-      <a:lvl8pPr marL="2029968" indent="-182880" algn="l" rtl="0" eaLnBrk="1" latinLnBrk="0" hangingPunct="1">
+      <a:lvl8pPr marL="3429000" indent="-228600" algn="l" defTabSz="914400" rtl="0" eaLnBrk="1" latinLnBrk="0" hangingPunct="1">
+        <a:lnSpc>
+          <a:spcPct val="90000"/>
+        </a:lnSpc>
         <a:spcBef>
-          <a:spcPct val="20000"/>
+          <a:spcPts val="500"/>
         </a:spcBef>
-        <a:buClr>
-          <a:schemeClr val="accent2"/>
-        </a:buClr>
-        <a:buFont typeface="Wingdings 2" pitchFamily="18" charset="2"/>
-        <a:buChar char=""/>
-        <a:defRPr kumimoji="0" sz="1800" kern="1200">
+        <a:buFont typeface="Arial" panose="020B0604020202020204" pitchFamily="34" charset="0"/>
+        <a:buChar char="•"/>
+        <a:defRPr sz="1800" kern="1200">
           <a:solidFill>
             <a:schemeClr val="tx1"/>
           </a:solidFill>
@@ -4176,16 +3776,16 @@
           <a:cs typeface="+mn-cs"/>
         </a:defRPr>
       </a:lvl8pPr>
-      <a:lvl9pPr marL="2231136" indent="-182880" algn="l" rtl="0" eaLnBrk="1" latinLnBrk="0" hangingPunct="1">
+      <a:lvl9pPr marL="3886200" indent="-228600" algn="l" defTabSz="914400" rtl="0" eaLnBrk="1" latinLnBrk="0" hangingPunct="1">
+        <a:lnSpc>
+          <a:spcPct val="90000"/>
+        </a:lnSpc>
         <a:spcBef>
-          <a:spcPct val="20000"/>
+          <a:spcPts val="500"/>
         </a:spcBef>
-        <a:buClr>
-          <a:schemeClr val="accent3"/>
-        </a:buClr>
-        <a:buFont typeface="Wingdings 2" pitchFamily="18" charset="2"/>
-        <a:buChar char=""/>
-        <a:defRPr kumimoji="0" sz="1800" kern="1200" baseline="0">
+        <a:buFont typeface="Arial" panose="020B0604020202020204" pitchFamily="34" charset="0"/>
+        <a:buChar char="•"/>
+        <a:defRPr sz="1800" kern="1200">
           <a:solidFill>
             <a:schemeClr val="tx1"/>
           </a:solidFill>
@@ -4194,11 +3794,13 @@
           <a:cs typeface="+mn-cs"/>
         </a:defRPr>
       </a:lvl9pPr>
-      <a:extLst/>
     </p:bodyStyle>
     <p:otherStyle>
-      <a:lvl1pPr marL="0" algn="l" rtl="0" eaLnBrk="1" latinLnBrk="0" hangingPunct="1">
-        <a:defRPr kumimoji="0" kern="1200">
+      <a:defPPr>
+        <a:defRPr lang="ru-RU"/>
+      </a:defPPr>
+      <a:lvl1pPr marL="0" algn="l" defTabSz="914400" rtl="0" eaLnBrk="1" latinLnBrk="0" hangingPunct="1">
+        <a:defRPr sz="1800" kern="1200">
           <a:solidFill>
             <a:schemeClr val="tx1"/>
           </a:solidFill>
@@ -4207,8 +3809,8 @@
           <a:cs typeface="+mn-cs"/>
         </a:defRPr>
       </a:lvl1pPr>
-      <a:lvl2pPr marL="457200" algn="l" rtl="0" eaLnBrk="1" latinLnBrk="0" hangingPunct="1">
-        <a:defRPr kumimoji="0" kern="1200">
+      <a:lvl2pPr marL="457200" algn="l" defTabSz="914400" rtl="0" eaLnBrk="1" latinLnBrk="0" hangingPunct="1">
+        <a:defRPr sz="1800" kern="1200">
           <a:solidFill>
             <a:schemeClr val="tx1"/>
           </a:solidFill>
@@ -4217,8 +3819,8 @@
           <a:cs typeface="+mn-cs"/>
         </a:defRPr>
       </a:lvl2pPr>
-      <a:lvl3pPr marL="914400" algn="l" rtl="0" eaLnBrk="1" latinLnBrk="0" hangingPunct="1">
-        <a:defRPr kumimoji="0" kern="1200">
+      <a:lvl3pPr marL="914400" algn="l" defTabSz="914400" rtl="0" eaLnBrk="1" latinLnBrk="0" hangingPunct="1">
+        <a:defRPr sz="1800" kern="1200">
           <a:solidFill>
             <a:schemeClr val="tx1"/>
           </a:solidFill>
@@ -4227,8 +3829,8 @@
           <a:cs typeface="+mn-cs"/>
         </a:defRPr>
       </a:lvl3pPr>
-      <a:lvl4pPr marL="1371600" algn="l" rtl="0" eaLnBrk="1" latinLnBrk="0" hangingPunct="1">
-        <a:defRPr kumimoji="0" kern="1200">
+      <a:lvl4pPr marL="1371600" algn="l" defTabSz="914400" rtl="0" eaLnBrk="1" latinLnBrk="0" hangingPunct="1">
+        <a:defRPr sz="1800" kern="1200">
           <a:solidFill>
             <a:schemeClr val="tx1"/>
           </a:solidFill>
@@ -4237,8 +3839,8 @@
           <a:cs typeface="+mn-cs"/>
         </a:defRPr>
       </a:lvl4pPr>
-      <a:lvl5pPr marL="1828800" algn="l" rtl="0" eaLnBrk="1" latinLnBrk="0" hangingPunct="1">
-        <a:defRPr kumimoji="0" kern="1200">
+      <a:lvl5pPr marL="1828800" algn="l" defTabSz="914400" rtl="0" eaLnBrk="1" latinLnBrk="0" hangingPunct="1">
+        <a:defRPr sz="1800" kern="1200">
           <a:solidFill>
             <a:schemeClr val="tx1"/>
           </a:solidFill>
@@ -4247,8 +3849,8 @@
           <a:cs typeface="+mn-cs"/>
         </a:defRPr>
       </a:lvl5pPr>
-      <a:lvl6pPr marL="2286000" algn="l" rtl="0" eaLnBrk="1" latinLnBrk="0" hangingPunct="1">
-        <a:defRPr kumimoji="0" kern="1200">
+      <a:lvl6pPr marL="2286000" algn="l" defTabSz="914400" rtl="0" eaLnBrk="1" latinLnBrk="0" hangingPunct="1">
+        <a:defRPr sz="1800" kern="1200">
           <a:solidFill>
             <a:schemeClr val="tx1"/>
           </a:solidFill>
@@ -4257,8 +3859,8 @@
           <a:cs typeface="+mn-cs"/>
         </a:defRPr>
       </a:lvl6pPr>
-      <a:lvl7pPr marL="2743200" algn="l" rtl="0" eaLnBrk="1" latinLnBrk="0" hangingPunct="1">
-        <a:defRPr kumimoji="0" kern="1200">
+      <a:lvl7pPr marL="2743200" algn="l" defTabSz="914400" rtl="0" eaLnBrk="1" latinLnBrk="0" hangingPunct="1">
+        <a:defRPr sz="1800" kern="1200">
           <a:solidFill>
             <a:schemeClr val="tx1"/>
           </a:solidFill>
@@ -4267,8 +3869,8 @@
           <a:cs typeface="+mn-cs"/>
         </a:defRPr>
       </a:lvl7pPr>
-      <a:lvl8pPr marL="3200400" algn="l" rtl="0" eaLnBrk="1" latinLnBrk="0" hangingPunct="1">
-        <a:defRPr kumimoji="0" kern="1200">
+      <a:lvl8pPr marL="3200400" algn="l" defTabSz="914400" rtl="0" eaLnBrk="1" latinLnBrk="0" hangingPunct="1">
+        <a:defRPr sz="1800" kern="1200">
           <a:solidFill>
             <a:schemeClr val="tx1"/>
           </a:solidFill>
@@ -4277,8 +3879,8 @@
           <a:cs typeface="+mn-cs"/>
         </a:defRPr>
       </a:lvl8pPr>
-      <a:lvl9pPr marL="3657600" algn="l" rtl="0" eaLnBrk="1" latinLnBrk="0" hangingPunct="1">
-        <a:defRPr kumimoji="0" kern="1200">
+      <a:lvl9pPr marL="3657600" algn="l" defTabSz="914400" rtl="0" eaLnBrk="1" latinLnBrk="0" hangingPunct="1">
+        <a:defRPr sz="1800" kern="1200">
           <a:solidFill>
             <a:schemeClr val="tx1"/>
           </a:solidFill>
@@ -4287,7 +3889,6 @@
           <a:cs typeface="+mn-cs"/>
         </a:defRPr>
       </a:lvl9pPr>
-      <a:extLst/>
     </p:otherStyle>
   </p:txStyles>
 </p:sldMaster>
@@ -4312,10 +3913,10 @@
       </p:grpSpPr>
       <p:pic>
         <p:nvPicPr>
-          <p:cNvPr id="4" name="Рисунок 3">
+          <p:cNvPr id="5" name="Picture 4">
             <a:extLst>
               <a:ext uri="{FF2B5EF4-FFF2-40B4-BE49-F238E27FC236}">
-                <a16:creationId xmlns:a16="http://schemas.microsoft.com/office/drawing/2014/main" id="{5E686A67-0E6D-4351-AB13-AE3EDD22C6E3}"/>
+                <a16:creationId xmlns:a16="http://schemas.microsoft.com/office/drawing/2014/main" id="{754E85F0-DCD6-42D1-0560-0E0070092A4A}"/>
               </a:ext>
             </a:extLst>
           </p:cNvPr>
@@ -4325,13 +3926,7 @@
           <p:nvPr/>
         </p:nvPicPr>
         <p:blipFill>
-          <a:blip r:embed="rId2">
-            <a:extLst>
-              <a:ext uri="{28A0092B-C50C-407E-A947-70E740481C1C}">
-                <a14:useLocalDpi xmlns:a14="http://schemas.microsoft.com/office/drawing/2010/main" val="0"/>
-              </a:ext>
-            </a:extLst>
-          </a:blip>
+          <a:blip r:embed="rId2"/>
           <a:stretch>
             <a:fillRect/>
           </a:stretch>
@@ -4339,7 +3934,7 @@
         <p:spPr>
           <a:xfrm>
             <a:off x="0" y="0"/>
-            <a:ext cx="9144000" cy="5225143"/>
+            <a:ext cx="12191999" cy="6858000"/>
           </a:xfrm>
           <a:prstGeom prst="rect">
             <a:avLst/>
@@ -4348,7 +3943,7 @@
       </p:pic>
       <p:sp>
         <p:nvSpPr>
-          <p:cNvPr id="7" name="Заголовок 6"/>
+          <p:cNvPr id="2" name="Заголовок 1"/>
           <p:cNvSpPr>
             <a:spLocks noGrp="1"/>
           </p:cNvSpPr>
@@ -4357,100 +3952,84 @@
           </p:nvPr>
         </p:nvSpPr>
         <p:spPr>
-          <a:effectLst>
-            <a:outerShdw blurRad="63500" sx="47000" sy="47000" algn="ctr" rotWithShape="0">
-              <a:schemeClr val="bg1">
-                <a:alpha val="96000"/>
-              </a:schemeClr>
-            </a:outerShdw>
-          </a:effectLst>
+          <a:xfrm>
+            <a:off x="335360" y="1122362"/>
+            <a:ext cx="11521280" cy="3818806"/>
+          </a:xfrm>
         </p:spPr>
         <p:txBody>
           <a:bodyPr>
-            <a:normAutofit/>
+            <a:noAutofit/>
           </a:bodyPr>
           <a:lstStyle/>
           <a:p>
             <a:r>
-              <a:rPr lang="ru-RU" sz="7200" dirty="0">
+              <a:rPr lang="ru-RU" sz="8800" dirty="0">
+                <a:solidFill>
+                  <a:schemeClr val="bg1"/>
+                </a:solidFill>
                 <a:effectLst>
-                  <a:outerShdw blurRad="38100" algn="ctr" rotWithShape="0">
-                    <a:prstClr val="black">
-                      <a:alpha val="92000"/>
-                    </a:prstClr>
+                  <a:outerShdw blurRad="38100" dist="38100" dir="2700000" algn="tl">
+                    <a:srgbClr val="000000">
+                      <a:alpha val="43137"/>
+                    </a:srgbClr>
                   </a:outerShdw>
                 </a:effectLst>
+                <a:latin typeface="Impact" panose="020B0806030902050204" pitchFamily="34" charset="0"/>
               </a:rPr>
-              <a:t>Мост</a:t>
-            </a:r>
-            <a:r>
-              <a:rPr lang="en-US" sz="7200" dirty="0">
+              <a:t>Паттерн проектирования</a:t>
+            </a:r>
+            <a:br>
+              <a:rPr lang="ru-RU" sz="8000" dirty="0">
+                <a:solidFill>
+                  <a:schemeClr val="bg1"/>
+                </a:solidFill>
                 <a:effectLst>
-                  <a:outerShdw blurRad="38100" algn="ctr" rotWithShape="0">
-                    <a:prstClr val="black">
-                      <a:alpha val="92000"/>
-                    </a:prstClr>
+                  <a:outerShdw blurRad="38100" dist="38100" dir="2700000" algn="tl">
+                    <a:srgbClr val="000000">
+                      <a:alpha val="43137"/>
+                    </a:srgbClr>
                   </a:outerShdw>
                 </a:effectLst>
+                <a:latin typeface="Impact" panose="020B0806030902050204" pitchFamily="34" charset="0"/>
               </a:rPr>
-              <a:t> (Bridge)</a:t>
-            </a:r>
-            <a:endParaRPr lang="ru-RU" sz="7200" dirty="0">
+            </a:br>
+            <a:r>
+              <a:rPr lang="ru-RU" sz="11500" dirty="0">
+                <a:solidFill>
+                  <a:schemeClr val="bg1"/>
+                </a:solidFill>
+                <a:effectLst>
+                  <a:outerShdw blurRad="38100" dist="38100" dir="2700000" algn="tl">
+                    <a:srgbClr val="000000">
+                      <a:alpha val="43137"/>
+                    </a:srgbClr>
+                  </a:outerShdw>
+                </a:effectLst>
+                <a:latin typeface="Impact" panose="020B0806030902050204" pitchFamily="34" charset="0"/>
+              </a:rPr>
+              <a:t> «Мост»</a:t>
+            </a:r>
+            <a:endParaRPr lang="ru-RU" sz="9600" dirty="0">
+              <a:solidFill>
+                <a:schemeClr val="bg1"/>
+              </a:solidFill>
               <a:effectLst>
-                <a:outerShdw blurRad="38100" algn="ctr" rotWithShape="0">
-                  <a:prstClr val="black">
-                    <a:alpha val="92000"/>
-                  </a:prstClr>
+                <a:outerShdw blurRad="38100" dist="38100" dir="2700000" algn="tl">
+                  <a:srgbClr val="000000">
+                    <a:alpha val="43137"/>
+                  </a:srgbClr>
                 </a:outerShdw>
               </a:effectLst>
+              <a:latin typeface="Impact" panose="020B0806030902050204" pitchFamily="34" charset="0"/>
             </a:endParaRPr>
-          </a:p>
-        </p:txBody>
-      </p:sp>
-      <p:sp>
-        <p:nvSpPr>
-          <p:cNvPr id="2" name="Subtitle 1"/>
-          <p:cNvSpPr>
-            <a:spLocks noGrp="1"/>
-          </p:cNvSpPr>
-          <p:nvPr>
-            <p:ph type="subTitle" idx="1"/>
-          </p:nvPr>
-        </p:nvSpPr>
-        <p:spPr>
-          <a:effectLst>
-            <a:outerShdw blurRad="63500" sx="47000" sy="47000" algn="ctr" rotWithShape="0">
-              <a:schemeClr val="bg1">
-                <a:alpha val="96000"/>
-              </a:schemeClr>
-            </a:outerShdw>
-          </a:effectLst>
-        </p:spPr>
-        <p:txBody>
-          <a:bodyPr>
-            <a:normAutofit/>
-          </a:bodyPr>
-          <a:lstStyle/>
-          <a:p>
-            <a:r>
-              <a:rPr lang="ru-RU" sz="4000" dirty="0">
-                <a:effectLst>
-                  <a:outerShdw blurRad="38100" algn="ctr" rotWithShape="0">
-                    <a:prstClr val="black">
-                      <a:alpha val="92000"/>
-                    </a:prstClr>
-                  </a:outerShdw>
-                </a:effectLst>
-              </a:rPr>
-              <a:t>Паттерн проектирования</a:t>
-            </a:r>
           </a:p>
         </p:txBody>
       </p:sp>
     </p:spTree>
     <p:extLst>
       <p:ext uri="{BB962C8B-B14F-4D97-AF65-F5344CB8AC3E}">
-        <p14:creationId xmlns:p14="http://schemas.microsoft.com/office/powerpoint/2010/main" val="2671212517"/>
+        <p14:creationId xmlns:p14="http://schemas.microsoft.com/office/powerpoint/2010/main" val="1393050759"/>
       </p:ext>
     </p:extLst>
   </p:cSld>
@@ -4855,9 +4434,16 @@
             </a:r>
           </a:p>
           <a:p>
+            <a:pPr lvl="1"/>
             <a:r>
               <a:rPr lang="ru-RU" dirty="0"/>
-              <a:t>Нужно скрыть реализацию абстракции от клиентов (С++)</a:t>
+              <a:t>Клиентский код не должен перекомпилироваться при изменении реализаций</a:t>
+            </a:r>
+          </a:p>
+          <a:p>
+            <a:r>
+              <a:rPr lang="ru-RU" dirty="0"/>
+              <a:t>Нужно скрыть реализацию абстракции от клиентов</a:t>
             </a:r>
           </a:p>
           <a:p>
@@ -4869,7 +4455,7 @@
           <a:p>
             <a:r>
               <a:rPr lang="ru-RU" dirty="0"/>
-              <a:t>Нужно разделить одну реализацию между несколькими объектами</a:t>
+              <a:t>Нужно разделить один экземпляр реализации между несколькими объектами</a:t>
             </a:r>
           </a:p>
         </p:txBody>
@@ -4947,33 +4533,15 @@
                                   </p:childTnLst>
                                 </p:cTn>
                               </p:par>
-                            </p:childTnLst>
-                          </p:cTn>
-                        </p:par>
-                      </p:childTnLst>
-                    </p:cTn>
-                  </p:par>
-                  <p:par>
-                    <p:cTn id="8" fill="hold">
-                      <p:stCondLst>
-                        <p:cond delay="indefinite"/>
-                      </p:stCondLst>
-                      <p:childTnLst>
-                        <p:par>
-                          <p:cTn id="9" fill="hold">
-                            <p:stCondLst>
-                              <p:cond delay="0"/>
-                            </p:stCondLst>
-                            <p:childTnLst>
                               <p:par>
-                                <p:cTn id="10" presetID="10" presetClass="entr" presetSubtype="0" fill="hold" grpId="0" nodeType="clickEffect">
+                                <p:cTn id="8" presetID="10" presetClass="entr" presetSubtype="0" fill="hold" grpId="0" nodeType="withEffect">
                                   <p:stCondLst>
                                     <p:cond delay="0"/>
                                   </p:stCondLst>
                                   <p:childTnLst>
                                     <p:set>
                                       <p:cBhvr>
-                                        <p:cTn id="11" dur="1" fill="hold">
+                                        <p:cTn id="9" dur="1" fill="hold">
                                           <p:stCondLst>
                                             <p:cond delay="0"/>
                                           </p:stCondLst>
@@ -4995,7 +4563,7 @@
                                     </p:set>
                                     <p:animEffect transition="in" filter="fade">
                                       <p:cBhvr>
-                                        <p:cTn id="12" dur="500"/>
+                                        <p:cTn id="10" dur="500"/>
                                         <p:tgtEl>
                                           <p:spTgt spid="3">
                                             <p:txEl>
@@ -5015,26 +4583,26 @@
                     </p:cTn>
                   </p:par>
                   <p:par>
-                    <p:cTn id="13" fill="hold">
+                    <p:cTn id="11" fill="hold">
                       <p:stCondLst>
                         <p:cond delay="indefinite"/>
                       </p:stCondLst>
                       <p:childTnLst>
                         <p:par>
-                          <p:cTn id="14" fill="hold">
+                          <p:cTn id="12" fill="hold">
                             <p:stCondLst>
                               <p:cond delay="0"/>
                             </p:stCondLst>
                             <p:childTnLst>
                               <p:par>
-                                <p:cTn id="15" presetID="10" presetClass="entr" presetSubtype="0" fill="hold" grpId="0" nodeType="clickEffect">
+                                <p:cTn id="13" presetID="10" presetClass="entr" presetSubtype="0" fill="hold" grpId="0" nodeType="clickEffect">
                                   <p:stCondLst>
                                     <p:cond delay="0"/>
                                   </p:stCondLst>
                                   <p:childTnLst>
                                     <p:set>
                                       <p:cBhvr>
-                                        <p:cTn id="16" dur="1" fill="hold">
+                                        <p:cTn id="14" dur="1" fill="hold">
                                           <p:stCondLst>
                                             <p:cond delay="0"/>
                                           </p:stCondLst>
@@ -5056,7 +4624,7 @@
                                     </p:set>
                                     <p:animEffect transition="in" filter="fade">
                                       <p:cBhvr>
-                                        <p:cTn id="17" dur="500"/>
+                                        <p:cTn id="15" dur="500"/>
                                         <p:tgtEl>
                                           <p:spTgt spid="3">
                                             <p:txEl>
@@ -5076,26 +4644,26 @@
                     </p:cTn>
                   </p:par>
                   <p:par>
-                    <p:cTn id="18" fill="hold">
+                    <p:cTn id="16" fill="hold">
                       <p:stCondLst>
                         <p:cond delay="indefinite"/>
                       </p:stCondLst>
                       <p:childTnLst>
                         <p:par>
-                          <p:cTn id="19" fill="hold">
+                          <p:cTn id="17" fill="hold">
                             <p:stCondLst>
                               <p:cond delay="0"/>
                             </p:stCondLst>
                             <p:childTnLst>
                               <p:par>
-                                <p:cTn id="20" presetID="10" presetClass="entr" presetSubtype="0" fill="hold" grpId="0" nodeType="clickEffect">
+                                <p:cTn id="18" presetID="10" presetClass="entr" presetSubtype="0" fill="hold" grpId="0" nodeType="clickEffect">
                                   <p:stCondLst>
                                     <p:cond delay="0"/>
                                   </p:stCondLst>
                                   <p:childTnLst>
                                     <p:set>
                                       <p:cBhvr>
-                                        <p:cTn id="21" dur="1" fill="hold">
+                                        <p:cTn id="19" dur="1" fill="hold">
                                           <p:stCondLst>
                                             <p:cond delay="0"/>
                                           </p:stCondLst>
@@ -5117,11 +4685,72 @@
                                     </p:set>
                                     <p:animEffect transition="in" filter="fade">
                                       <p:cBhvr>
-                                        <p:cTn id="22" dur="500"/>
+                                        <p:cTn id="20" dur="500"/>
                                         <p:tgtEl>
                                           <p:spTgt spid="3">
                                             <p:txEl>
                                               <p:pRg st="3" end="3"/>
+                                            </p:txEl>
+                                          </p:spTgt>
+                                        </p:tgtEl>
+                                      </p:cBhvr>
+                                    </p:animEffect>
+                                  </p:childTnLst>
+                                </p:cTn>
+                              </p:par>
+                            </p:childTnLst>
+                          </p:cTn>
+                        </p:par>
+                      </p:childTnLst>
+                    </p:cTn>
+                  </p:par>
+                  <p:par>
+                    <p:cTn id="21" fill="hold">
+                      <p:stCondLst>
+                        <p:cond delay="indefinite"/>
+                      </p:stCondLst>
+                      <p:childTnLst>
+                        <p:par>
+                          <p:cTn id="22" fill="hold">
+                            <p:stCondLst>
+                              <p:cond delay="0"/>
+                            </p:stCondLst>
+                            <p:childTnLst>
+                              <p:par>
+                                <p:cTn id="23" presetID="10" presetClass="entr" presetSubtype="0" fill="hold" grpId="0" nodeType="clickEffect">
+                                  <p:stCondLst>
+                                    <p:cond delay="0"/>
+                                  </p:stCondLst>
+                                  <p:childTnLst>
+                                    <p:set>
+                                      <p:cBhvr>
+                                        <p:cTn id="24" dur="1" fill="hold">
+                                          <p:stCondLst>
+                                            <p:cond delay="0"/>
+                                          </p:stCondLst>
+                                        </p:cTn>
+                                        <p:tgtEl>
+                                          <p:spTgt spid="3">
+                                            <p:txEl>
+                                              <p:pRg st="4" end="4"/>
+                                            </p:txEl>
+                                          </p:spTgt>
+                                        </p:tgtEl>
+                                        <p:attrNameLst>
+                                          <p:attrName>style.visibility</p:attrName>
+                                        </p:attrNameLst>
+                                      </p:cBhvr>
+                                      <p:to>
+                                        <p:strVal val="visible"/>
+                                      </p:to>
+                                    </p:set>
+                                    <p:animEffect transition="in" filter="fade">
+                                      <p:cBhvr>
+                                        <p:cTn id="25" dur="500"/>
+                                        <p:tgtEl>
+                                          <p:spTgt spid="3">
+                                            <p:txEl>
+                                              <p:pRg st="4" end="4"/>
                                             </p:txEl>
                                           </p:spTgt>
                                         </p:tgtEl>
@@ -5215,7 +4844,9 @@
         </p:nvSpPr>
         <p:spPr/>
         <p:txBody>
-          <a:bodyPr/>
+          <a:bodyPr>
+            <a:normAutofit fontScale="92500" lnSpcReduction="10000"/>
+          </a:bodyPr>
           <a:lstStyle/>
           <a:p>
             <a:r>
@@ -5224,15 +4855,43 @@
             </a:r>
           </a:p>
           <a:p>
+            <a:pPr lvl="1"/>
+            <a:r>
+              <a:rPr lang="ru-RU" dirty="0"/>
+              <a:t>Реализация может настраиваться во время выполнения</a:t>
+            </a:r>
+          </a:p>
+          <a:p>
+            <a:pPr lvl="1"/>
+            <a:r>
+              <a:rPr lang="ru-RU" dirty="0"/>
+              <a:t>Объект может динамически менять свою реализацию</a:t>
+            </a:r>
+          </a:p>
+          <a:p>
             <a:r>
               <a:rPr lang="ru-RU" dirty="0"/>
               <a:t>Повышение степени расширяемости</a:t>
             </a:r>
           </a:p>
           <a:p>
+            <a:pPr lvl="1"/>
+            <a:r>
+              <a:rPr lang="ru-RU" dirty="0"/>
+              <a:t>Иерархии абстракции и реализации расширяются независимо</a:t>
+            </a:r>
+          </a:p>
+          <a:p>
             <a:r>
               <a:rPr lang="ru-RU" dirty="0"/>
               <a:t>Сокрытие деталей реализации от клиентов</a:t>
+            </a:r>
+          </a:p>
+          <a:p>
+            <a:pPr lvl="1"/>
+            <a:r>
+              <a:rPr lang="ru-RU" dirty="0"/>
+              <a:t>Информация о совместном использовании экземпляров реализаций скрыта от клиентов</a:t>
             </a:r>
           </a:p>
           <a:p>
@@ -5322,33 +4981,15 @@
                                   </p:childTnLst>
                                 </p:cTn>
                               </p:par>
-                            </p:childTnLst>
-                          </p:cTn>
-                        </p:par>
-                      </p:childTnLst>
-                    </p:cTn>
-                  </p:par>
-                  <p:par>
-                    <p:cTn id="8" fill="hold">
-                      <p:stCondLst>
-                        <p:cond delay="indefinite"/>
-                      </p:stCondLst>
-                      <p:childTnLst>
-                        <p:par>
-                          <p:cTn id="9" fill="hold">
-                            <p:stCondLst>
-                              <p:cond delay="0"/>
-                            </p:stCondLst>
-                            <p:childTnLst>
                               <p:par>
-                                <p:cTn id="10" presetID="10" presetClass="entr" presetSubtype="0" fill="hold" grpId="0" nodeType="clickEffect">
+                                <p:cTn id="8" presetID="10" presetClass="entr" presetSubtype="0" fill="hold" grpId="0" nodeType="withEffect">
                                   <p:stCondLst>
                                     <p:cond delay="0"/>
                                   </p:stCondLst>
                                   <p:childTnLst>
                                     <p:set>
                                       <p:cBhvr>
-                                        <p:cTn id="11" dur="1" fill="hold">
+                                        <p:cTn id="9" dur="1" fill="hold">
                                           <p:stCondLst>
                                             <p:cond delay="0"/>
                                           </p:stCondLst>
@@ -5370,7 +5011,7 @@
                                     </p:set>
                                     <p:animEffect transition="in" filter="fade">
                                       <p:cBhvr>
-                                        <p:cTn id="12" dur="500"/>
+                                        <p:cTn id="10" dur="500"/>
                                         <p:tgtEl>
                                           <p:spTgt spid="3">
                                             <p:txEl>
@@ -5383,33 +5024,15 @@
                                   </p:childTnLst>
                                 </p:cTn>
                               </p:par>
-                            </p:childTnLst>
-                          </p:cTn>
-                        </p:par>
-                      </p:childTnLst>
-                    </p:cTn>
-                  </p:par>
-                  <p:par>
-                    <p:cTn id="13" fill="hold">
-                      <p:stCondLst>
-                        <p:cond delay="indefinite"/>
-                      </p:stCondLst>
-                      <p:childTnLst>
-                        <p:par>
-                          <p:cTn id="14" fill="hold">
-                            <p:stCondLst>
-                              <p:cond delay="0"/>
-                            </p:stCondLst>
-                            <p:childTnLst>
                               <p:par>
-                                <p:cTn id="15" presetID="10" presetClass="entr" presetSubtype="0" fill="hold" grpId="0" nodeType="clickEffect">
+                                <p:cTn id="11" presetID="10" presetClass="entr" presetSubtype="0" fill="hold" grpId="0" nodeType="withEffect">
                                   <p:stCondLst>
                                     <p:cond delay="0"/>
                                   </p:stCondLst>
                                   <p:childTnLst>
                                     <p:set>
                                       <p:cBhvr>
-                                        <p:cTn id="16" dur="1" fill="hold">
+                                        <p:cTn id="12" dur="1" fill="hold">
                                           <p:stCondLst>
                                             <p:cond delay="0"/>
                                           </p:stCondLst>
@@ -5431,7 +5054,7 @@
                                     </p:set>
                                     <p:animEffect transition="in" filter="fade">
                                       <p:cBhvr>
-                                        <p:cTn id="17" dur="500"/>
+                                        <p:cTn id="13" dur="500"/>
                                         <p:tgtEl>
                                           <p:spTgt spid="3">
                                             <p:txEl>
@@ -5451,26 +5074,26 @@
                     </p:cTn>
                   </p:par>
                   <p:par>
-                    <p:cTn id="18" fill="hold">
+                    <p:cTn id="14" fill="hold">
                       <p:stCondLst>
                         <p:cond delay="indefinite"/>
                       </p:stCondLst>
                       <p:childTnLst>
                         <p:par>
-                          <p:cTn id="19" fill="hold">
+                          <p:cTn id="15" fill="hold">
                             <p:stCondLst>
                               <p:cond delay="0"/>
                             </p:stCondLst>
                             <p:childTnLst>
                               <p:par>
-                                <p:cTn id="20" presetID="10" presetClass="entr" presetSubtype="0" fill="hold" grpId="0" nodeType="clickEffect">
+                                <p:cTn id="16" presetID="10" presetClass="entr" presetSubtype="0" fill="hold" grpId="0" nodeType="clickEffect">
                                   <p:stCondLst>
                                     <p:cond delay="0"/>
                                   </p:stCondLst>
                                   <p:childTnLst>
                                     <p:set>
                                       <p:cBhvr>
-                                        <p:cTn id="21" dur="1" fill="hold">
+                                        <p:cTn id="17" dur="1" fill="hold">
                                           <p:stCondLst>
                                             <p:cond delay="0"/>
                                           </p:stCondLst>
@@ -5492,7 +5115,7 @@
                                     </p:set>
                                     <p:animEffect transition="in" filter="fade">
                                       <p:cBhvr>
-                                        <p:cTn id="22" dur="500"/>
+                                        <p:cTn id="18" dur="500"/>
                                         <p:tgtEl>
                                           <p:spTgt spid="3">
                                             <p:txEl>
@@ -5505,33 +5128,15 @@
                                   </p:childTnLst>
                                 </p:cTn>
                               </p:par>
-                            </p:childTnLst>
-                          </p:cTn>
-                        </p:par>
-                      </p:childTnLst>
-                    </p:cTn>
-                  </p:par>
-                  <p:par>
-                    <p:cTn id="23" fill="hold">
-                      <p:stCondLst>
-                        <p:cond delay="indefinite"/>
-                      </p:stCondLst>
-                      <p:childTnLst>
-                        <p:par>
-                          <p:cTn id="24" fill="hold">
-                            <p:stCondLst>
-                              <p:cond delay="0"/>
-                            </p:stCondLst>
-                            <p:childTnLst>
                               <p:par>
-                                <p:cTn id="25" presetID="10" presetClass="entr" presetSubtype="0" fill="hold" grpId="0" nodeType="clickEffect">
+                                <p:cTn id="19" presetID="10" presetClass="entr" presetSubtype="0" fill="hold" grpId="0" nodeType="withEffect">
                                   <p:stCondLst>
                                     <p:cond delay="0"/>
                                   </p:stCondLst>
                                   <p:childTnLst>
                                     <p:set>
                                       <p:cBhvr>
-                                        <p:cTn id="26" dur="1" fill="hold">
+                                        <p:cTn id="20" dur="1" fill="hold">
                                           <p:stCondLst>
                                             <p:cond delay="0"/>
                                           </p:stCondLst>
@@ -5553,11 +5158,237 @@
                                     </p:set>
                                     <p:animEffect transition="in" filter="fade">
                                       <p:cBhvr>
-                                        <p:cTn id="27" dur="500"/>
+                                        <p:cTn id="21" dur="500"/>
                                         <p:tgtEl>
                                           <p:spTgt spid="3">
                                             <p:txEl>
                                               <p:pRg st="4" end="4"/>
+                                            </p:txEl>
+                                          </p:spTgt>
+                                        </p:tgtEl>
+                                      </p:cBhvr>
+                                    </p:animEffect>
+                                  </p:childTnLst>
+                                </p:cTn>
+                              </p:par>
+                            </p:childTnLst>
+                          </p:cTn>
+                        </p:par>
+                      </p:childTnLst>
+                    </p:cTn>
+                  </p:par>
+                  <p:par>
+                    <p:cTn id="22" fill="hold">
+                      <p:stCondLst>
+                        <p:cond delay="indefinite"/>
+                      </p:stCondLst>
+                      <p:childTnLst>
+                        <p:par>
+                          <p:cTn id="23" fill="hold">
+                            <p:stCondLst>
+                              <p:cond delay="0"/>
+                            </p:stCondLst>
+                            <p:childTnLst>
+                              <p:par>
+                                <p:cTn id="24" presetID="10" presetClass="entr" presetSubtype="0" fill="hold" grpId="0" nodeType="clickEffect">
+                                  <p:stCondLst>
+                                    <p:cond delay="0"/>
+                                  </p:stCondLst>
+                                  <p:childTnLst>
+                                    <p:set>
+                                      <p:cBhvr>
+                                        <p:cTn id="25" dur="1" fill="hold">
+                                          <p:stCondLst>
+                                            <p:cond delay="0"/>
+                                          </p:stCondLst>
+                                        </p:cTn>
+                                        <p:tgtEl>
+                                          <p:spTgt spid="3">
+                                            <p:txEl>
+                                              <p:pRg st="5" end="5"/>
+                                            </p:txEl>
+                                          </p:spTgt>
+                                        </p:tgtEl>
+                                        <p:attrNameLst>
+                                          <p:attrName>style.visibility</p:attrName>
+                                        </p:attrNameLst>
+                                      </p:cBhvr>
+                                      <p:to>
+                                        <p:strVal val="visible"/>
+                                      </p:to>
+                                    </p:set>
+                                    <p:animEffect transition="in" filter="fade">
+                                      <p:cBhvr>
+                                        <p:cTn id="26" dur="500"/>
+                                        <p:tgtEl>
+                                          <p:spTgt spid="3">
+                                            <p:txEl>
+                                              <p:pRg st="5" end="5"/>
+                                            </p:txEl>
+                                          </p:spTgt>
+                                        </p:tgtEl>
+                                      </p:cBhvr>
+                                    </p:animEffect>
+                                  </p:childTnLst>
+                                </p:cTn>
+                              </p:par>
+                              <p:par>
+                                <p:cTn id="27" presetID="10" presetClass="entr" presetSubtype="0" fill="hold" grpId="0" nodeType="withEffect">
+                                  <p:stCondLst>
+                                    <p:cond delay="0"/>
+                                  </p:stCondLst>
+                                  <p:childTnLst>
+                                    <p:set>
+                                      <p:cBhvr>
+                                        <p:cTn id="28" dur="1" fill="hold">
+                                          <p:stCondLst>
+                                            <p:cond delay="0"/>
+                                          </p:stCondLst>
+                                        </p:cTn>
+                                        <p:tgtEl>
+                                          <p:spTgt spid="3">
+                                            <p:txEl>
+                                              <p:pRg st="6" end="6"/>
+                                            </p:txEl>
+                                          </p:spTgt>
+                                        </p:tgtEl>
+                                        <p:attrNameLst>
+                                          <p:attrName>style.visibility</p:attrName>
+                                        </p:attrNameLst>
+                                      </p:cBhvr>
+                                      <p:to>
+                                        <p:strVal val="visible"/>
+                                      </p:to>
+                                    </p:set>
+                                    <p:animEffect transition="in" filter="fade">
+                                      <p:cBhvr>
+                                        <p:cTn id="29" dur="500"/>
+                                        <p:tgtEl>
+                                          <p:spTgt spid="3">
+                                            <p:txEl>
+                                              <p:pRg st="6" end="6"/>
+                                            </p:txEl>
+                                          </p:spTgt>
+                                        </p:tgtEl>
+                                      </p:cBhvr>
+                                    </p:animEffect>
+                                  </p:childTnLst>
+                                </p:cTn>
+                              </p:par>
+                            </p:childTnLst>
+                          </p:cTn>
+                        </p:par>
+                      </p:childTnLst>
+                    </p:cTn>
+                  </p:par>
+                  <p:par>
+                    <p:cTn id="30" fill="hold">
+                      <p:stCondLst>
+                        <p:cond delay="indefinite"/>
+                      </p:stCondLst>
+                      <p:childTnLst>
+                        <p:par>
+                          <p:cTn id="31" fill="hold">
+                            <p:stCondLst>
+                              <p:cond delay="0"/>
+                            </p:stCondLst>
+                            <p:childTnLst>
+                              <p:par>
+                                <p:cTn id="32" presetID="10" presetClass="entr" presetSubtype="0" fill="hold" grpId="0" nodeType="clickEffect">
+                                  <p:stCondLst>
+                                    <p:cond delay="0"/>
+                                  </p:stCondLst>
+                                  <p:childTnLst>
+                                    <p:set>
+                                      <p:cBhvr>
+                                        <p:cTn id="33" dur="1" fill="hold">
+                                          <p:stCondLst>
+                                            <p:cond delay="0"/>
+                                          </p:stCondLst>
+                                        </p:cTn>
+                                        <p:tgtEl>
+                                          <p:spTgt spid="3">
+                                            <p:txEl>
+                                              <p:pRg st="7" end="7"/>
+                                            </p:txEl>
+                                          </p:spTgt>
+                                        </p:tgtEl>
+                                        <p:attrNameLst>
+                                          <p:attrName>style.visibility</p:attrName>
+                                        </p:attrNameLst>
+                                      </p:cBhvr>
+                                      <p:to>
+                                        <p:strVal val="visible"/>
+                                      </p:to>
+                                    </p:set>
+                                    <p:animEffect transition="in" filter="fade">
+                                      <p:cBhvr>
+                                        <p:cTn id="34" dur="500"/>
+                                        <p:tgtEl>
+                                          <p:spTgt spid="3">
+                                            <p:txEl>
+                                              <p:pRg st="7" end="7"/>
+                                            </p:txEl>
+                                          </p:spTgt>
+                                        </p:tgtEl>
+                                      </p:cBhvr>
+                                    </p:animEffect>
+                                  </p:childTnLst>
+                                </p:cTn>
+                              </p:par>
+                            </p:childTnLst>
+                          </p:cTn>
+                        </p:par>
+                      </p:childTnLst>
+                    </p:cTn>
+                  </p:par>
+                  <p:par>
+                    <p:cTn id="35" fill="hold">
+                      <p:stCondLst>
+                        <p:cond delay="indefinite"/>
+                      </p:stCondLst>
+                      <p:childTnLst>
+                        <p:par>
+                          <p:cTn id="36" fill="hold">
+                            <p:stCondLst>
+                              <p:cond delay="0"/>
+                            </p:stCondLst>
+                            <p:childTnLst>
+                              <p:par>
+                                <p:cTn id="37" presetID="10" presetClass="entr" presetSubtype="0" fill="hold" grpId="0" nodeType="clickEffect">
+                                  <p:stCondLst>
+                                    <p:cond delay="0"/>
+                                  </p:stCondLst>
+                                  <p:childTnLst>
+                                    <p:set>
+                                      <p:cBhvr>
+                                        <p:cTn id="38" dur="1" fill="hold">
+                                          <p:stCondLst>
+                                            <p:cond delay="0"/>
+                                          </p:stCondLst>
+                                        </p:cTn>
+                                        <p:tgtEl>
+                                          <p:spTgt spid="3">
+                                            <p:txEl>
+                                              <p:pRg st="8" end="8"/>
+                                            </p:txEl>
+                                          </p:spTgt>
+                                        </p:tgtEl>
+                                        <p:attrNameLst>
+                                          <p:attrName>style.visibility</p:attrName>
+                                        </p:attrNameLst>
+                                      </p:cBhvr>
+                                      <p:to>
+                                        <p:strVal val="visible"/>
+                                      </p:to>
+                                    </p:set>
+                                    <p:animEffect transition="in" filter="fade">
+                                      <p:cBhvr>
+                                        <p:cTn id="39" dur="500"/>
+                                        <p:tgtEl>
+                                          <p:spTgt spid="3">
+                                            <p:txEl>
+                                              <p:pRg st="8" end="8"/>
                                             </p:txEl>
                                           </p:spTgt>
                                         </p:tgtEl>
@@ -5693,7 +5524,13 @@
       </p:grpSpPr>
       <p:sp>
         <p:nvSpPr>
-          <p:cNvPr id="2" name="Title 1"/>
+          <p:cNvPr id="2" name="Title 1">
+            <a:extLst>
+              <a:ext uri="{FF2B5EF4-FFF2-40B4-BE49-F238E27FC236}">
+                <a16:creationId xmlns:a16="http://schemas.microsoft.com/office/drawing/2014/main" id="{2076B89D-80F3-45A8-B039-FE10D1532C0B}"/>
+              </a:ext>
+            </a:extLst>
+          </p:cNvPr>
           <p:cNvSpPr>
             <a:spLocks noGrp="1"/>
           </p:cNvSpPr>
@@ -5708,48 +5545,161 @@
           <a:p>
             <a:r>
               <a:rPr lang="ru-RU" dirty="0"/>
-              <a:t>Связь с паттерном </a:t>
+              <a:t>Вариации паттерна</a:t>
+            </a:r>
+          </a:p>
+        </p:txBody>
+      </p:sp>
+      <p:sp>
+        <p:nvSpPr>
+          <p:cNvPr id="3" name="Content Placeholder 2">
+            <a:extLst>
+              <a:ext uri="{FF2B5EF4-FFF2-40B4-BE49-F238E27FC236}">
+                <a16:creationId xmlns:a16="http://schemas.microsoft.com/office/drawing/2014/main" id="{68FA5DEB-7D0B-4D53-A6BD-28057DD398DE}"/>
+              </a:ext>
+            </a:extLst>
+          </p:cNvPr>
+          <p:cNvSpPr>
+            <a:spLocks noGrp="1"/>
+          </p:cNvSpPr>
+          <p:nvPr>
+            <p:ph idx="1"/>
+          </p:nvPr>
+        </p:nvSpPr>
+        <p:spPr/>
+        <p:txBody>
+          <a:bodyPr>
+            <a:normAutofit lnSpcReduction="10000"/>
+          </a:bodyPr>
+          <a:lstStyle/>
+          <a:p>
+            <a:r>
+              <a:rPr lang="ru-RU" dirty="0"/>
+              <a:t>Делать ли </a:t>
             </a:r>
             <a:r>
               <a:rPr lang="en-US" dirty="0"/>
-              <a:t>Adapter</a:t>
+              <a:t>Implementor </a:t>
+            </a:r>
+            <a:r>
+              <a:rPr lang="ru-RU" dirty="0"/>
+              <a:t>интерфейсом</a:t>
+            </a:r>
+            <a:r>
+              <a:rPr lang="en-US" dirty="0"/>
+              <a:t>?</a:t>
             </a:r>
             <a:endParaRPr lang="ru-RU" dirty="0"/>
           </a:p>
-        </p:txBody>
-      </p:sp>
-      <p:sp>
-        <p:nvSpPr>
-          <p:cNvPr id="3" name="Content Placeholder 2"/>
-          <p:cNvSpPr>
-            <a:spLocks noGrp="1"/>
-          </p:cNvSpPr>
-          <p:nvPr>
-            <p:ph idx="1"/>
-          </p:nvPr>
-        </p:nvSpPr>
-        <p:spPr/>
-        <p:txBody>
-          <a:bodyPr/>
-          <a:lstStyle/>
-          <a:p>
+          <a:p>
+            <a:pPr lvl="1"/>
             <a:r>
               <a:rPr lang="ru-RU" dirty="0"/>
-              <a:t>Мост проектируют заранее, чтобы развивать части приложения отдельно друг от друга</a:t>
+              <a:t>Если реализация только одна, то можно сделать обычным классом</a:t>
             </a:r>
           </a:p>
           <a:p>
             <a:r>
               <a:rPr lang="ru-RU" dirty="0"/>
-              <a:t>Адаптер применяется постфактум, чтобы заставить несовместимые классы работать вместе</a:t>
-            </a:r>
+              <a:t>Кто конструирует </a:t>
+            </a:r>
+            <a:r>
+              <a:rPr lang="en-US" dirty="0" err="1"/>
+              <a:t>ConcreteImplementor</a:t>
+            </a:r>
+            <a:r>
+              <a:rPr lang="en-US" dirty="0"/>
+              <a:t>?</a:t>
+            </a:r>
+          </a:p>
+          <a:p>
+            <a:pPr lvl="1"/>
+            <a:r>
+              <a:rPr lang="ru-RU" dirty="0"/>
+              <a:t>Класс </a:t>
+            </a:r>
+            <a:r>
+              <a:rPr lang="en-US" dirty="0"/>
+              <a:t>Abstraction </a:t>
+            </a:r>
+            <a:r>
+              <a:rPr lang="ru-RU" dirty="0"/>
+              <a:t>в своём конструкторе</a:t>
+            </a:r>
+            <a:endParaRPr lang="en-US" dirty="0"/>
+          </a:p>
+          <a:p>
+            <a:pPr lvl="1"/>
+            <a:r>
+              <a:rPr lang="ru-RU" dirty="0"/>
+              <a:t>Поручить абстрактной фабрике</a:t>
+            </a:r>
+          </a:p>
+          <a:p>
+            <a:r>
+              <a:rPr lang="ru-RU" dirty="0"/>
+              <a:t>Совместное использование реализаций</a:t>
+            </a:r>
+          </a:p>
+          <a:p>
+            <a:pPr lvl="1"/>
+            <a:r>
+              <a:rPr lang="ru-RU" dirty="0"/>
+              <a:t>Счётчик ссылок</a:t>
+            </a:r>
+            <a:r>
+              <a:rPr lang="en-US" dirty="0"/>
+              <a:t>?</a:t>
+            </a:r>
+          </a:p>
+          <a:p>
+            <a:r>
+              <a:rPr lang="ru-RU" dirty="0"/>
+              <a:t>Можно ли </a:t>
+            </a:r>
+            <a:r>
+              <a:rPr lang="ru-RU" dirty="0" err="1"/>
+              <a:t>релизовать</a:t>
+            </a:r>
+            <a:r>
+              <a:rPr lang="ru-RU" dirty="0"/>
+              <a:t> </a:t>
+            </a:r>
+            <a:r>
+              <a:rPr lang="en-US" dirty="0"/>
+              <a:t>Abstraction </a:t>
+            </a:r>
+            <a:r>
+              <a:rPr lang="ru-RU" dirty="0"/>
+              <a:t>и </a:t>
+            </a:r>
+            <a:r>
+              <a:rPr lang="en-US" dirty="0"/>
+              <a:t>Implementation</a:t>
+            </a:r>
+            <a:r>
+              <a:rPr lang="ru-RU" dirty="0"/>
+              <a:t> в одном классе</a:t>
+            </a:r>
+            <a:r>
+              <a:rPr lang="en-US" dirty="0"/>
+              <a:t>?</a:t>
+            </a:r>
+          </a:p>
+          <a:p>
+            <a:pPr lvl="1"/>
+            <a:r>
+              <a:rPr lang="ru-RU" dirty="0"/>
+              <a:t>Да, но это жёстко привязывает реализацию к ее интерфейсу</a:t>
+            </a:r>
+            <a:endParaRPr lang="en-US" dirty="0"/>
           </a:p>
         </p:txBody>
       </p:sp>
     </p:spTree>
     <p:extLst>
       <p:ext uri="{BB962C8B-B14F-4D97-AF65-F5344CB8AC3E}">
-        <p14:creationId xmlns:p14="http://schemas.microsoft.com/office/powerpoint/2010/main" val="928395468"/>
+        <p14:creationId xmlns:p14="http://schemas.microsoft.com/office/powerpoint/2010/main" val="750625283"/>
       </p:ext>
     </p:extLst>
   </p:cSld>
@@ -5819,33 +5769,15 @@
                                   </p:childTnLst>
                                 </p:cTn>
                               </p:par>
-                            </p:childTnLst>
-                          </p:cTn>
-                        </p:par>
-                      </p:childTnLst>
-                    </p:cTn>
-                  </p:par>
-                  <p:par>
-                    <p:cTn id="8" fill="hold">
-                      <p:stCondLst>
-                        <p:cond delay="indefinite"/>
-                      </p:stCondLst>
-                      <p:childTnLst>
-                        <p:par>
-                          <p:cTn id="9" fill="hold">
-                            <p:stCondLst>
-                              <p:cond delay="0"/>
-                            </p:stCondLst>
-                            <p:childTnLst>
                               <p:par>
-                                <p:cTn id="10" presetID="10" presetClass="entr" presetSubtype="0" fill="hold" grpId="0" nodeType="clickEffect">
+                                <p:cTn id="8" presetID="10" presetClass="entr" presetSubtype="0" fill="hold" grpId="0" nodeType="withEffect">
                                   <p:stCondLst>
                                     <p:cond delay="0"/>
                                   </p:stCondLst>
                                   <p:childTnLst>
                                     <p:set>
                                       <p:cBhvr>
-                                        <p:cTn id="11" dur="1" fill="hold">
+                                        <p:cTn id="9" dur="1" fill="hold">
                                           <p:stCondLst>
                                             <p:cond delay="0"/>
                                           </p:stCondLst>
@@ -5867,11 +5799,366 @@
                                     </p:set>
                                     <p:animEffect transition="in" filter="fade">
                                       <p:cBhvr>
-                                        <p:cTn id="12" dur="500"/>
+                                        <p:cTn id="10" dur="500"/>
                                         <p:tgtEl>
                                           <p:spTgt spid="3">
                                             <p:txEl>
                                               <p:pRg st="1" end="1"/>
+                                            </p:txEl>
+                                          </p:spTgt>
+                                        </p:tgtEl>
+                                      </p:cBhvr>
+                                    </p:animEffect>
+                                  </p:childTnLst>
+                                </p:cTn>
+                              </p:par>
+                            </p:childTnLst>
+                          </p:cTn>
+                        </p:par>
+                      </p:childTnLst>
+                    </p:cTn>
+                  </p:par>
+                  <p:par>
+                    <p:cTn id="11" fill="hold">
+                      <p:stCondLst>
+                        <p:cond delay="indefinite"/>
+                      </p:stCondLst>
+                      <p:childTnLst>
+                        <p:par>
+                          <p:cTn id="12" fill="hold">
+                            <p:stCondLst>
+                              <p:cond delay="0"/>
+                            </p:stCondLst>
+                            <p:childTnLst>
+                              <p:par>
+                                <p:cTn id="13" presetID="10" presetClass="entr" presetSubtype="0" fill="hold" grpId="0" nodeType="clickEffect">
+                                  <p:stCondLst>
+                                    <p:cond delay="0"/>
+                                  </p:stCondLst>
+                                  <p:childTnLst>
+                                    <p:set>
+                                      <p:cBhvr>
+                                        <p:cTn id="14" dur="1" fill="hold">
+                                          <p:stCondLst>
+                                            <p:cond delay="0"/>
+                                          </p:stCondLst>
+                                        </p:cTn>
+                                        <p:tgtEl>
+                                          <p:spTgt spid="3">
+                                            <p:txEl>
+                                              <p:pRg st="2" end="2"/>
+                                            </p:txEl>
+                                          </p:spTgt>
+                                        </p:tgtEl>
+                                        <p:attrNameLst>
+                                          <p:attrName>style.visibility</p:attrName>
+                                        </p:attrNameLst>
+                                      </p:cBhvr>
+                                      <p:to>
+                                        <p:strVal val="visible"/>
+                                      </p:to>
+                                    </p:set>
+                                    <p:animEffect transition="in" filter="fade">
+                                      <p:cBhvr>
+                                        <p:cTn id="15" dur="500"/>
+                                        <p:tgtEl>
+                                          <p:spTgt spid="3">
+                                            <p:txEl>
+                                              <p:pRg st="2" end="2"/>
+                                            </p:txEl>
+                                          </p:spTgt>
+                                        </p:tgtEl>
+                                      </p:cBhvr>
+                                    </p:animEffect>
+                                  </p:childTnLst>
+                                </p:cTn>
+                              </p:par>
+                              <p:par>
+                                <p:cTn id="16" presetID="10" presetClass="entr" presetSubtype="0" fill="hold" grpId="0" nodeType="withEffect">
+                                  <p:stCondLst>
+                                    <p:cond delay="0"/>
+                                  </p:stCondLst>
+                                  <p:childTnLst>
+                                    <p:set>
+                                      <p:cBhvr>
+                                        <p:cTn id="17" dur="1" fill="hold">
+                                          <p:stCondLst>
+                                            <p:cond delay="0"/>
+                                          </p:stCondLst>
+                                        </p:cTn>
+                                        <p:tgtEl>
+                                          <p:spTgt spid="3">
+                                            <p:txEl>
+                                              <p:pRg st="3" end="3"/>
+                                            </p:txEl>
+                                          </p:spTgt>
+                                        </p:tgtEl>
+                                        <p:attrNameLst>
+                                          <p:attrName>style.visibility</p:attrName>
+                                        </p:attrNameLst>
+                                      </p:cBhvr>
+                                      <p:to>
+                                        <p:strVal val="visible"/>
+                                      </p:to>
+                                    </p:set>
+                                    <p:animEffect transition="in" filter="fade">
+                                      <p:cBhvr>
+                                        <p:cTn id="18" dur="500"/>
+                                        <p:tgtEl>
+                                          <p:spTgt spid="3">
+                                            <p:txEl>
+                                              <p:pRg st="3" end="3"/>
+                                            </p:txEl>
+                                          </p:spTgt>
+                                        </p:tgtEl>
+                                      </p:cBhvr>
+                                    </p:animEffect>
+                                  </p:childTnLst>
+                                </p:cTn>
+                              </p:par>
+                              <p:par>
+                                <p:cTn id="19" presetID="10" presetClass="entr" presetSubtype="0" fill="hold" grpId="0" nodeType="withEffect">
+                                  <p:stCondLst>
+                                    <p:cond delay="0"/>
+                                  </p:stCondLst>
+                                  <p:childTnLst>
+                                    <p:set>
+                                      <p:cBhvr>
+                                        <p:cTn id="20" dur="1" fill="hold">
+                                          <p:stCondLst>
+                                            <p:cond delay="0"/>
+                                          </p:stCondLst>
+                                        </p:cTn>
+                                        <p:tgtEl>
+                                          <p:spTgt spid="3">
+                                            <p:txEl>
+                                              <p:pRg st="4" end="4"/>
+                                            </p:txEl>
+                                          </p:spTgt>
+                                        </p:tgtEl>
+                                        <p:attrNameLst>
+                                          <p:attrName>style.visibility</p:attrName>
+                                        </p:attrNameLst>
+                                      </p:cBhvr>
+                                      <p:to>
+                                        <p:strVal val="visible"/>
+                                      </p:to>
+                                    </p:set>
+                                    <p:animEffect transition="in" filter="fade">
+                                      <p:cBhvr>
+                                        <p:cTn id="21" dur="500"/>
+                                        <p:tgtEl>
+                                          <p:spTgt spid="3">
+                                            <p:txEl>
+                                              <p:pRg st="4" end="4"/>
+                                            </p:txEl>
+                                          </p:spTgt>
+                                        </p:tgtEl>
+                                      </p:cBhvr>
+                                    </p:animEffect>
+                                  </p:childTnLst>
+                                </p:cTn>
+                              </p:par>
+                            </p:childTnLst>
+                          </p:cTn>
+                        </p:par>
+                      </p:childTnLst>
+                    </p:cTn>
+                  </p:par>
+                  <p:par>
+                    <p:cTn id="22" fill="hold">
+                      <p:stCondLst>
+                        <p:cond delay="indefinite"/>
+                      </p:stCondLst>
+                      <p:childTnLst>
+                        <p:par>
+                          <p:cTn id="23" fill="hold">
+                            <p:stCondLst>
+                              <p:cond delay="0"/>
+                            </p:stCondLst>
+                            <p:childTnLst>
+                              <p:par>
+                                <p:cTn id="24" presetID="10" presetClass="entr" presetSubtype="0" fill="hold" grpId="0" nodeType="clickEffect">
+                                  <p:stCondLst>
+                                    <p:cond delay="0"/>
+                                  </p:stCondLst>
+                                  <p:childTnLst>
+                                    <p:set>
+                                      <p:cBhvr>
+                                        <p:cTn id="25" dur="1" fill="hold">
+                                          <p:stCondLst>
+                                            <p:cond delay="0"/>
+                                          </p:stCondLst>
+                                        </p:cTn>
+                                        <p:tgtEl>
+                                          <p:spTgt spid="3">
+                                            <p:txEl>
+                                              <p:pRg st="5" end="5"/>
+                                            </p:txEl>
+                                          </p:spTgt>
+                                        </p:tgtEl>
+                                        <p:attrNameLst>
+                                          <p:attrName>style.visibility</p:attrName>
+                                        </p:attrNameLst>
+                                      </p:cBhvr>
+                                      <p:to>
+                                        <p:strVal val="visible"/>
+                                      </p:to>
+                                    </p:set>
+                                    <p:animEffect transition="in" filter="fade">
+                                      <p:cBhvr>
+                                        <p:cTn id="26" dur="500"/>
+                                        <p:tgtEl>
+                                          <p:spTgt spid="3">
+                                            <p:txEl>
+                                              <p:pRg st="5" end="5"/>
+                                            </p:txEl>
+                                          </p:spTgt>
+                                        </p:tgtEl>
+                                      </p:cBhvr>
+                                    </p:animEffect>
+                                  </p:childTnLst>
+                                </p:cTn>
+                              </p:par>
+                              <p:par>
+                                <p:cTn id="27" presetID="10" presetClass="entr" presetSubtype="0" fill="hold" grpId="0" nodeType="withEffect">
+                                  <p:stCondLst>
+                                    <p:cond delay="0"/>
+                                  </p:stCondLst>
+                                  <p:childTnLst>
+                                    <p:set>
+                                      <p:cBhvr>
+                                        <p:cTn id="28" dur="1" fill="hold">
+                                          <p:stCondLst>
+                                            <p:cond delay="0"/>
+                                          </p:stCondLst>
+                                        </p:cTn>
+                                        <p:tgtEl>
+                                          <p:spTgt spid="3">
+                                            <p:txEl>
+                                              <p:pRg st="6" end="6"/>
+                                            </p:txEl>
+                                          </p:spTgt>
+                                        </p:tgtEl>
+                                        <p:attrNameLst>
+                                          <p:attrName>style.visibility</p:attrName>
+                                        </p:attrNameLst>
+                                      </p:cBhvr>
+                                      <p:to>
+                                        <p:strVal val="visible"/>
+                                      </p:to>
+                                    </p:set>
+                                    <p:animEffect transition="in" filter="fade">
+                                      <p:cBhvr>
+                                        <p:cTn id="29" dur="500"/>
+                                        <p:tgtEl>
+                                          <p:spTgt spid="3">
+                                            <p:txEl>
+                                              <p:pRg st="6" end="6"/>
+                                            </p:txEl>
+                                          </p:spTgt>
+                                        </p:tgtEl>
+                                      </p:cBhvr>
+                                    </p:animEffect>
+                                  </p:childTnLst>
+                                </p:cTn>
+                              </p:par>
+                            </p:childTnLst>
+                          </p:cTn>
+                        </p:par>
+                      </p:childTnLst>
+                    </p:cTn>
+                  </p:par>
+                  <p:par>
+                    <p:cTn id="30" fill="hold">
+                      <p:stCondLst>
+                        <p:cond delay="indefinite"/>
+                      </p:stCondLst>
+                      <p:childTnLst>
+                        <p:par>
+                          <p:cTn id="31" fill="hold">
+                            <p:stCondLst>
+                              <p:cond delay="0"/>
+                            </p:stCondLst>
+                            <p:childTnLst>
+                              <p:par>
+                                <p:cTn id="32" presetID="10" presetClass="entr" presetSubtype="0" fill="hold" grpId="0" nodeType="clickEffect">
+                                  <p:stCondLst>
+                                    <p:cond delay="0"/>
+                                  </p:stCondLst>
+                                  <p:childTnLst>
+                                    <p:set>
+                                      <p:cBhvr>
+                                        <p:cTn id="33" dur="1" fill="hold">
+                                          <p:stCondLst>
+                                            <p:cond delay="0"/>
+                                          </p:stCondLst>
+                                        </p:cTn>
+                                        <p:tgtEl>
+                                          <p:spTgt spid="3">
+                                            <p:txEl>
+                                              <p:pRg st="7" end="7"/>
+                                            </p:txEl>
+                                          </p:spTgt>
+                                        </p:tgtEl>
+                                        <p:attrNameLst>
+                                          <p:attrName>style.visibility</p:attrName>
+                                        </p:attrNameLst>
+                                      </p:cBhvr>
+                                      <p:to>
+                                        <p:strVal val="visible"/>
+                                      </p:to>
+                                    </p:set>
+                                    <p:animEffect transition="in" filter="fade">
+                                      <p:cBhvr>
+                                        <p:cTn id="34" dur="500"/>
+                                        <p:tgtEl>
+                                          <p:spTgt spid="3">
+                                            <p:txEl>
+                                              <p:pRg st="7" end="7"/>
+                                            </p:txEl>
+                                          </p:spTgt>
+                                        </p:tgtEl>
+                                      </p:cBhvr>
+                                    </p:animEffect>
+                                  </p:childTnLst>
+                                </p:cTn>
+                              </p:par>
+                              <p:par>
+                                <p:cTn id="35" presetID="10" presetClass="entr" presetSubtype="0" fill="hold" grpId="0" nodeType="withEffect">
+                                  <p:stCondLst>
+                                    <p:cond delay="0"/>
+                                  </p:stCondLst>
+                                  <p:childTnLst>
+                                    <p:set>
+                                      <p:cBhvr>
+                                        <p:cTn id="36" dur="1" fill="hold">
+                                          <p:stCondLst>
+                                            <p:cond delay="0"/>
+                                          </p:stCondLst>
+                                        </p:cTn>
+                                        <p:tgtEl>
+                                          <p:spTgt spid="3">
+                                            <p:txEl>
+                                              <p:pRg st="8" end="8"/>
+                                            </p:txEl>
+                                          </p:spTgt>
+                                        </p:tgtEl>
+                                        <p:attrNameLst>
+                                          <p:attrName>style.visibility</p:attrName>
+                                        </p:attrNameLst>
+                                      </p:cBhvr>
+                                      <p:to>
+                                        <p:strVal val="visible"/>
+                                      </p:to>
+                                    </p:set>
+                                    <p:animEffect transition="in" filter="fade">
+                                      <p:cBhvr>
+                                        <p:cTn id="37" dur="500"/>
+                                        <p:tgtEl>
+                                          <p:spTgt spid="3">
+                                            <p:txEl>
+                                              <p:pRg st="8" end="8"/>
                                             </p:txEl>
                                           </p:spTgt>
                                         </p:tgtEl>
@@ -5943,42 +6230,45 @@
         </p:nvSpPr>
         <p:spPr/>
         <p:txBody>
-          <a:bodyPr>
-            <a:normAutofit fontScale="90000"/>
-          </a:bodyPr>
-          <a:lstStyle/>
-          <a:p>
-            <a:r>
-              <a:rPr lang="ru-RU" dirty="0"/>
-              <a:t>Связь с паттерном Абстрактная фабрика</a:t>
-            </a:r>
-          </a:p>
-        </p:txBody>
-      </p:sp>
-      <p:sp>
-        <p:nvSpPr>
-          <p:cNvPr id="3" name="Content Placeholder 2"/>
-          <p:cNvSpPr>
-            <a:spLocks noGrp="1"/>
-          </p:cNvSpPr>
-          <p:nvPr>
-            <p:ph idx="1"/>
-          </p:nvPr>
-        </p:nvSpPr>
-        <p:spPr/>
-        <p:txBody>
           <a:bodyPr/>
           <a:lstStyle/>
           <a:p>
             <a:r>
               <a:rPr lang="ru-RU" dirty="0"/>
-              <a:t>Создание экземпляра конкретной реализации клиент может поручить Абстрактной фабрике</a:t>
-            </a:r>
-          </a:p>
+              <a:t>Связь с паттерном </a:t>
+            </a:r>
+            <a:r>
+              <a:rPr lang="en-US" dirty="0"/>
+              <a:t>Adapter</a:t>
+            </a:r>
+            <a:endParaRPr lang="ru-RU" dirty="0"/>
+          </a:p>
+        </p:txBody>
+      </p:sp>
+      <p:sp>
+        <p:nvSpPr>
+          <p:cNvPr id="3" name="Content Placeholder 2"/>
+          <p:cNvSpPr>
+            <a:spLocks noGrp="1"/>
+          </p:cNvSpPr>
+          <p:nvPr>
+            <p:ph idx="1"/>
+          </p:nvPr>
+        </p:nvSpPr>
+        <p:spPr/>
+        <p:txBody>
+          <a:bodyPr/>
+          <a:lstStyle/>
           <a:p>
             <a:r>
               <a:rPr lang="ru-RU" dirty="0"/>
-              <a:t>Абстрактная фабрика может определять типы абстракций и реализаций</a:t>
+              <a:t>Мост проектируют заранее, чтобы развивать части приложения отдельно друг от друга</a:t>
+            </a:r>
+          </a:p>
+          <a:p>
+            <a:r>
+              <a:rPr lang="ru-RU" dirty="0"/>
+              <a:t>Адаптер применяется постфактум, чтобы заставить несовместимые классы работать вместе</a:t>
             </a:r>
           </a:p>
         </p:txBody>
@@ -5986,7 +6276,7 @@
     </p:spTree>
     <p:extLst>
       <p:ext uri="{BB962C8B-B14F-4D97-AF65-F5344CB8AC3E}">
-        <p14:creationId xmlns:p14="http://schemas.microsoft.com/office/powerpoint/2010/main" val="2484615002"/>
+        <p14:creationId xmlns:p14="http://schemas.microsoft.com/office/powerpoint/2010/main" val="928395468"/>
       </p:ext>
     </p:extLst>
   </p:cSld>
@@ -6187,47 +6477,204 @@
           <a:p>
             <a:r>
               <a:rPr lang="ru-RU" dirty="0"/>
-              <a:t>Фабрика окон</a:t>
-            </a:r>
-          </a:p>
-        </p:txBody>
-      </p:sp>
-      <p:pic>
-        <p:nvPicPr>
-          <p:cNvPr id="5" name="Content Placeholder 4"/>
-          <p:cNvPicPr>
-            <a:picLocks noGrp="1" noChangeAspect="1"/>
-          </p:cNvPicPr>
+              <a:t>Связь с паттерном Абстрактная фабрика</a:t>
+            </a:r>
+          </a:p>
+        </p:txBody>
+      </p:sp>
+      <p:sp>
+        <p:nvSpPr>
+          <p:cNvPr id="3" name="Content Placeholder 2"/>
+          <p:cNvSpPr>
+            <a:spLocks noGrp="1"/>
+          </p:cNvSpPr>
           <p:nvPr>
             <p:ph idx="1"/>
           </p:nvPr>
-        </p:nvPicPr>
-        <p:blipFill>
-          <a:blip r:embed="rId2"/>
-          <a:stretch>
-            <a:fillRect/>
-          </a:stretch>
-        </p:blipFill>
-        <p:spPr>
-          <a:xfrm>
-            <a:off x="470231" y="1774825"/>
-            <a:ext cx="8203537" cy="4625975"/>
-          </a:xfrm>
-          <a:prstGeom prst="rect">
-            <a:avLst/>
-          </a:prstGeom>
-        </p:spPr>
-      </p:pic>
+        </p:nvSpPr>
+        <p:spPr/>
+        <p:txBody>
+          <a:bodyPr/>
+          <a:lstStyle/>
+          <a:p>
+            <a:r>
+              <a:rPr lang="ru-RU" dirty="0"/>
+              <a:t>Создание экземпляра конкретной реализации клиент может поручить Абстрактной фабрике</a:t>
+            </a:r>
+          </a:p>
+          <a:p>
+            <a:r>
+              <a:rPr lang="ru-RU" dirty="0"/>
+              <a:t>Абстрактная фабрика может определять типы абстракций и реализаций</a:t>
+            </a:r>
+          </a:p>
+        </p:txBody>
+      </p:sp>
     </p:spTree>
     <p:extLst>
       <p:ext uri="{BB962C8B-B14F-4D97-AF65-F5344CB8AC3E}">
-        <p14:creationId xmlns:p14="http://schemas.microsoft.com/office/powerpoint/2010/main" val="2904014763"/>
+        <p14:creationId xmlns:p14="http://schemas.microsoft.com/office/powerpoint/2010/main" val="2484615002"/>
       </p:ext>
     </p:extLst>
   </p:cSld>
   <p:clrMapOvr>
     <a:masterClrMapping/>
   </p:clrMapOvr>
+  <p:timing>
+    <p:tnLst>
+      <p:par>
+        <p:cTn id="1" dur="indefinite" restart="never" nodeType="tmRoot">
+          <p:childTnLst>
+            <p:seq concurrent="1" nextAc="seek">
+              <p:cTn id="2" dur="indefinite" nodeType="mainSeq">
+                <p:childTnLst>
+                  <p:par>
+                    <p:cTn id="3" fill="hold">
+                      <p:stCondLst>
+                        <p:cond delay="indefinite"/>
+                      </p:stCondLst>
+                      <p:childTnLst>
+                        <p:par>
+                          <p:cTn id="4" fill="hold">
+                            <p:stCondLst>
+                              <p:cond delay="0"/>
+                            </p:stCondLst>
+                            <p:childTnLst>
+                              <p:par>
+                                <p:cTn id="5" presetID="10" presetClass="entr" presetSubtype="0" fill="hold" grpId="0" nodeType="clickEffect">
+                                  <p:stCondLst>
+                                    <p:cond delay="0"/>
+                                  </p:stCondLst>
+                                  <p:childTnLst>
+                                    <p:set>
+                                      <p:cBhvr>
+                                        <p:cTn id="6" dur="1" fill="hold">
+                                          <p:stCondLst>
+                                            <p:cond delay="0"/>
+                                          </p:stCondLst>
+                                        </p:cTn>
+                                        <p:tgtEl>
+                                          <p:spTgt spid="3">
+                                            <p:txEl>
+                                              <p:pRg st="0" end="0"/>
+                                            </p:txEl>
+                                          </p:spTgt>
+                                        </p:tgtEl>
+                                        <p:attrNameLst>
+                                          <p:attrName>style.visibility</p:attrName>
+                                        </p:attrNameLst>
+                                      </p:cBhvr>
+                                      <p:to>
+                                        <p:strVal val="visible"/>
+                                      </p:to>
+                                    </p:set>
+                                    <p:animEffect transition="in" filter="fade">
+                                      <p:cBhvr>
+                                        <p:cTn id="7" dur="500"/>
+                                        <p:tgtEl>
+                                          <p:spTgt spid="3">
+                                            <p:txEl>
+                                              <p:pRg st="0" end="0"/>
+                                            </p:txEl>
+                                          </p:spTgt>
+                                        </p:tgtEl>
+                                      </p:cBhvr>
+                                    </p:animEffect>
+                                  </p:childTnLst>
+                                </p:cTn>
+                              </p:par>
+                            </p:childTnLst>
+                          </p:cTn>
+                        </p:par>
+                      </p:childTnLst>
+                    </p:cTn>
+                  </p:par>
+                  <p:par>
+                    <p:cTn id="8" fill="hold">
+                      <p:stCondLst>
+                        <p:cond delay="indefinite"/>
+                      </p:stCondLst>
+                      <p:childTnLst>
+                        <p:par>
+                          <p:cTn id="9" fill="hold">
+                            <p:stCondLst>
+                              <p:cond delay="0"/>
+                            </p:stCondLst>
+                            <p:childTnLst>
+                              <p:par>
+                                <p:cTn id="10" presetID="10" presetClass="entr" presetSubtype="0" fill="hold" grpId="0" nodeType="clickEffect">
+                                  <p:stCondLst>
+                                    <p:cond delay="0"/>
+                                  </p:stCondLst>
+                                  <p:childTnLst>
+                                    <p:set>
+                                      <p:cBhvr>
+                                        <p:cTn id="11" dur="1" fill="hold">
+                                          <p:stCondLst>
+                                            <p:cond delay="0"/>
+                                          </p:stCondLst>
+                                        </p:cTn>
+                                        <p:tgtEl>
+                                          <p:spTgt spid="3">
+                                            <p:txEl>
+                                              <p:pRg st="1" end="1"/>
+                                            </p:txEl>
+                                          </p:spTgt>
+                                        </p:tgtEl>
+                                        <p:attrNameLst>
+                                          <p:attrName>style.visibility</p:attrName>
+                                        </p:attrNameLst>
+                                      </p:cBhvr>
+                                      <p:to>
+                                        <p:strVal val="visible"/>
+                                      </p:to>
+                                    </p:set>
+                                    <p:animEffect transition="in" filter="fade">
+                                      <p:cBhvr>
+                                        <p:cTn id="12" dur="500"/>
+                                        <p:tgtEl>
+                                          <p:spTgt spid="3">
+                                            <p:txEl>
+                                              <p:pRg st="1" end="1"/>
+                                            </p:txEl>
+                                          </p:spTgt>
+                                        </p:tgtEl>
+                                      </p:cBhvr>
+                                    </p:animEffect>
+                                  </p:childTnLst>
+                                </p:cTn>
+                              </p:par>
+                            </p:childTnLst>
+                          </p:cTn>
+                        </p:par>
+                      </p:childTnLst>
+                    </p:cTn>
+                  </p:par>
+                </p:childTnLst>
+              </p:cTn>
+              <p:prevCondLst>
+                <p:cond evt="onPrev" delay="0">
+                  <p:tgtEl>
+                    <p:sldTgt/>
+                  </p:tgtEl>
+                </p:cond>
+              </p:prevCondLst>
+              <p:nextCondLst>
+                <p:cond evt="onNext" delay="0">
+                  <p:tgtEl>
+                    <p:sldTgt/>
+                  </p:tgtEl>
+                </p:cond>
+              </p:nextCondLst>
+            </p:seq>
+          </p:childTnLst>
+        </p:cTn>
+      </p:par>
+    </p:tnLst>
+    <p:bldLst>
+      <p:bldP spid="3" grpId="0" build="p"/>
+    </p:bldLst>
+  </p:timing>
 </p:sld>
 </file>
 
@@ -6260,56 +6707,48 @@
         </p:nvSpPr>
         <p:spPr/>
         <p:txBody>
-          <a:bodyPr/>
+          <a:bodyPr>
+            <a:normAutofit/>
+          </a:bodyPr>
           <a:lstStyle/>
           <a:p>
             <a:r>
               <a:rPr lang="ru-RU" dirty="0"/>
-              <a:t>Связь с паттерном Строитель</a:t>
-            </a:r>
-          </a:p>
-        </p:txBody>
-      </p:sp>
-      <p:sp>
-        <p:nvSpPr>
-          <p:cNvPr id="3" name="Content Placeholder 2"/>
-          <p:cNvSpPr>
-            <a:spLocks noGrp="1"/>
-          </p:cNvSpPr>
+              <a:t>Фабрика окон</a:t>
+            </a:r>
+          </a:p>
+        </p:txBody>
+      </p:sp>
+      <p:pic>
+        <p:nvPicPr>
+          <p:cNvPr id="5" name="Content Placeholder 4"/>
+          <p:cNvPicPr>
+            <a:picLocks noGrp="1" noChangeAspect="1"/>
+          </p:cNvPicPr>
           <p:nvPr>
             <p:ph idx="1"/>
           </p:nvPr>
-        </p:nvSpPr>
-        <p:spPr/>
-        <p:txBody>
-          <a:bodyPr/>
-          <a:lstStyle/>
-          <a:p>
-            <a:r>
-              <a:rPr lang="ru-RU" dirty="0"/>
-              <a:t>Строитель может быть построен в виде моста</a:t>
-            </a:r>
-          </a:p>
-          <a:p>
-            <a:pPr lvl="1"/>
-            <a:r>
-              <a:rPr lang="ru-RU" dirty="0"/>
-              <a:t>Распорядитель играет роль абстракции</a:t>
-            </a:r>
-          </a:p>
-          <a:p>
-            <a:pPr lvl="1"/>
-            <a:r>
-              <a:rPr lang="ru-RU" dirty="0"/>
-              <a:t>Строитель играет роль реализации</a:t>
-            </a:r>
-          </a:p>
-        </p:txBody>
-      </p:sp>
+        </p:nvPicPr>
+        <p:blipFill>
+          <a:blip r:embed="rId2"/>
+          <a:stretch>
+            <a:fillRect/>
+          </a:stretch>
+        </p:blipFill>
+        <p:spPr>
+          <a:xfrm>
+            <a:off x="1415480" y="1573542"/>
+            <a:ext cx="9361040" cy="5284458"/>
+          </a:xfrm>
+          <a:prstGeom prst="rect">
+            <a:avLst/>
+          </a:prstGeom>
+        </p:spPr>
+      </p:pic>
     </p:spTree>
     <p:extLst>
       <p:ext uri="{BB962C8B-B14F-4D97-AF65-F5344CB8AC3E}">
-        <p14:creationId xmlns:p14="http://schemas.microsoft.com/office/powerpoint/2010/main" val="2200945723"/>
+        <p14:creationId xmlns:p14="http://schemas.microsoft.com/office/powerpoint/2010/main" val="2904014763"/>
       </p:ext>
     </p:extLst>
   </p:cSld>
@@ -6353,6 +6792,94 @@
           <a:p>
             <a:r>
               <a:rPr lang="ru-RU" dirty="0"/>
+              <a:t>Связь с паттерном Строитель</a:t>
+            </a:r>
+          </a:p>
+        </p:txBody>
+      </p:sp>
+      <p:sp>
+        <p:nvSpPr>
+          <p:cNvPr id="3" name="Content Placeholder 2"/>
+          <p:cNvSpPr>
+            <a:spLocks noGrp="1"/>
+          </p:cNvSpPr>
+          <p:nvPr>
+            <p:ph idx="1"/>
+          </p:nvPr>
+        </p:nvSpPr>
+        <p:spPr/>
+        <p:txBody>
+          <a:bodyPr/>
+          <a:lstStyle/>
+          <a:p>
+            <a:r>
+              <a:rPr lang="ru-RU" dirty="0"/>
+              <a:t>Строитель может быть построен в виде моста</a:t>
+            </a:r>
+          </a:p>
+          <a:p>
+            <a:pPr lvl="1"/>
+            <a:r>
+              <a:rPr lang="ru-RU" dirty="0"/>
+              <a:t>Распорядитель играет роль абстракции</a:t>
+            </a:r>
+          </a:p>
+          <a:p>
+            <a:pPr lvl="1"/>
+            <a:r>
+              <a:rPr lang="ru-RU" dirty="0"/>
+              <a:t>Строитель играет роль реализации</a:t>
+            </a:r>
+          </a:p>
+        </p:txBody>
+      </p:sp>
+    </p:spTree>
+    <p:extLst>
+      <p:ext uri="{BB962C8B-B14F-4D97-AF65-F5344CB8AC3E}">
+        <p14:creationId xmlns:p14="http://schemas.microsoft.com/office/powerpoint/2010/main" val="2200945723"/>
+      </p:ext>
+    </p:extLst>
+  </p:cSld>
+  <p:clrMapOvr>
+    <a:masterClrMapping/>
+  </p:clrMapOvr>
+</p:sld>
+</file>
+
+<file path=ppt/slides/slide19.xml><?xml version="1.0" encoding="utf-8"?>
+<p:sld xmlns:a="http://schemas.openxmlformats.org/drawingml/2006/main" xmlns:r="http://schemas.openxmlformats.org/officeDocument/2006/relationships" xmlns:p="http://schemas.openxmlformats.org/presentationml/2006/main">
+  <p:cSld>
+    <p:spTree>
+      <p:nvGrpSpPr>
+        <p:cNvPr id="1" name=""/>
+        <p:cNvGrpSpPr/>
+        <p:nvPr/>
+      </p:nvGrpSpPr>
+      <p:grpSpPr>
+        <a:xfrm>
+          <a:off x="0" y="0"/>
+          <a:ext cx="0" cy="0"/>
+          <a:chOff x="0" y="0"/>
+          <a:chExt cx="0" cy="0"/>
+        </a:xfrm>
+      </p:grpSpPr>
+      <p:sp>
+        <p:nvSpPr>
+          <p:cNvPr id="2" name="Title 1"/>
+          <p:cNvSpPr>
+            <a:spLocks noGrp="1"/>
+          </p:cNvSpPr>
+          <p:nvPr>
+            <p:ph type="title"/>
+          </p:nvPr>
+        </p:nvSpPr>
+        <p:spPr/>
+        <p:txBody>
+          <a:bodyPr/>
+          <a:lstStyle/>
+          <a:p>
+            <a:r>
+              <a:rPr lang="ru-RU" dirty="0"/>
               <a:t>Строитель</a:t>
             </a:r>
           </a:p>
@@ -6376,8 +6903,8 @@
         </p:blipFill>
         <p:spPr>
           <a:xfrm>
-            <a:off x="1637296" y="2224045"/>
-            <a:ext cx="5869407" cy="3727534"/>
+            <a:off x="3167062" y="2139156"/>
+            <a:ext cx="5857875" cy="3724275"/>
           </a:xfrm>
           <a:prstGeom prst="rect">
             <a:avLst/>
@@ -6392,7 +6919,7 @@
         </p:nvSpPr>
         <p:spPr>
           <a:xfrm>
-            <a:off x="1259632" y="2060848"/>
+            <a:off x="2826456" y="1988840"/>
             <a:ext cx="6192688" cy="1296144"/>
           </a:xfrm>
           <a:prstGeom prst="rect">
@@ -6524,94 +7051,6 @@
 </p:sld>
 </file>
 
-<file path=ppt/slides/slide19.xml><?xml version="1.0" encoding="utf-8"?>
-<p:sld xmlns:a="http://schemas.openxmlformats.org/drawingml/2006/main" xmlns:r="http://schemas.openxmlformats.org/officeDocument/2006/relationships" xmlns:p="http://schemas.openxmlformats.org/presentationml/2006/main">
-  <p:cSld>
-    <p:spTree>
-      <p:nvGrpSpPr>
-        <p:cNvPr id="1" name=""/>
-        <p:cNvGrpSpPr/>
-        <p:nvPr/>
-      </p:nvGrpSpPr>
-      <p:grpSpPr>
-        <a:xfrm>
-          <a:off x="0" y="0"/>
-          <a:ext cx="0" cy="0"/>
-          <a:chOff x="0" y="0"/>
-          <a:chExt cx="0" cy="0"/>
-        </a:xfrm>
-      </p:grpSpPr>
-      <p:sp>
-        <p:nvSpPr>
-          <p:cNvPr id="2" name="Title 1"/>
-          <p:cNvSpPr>
-            <a:spLocks noGrp="1"/>
-          </p:cNvSpPr>
-          <p:nvPr>
-            <p:ph type="title"/>
-          </p:nvPr>
-        </p:nvSpPr>
-        <p:spPr/>
-        <p:txBody>
-          <a:bodyPr/>
-          <a:lstStyle/>
-          <a:p>
-            <a:r>
-              <a:rPr lang="ru-RU" dirty="0"/>
-              <a:t>Итоги</a:t>
-            </a:r>
-          </a:p>
-        </p:txBody>
-      </p:sp>
-      <p:sp>
-        <p:nvSpPr>
-          <p:cNvPr id="3" name="Content Placeholder 2"/>
-          <p:cNvSpPr>
-            <a:spLocks noGrp="1"/>
-          </p:cNvSpPr>
-          <p:nvPr>
-            <p:ph idx="1"/>
-          </p:nvPr>
-        </p:nvSpPr>
-        <p:spPr/>
-        <p:txBody>
-          <a:bodyPr/>
-          <a:lstStyle/>
-          <a:p>
-            <a:r>
-              <a:rPr lang="ru-RU" dirty="0"/>
-              <a:t>Композиция и агрегация часто являются лучшей альтернативой наследованию</a:t>
-            </a:r>
-          </a:p>
-          <a:p>
-            <a:r>
-              <a:rPr lang="ru-RU" dirty="0"/>
-              <a:t>Паттерн </a:t>
-            </a:r>
-            <a:r>
-              <a:rPr lang="ru-RU"/>
-              <a:t>Мост делает код </a:t>
-            </a:r>
-            <a:r>
-              <a:rPr lang="ru-RU" dirty="0"/>
-              <a:t>не зависящим от деталей инфраструктуры</a:t>
-            </a:r>
-          </a:p>
-        </p:txBody>
-      </p:sp>
-    </p:spTree>
-    <p:extLst>
-      <p:ext uri="{BB962C8B-B14F-4D97-AF65-F5344CB8AC3E}">
-        <p14:creationId xmlns:p14="http://schemas.microsoft.com/office/powerpoint/2010/main" val="2986408610"/>
-      </p:ext>
-    </p:extLst>
-  </p:cSld>
-  <p:clrMapOvr>
-    <a:masterClrMapping/>
-  </p:clrMapOvr>
-</p:sld>
-</file>
-
 <file path=ppt/slides/slide2.xml><?xml version="1.0" encoding="utf-8"?>
 <p:sld xmlns:a="http://schemas.openxmlformats.org/drawingml/2006/main" xmlns:r="http://schemas.openxmlformats.org/officeDocument/2006/relationships" xmlns:p="http://schemas.openxmlformats.org/presentationml/2006/main">
   <p:cSld>
@@ -6642,7 +7081,7 @@
         <p:spPr/>
         <p:txBody>
           <a:bodyPr>
-            <a:normAutofit fontScale="90000"/>
+            <a:normAutofit/>
           </a:bodyPr>
           <a:lstStyle/>
           <a:p>
@@ -6671,8 +7110,8 @@
         </p:blipFill>
         <p:spPr>
           <a:xfrm>
-            <a:off x="2405568" y="1871312"/>
-            <a:ext cx="4332863" cy="4433000"/>
+            <a:off x="3971798" y="1825625"/>
+            <a:ext cx="4248403" cy="4351338"/>
           </a:xfrm>
           <a:prstGeom prst="rect">
             <a:avLst/>
@@ -6726,6 +7165,94 @@
           <a:p>
             <a:r>
               <a:rPr lang="ru-RU" dirty="0"/>
+              <a:t>Итоги</a:t>
+            </a:r>
+          </a:p>
+        </p:txBody>
+      </p:sp>
+      <p:sp>
+        <p:nvSpPr>
+          <p:cNvPr id="3" name="Content Placeholder 2"/>
+          <p:cNvSpPr>
+            <a:spLocks noGrp="1"/>
+          </p:cNvSpPr>
+          <p:nvPr>
+            <p:ph idx="1"/>
+          </p:nvPr>
+        </p:nvSpPr>
+        <p:spPr/>
+        <p:txBody>
+          <a:bodyPr/>
+          <a:lstStyle/>
+          <a:p>
+            <a:r>
+              <a:rPr lang="ru-RU" dirty="0"/>
+              <a:t>Композиция и агрегация часто являются лучшей альтернативой наследованию</a:t>
+            </a:r>
+          </a:p>
+          <a:p>
+            <a:r>
+              <a:rPr lang="ru-RU" dirty="0"/>
+              <a:t>Паттерн </a:t>
+            </a:r>
+            <a:r>
+              <a:rPr lang="ru-RU"/>
+              <a:t>Мост делает код </a:t>
+            </a:r>
+            <a:r>
+              <a:rPr lang="ru-RU" dirty="0"/>
+              <a:t>не зависящим от деталей инфраструктуры</a:t>
+            </a:r>
+          </a:p>
+        </p:txBody>
+      </p:sp>
+    </p:spTree>
+    <p:extLst>
+      <p:ext uri="{BB962C8B-B14F-4D97-AF65-F5344CB8AC3E}">
+        <p14:creationId xmlns:p14="http://schemas.microsoft.com/office/powerpoint/2010/main" val="2986408610"/>
+      </p:ext>
+    </p:extLst>
+  </p:cSld>
+  <p:clrMapOvr>
+    <a:masterClrMapping/>
+  </p:clrMapOvr>
+</p:sld>
+</file>
+
+<file path=ppt/slides/slide21.xml><?xml version="1.0" encoding="utf-8"?>
+<p:sld xmlns:a="http://schemas.openxmlformats.org/drawingml/2006/main" xmlns:r="http://schemas.openxmlformats.org/officeDocument/2006/relationships" xmlns:p="http://schemas.openxmlformats.org/presentationml/2006/main">
+  <p:cSld>
+    <p:spTree>
+      <p:nvGrpSpPr>
+        <p:cNvPr id="1" name=""/>
+        <p:cNvGrpSpPr/>
+        <p:nvPr/>
+      </p:nvGrpSpPr>
+      <p:grpSpPr>
+        <a:xfrm>
+          <a:off x="0" y="0"/>
+          <a:ext cx="0" cy="0"/>
+          <a:chOff x="0" y="0"/>
+          <a:chExt cx="0" cy="0"/>
+        </a:xfrm>
+      </p:grpSpPr>
+      <p:sp>
+        <p:nvSpPr>
+          <p:cNvPr id="2" name="Title 1"/>
+          <p:cNvSpPr>
+            <a:spLocks noGrp="1"/>
+          </p:cNvSpPr>
+          <p:nvPr>
+            <p:ph type="title"/>
+          </p:nvPr>
+        </p:nvSpPr>
+        <p:spPr/>
+        <p:txBody>
+          <a:bodyPr/>
+          <a:lstStyle/>
+          <a:p>
+            <a:r>
+              <a:rPr lang="ru-RU" dirty="0"/>
               <a:t>Ссылки</a:t>
             </a:r>
           </a:p>
@@ -6813,7 +7340,7 @@
         <p:spPr/>
         <p:txBody>
           <a:bodyPr>
-            <a:normAutofit fontScale="90000"/>
+            <a:normAutofit/>
           </a:bodyPr>
           <a:lstStyle/>
           <a:p>
@@ -6851,8 +7378,8 @@
         </p:blipFill>
         <p:spPr>
           <a:xfrm>
-            <a:off x="757132" y="1774825"/>
-            <a:ext cx="7629735" cy="4625975"/>
+            <a:off x="2511531" y="1825625"/>
+            <a:ext cx="7168937" cy="4351338"/>
           </a:xfrm>
           <a:prstGeom prst="rect">
             <a:avLst/>
@@ -7486,8 +8013,8 @@
         </p:blipFill>
         <p:spPr>
           <a:xfrm>
-            <a:off x="303025" y="2871690"/>
-            <a:ext cx="8537949" cy="3315175"/>
+            <a:off x="1624012" y="2262981"/>
+            <a:ext cx="8943975" cy="3476625"/>
           </a:xfrm>
           <a:prstGeom prst="rect">
             <a:avLst/>
@@ -7502,10 +8029,10 @@
         </p:nvGrpSpPr>
         <p:grpSpPr>
           <a:xfrm>
-            <a:off x="179512" y="1556792"/>
-            <a:ext cx="3816424" cy="2016224"/>
-            <a:chOff x="179512" y="1556792"/>
-            <a:chExt cx="3816424" cy="2016224"/>
+            <a:off x="335360" y="1556792"/>
+            <a:ext cx="5184576" cy="1696249"/>
+            <a:chOff x="-1188640" y="1556792"/>
+            <a:chExt cx="5184576" cy="2130755"/>
           </a:xfrm>
         </p:grpSpPr>
         <p:sp>
@@ -7516,8 +8043,8 @@
           </p:nvSpPr>
           <p:spPr>
             <a:xfrm>
-              <a:off x="179512" y="1556792"/>
-              <a:ext cx="3816424" cy="1077218"/>
+              <a:off x="-1188640" y="1556792"/>
+              <a:ext cx="5184576" cy="830997"/>
             </a:xfrm>
             <a:prstGeom prst="rect">
               <a:avLst/>
@@ -7550,13 +8077,15 @@
         <p:cxnSp>
           <p:nvCxnSpPr>
             <p:cNvPr id="8" name="Straight Arrow Connector 7"/>
-            <p:cNvCxnSpPr/>
+            <p:cNvCxnSpPr>
+              <a:cxnSpLocks/>
+            </p:cNvCxnSpPr>
             <p:nvPr/>
           </p:nvCxnSpPr>
           <p:spPr>
             <a:xfrm>
-              <a:off x="3131840" y="2564904"/>
-              <a:ext cx="360040" cy="1008112"/>
+              <a:off x="3425335" y="2136216"/>
+              <a:ext cx="360039" cy="1551331"/>
             </a:xfrm>
             <a:prstGeom prst="straightConnector1">
               <a:avLst/>
@@ -7592,10 +8121,10 @@
         </p:nvGrpSpPr>
         <p:grpSpPr>
           <a:xfrm>
-            <a:off x="4355976" y="1700808"/>
-            <a:ext cx="4448995" cy="1872208"/>
-            <a:chOff x="-453059" y="1556792"/>
-            <a:chExt cx="4448995" cy="1872208"/>
+            <a:off x="6128825" y="1720718"/>
+            <a:ext cx="5473823" cy="1532323"/>
+            <a:chOff x="-204211" y="1576702"/>
+            <a:chExt cx="5473823" cy="1532323"/>
           </a:xfrm>
         </p:grpSpPr>
         <p:sp>
@@ -7606,8 +8135,8 @@
           </p:nvSpPr>
           <p:spPr>
             <a:xfrm>
-              <a:off x="-453059" y="1556792"/>
-              <a:ext cx="4448995" cy="1323439"/>
+              <a:off x="-204211" y="1576702"/>
+              <a:ext cx="5473823" cy="830997"/>
             </a:xfrm>
             <a:prstGeom prst="rect">
               <a:avLst/>
@@ -7645,7 +8174,7 @@
           </p:nvCxnSpPr>
           <p:spPr>
             <a:xfrm>
-              <a:off x="1347141" y="2727674"/>
+              <a:off x="2283244" y="2407699"/>
               <a:ext cx="0" cy="701326"/>
             </a:xfrm>
             <a:prstGeom prst="straightConnector1">
@@ -7682,10 +8211,10 @@
         </p:nvGrpSpPr>
         <p:grpSpPr>
           <a:xfrm>
-            <a:off x="4656094" y="6186865"/>
-            <a:ext cx="4448995" cy="694333"/>
-            <a:chOff x="-1593101" y="2874497"/>
-            <a:chExt cx="4448995" cy="694333"/>
+            <a:off x="6212093" y="5801406"/>
+            <a:ext cx="5892569" cy="548610"/>
+            <a:chOff x="-1644371" y="2874497"/>
+            <a:chExt cx="5892569" cy="548610"/>
           </a:xfrm>
         </p:grpSpPr>
         <p:sp>
@@ -7696,8 +8225,8 @@
           </p:nvSpPr>
           <p:spPr>
             <a:xfrm>
-              <a:off x="-1593101" y="2984055"/>
-              <a:ext cx="4448995" cy="584775"/>
+              <a:off x="-1644371" y="3084553"/>
+              <a:ext cx="5892569" cy="338554"/>
             </a:xfrm>
             <a:prstGeom prst="rect">
               <a:avLst/>
@@ -7774,7 +8303,7 @@
         </p:nvGrpSpPr>
         <p:grpSpPr>
           <a:xfrm>
-            <a:off x="207099" y="6046527"/>
+            <a:off x="1615621" y="5603992"/>
             <a:ext cx="4448995" cy="707907"/>
             <a:chOff x="-1593101" y="2860923"/>
             <a:chExt cx="4448995" cy="707907"/>
@@ -7858,7 +8387,7 @@
         </p:nvGrpSpPr>
         <p:grpSpPr>
           <a:xfrm>
-            <a:off x="11653" y="4472005"/>
+            <a:off x="827146" y="3955272"/>
             <a:ext cx="2679261" cy="965897"/>
             <a:chOff x="-224949" y="2479801"/>
             <a:chExt cx="2679261" cy="965897"/>
@@ -7942,7 +8471,7 @@
         </p:nvGrpSpPr>
         <p:grpSpPr>
           <a:xfrm>
-            <a:off x="2195736" y="3316879"/>
+            <a:off x="3773478" y="2887820"/>
             <a:ext cx="6794509" cy="1536249"/>
             <a:chOff x="2195736" y="3316879"/>
             <a:chExt cx="6794509" cy="1536249"/>
@@ -8458,7 +8987,7 @@
           <a:p>
             <a:r>
               <a:rPr lang="ru-RU" dirty="0"/>
-              <a:t>Операции, нужные клиентам описать в базовом классе Абстракции</a:t>
+              <a:t>Операции, нужные клиентам, описать в базовом классе Абстракции</a:t>
             </a:r>
           </a:p>
           <a:p>
@@ -8814,7 +9343,7 @@
         <p:spPr/>
         <p:txBody>
           <a:bodyPr>
-            <a:normAutofit fontScale="90000"/>
+            <a:normAutofit/>
           </a:bodyPr>
           <a:lstStyle/>
           <a:p>
@@ -9185,7 +9714,7 @@
         <p:spPr/>
         <p:txBody>
           <a:bodyPr>
-            <a:normAutofit fontScale="90000"/>
+            <a:normAutofit/>
           </a:bodyPr>
           <a:lstStyle/>
           <a:p>
@@ -9214,8 +9743,8 @@
         </p:blipFill>
         <p:spPr>
           <a:xfrm>
-            <a:off x="549309" y="2486212"/>
-            <a:ext cx="8045382" cy="3203200"/>
+            <a:off x="1027980" y="1981300"/>
+            <a:ext cx="10136040" cy="4039988"/>
           </a:xfrm>
           <a:prstGeom prst="rect">
             <a:avLst/>
@@ -9247,9 +9776,9 @@
 </file>
 
 <file path=ppt/theme/theme1.xml><?xml version="1.0" encoding="utf-8"?>
-<a:theme xmlns:a="http://schemas.openxmlformats.org/drawingml/2006/main" name="Модульная">
+<a:theme xmlns:a="http://schemas.openxmlformats.org/drawingml/2006/main" name="Office Theme">
   <a:themeElements>
-    <a:clrScheme name="Модульная">
+    <a:clrScheme name="Office">
       <a:dk1>
         <a:sysClr val="windowText" lastClr="000000"/>
       </a:dk1>
@@ -9257,44 +9786,44 @@
         <a:sysClr val="window" lastClr="FFFFFF"/>
       </a:lt1>
       <a:dk2>
-        <a:srgbClr val="5A6378"/>
+        <a:srgbClr val="44546A"/>
       </a:dk2>
       <a:lt2>
-        <a:srgbClr val="D4D4D6"/>
+        <a:srgbClr val="E7E6E6"/>
       </a:lt2>
       <a:accent1>
-        <a:srgbClr val="F0AD00"/>
+        <a:srgbClr val="4472C4"/>
       </a:accent1>
       <a:accent2>
-        <a:srgbClr val="60B5CC"/>
+        <a:srgbClr val="ED7D31"/>
       </a:accent2>
       <a:accent3>
-        <a:srgbClr val="E66C7D"/>
+        <a:srgbClr val="A5A5A5"/>
       </a:accent3>
       <a:accent4>
-        <a:srgbClr val="6BB76D"/>
+        <a:srgbClr val="FFC000"/>
       </a:accent4>
       <a:accent5>
-        <a:srgbClr val="E88651"/>
+        <a:srgbClr val="5B9BD5"/>
       </a:accent5>
       <a:accent6>
-        <a:srgbClr val="C64847"/>
+        <a:srgbClr val="70AD47"/>
       </a:accent6>
       <a:hlink>
-        <a:srgbClr val="168BBA"/>
+        <a:srgbClr val="0563C1"/>
       </a:hlink>
       <a:folHlink>
-        <a:srgbClr val="680000"/>
+        <a:srgbClr val="954F72"/>
       </a:folHlink>
     </a:clrScheme>
-    <a:fontScheme name="Стандартная">
+    <a:fontScheme name="Office">
       <a:majorFont>
-        <a:latin typeface="Calibri"/>
+        <a:latin typeface="Calibri Light" panose="020F0302020204030204"/>
         <a:ea typeface=""/>
         <a:cs typeface=""/>
-        <a:font script="Jpan" typeface="ＭＳ Ｐゴシック"/>
+        <a:font script="Jpan" typeface="游ゴシック Light"/>
         <a:font script="Hang" typeface="맑은 고딕"/>
-        <a:font script="Hans" typeface="宋体"/>
+        <a:font script="Hans" typeface="等线 Light"/>
         <a:font script="Hant" typeface="新細明體"/>
         <a:font script="Arab" typeface="Times New Roman"/>
         <a:font script="Hebr" typeface="Times New Roman"/>
@@ -9322,14 +9851,31 @@
         <a:font script="Viet" typeface="Times New Roman"/>
         <a:font script="Uigh" typeface="Microsoft Uighur"/>
         <a:font script="Geor" typeface="Sylfaen"/>
+        <a:font script="Armn" typeface="Arial"/>
+        <a:font script="Bugi" typeface="Leelawadee UI"/>
+        <a:font script="Bopo" typeface="Microsoft JhengHei"/>
+        <a:font script="Java" typeface="Javanese Text"/>
+        <a:font script="Lisu" typeface="Segoe UI"/>
+        <a:font script="Mymr" typeface="Myanmar Text"/>
+        <a:font script="Nkoo" typeface="Ebrima"/>
+        <a:font script="Olck" typeface="Nirmala UI"/>
+        <a:font script="Osma" typeface="Ebrima"/>
+        <a:font script="Phag" typeface="Phagspa"/>
+        <a:font script="Syrn" typeface="Estrangelo Edessa"/>
+        <a:font script="Syrj" typeface="Estrangelo Edessa"/>
+        <a:font script="Syre" typeface="Estrangelo Edessa"/>
+        <a:font script="Sora" typeface="Nirmala UI"/>
+        <a:font script="Tale" typeface="Microsoft Tai Le"/>
+        <a:font script="Talu" typeface="Microsoft New Tai Lue"/>
+        <a:font script="Tfng" typeface="Ebrima"/>
       </a:majorFont>
       <a:minorFont>
-        <a:latin typeface="Calibri"/>
+        <a:latin typeface="Calibri" panose="020F0502020204030204"/>
         <a:ea typeface=""/>
         <a:cs typeface=""/>
-        <a:font script="Jpan" typeface="ＭＳ Ｐゴシック"/>
+        <a:font script="Jpan" typeface="游ゴシック"/>
         <a:font script="Hang" typeface="맑은 고딕"/>
-        <a:font script="Hans" typeface="宋体"/>
+        <a:font script="Hans" typeface="等线"/>
         <a:font script="Hant" typeface="新細明體"/>
         <a:font script="Arab" typeface="Arial"/>
         <a:font script="Hebr" typeface="Arial"/>
@@ -9357,9 +9903,26 @@
         <a:font script="Viet" typeface="Arial"/>
         <a:font script="Uigh" typeface="Microsoft Uighur"/>
         <a:font script="Geor" typeface="Sylfaen"/>
+        <a:font script="Armn" typeface="Arial"/>
+        <a:font script="Bugi" typeface="Leelawadee UI"/>
+        <a:font script="Bopo" typeface="Microsoft JhengHei"/>
+        <a:font script="Java" typeface="Javanese Text"/>
+        <a:font script="Lisu" typeface="Segoe UI"/>
+        <a:font script="Mymr" typeface="Myanmar Text"/>
+        <a:font script="Nkoo" typeface="Ebrima"/>
+        <a:font script="Olck" typeface="Nirmala UI"/>
+        <a:font script="Osma" typeface="Ebrima"/>
+        <a:font script="Phag" typeface="Phagspa"/>
+        <a:font script="Syrn" typeface="Estrangelo Edessa"/>
+        <a:font script="Syrj" typeface="Estrangelo Edessa"/>
+        <a:font script="Syre" typeface="Estrangelo Edessa"/>
+        <a:font script="Sora" typeface="Nirmala UI"/>
+        <a:font script="Tale" typeface="Microsoft Tai Le"/>
+        <a:font script="Talu" typeface="Microsoft New Tai Lue"/>
+        <a:font script="Tfng" typeface="Ebrima"/>
       </a:minorFont>
     </a:fontScheme>
-    <a:fmtScheme name="Модульная">
+    <a:fmtScheme name="Office">
       <a:fillStyleLst>
         <a:solidFill>
           <a:schemeClr val="phClr"/>
@@ -9368,166 +9931,142 @@
           <a:gsLst>
             <a:gs pos="0">
               <a:schemeClr val="phClr">
-                <a:tint val="50000"/>
-                <a:satMod val="300000"/>
+                <a:lumMod val="110000"/>
+                <a:satMod val="105000"/>
+                <a:tint val="67000"/>
               </a:schemeClr>
             </a:gs>
-            <a:gs pos="35000">
+            <a:gs pos="50000">
               <a:schemeClr val="phClr">
-                <a:tint val="37000"/>
-                <a:satMod val="300000"/>
+                <a:lumMod val="105000"/>
+                <a:satMod val="103000"/>
+                <a:tint val="73000"/>
               </a:schemeClr>
             </a:gs>
             <a:gs pos="100000">
               <a:schemeClr val="phClr">
-                <a:tint val="15000"/>
-                <a:satMod val="350000"/>
+                <a:lumMod val="105000"/>
+                <a:satMod val="109000"/>
+                <a:tint val="81000"/>
               </a:schemeClr>
             </a:gs>
           </a:gsLst>
-          <a:lin ang="16200000" scaled="1"/>
+          <a:lin ang="5400000" scaled="0"/>
         </a:gradFill>
         <a:gradFill rotWithShape="1">
           <a:gsLst>
             <a:gs pos="0">
               <a:schemeClr val="phClr">
-                <a:shade val="47500"/>
-                <a:satMod val="137000"/>
+                <a:satMod val="103000"/>
+                <a:lumMod val="102000"/>
+                <a:tint val="94000"/>
               </a:schemeClr>
             </a:gs>
-            <a:gs pos="55000">
+            <a:gs pos="50000">
               <a:schemeClr val="phClr">
-                <a:shade val="69000"/>
-                <a:satMod val="137000"/>
+                <a:satMod val="110000"/>
+                <a:lumMod val="100000"/>
+                <a:shade val="100000"/>
               </a:schemeClr>
             </a:gs>
             <a:gs pos="100000">
               <a:schemeClr val="phClr">
-                <a:shade val="98000"/>
-                <a:satMod val="137000"/>
+                <a:lumMod val="99000"/>
+                <a:satMod val="120000"/>
+                <a:shade val="78000"/>
               </a:schemeClr>
             </a:gs>
           </a:gsLst>
-          <a:lin ang="16200000" scaled="0"/>
+          <a:lin ang="5400000" scaled="0"/>
         </a:gradFill>
       </a:fillStyleLst>
       <a:lnStyleLst>
-        <a:ln w="6350" cap="rnd" cmpd="sng" algn="ctr">
-          <a:solidFill>
-            <a:schemeClr val="phClr">
-              <a:shade val="95000"/>
-              <a:satMod val="105000"/>
-            </a:schemeClr>
-          </a:solidFill>
-          <a:prstDash val="solid"/>
-        </a:ln>
-        <a:ln w="48000" cap="flat" cmpd="thickThin" algn="ctr">
+        <a:ln w="6350" cap="flat" cmpd="sng" algn="ctr">
           <a:solidFill>
             <a:schemeClr val="phClr"/>
           </a:solidFill>
           <a:prstDash val="solid"/>
+          <a:miter lim="800000"/>
         </a:ln>
-        <a:ln w="48500" cap="flat" cmpd="thickThin" algn="ctr">
+        <a:ln w="12700" cap="flat" cmpd="sng" algn="ctr">
           <a:solidFill>
             <a:schemeClr val="phClr"/>
           </a:solidFill>
           <a:prstDash val="solid"/>
+          <a:miter lim="800000"/>
+        </a:ln>
+        <a:ln w="19050" cap="flat" cmpd="sng" algn="ctr">
+          <a:solidFill>
+            <a:schemeClr val="phClr"/>
+          </a:solidFill>
+          <a:prstDash val="solid"/>
+          <a:miter lim="800000"/>
         </a:ln>
       </a:lnStyleLst>
       <a:effectStyleLst>
         <a:effectStyle>
+          <a:effectLst/>
+        </a:effectStyle>
+        <a:effectStyle>
+          <a:effectLst/>
+        </a:effectStyle>
+        <a:effectStyle>
           <a:effectLst>
-            <a:outerShdw blurRad="45000" dist="25000" dir="5400000" rotWithShape="0">
+            <a:outerShdw blurRad="57150" dist="19050" dir="5400000" algn="ctr" rotWithShape="0">
               <a:srgbClr val="000000">
-                <a:alpha val="38000"/>
+                <a:alpha val="63000"/>
               </a:srgbClr>
             </a:outerShdw>
           </a:effectLst>
-        </a:effectStyle>
-        <a:effectStyle>
-          <a:effectLst>
-            <a:outerShdw blurRad="39000" dist="25400" dir="5400000" rotWithShape="0">
-              <a:srgbClr val="000000">
-                <a:alpha val="38000"/>
-              </a:srgbClr>
-            </a:outerShdw>
-          </a:effectLst>
-        </a:effectStyle>
-        <a:effectStyle>
-          <a:effectLst>
-            <a:outerShdw blurRad="39000" dist="25400" dir="5400000" rotWithShape="0">
-              <a:srgbClr val="000000">
-                <a:alpha val="38000"/>
-              </a:srgbClr>
-            </a:outerShdw>
-          </a:effectLst>
-          <a:scene3d>
-            <a:camera prst="orthographicFront" fov="0">
-              <a:rot lat="0" lon="0" rev="0"/>
-            </a:camera>
-            <a:lightRig rig="threePt" dir="t">
-              <a:rot lat="0" lon="0" rev="1800000"/>
-            </a:lightRig>
-          </a:scene3d>
-          <a:sp3d prstMaterial="matte">
-            <a:bevelT h="20000"/>
-          </a:sp3d>
         </a:effectStyle>
       </a:effectStyleLst>
       <a:bgFillStyleLst>
         <a:solidFill>
           <a:schemeClr val="phClr"/>
         </a:solidFill>
+        <a:solidFill>
+          <a:schemeClr val="phClr">
+            <a:tint val="95000"/>
+            <a:satMod val="170000"/>
+          </a:schemeClr>
+        </a:solidFill>
         <a:gradFill rotWithShape="1">
           <a:gsLst>
             <a:gs pos="0">
               <a:schemeClr val="phClr">
-                <a:tint val="48000"/>
-                <a:satMod val="300000"/>
+                <a:tint val="93000"/>
+                <a:satMod val="150000"/>
+                <a:shade val="98000"/>
+                <a:lumMod val="102000"/>
               </a:schemeClr>
             </a:gs>
-            <a:gs pos="12000">
+            <a:gs pos="50000">
               <a:schemeClr val="phClr">
-                <a:tint val="48000"/>
-                <a:satMod val="300000"/>
-              </a:schemeClr>
-            </a:gs>
-            <a:gs pos="20000">
-              <a:schemeClr val="phClr">
-                <a:tint val="49000"/>
-                <a:satMod val="300000"/>
+                <a:tint val="98000"/>
+                <a:satMod val="130000"/>
+                <a:shade val="90000"/>
+                <a:lumMod val="103000"/>
               </a:schemeClr>
             </a:gs>
             <a:gs pos="100000">
               <a:schemeClr val="phClr">
-                <a:shade val="30000"/>
+                <a:shade val="63000"/>
+                <a:satMod val="120000"/>
               </a:schemeClr>
             </a:gs>
           </a:gsLst>
-          <a:path path="circle">
-            <a:fillToRect l="10000" t="-25000" r="10000" b="125000"/>
-          </a:path>
+          <a:lin ang="5400000" scaled="0"/>
         </a:gradFill>
-        <a:blipFill>
-          <a:blip xmlns:r="http://schemas.openxmlformats.org/officeDocument/2006/relationships" r:embed="rId1">
-            <a:duotone>
-              <a:schemeClr val="phClr">
-                <a:shade val="75000"/>
-                <a:satMod val="105000"/>
-              </a:schemeClr>
-              <a:schemeClr val="phClr">
-                <a:tint val="95000"/>
-                <a:satMod val="105000"/>
-              </a:schemeClr>
-            </a:duotone>
-          </a:blip>
-          <a:tile tx="0" ty="0" sx="38000" sy="38000" flip="none" algn="tl"/>
-        </a:blipFill>
       </a:bgFillStyleLst>
     </a:fmtScheme>
   </a:themeElements>
   <a:objectDefaults/>
   <a:extraClrSchemeLst/>
+  <a:extLst>
+    <a:ext uri="{05A4C25C-085E-4340-85A3-A5531E510DB2}">
+      <thm15:themeFamily xmlns:thm15="http://schemas.microsoft.com/office/thememl/2012/main" name="Office Theme" id="{62F939B6-93AF-4DB8-9C6B-D6C7DFDC589F}" vid="{4A3C46E8-61CC-4603-A589-7422A47A8E4A}"/>
+    </a:ext>
+  </a:extLst>
 </a:theme>
 </file>
 

--- a/lectures/19.bridge/bridge.pptx
+++ b/lectures/19.bridge/bridge.pptx
@@ -147,6 +147,94 @@
     </p:ext>
   </p:extLst>
 </p:presentation>
+</file>
+
+<file path=ppt/ink/ink1.xml><?xml version="1.0" encoding="utf-8"?>
+<inkml:ink xmlns:inkml="http://www.w3.org/2003/InkML">
+  <inkml:definitions>
+    <inkml:context xml:id="ctx0">
+      <inkml:inkSource xml:id="inkSrc0">
+        <inkml:traceFormat>
+          <inkml:channel name="X" type="integer" max="32767" units="cm"/>
+          <inkml:channel name="Y" type="integer" max="32767" units="cm"/>
+          <inkml:channel name="F" type="integer" max="32767" units="deg"/>
+          <inkml:channel name="T" type="integer" max="2.14748E9" units="dev"/>
+        </inkml:traceFormat>
+        <inkml:channelProperties>
+          <inkml:channelProperty channel="X" name="resolution" value="3854.94116" units="1/cm"/>
+          <inkml:channelProperty channel="Y" name="resolution" value="5461.1665" units="1/cm"/>
+          <inkml:channelProperty channel="F" name="resolution" value="91.01945" units="1/deg"/>
+          <inkml:channelProperty channel="T" name="resolution" value="1" units="1/dev"/>
+        </inkml:channelProperties>
+      </inkml:inkSource>
+      <inkml:timestamp xml:id="ts0" timeString="2024-12-13T17:27:21.212"/>
+    </inkml:context>
+    <inkml:brush xml:id="br0">
+      <inkml:brushProperty name="width" value="0.05292" units="cm"/>
+      <inkml:brushProperty name="height" value="0.05292" units="cm"/>
+      <inkml:brushProperty name="color" value="#FF0000"/>
+    </inkml:brush>
+  </inkml:definitions>
+  <inkml:trace contextRef="#ctx0" brushRef="#br0">20044 2011 1112 0,'0'0'864'0,"0"0"-424"0,0 0 8 0,-13-19 256 0,13 19 208 0,0 0-31 0,0-5-241 0,-12 5-224 16,12 0-192-16,0-5-88 31,0 5-16-31,0 0-56 0,0 0-16 16,0 0 8-16,0 0 24 15,0 0 24-15,0 0 64 0,0 0 48 16,0 0 40-16,0 0-40 16,0 0 56-16,0 0 0 31,0 5 104-31,0 10-168 0,0 12-15 16,0 16 95-16,12 7-64 15,1 11-8-15,-13 15-48 0,9-1-40 16,-9 4 8-16,12 0 0 15,-12-3-64-15,12-11-16 32,-12-4-48-32,12-14 0 0,-12-5-8 0,0-5-8 15,12-9-352-15,-12-10-368 16,0-8-601-16,13-5-1039 0,-13-5-2305 16</inkml:trace>
+  <inkml:trace contextRef="#ctx0" brushRef="#br0" timeOffset="1365.82">20019 1763 2832 0,'0'0'1208'0,"0"0"-616"0,0 0-343 0,0 0 87 0,0 0 304 15,0 0-144-15,0 0-120 0,0 0 144 16,25 4 40 0,-4 6-168-16,15 0-32 15,-2-6 0 1,15 1 16-16,-4-1-71 0,13-4-73 15,-9 0-16-15,21 0-64 0,-12 0-8 16,12 0-64-16,3 0-32 0,-3 0 16 16,0 0 8-16,12 0-64 31,1 0 0-31,-1 0-8 16,12 0 0-16,-2 0 0 0,2-9-8 15,13 5 0-15,-13-11 8 16,1 10-24-16,-13-4-24 0,9-1 40 15,-18 6-72-15,-3-1-16 32,0 0-32-32,0 1 0 0,-12 0-24 15,-9-2-8-15,-15 2 8 16,2 4 16-16,-24 0 40 0,10 0 15 16,-22 0 1-16,12 0 72 15,0 0 0-15,0 0 8 31,0 0-8-31,13 4 8 0,-4 6-8 16,3-6 0-16,1 1 0 16,-4 0 0-16,3-1-64 15,1-4 24-15,-4 0-32 0,4 5-24 0,11-5 48 16,-15 5 40 0,16 0-72-1,0-1-56-15,-4-4 48 0,4 0-16 0,-16 0-96 16,3 5 88-1,1-5 40-15,-13 0 72 0,-12 0 0 16,0 5 8-16,0-5 80 0,0 0 0 31,0 0 0-31,0 4-16 16,0-4-64-16,0 6 0 0,12-2 0 16,-3 5 0-16,3-4-16 15,13 4-32-15,-1 0 48 0,-12 1 0 16,-3 4 0-16,16 4 8 31,-13 5 0-31,0 10 56 0,0 0 0 16,0 5-16-16,-12 4 24 15,10 5-8-15,-10-1 8 16,12 2 48-16,0 3-16 0,-12-4 64 16,12 4-40-16,0 1-32 31,1-1-88-31,-1 0 48 0,-12 5-48 15,9-3 8-15,3-7-8 0,0-8-8 16,0-6 8-16,-12 1-8 16,13-10 16-16,-13 1-8 0,0-16 49 15,0 3-1 1,0-2 272 0,-13-5-32-16,1 1-88 0,-21 4-120 15,8-4-72-15,-23-1-16 16,-10 2 64-16,-12-2 0 15,0 0 24-15,-49 1 16 0,-21 4 184 16,-37 1-136 0,0 4-40-1,4 5 120-15,8-5 120 0,10 0-144 0,3 5 56 16,-13 4-16-16,1 1 8 16,11-1-96-16,1-4-144 15,36-5 240-15,34-5 8 0,12-5-64 31,9 1-112-31,3-5-88 0,0 0-176 16,-3 0-232-16,28 0-528 16,-4 0-632-16,37-32-497 15,13 4-1823-15,11-1-864 0</inkml:trace>
+  <inkml:trace contextRef="#ctx0" brushRef="#br0" timeOffset="2185.26">20689 2095 5441 0,'0'0'760'0,"0"0"-536"0,0 0-96 16,0 0 336-16,0 0 328 15,0 0 32-15,-48-4-376 0,35 27-328 16,13 14-112-16,-12 14 48 31,3 15-40-31,-3 0-8 0,-13 8 0 0,1-4 0 16,12-8 0-16,-9-7 0 16,8-8-8-16,1-14-40 15,12-10-120-15,-12-14-152 16,12-9-16-16,0 0-88 15,0 0-136 1,0-18 56-16,12-20 320 0,-12-9 176 0,12-8 0 16,1-16 8-16,-1 1 0 15,-3 0 0-15,3 0-8 16,12 14 0-16,-11 9-72 0,11 15 24 31,-24 13-56-31,9 9 104 16,3 10 0-16,1 0 48 0,11 23 248 15,0 11 328-15,-2 7-128 16,14 6-320-16,-11 5-72 0,8-1-32 16,4 5-72-16,-16-4 16 31,3-10-8-31,1 5-8 16,-13-9 0-16,-3-2-152 0,-9-3-192 15,0 0-336-15,0-10-512 16,-9 6-240-16,-16-11-185 0,13-9-983 0</inkml:trace>
+  <inkml:trace contextRef="#ctx0" brushRef="#br0" timeOffset="2419.83">20583 2510 3568 0,'0'0'1729'0,"0"0"-1129"0,0 0-432 0,0 0 200 0,0 0 264 0,0 0-176 15,0 0-272-15,24 39-128 0,-15-35-56 32,40-4-328-32,-25 0-1048 15,22 0-1049-15</inkml:trace>
+  <inkml:trace contextRef="#ctx0" brushRef="#br0" timeOffset="2981.12">21216 2441 5113 0,'0'0'2152'31,"0"0"-1600"-31,0 0-552 16,0 0-312-16,0 0 280 0,0 0 32 0,0 0 80 15,0 0-24-15,58-75-40 16,-34 47-8-16,1-1-8 0,-13 3 0 16,-3-8 0-1,3-3-280 1,1 0-232-16,-1-2-8 15,-12-2-88-15,0 8 200 0,0 0 408 0,0 10 16 16,-12 9 280 0,-13 0 248-16,16 9-104 0,-28 5 24 0,13 0-64 31,-9 23-272-31,-4 6-24 16,13 8 208-16,2 10 80 0,-2 9-112 15,12 1-48-15,12 8-24 16,0 0-88-16,0 0-40 0,24-4-23 15,1 1-1-15,8-11 24 32,16-9-80-32,-16-10-72 15,16-8-65-15,-15-10-143 0,2-5 48 16,-2-4 24-16,-10-5 24 16,0 0-80-16,-2-14-24 0,-10-5 200 15,-12 0 72-15,0-4-128 31,0-1 80-31,-12 6 64 16,-10-1 192-16,-2 1-40 0,-13 8-96 0,16 6 16 16,-3 4-72-1,-22 8-392-15,22 16-544 0,11-1-2081 0</inkml:trace>
+  <inkml:trace contextRef="#ctx0" brushRef="#br0" timeOffset="3446.88">22002 2249 1688 0,'0'0'4257'0,"0"0"-3553"0,0 0-512 0,0 0-72 31,0 0 408-31,0 0 144 16,0 0-488-16,-103 10-168 0,78 4-8 15,13 3-8-15,-12-1-8 16,24 2 8-16,-13-4-48 0,13 4 32 16,0 2 0-16,0 3 8 31,0-5-48-31,25 6-40 15,-1-5-40-15,10-1-248 0,2-4-64 0,1 1 40 16,8-1 88-16,1-5 8 16,-9 1 32-16,-1-6 72 0,-2 9 40 15,-10-7-40 1,-12 2 64 0,-12 12 144-16,0-7 488 15,-12 6 384-15,-24 5-288 0,2 4 0 16,-15 0 0-16,4-6-152 0,-13 3-432 15,21-11-488-15,1-5-1912 16</inkml:trace>
+  <inkml:trace contextRef="#ctx0" brushRef="#br0" timeOffset="7286.47">26419 1618 1216 0,'0'0'2752'0,"0"0"-1591"0,0 0-617 0,0 0-88 16,0 0 216-16,0 0 48 15,0 0-224 1,0 0-48-16,0 0 8 0,0 0 49 16,0 0-41-16,0 5-104 15,-12 4-136-15,12 9-40 0,0 5 32 16,0 15 8-16,0 4-48 16,0 15-120-1,0-6-48 1,0 9 0-16,0 6 0 0,0 0 0 0,12-5-8 31,-12 4 8-31,0-9 0 0,0 5 0 0,0-9-8 0,0-5 0 16,0-1 0-16,-12-9-104 31,12 1-176-31,-13-10-160 16,13-4-152-16,0-11-241 0,0-3-487 15,0-10-1344 1</inkml:trace>
+  <inkml:trace contextRef="#ctx0" brushRef="#br0" timeOffset="8527.82">26452 1486 1384 0,'0'0'1592'0,"0"0"-1096"0,0 0-368 0,0 0-112 15,0 0 88-15,0 0 296 16,0 0 32-16,12-4-39 0,-12 4-17 16,0 0-40-16,0 0-56 15,0 0-88-15,0 0 8 0,0 0-48 16,0 0-64-16,0 0 136 31,13 4 432-31,11 11-216 16,-3-6-200-16,28 5-16 0,-3-5 8 15,15 5 16-15,9-4-72 16,12-1-16-16,0 1-16 0,0-7-39 16,10-3-25-16,-10 0-72 31,0 0 8-31,0 0-8 0,-8 0-8 15,-4 0 0-15,0 0 8 0,0 0-8 16,0 0 0 0,-12 0 0-16,3 0 0 0,9 0-8 0,-12 0 0 15,12 6-8 1,0-6-40 0,0 0-32-16,3 0-9 0,-3 0-111 15,-12 0 48-15,0 0 8 16,-22 0 80-16,10 0 64 15,-22 0-96-15,1 0 32 0,-16 0 64 0,3 0-8 32,-12 0 8-32,0-6-40 15,0 6 48-15,0 0 0 0,0 0 8 16,0-3 8-16,12 3-16 16,-12 0 0-16,0 0 0 0,0 0-16 15,0 0 8-15,0 0-48 16,0 0 56-16,0 0 312 0,0 0-24 31,0 0-80-31,0 9-208 16,0 10-8-16,0 3 8 15,0 12 0-15,0 7 8 0,0 6 0 16,0 5 40-16,0 9-40 16,0-1 48-16,0 1-56 0,12 1 8 31,0-2 0-31,1 1-8 15,8 0 0-15,-9-4 0 16,13-6-64-16,-13 0 64 0,0-9 0 0,0-9-56 16,-12 4-8-16,9-13-16 15,-9-1 8-15,0-4-24 16,0-1 96 0,0-8-8-16,0 3 8 15,0-3 0-15,0-1 0 0,0-3 8 16,0-2-8-16,0-4-8 0,0 4 8 15,-9-4 80-15,-3 5 32 16,0-5-96 0,-13 0-16-16,1 0 0 15,-10 0 48-15,-14 0 48 16,2-9-16-16,-12 5-7 16,-12-7 143-16,-12 3 40 0,0-7 32 31,-37 7-64-31,-21-2 112 0,-25 4-120 15,-11 6 120-15,23 0 224 16,13 20-80-16,-3-7-216 16,39 1 24-16,10 1-120 0,24-6-40 15,12-4 8-15,9-1-136 32,4 1-312-32,8-5-696 0,4 0-512 15,33-5-233-15,0-9-1287 0</inkml:trace>
+  <inkml:trace contextRef="#ctx0" brushRef="#br0" timeOffset="9990.01">23026 2446 1328 0,'0'0'2288'0,"0"0"-1127"0,0 0-265 0,0 0 16 0,-13 0 112 0,13 0-256 0,0 0-352 15,0 0-104-15,0 0-96 16,0 0-39-16,0 0-73 0,0-9-96 16,13-6 64-1,8-12-48 1,3-2 32-16,13-3-40 16,-16 4-8-16,16-5 0 0,-4 5 0 15,-8 5 8-15,-1 3-16 0,0 1-16 16,-2 1-40-16,2 14 40 31,-24-6-96-31,12 10-153 16,0 0-175-16,-12 0-280 0,0 0-960 15,12 10-617-15,-12-2-551 0</inkml:trace>
+  <inkml:trace contextRef="#ctx0" brushRef="#br0" timeOffset="10379.65">23001 2502 616 0,'0'0'4465'0,"0"0"-3273"0,0 0-824 15,0 0-264-15,0 0 24 16,0 0 184-16,0 0-24 0,0 0-128 16,0 0 80-16,12 5 112 15,13 4 96-15,-4 1 112 0,3 4-143 31,10 3-265-15,2-3-72-16,-11 6-16 0,8 3-64 16,4-4 0-16,-13-1-64 0,-2-4-192 15,2-4-233-15,0-1-311 16,-12-9-784-16,-2 0-2609 0</inkml:trace>
+  <inkml:trace contextRef="#ctx0" brushRef="#br0" timeOffset="10893.17">23199 2122 5065 0,'0'0'2008'0,"0"0"-1440"16,0 0-568-16,0 0 0 15,0 0 376-15,0 0-24 0,61 66-136 16,-27-42-80-16,14-1-88 16,-2 1 48-16,3 0-8 0,9-6-40 31,-25 5-48-31,16-9 0 15,-16 4 0-15,4-8-8 16,-13 4-64-16,-2-4 16 0,2-1-40 16,-24-5 8-16,12 1 40 15,-12-5 32-15,0 5 16 0,0-1 48 32,0 1 88-32,0 4 40 15,0 6-40-15,-12-1 72 0,0 4-23 16,-10 6 63-16,-2 0 72 15,0-1 16-15,-1-1-24 0,4 7-168 16,-16 0-88-16,4-7-56 31,-4 7-224-31,1-6-416 16,15-4-689-16,-4-10-1239 0</inkml:trace>
+  <inkml:trace contextRef="#ctx0" brushRef="#br0" timeOffset="12139.69">23906 2385 656 0,'0'0'800'0,"0"0"-232"0,0 0-168 0,0 0 48 0,0 0 64 0,0 0 56 16,0 0-8-16,0 0-15 15,-95-5-185 1,95 5 32-16,-12 0-96 15,-12 0-40-15,15 0 48 16,-3 5 112-16,-1-5-40 0,-11 5-104 0,12 0-24 16,0 3 32-1,2-3 128-15,-14-5-8 16,24 5-87-16,-12-5-89 16,12 4-72-16,0-4-64 15,0 0 8-15,0 0-96 0,0 0-8 16,0 0-144-16,0 0 0 15,0 0 16-15,12 5 112 16,12 0 24 0,10 5 16-16,3-1 120 15,8 1 16-15,13-2-32 16,12-3 16-16,12 0-56 0,1-1-24 16,11-4-48-16,0 0 8 15,1 0-16-15,-1 0 0 0,1-14 80 16,8 6 64-16,4-7-136 31,12 1-8-31,21 0 16 16,-12 0-8-16,-9 5 0 0,-25 4 0 0,-24 0 0 15,12 5 0-15,0-10 8 16,13 6 0-16,-25-1-16 16,0-4-8-1,-12-1-16-15,-22 2-72 16,-14 3 96-16,-10 5 8 0,0-5 40 15,-12 5-48-15,0 0-120 16,0 0-128-16,0 0-224 0,0 0-121 16,0 0 145-1,12 0-376-15,1 0 248 16,11 0 56-16,-3 0-864 16,-9 0-2649-16</inkml:trace>
+  <inkml:trace contextRef="#ctx0" brushRef="#br0" timeOffset="12959.47">27250 1833 1176 0,'0'0'2856'0,"0"0"-1383"0,0 0-649 16,0 0-192-16,0 0 168 16,0 0-72-16,-21 0-24 0,21 8-287 15,0 3-313-15,0 11-96 16,-12 7 0-16,12 9 64 0,0 3-72 16,-12 2-16-16,12-1-216 31,-13-5-57-31,13 1-303 0,-12-1-320 15,12-9-640-15,-12-9-1393 0</inkml:trace>
+  <inkml:trace contextRef="#ctx0" brushRef="#br0" timeOffset="13233.58">27052 1838 2496 0,'0'0'3313'0,"0"0"-2105"0,0 0-648 16,0 0-256-16,0 0-48 16,0 0-40-16,0 0-216 0,0 0 0 15,25 0 0 1,8-5-8-16,4 5 0 15,8-5 8-15,4 5-16 16,9 0-432-16,-12 5-1168 0,2 9-1457 16</inkml:trace>
+  <inkml:trace contextRef="#ctx0" brushRef="#br0" timeOffset="13481.33">27077 2356 4993 0,'0'0'1808'0,"0"0"-1144"16,0 0-536-16,0 0-48 15,0 0 192-15,0 0-272 0,0 0-24 16,9 5 8-16,27 0-40 15,-11-5-184-15,33 0-904 16,-22 0-640 0,10 0-1281-16</inkml:trace>
+  <inkml:trace contextRef="#ctx0" brushRef="#br0" timeOffset="14076.9">27579 2133 4368 0,'0'0'1481'0,"0"0"-961"0,0 0-360 16,0 0 376-16,0 0 72 16,0 0-328-1,0 0-200 1,0 0-64-16,-45 107-8 0,45-74 64 15,-13-10-72-15,13-4-128 0,-12 0 24 16,12-11 32-16,0 2-16 31,0-10-64-31,0 0-128 0,0 0 88 16,0 0 16-16,0 0-288 16,0-14 352-16,25-5 104 0,-13-10 0 15,0-2-136-15,21-6-80 16,-20-2-88-16,11 7 8 31,0 3 192-31,-15 16-8 0,4 4 112 0,-13 9-72 16,12 0 80-16,-12 0 80 15,0 9 232-15,0 4-56 0,12 7-144 16,-12-7-48-16,12 1-56 16,-12 0 48-1,0-9-56 1,12 0 0-16,-12-5-96 0,10 0-8 15,2 0-80-15,0 0-80 16,12 0 112-16,-12-14 16 0,1 0-16 0,8 0 64 16,-9-1 16-16,12 1 72 31,-11 1-9-31,-1 4-15 16,-12 9-32-16,9 0-64 0,-9 0 120 15,0 22 545-15,0 2-89 0,0 13-336 16,0-4-120-16,-9 0-104 15,-3 1-272-15,12-2-385 16,0-13-687-16,0-5-1264 0</inkml:trace>
+  <inkml:trace contextRef="#ctx0" brushRef="#br0" timeOffset="14639.66">28051 2136 3000 0,'0'0'1544'0,"0"0"-1079"0,0 0-329 0,0 0-64 16,0 141 160-1,0-103-24-15,0-5 0 0,0 4-48 16,9 0-104-16,4-9-48 15,-1 5 48-15,-12-9-56 0,0-1 0 16,0-4-56-16,0-11 56 0,0 3 0 16,0-8 184-16,0-3 0 15,-12 0-56 1,-1 0-112-16,4-14 104 16,-3-9-120-16,0-4-56 15,12-11 40-15,0-4 8 0,0-15-80 16,0 6 80-16,0-5-8 15,24 5-96-15,-15 8 16 0,16 10 8 32,-13 11 88-32,12 12 24 15,-11 6 112-15,8 4 16 16,3 0 56-16,1 9 56 0,-4 4-32 16,3 7-232-16,-11 3-24 15,-1 0-24-15,0 1 48 0,-12-1 0 31,0 5 80-31,-12 5-8 16,-13-5-72-16,1 0-32 0,-10 0-256 16,-14-5-152-16,26-4 48 0,10-10 64 15,12-9-432 1,0-4-697 0</inkml:trace>
+  <inkml:trace contextRef="#ctx0" brushRef="#br0" timeOffset="14911.45">28508 1716 2600 0,'0'0'1568'0,"0"0"-847"15,0 0 119-15,0 0-120 0,0 0 32 16,0 0-24-16,0 0-248 16,0 141 168-16,0-91-87 15,0 16-73-15,-12 0-72 0,0 4-136 16,0 0-176-16,-1-4-104 31,4-5-128-31,9 3-544 0,0-12-1233 16,9-18-4752-16</inkml:trace>
+  <inkml:trace contextRef="#ctx0" brushRef="#br0" timeOffset="19887.25">24317 4682 3304 0,'0'0'2681'0,"0"0"-1425"0,0 0-968 0,0 0 176 15,0 0 624-15,0 0-327 0,0 0-409 16,0 0-168-16,0 0 104 16,0 4 152-16,0 1-88 15,0 14-176-15,0 9-8 0,0 8 104 32,0 17-56-32,0 3-16 15,0 8 0-15,0 8-144 0,0 3 24 16,-12 5-72-16,12-2 40 15,-12-2-40-15,12-7-8 16,-13-7-40-16,13-7-184 0,0-13-80 0,0-4-144 16,0-10-344-1,0-9-496 1,13-9-737-16,11-10-2832 0</inkml:trace>
+  <inkml:trace contextRef="#ctx0" brushRef="#br0" timeOffset="21345.22">24399 4476 2936 0,'0'0'1568'0,"0"0"-1175"0,0 0-265 0,0 0 56 0,0 0 208 0,0 0 48 0,-24 0-96 0,24 0-208 16,0 0-16-1,0 0 112-15,0 0 144 0,0 0 32 16,0 0 0-16,0 0 64 16,0 0-72-16,0 0-168 0,0 4-112 15,12 6-15-15,12-1 103 16,10 5-32 0,15-4 96-16,9-1-144 15,-1-4 40-15,26-1-56 16,-13-4 40-16,24 0-40 15,-12 0-40-15,1 0 0 0,11 0-24 16,0 0 8-16,10 0 0 0,3-9-48 31,-13 0 0-31,13 4 0 16,-16-4 16-16,16-1-24 16,-13 6 8-16,1-1 0 0,-1 1 0 15,-3 4-8-15,16-6-8 16,-13 6-96-16,-11-4-24 0,11-1 8 31,-12 5-24-31,-12-5-32 16,0 1-24-16,-21-6 72 0,-15 6 40 15,2 4 72-15,-27-4-32 16,16-1 48-16,-13 5-8 0,0-5 8 16,-12 5-16-16,0 0 16 15,0 0 16 1,0 0-16-16,0 0 16 0,0 0 56 15,0 0 16-15,0 0 40 16,0 0 56-16,0 0-80 0,0 0-56 16,0 0-40-16,0 0 0 15,0 0-8 1,0 5 0 0,0 0 0-16,0-1 0 0,0 0 0 15,0 10 8-15,0 6-8 16,0 3 0-16,-12 5 0 0,12 5 16 15,-12 9-8-15,12-1 0 0,0 2-8 32,0 8 8-32,0 1 0 15,0 3 48-15,0-3 72 16,0 5-112-16,12-6-8 0,12 4 8 16,-12-7-16-16,-2-6 8 15,14-5-8-15,-24-5-8 0,12-3-8 31,-12-5-40-31,12-2 56 16,-12-2 0-16,0-2 0 0,0 1 0 16,0-5 8-16,0 5-8 0,0-5 8 15,-12-5 0-15,12 0 16 16,-12 1-16-16,12-2 0 16,-12 3 56-1,0-6-56-15,12-1 64 16,-10 6-72-16,-2-6 8 0,0 1 0 15,-12-1 0-15,-10 0 0 0,10 2 72 16,-22-6-80-16,-3 5 8 16,-9-2 72-16,1-3-80 0,-16 6 56 31,2-6 16-31,-11 4 8 16,0-4-24-16,-12 0 8 0,2 0-48 15,-2 0 56-15,-1 6 32 16,1-6-56-16,-1 0 80 0,1 0 80 31,3 0-56-31,-4 0 16 16,13 0 24-16,-12 0-64 15,-1 0-16-15,1 0 40 16,-1 0-56-16,-8 9-8 0,8-5-40 16,1 6-40-16,-1 3 0 15,1 1 0-15,3 6 8 0,8 3-8 31,10-5 48-31,15 2-40 16,25-7-16-16,9-8-8 0,11 3-152 0,26-8-984 16,11 0-1128-16,9 0-1665 15</inkml:trace>
+  <inkml:trace contextRef="#ctx0" brushRef="#br0" timeOffset="26566.75">22718 2876 1384 0,'0'0'2000'0,"0"0"-928"0,0 0-599 16,0 0 375-16,0-10 232 0,0 10-232 16,0 0-272-16,0 0-32 15,0 0 137-15,0 0-73 0,0 0-248 31,0 0-176-31,0 0-104 16,-9 0 256-16,9 10-216 0,0 4-120 16,0 9 0-16,-12 10 72 15,12 5-64-15,-13 4 48 16,13 4-56-16,-12 1 0 0,-12 1 0 31,12 3-8-31,3-5 0 16,-4-9-168-16,1-4 24 15,0-4 72-15,12-16 72 0,-12-3-8 16,12-5-176-16,0-5 40 0,0 0 48 16,0 0-80-16,0 0-96 15,0 0-48 1,0 0-33-16,0 0 129 16,0 0 88-16,12 0 128 0,0 0 16 15,0 0-8-15,1 0 8 16,8 0 0-16,15 0 8 0,-11 0-8 15,8 3 0 1,4 3 0-16,8-1 0 16,-8 0 0-16,9-1 48 15,2-4-48-15,-14 5-56 0,-10-5 48 16,1 0 0-16,-4 0 8 16,3 0-56-16,-11 0-64 15,-1 0-16-15,-12 0 64 0,9 0 72 31,-9 0 0-31,0 0 64 16,0-5 248-16,0-4 249 0,-9-2-145 16,-3-2 152-16,-25-5 0 15,4-5-104-15,-4-10-48 0,-21 5-288 32,9-11 312-32,16 2 40 15,-16 1-328-15,28-6-152 0,-16-1-360 16,25 10-168-16,12-5-296 15,0 15-472-15,0 5-1689 0</inkml:trace>
+  <inkml:trace contextRef="#ctx0" brushRef="#br0" timeOffset="28981.01">22895 3414 880 0,'0'0'1904'0,"0"0"-912"0,0 0-520 0,0 0 281 0,0 0 287 16,-13-9-248-16,13 9-336 31,0 0-136-31,0 0 96 0,0 0 48 16,0 0-56-16,0 0-88 15,-9 0 17-15,9 0 15 0,0 0-16 16,0 0-24-16,0 0-120 16,0 9-144-16,0 10-48 15,0 0 8 1,-12 3-8-16,12-2 0 16,0 3-8-16,0 1 8 0,0-1-8 15,0 0 0-15,0 5-8 0,0 0-40 16,12 0 56-16,-12 0 0 0,9 5-8 15,-9 0 0-15,13-5-8 16,-1 5-40 0,0 0-16-16,0-5 24 15,-12 4 40-15,12-3-48 16,0 3 48-16,-2 1-64 0,14-5 64 16,-12 5-40-16,13-1-8 31,-13 2 48-31,21-3-56 0,-8 8 8 15,-4-7 48-15,15 1-40 16,1 4-8-16,9-5 40 0,-1-3-32 16,4 3-32-16,9-3 72 15,-9-1-48-15,9-4 48 16,-13-1-8-16,4 0 8 0,-3 1 0 31,-10-1 0-31,-2-4 8 16,2 0 8-16,-11-1-8 0,-16 0 0 15,15 7 0-15,-12-3 8 16,13 2 0-16,-13-1 0 16,-3 4 48-16,3-2-48 0,13-2-8 31,-13-5-8-31,0 2 8 0,-3-6-8 16,15-1-72-16,-11-3 64 0,11-1-112 15,-12 0-56-15,10 1-1 16,2-1 9-1,0 1-40-15,-12 4-48 16,-2 0-144-16,2 0-552 0,-12 5-1544 16</inkml:trace>
+  <inkml:trace contextRef="#ctx0" brushRef="#br0" timeOffset="31498.54">27534 2557 264 0,'0'0'2296'0,"0"0"-872"16,0 0-1024-16,0 0-248 16,0 0 345-16,0 0-9 0,0 0-256 0,0 0-168 15,0 0 32 1,0 0 144-16,0 0 72 0,0 0-8 0,0 0 72 31,0 0 160-31,0 0 56 16,0 0-40-16,0 0-104 15,0 0-119-15,-13 0-97 0,13 0 8 16,0 0-40-16,0 0-48 16,0 0-104-16,-12 0-48 0,0 11 0 15,3 8-72-15,-16 4 16 31,1 4 8-31,-9 7-48 0,8-2 88 16,-11 1-200-16,2-5 120 16,10 4 80-16,-1-3 8 0,4-6 0 15,9-9 0-15,0 0 0 32,12-9 0-32,0-1 0 15,0-4-88-15,0 0-56 0,0 0-16 16,0 0-1-16,0 0 65 15,0 0 88-15,0 0-136 0,0 0 56 16,0 0 24-16,0 0-40 16,0 0 24-16,0 5 72 15,12 3 0 1,0 7 8-16,-3-5 0 16,16 4-8-16,-1 5 8 0,-12-5 0 15,9 4-8-15,16 0-136 0,-13-4-88 16,-2 1-24-1,14-5-32 1,-11-2 64-16,-4 3-24 16,3-7 56-16,-11 0 56 0,-1 1 48 0,0-5-32 15,0 0 64-15,-12 0 0 16,9 0 48-16,3 0 8 0,-12 0-8 31,13 0 8-31,-1 0 0 16,-12 0-8-16,12 0 0 0,-12 0 0 15,0 0 0-15,0 0-64 16,0 0-16-16,0 0 24 0,0 0 64 16,0 0 104-16,12-5 160 15,-12-3 128-15,0-7-64 32,0-8-32-32,0 0-48 0,0-5 16 15,0-1-56-15,0-4 0 16,0-4-24-16,0-1 144 0,0 5-7 15,0 1-17-15,0 3-8 32,-12 10 80-32,12 6-160 15,-12 4-64-15,12 4-152 0,0 5-248 0,0 0-496 16,24 0-897 0,-12 9-2640-16</inkml:trace>
+  <inkml:trace contextRef="#ctx0" brushRef="#br0" timeOffset="32390.8">27369 3199 1120 0,'0'0'1952'0,"0"0"-1016"0,0 0-95 0,0 0 511 0,0 0-368 16,0 0-544-1,0 0-200-15,-12 0-64 16,12 0-48-16,0 0 248 0,0 4 80 15,-12 1-39-15,12 9-97 16,-13 4-88 0,4 2-88-16,-3 7-80 0,-12-3-16 15,12 5-48-15,-13-2-312 16,4 11-473-16,-3-6-847 16,11 2-1673-16</inkml:trace>
+  <inkml:trace contextRef="#ctx0" brushRef="#br0" timeOffset="32749.19">26946 3775 4384 0,'0'0'2553'0,"0"0"-1865"15,0 0-472-15,0 0 256 0,0 0-64 0,-25 27-296 16,25-8-96-1,-9-4-16-15,-3 8-16 0,0 0-96 16,0-4-144-16,-1 9-320 16,1 10-384-1,-9-6-752 1,9-9-1025-16</inkml:trace>
+  <inkml:trace contextRef="#ctx0" brushRef="#br0" timeOffset="33074.08">26629 4256 3752 0,'0'0'2609'15,"0"0"-1785"1,0 0-488 0,0 0 168-16,0 0-144 0,0 0-256 15,-82 135-88-15,57-97-16 16,4 23-280-1,9-10-456-15,-13-9-1216 0</inkml:trace>
+  <inkml:trace contextRef="#ctx0" brushRef="#br0" timeOffset="43623.79">24469 4410 56 0,'0'0'1608'0,"0"0"-1040"0,0 0-296 0,0 0 112 15,0 15 120-15,0-1-96 0,0 4-32 16,-12 11-72-16,12 3-39 16,0 6 15-16,-12 8-8 15,0 5 160 1,0 10-72-16,2-1-144 0,-14 2-112 15,12-1 0-15,-25 0-96 16,28-5 0-16,-15-1-8 0,12-11-8 16,-1 2-312-16,1 1-376 15,0-14-385 1,12-1-871-16</inkml:trace>
+  <inkml:trace contextRef="#ctx0" brushRef="#br0" timeOffset="44988.02">24433 4466 360 0,'0'0'712'0,"0"0"40"0,0 0-72 0,0 0-40 16,0 0-192-16,0 0-192 15,0 0-40-15,0 0 40 0,12 0-40 16,0 0-55-16,0 0 71 16,0 0-48-16,1 0-56 0,8 0-48 15,3 0-64-15,1 0 40 31,-4 5 24-31,3-5 56 0,1 5 64 16,8-1-96-16,4 2-48 16,-4-6-48-16,4 0 0 0,-1 0 8 15,-2 0-8-15,15 0 0 16,-16 0-8-16,16 0 8 31,-3 0 8-31,-1 4-8 0,16-4-8 16,-3 0 0-16,12 5 8 15,-21-1-8-15,9-4 8 0,0 6 0 16,-13-2-8-16,4-4 0 16,-3 0 0-16,2 0-8 31,-2 0 8-31,3 0-88 0,-3 0 88 0,-10-4-8 16,10-2 0-16,-10 2-72 15,10-1 64-15,-9 1-88 0,-4-2 16 16,4 6 80-16,-16-4-56 0,16 4 0 31,-13 0 56-31,-3 0 0 16,16 0-88-16,-13 0-8 0,-3 0-112 15,4 0 88-15,-1 0-88 16,-2 0 47-16,2 0 65 0,-12-5 48 16,12 5 48-16,-2-5 0 31,2 5-40-31,-12 0 32 0,1 0-32 15,11 0 40-15,-3 0-64 16,4 0-8-16,-1 0 80 0,-3 0-16 16,16 0-488-16,-25 0 168 15,12 0 184-15,-14 0 48 32,14 0-8-32,-12 0-8 0,0 0 16 15,0 5 40-15,1-5 48 16,-4 0-96-16,3 5-96 0,0-5-304 15,0 4 368-15,0-4-64 16,13 6-200-16,-16-6 144 16,15 0 0-1,-11 0-96-15,-1 4 225 0</inkml:trace>
+  <inkml:trace contextRef="#ctx0" brushRef="#br0" timeOffset="45192.7">26982 4499 80 0,'0'0'520'0,"0"0"-280"0,0 0-240 0,0 0-176 15,0 0-176-15,0 0 41 0</inkml:trace>
+  <inkml:trace contextRef="#ctx0" brushRef="#br0" timeOffset="45697.38">26982 4499 760 0,'-61'-9'832'0,"61"9"-128"15,-9 0 176 1,9 0-24-16,0 0-167 15,-12 9-193-15,12 1-80 0,0 4 104 16,-12 4-24-16,12 0-136 16,-12 11-232-16,12 0-24 15,0 7 24-15,-13 2-80 0,13 0-48 32,-12-1 8-32,12 5 56 15,-9 1-16-15,9-1-32 0,-12 4 72 16,0-4 48-16,12 5-48 15,-12-6 0-15,-1-2-80 0,13-2 64 16,-12 0-72-16,12-3 16 31,-12-8-8-31,12-1 0 0,0-3-8 16,0 2 0-16,0-9-8 16,0-2-56-16,0-4-40 15,0 1 0-15,12-5-40 0,-12-1-184 16,12 1-344-16,1 0-824 31,-13-1-1081-31</inkml:trace>
+</inkml:ink>
+</file>
+
+<file path=ppt/ink/ink2.xml><?xml version="1.0" encoding="utf-8"?>
+<inkml:ink xmlns:inkml="http://www.w3.org/2003/InkML">
+  <inkml:definitions>
+    <inkml:context xml:id="ctx0">
+      <inkml:inkSource xml:id="inkSrc0">
+        <inkml:traceFormat>
+          <inkml:channel name="X" type="integer" max="3840" units="cm"/>
+          <inkml:channel name="Y" type="integer" max="1080" units="cm"/>
+          <inkml:channel name="T" type="integer" max="2.14748E9" units="dev"/>
+        </inkml:traceFormat>
+        <inkml:channelProperties>
+          <inkml:channelProperty channel="X" name="resolution" value="100.52356" units="1/cm"/>
+          <inkml:channelProperty channel="Y" name="resolution" value="50.23256" units="1/cm"/>
+          <inkml:channelProperty channel="T" name="resolution" value="1" units="1/dev"/>
+        </inkml:channelProperties>
+      </inkml:inkSource>
+      <inkml:timestamp xml:id="ts0" timeString="2024-12-13T17:32:20.352"/>
+    </inkml:context>
+    <inkml:brush xml:id="br0">
+      <inkml:brushProperty name="width" value="0.05292" units="cm"/>
+      <inkml:brushProperty name="height" value="0.05292" units="cm"/>
+      <inkml:brushProperty name="color" value="#FF0000"/>
+    </inkml:brush>
+  </inkml:definitions>
+  <inkml:trace contextRef="#ctx0" brushRef="#br0">7772 5224 0,'0'26'94,"0"0"-79,0 0 1,0 0-16,26 0 16,-26 0-16,0 0 15,0 0-15,0 0 16,0 0-16,0 0 15,26-26 1,-26 26-16,0 0 0,0 0 0,0 0 16,0 0-16,0 0 15,0 0-15,0 0 0,26-26 16,-26 26-16,0 0 16,0 0-16,0 0 15</inkml:trace>
+  <inkml:trace contextRef="#ctx0" brushRef="#br0" timeOffset="7812.32">7850 5458 0,'0'26'0,"0"0"16,0 0 0,0 0-1,0 0-15,0 0 16,0 0-16,0 0 16,0 0-16,0 0 0,0 0 15,0 0-15,0 0 0,0 0 16,0 0-16,0 0 0,0 0 0,0 0 15,0 0-15,0 0 0,0 0 0,0 0 16,0 0-16,0 0 0,0 0 0,0 0 0,0 0 16,0 0-16,0 0 0,0 0 0,0 0 15,0 0-15,0 0 0,0 0 16,-26-26-16,26 26 0,0 0 0,0 0 0,0 0 0,0 0 16,0 0-16,0 0 0,0 0 0,0 0 0,0 0 15,-26-26-15,26 26 0,0 0 0,0 0 0,0 0 16,0 0-16,0 0 0,0 0 0,0 0 15,-26-26-15,26 25 0,0 1 0,0 0 0,0 0 0,0 0 16,0 0-16,0 0 0,0 0 16,-26-26-16,26 26 0,0 0 0,0 0 0,-26-26 15,26 26-15,0 0 0,0 0 16,0 0-16,-26-26 0,26 26 0,0 0 16,0 0-16,0 0 0,0 0 15,-26-26-15,26 26 0,0 0 16,0 0-16,0 0 0,0 0 15,-26-26-15,26 26 0,0 0 0,0 0 16,-26-26-16,26 26 0,0 0 16,-26-26-16,26 26 0,0 0 0,0 0 0,0 0 15,0 0-15,-26-26 0,26 26 0,0 0 16,0 0-16,0 0 0,0 0 0,-26-26 0,26 26 16,0 0-16,0 0 0,0 0 0,-26-26 0,26 26 15,-26-26-15,26 26 0,0 0 0,0 0 0,0 0 16,0 0-16,-26-26 0,26 26 0,0 0 15,0 0-15,0 0 0,0 0 16,0 0-16,-26-26 0,26 26 0,0 0 0,0 0 16,0 0-16,0 0 0,0 0 0,0 0 15,0 0-15,0 0 0,0 0 16,0 0-16,0 0 0,0 0 0,0 0 16,0 0-16,0 0 0,0 0 0,0 0 15,0 0-15,0 0 0,0 0 0,-26-26 16,26 26-16,0 0 0,0 0 0,0 0 0,0 0 15,-26-26-15,26 26 0,0 0 16,0 0-16,0 0 0,0 0 16,0 0-16,0 0 0,0 0 15,0 0 1,26-26 93,0 0-109,0 0 16,-26-26-16,26 26 0,0 0 16,-26-26-16,26 26 0,0 0 0,0 0 0,0 0 15,-26-26-15,26 26 0,0 0 0,0 0 0,0 0 16,0 0-16,0 0 0,0 0 0,0 0 15,0 0-15,0 0 0,0 0 0,0 0 0,0 0 16,-1 0-16,1 0 0,0 0 0,0 0 16,0 0-16,0 0 0,0 0 0,0 0 0,0 0 15,0 0-15,0 0 0,0 0 0,0 0 0,0 0 16,0 0-16,0 0 0,0 0 0,0 0 16,0 0-16,0 0 0,0 0 0,0 0 0,0 0 15,0 0-15,0 0 0,0 0 0,0 0 16,0 0-16,0 0 0,0 0 0,0 0 15,0 0-15,0 0 0,0 0 16,0 0-16,0 0 0,0 0 0,0 0 16,0 0-16,0 0 0,0 0 0,-26 26 15,26-26-15,0 0 0,0 0 16,0 26-16,0-26 16,0 0-16,0 0 15,0 0-15,0 0 0,0 0 16,-26 26-16,26-26 0,0 0 0,0 0 0,0 0 15,0 0-15,0 0 16,0 0-16,0 0 0,0 0 0,0 0 16,0 0-16,0 0 0,0 0 0,0 0 15,0 0-15,0 0 0,0 0 16,0 0-16,0 0 0,0 0 16,0 0-16,0 0 0,0 0 15,0 0-15,0 0 16,-26 26-16,26-26 0,0 0 0,0 0 15,0 0-15,0 0 16,0 0-16,0 0 16,0 0-16,0 0 0,0 0 15,0 0-15,0 0 0,0 0 0,0 0 16,0 0-16,0 0 0,0 0 0,0 0 16,0 0-16,0 0 0,-26 25 0,26-25 0,0 0 15,0 0-15,0 0 0,0 0 0,0 0 0,-26 26 0,26-26 0,0 0 16,0 0-16,0 0 0,0 0 0,0 0 0,0 0 15,0 0-15,0 0 0,-26 26 0,26-26 0,0 0 16,0 0-16,0 0 0,-1 0 0,1 0 0,0 0 16,0 0-16,0 0 0,-26 26 0,26-26 0,0 0 0,0 0 15,0 0-15,0 0 0,0 0 0,0 0 0,0 0 0,0 0 16,0 0-16,0 26 0,0-26 0,0 0 0,0 0 16,0 0-16,0 0 0,0 0 0,0 0 0,0 0 15,0 0-15,0 0 0,0 0 0,0 0 16,0 0-16,0 0 0,0 0 0,-26 26 15,26-26-15,0 0 0,0 0 0,0 0 16,0 0-16,0 0 0,0 0 0,0 0 16,0 0-16,0 0 0,0 0 0,0 0 15,0 0-15,0 0 0,0 0 0,0 0 16,0 0-16,0 0 0,0 0 0,0 0 16,0 0-16,0 0 15,0 0-15,0 0 0,0 0 16,0 0-16,0 0 0,0 0 15,0 0-15,0 0 16,0 0-16,0 0 0,0 0 0,0 0 16,0 0-16,0 0 0,0 0 0,0 0 0,0 0 15,0 0-15,0 0 0,0 0 0,0 0 0,0 0 0,0 0 16,0 0-16,0 0 0,0 0 0,0 0 0,0 0 16,0 0-16,0 0 0,0 0 0,0 0 0,0 0 15,0 0-15,0 0 0,0 0 0,0 0 16,0 0-16,0 0 0,0 0 0,0 0 15,0 0-15,0 0 0,0 0 0,0 0 16,0 0-16,0 0 0,0 0 16,0 0-16,0 0 15,0 0-15,0 0 0,0 0 0,0 0 16,0 0-16,-26-26 0,26 26 0,0 0 0,0 0 16,0 0-16,0 0 0,0 0 0,0 0 15,-1 0-15,1 0 0,0 0 0,0 0 0,0 0 0,0 0 0,0 0 16,0 0-16,0 0 0,0 0 0,0 0 0,0 0 0,0 0 0,0 0 0,0 0 0,0 0 15,0 0-15,0 0 0,0 0 0,0 0 0,0 0 0,0 0 0,0 0 0,0 0 16,0 0-16,0 0 0,0 0 0,0 0 0,0 0 0,0 0 0,0 0 0,0 0 0,0 0 0,0 0 16,0 0-16,0 0 0,0 0 0,0 0 0,0 0 0,0 0 0,0 0 0,0 0 0,0 0 0,0 0 15,0 0-15,26 0 0,-26 0 0,0 0 0,0 0 0,0 0 0,0 0 16,0 0-16,0 0 0,0 0 0,0 0 0,0 0 0,0 0 0,0 0 0,0 0 0,0 0 16,0 0-16,0 0 0,0 0 0,0 0 0,26 0 0,-26 0 15,0 0-15,0 0 0,0 0 0,0 0 0,0 0 0,0 0 0,0 0 0,0 0 16,0 0-16,0 0 0,0 0 0,0 0 0,0 0 15,0 0-15,0 0 0,0 0 0,0 0 0,0 0 0,0 0 16,0 0-16,0 0 0,0 0 0,0 0 0,0 0 0,0 0 16,0 0-16,0 0 0,0 0 0,0 0 0,0 0 0,0 0 0,0 0 15,0 0-15,0 0 0,0 0 0,0 0 0,0 0 0,0 0 16,0 0-16,0 26 0,0-26 0,0 0 0,0 0 0,0 0 0,0 0 16,0 0-16,0 0 0,-1 0 0,1 0 0,0 0 0,0 0 0,0 0 15,0 0-15,0 0 0,0 0 0,0 0 0,0 0 0,-26 26 0,26-26 0,0 0 16,0 0-16,0 0 0,0 0 0,0 0 0,0 0 0,0 0 0,0 0 0,0 0 0,0 0 0,0 0 15,0 0-15,0 0 0,0 0 0,0 0 0,0 0 0,0 0 0,0 0 16,26 0-16,-26 0 0,0 0 0,0 0 0,0 0 0,0 0 0,0 0 0,0 0 0,0 0 16,0 0-16,0 0 0,0 0 0,0 0 0,0 0 0,0 0 0,0 0 0,0 0 15,0 0-15,0 0 0,0 0 0,0 0 0,0 0 0,0 0 0,0 0 0,0 0 0,0 0 16,0 0-16,0 0 0,0 0 0,0 0 0,0 0 0,0 0 0,0 0 16,0 0-16,0 0 0,0 0 0,-26 26 0,26-26 0,0 0 0,0 0 0,0 0 15,0 0-15,0 0 0,0 0 0,0 0 0,0 0 0,0 0 0,0 0 0,0 0 16,0 0-16,0 0 0,0 0 0,0 0 0,0 0 0,0 0 0,0 0 0,0 0 15,0 0-15,0 0 0,0 0 0,0 0 0,0 0 0,0 0 0,0 0 0,0 0 16,0 0-16,0 0 0,0 0 0,0 0 0,0 0 0,0 0 0,0 0 0,0 0 0,0 0 16,0 0-16,0 0 0,0 0 0,0 0 0,0 0 0,0 0 0,0 0 0,0 0 0,0 0 15,0 0-15,0 0 0,0 0 0,-1 0 0,1 0 0,0 0 0,0 0 0,0 0 0,-26 26 16,26-26-16,0 0 0,0 0 0,0 0 0,0 0 0,0 0 0,0 0 0,0 0 0,0 0 16,0 0-16,0 0 0,0 0 0,0 0 0,0 0 0,0 0 0,0 0 15,0 0-15,0 0 0,-26 26 0,26-26 0,0 0 0,0 0 0,0 0 0,0 0 0,0 0 16,0 0-16,0 0 0,0 0 0,0 0 0,0 0 0,0 0 0,0 0 15,0 0-15,0 0 0,0 0 0,0 0 0,0 0 0,0 0 0,0 0 0,0 0 16,0 0-16,0 0 0,0 0 0,0 0 0,0 0 0,0 0 0,0 0 16,0 0-16,0 0 0,0 0 0,0 0 0,0 0 0,0 0 0,0 0 15,0 0-15,0 0 0,0 0 0,-26-26 0,26 26 0,0 0 0,0 0 0,0 0 0,0 0 0,0 0 0,0 0 16,0 0-16,0 0 0,0 0 0,0 0 0,0 0 0,0 0 16,0 0-16,0 0 0,26 0 0,-52-26 0,52 26 0,-26 0 15,0 0-15,0 0 0,0 0 0,26 0 0,-26 0 0,0 0 16,0 0-16,0 0 0,0-26 0,0 26 0,0 0 0,0 0 0,0 0 15,0 0-15,-26-26 0,26 26 0,0 0 0,0 0 0,0 0 0,-26-26 16,26 26-16,0 0 0,0 0 0,0 0 0,0 0 0,0 0 16,0 0-16,0 0 0,-26-26 0,26 26 0,0 0 0,0 0 15,0 0-15,0 0 0,0 0 0,0 0 0,-1 0 16,1 0-16,0 0 0,0 0 0,0 0 0,0 0 0,0 0 0,0 0 16,0 0-16,0 0 0,0 0 15,0 0-15,0 0 0,0 0 0,0 0 0,0 0 16,0 0-16,0 0 0,0 0 0,0 0 15,0 0-15,0 0 0,0 0 16,0 0-16,0 0 0,0 0 0,0 0 16,0 0-16,0 0 0,-26-26 15,26 26-15,0 0 0,0 0 0,0 0 0,0 0 16,0 0-16,0 0 0,0 0 0,0 0 16,0 0-16,0 0 0,0 0 0,0 0 0,0 0 0,0 0 15,0 0-15,0 0 0,0 0 0,0 0 0,0 0 16,0 0-16,0 0 0,0 0 0,0 0 0,-26 26 0,26-26 15,0 0-15,0 0 0,0 0 0,0 0 0,0 0 16,0 0-16,0 0 0,-26 26 0,26-26 0,0 0 16,0 0-16,0 0 15,-26-26 79,0 0-78,0 0-16,0 0 0,0 1 15,0-1-15,0 0 0,0 0 0,0 0 16,0 0-16,0 0 0,0 0 0,0 0 16,0 0-16,0 0 0,0 0 0,0 0 0,0 0 0,0 0 0,0 0 0,0 0 15,0 0-15,0 0 0,0 0 0,0 0 0,0 0 0,0 0 0,0 0 16,0 0-16,0 0 0,0 0 0,0 0 0,0 0 0,0 0 0,0 0 0,0 0 15,0 0-15,0 0 0,0 0 0,0 0 0,0 0 0,0 0 0,0 0 16,26 26-16,-26-26 0,0 0 0,0 0 0,0 0 0,0 0 0,0 0 0,0 0 0,0 0 0,26 26 16,-26-26-16,0 0 0,0 0 0,0 0 0,0 0 0,0 0 0,26 0 0,-26 0 15,0 0-15,0 0 0,0 0 0,0 0 0,0 0 0,0 0 0,0 0 0,0 0 16,0 0-16,0 0 0,0 0 0,0 0 0,0 0 0,0 0 0,0 0 0,26 0 0,-26 0 16,0 0-16,0 0 0,0 0 0,0 0 0,0 0 0,0 0 0,0 0 0,0 0 15,0 0-15,0 0 0,0 0 0,0 0 0,0 0 0,0 0 0,0 0 16,26 26-16,-26-26 0,0 0 0,0 0 0,0 0 0,0 0 0,26 26 0,-26-25 0,0-1 15,26 26-15,-26-26 0,0 0 0,0 0 0,0 0 0,26 26 0,-26-26 0,0 0 0,0 0 16,0 0-16,0 0 0,0 0 0,26 26 0,-26-26 0,0 0 0,0 0 0,0 0 0,26 26 0,-26-26 16,26 26-16,-26-26 0,0 0 0,0 0 0,0 0 0,26 26 0,-26-26 0,0 0 0,0 0 15,0 0-15,26 26 0,-26-26 0,0 0 0,0 0 0,0 0 0,26 26 0,-26-26 0,0 0 16,0 0-16,26 26 0,-26-26 0,0 0 0,0-26 0,26 52 0,-26-26 16,0 0-16,0 0 0,0 0 0,0 0 0,26 26 0,-26-26 0,0 0 15,0 0-15,0 0 0,0 0 0,0 0 16,26 26-16,-26-26 0,0 0 0,0 0 0,0 0 15,-26 26 95,0 0-79,0 0-31,0 0 16,0 0-16,0 0 15,0 0-15,0 0 0,0 0 0,0 0 16,0 0-16,0 0 0,0 0 0,0 0 0,0 0 16,0 0-16,0 0 0,0 0 0,0 0 0,0 0 0,0 0 0,0 0 15,0 0-15,0 0 0,0 0 0,0 0 0,0 0 0,0 0 0,0 0 0,0 0 0,0 0 16,0 0-16,0 0 0,0 0 0,0 0 0,0 0 0,0 0 0,0 0 0,0 0 0,0 0 0,0 0 15,0 0-15,0 0 0,0-26 0,0 26 0,0 0 0,0-26 0,0 26 0,0 0 0,0 0 0,-26 0 0,26 0 16,0 0-16,0 0 0,0-26 0,0 26 0,0 0 0,0 0 0,-26 0 0,26-26 0,0 26 0,-26 0 0,52-26 0,-26 26 0,0 0 16,0 0-16,0 0 0,0 0 0,0 0 0,-26 0 0,52-26 0,-26 26 0,0 0 0,0 0 0,0 0 0,0 0 0,0 0 0,0 0 0,0-26 0,0 26 15,1 0-15,-1 0 0,0-26 0,0 26 0,0 0 0,0 0 0,0 0 0,0 0 0,0 0 0,0-26 0,0 26 0,0 0 16,0 0-16,0 0 0,0 0 0,0 0 0,0 0 0,0 0 0,-26 0 0,26-26 0,0 26 0,0 0 16,0 0-16,0 0 0,0 0 0,0 0 0,0 0 0,0 0 0,-26 0 0,26 0 0,0 0 0,0 0 15,0 0-15,0 0 0,0 0 0,0 0 0,0 0 0,0 0 0,0 0 0,0 0 0,0 0 0,0 0 0,0 0 16,0 0-16,0 0 0,0 0 0,0 0 0,0 0 0,0 0 0,0 0 0,0 0 0,0 0 0,0 0 0,0 0 15,0 0-15,0 0 0,0 0 0,0 0 0,0 0 0,0 0 0,0 0 0,0 0 0,0 0 0,0 0 0,0 0 16,0 0-16,0 0 0,0 0 0,0 0 0,0 0 0,0 0 0,0 0 0,0 0 0,0 0 0,0 0 0,0 0 0,26-26 0,-52 26 16,26 0-16,0 0 0,0 0 0,0 0 0,0 0 0,0 0 0,0 0 0,0 0 0,0 0 0,0 0 15,0-26-15,0 26 0,0 0 0,0 0 0,0 0 0,0 0 0,0 0 0,0 0 16,0 0-16,0 0 0,0 0 0,0 0 0,0 0 0,0 0 0,0 0 16,0 0-16,0 0 0,0 0 0,0 0 0,0 0 15,0 0-15,0 0 0,0 0 0,0 0 16,0 0-16,1 0 0,-1 0 0,0 0 0,0 0 0,0 0 15,0 0-15,0 0 0,0 0 0,0 0 0,26 26 16,-26-26-16,0 0 0,0 0 0,0 0 0,0 0 0,0 0 0,0 0 16,0 0-16,0 0 0,0 0 0,26 26 0,-26-26 0,0 0 0,0 0 0,0 0 15,0 0-15,0 0 0,0 0 0,0 0 0,0 0 0,0 0 0,0 0 16,26 26-16,-26-26 0,0 0 0,-26 0 0,26 0 0,0 0 0,0 0 0,0 0 0,0 26 16,0-26-16,0 0 0,0 0 0,0 0 0,0 0 0,26 26 0,-26-26 0,0 0 0,0 0 15,0 0-15,0 0 0,0 0 0,0 0 0,0 0 0,0 0 0,0 0 0,0 0 16,0 0-16,0 0 0,0 0 0,26 26 0,-26-26 0,0 0 0,0 0 0,0 0 0,0 0 15,0 0-15,0 0 0,0 0 0,0 0 0,0 0 0,0 0 0,0 0 0,0 0 16,0 0-16,0 0 0,0 0 0,26 26 0,-26-26 0,0 0 0,0 0 0,0 0 0,0 0 0,0 0 16,0 0-16,0 0 0,0 0 0,0 0 0,0 0 0,0 0 0,0 0 15,0 0-15,0 0 0,0 0 0,0 0 0,0 0 0,0 0 0,0 0 0,0 0 16,0 0-16,0 0 0,0 0 0,0 0 0,0 0 0,0 0 0,0 0 0,0 0 0,0 0 16,0 0-16,0 0 0,0 0 0,0 0 0,0 0 0,0 0 15,0 0-15,0 0 0,0 0 0,0 0 0,0 0 0,1 0 0,-1 0 0,0 0 0,0 0 16,0 0-16,0 0 0,0 0 0,0 0 0,0 0 0,0 0 0,0 0 15,0 0-15,0 0 0,0 0 0,0 0 0,0 0 0,0 0 0,0 0 16,0 0-16,0 0 0,0 0 0,0 0 0,0 0 0,0 0 0,0 0 0,0 0 16,0 0-16,0 0 0,0 0 0,0 0 0,0 0 0,0 0 0,0 0 0,0 0 0,0 0 15,0 0-15,0 0 0,0 0 0,0 0 0,0 0 0,0 0 0,0 0 0,0 0 16,0 0-16,0 0 0,0 0 0,0 0 0,0 0 0,0 0 0,0 0 0,0 0 0,0 0 16,0 0-16,0 0 0,0 0 0,0 0 0,0 0 0,0 0 0,0 0 0,0 0 0,0 0 15,0 0-15,0 0 0,0 0 0,0 0 0,0 0 0,0 0 0,0 0 0,0 0 16,0 0-16,0 0 0,0 0 0,0 0 0,0 0 0,0 0 15,0 0-15,0 0 0,0 0 0,0 0 0,0 0 0,0 0 0,0 0 16,0 0-16,0 0 0,0 0 0,0 0 0,0 0 16,0 0-16,0 0 0,0 0 0,0 0 0,0 0 15,0 0-15,0 0 0,0 0 0,0 0 0,0 0 0,0 0 16,0 0-16,0 0 0,0 0 0,0 0 0,0 0 16,0 0-16,0 0 0,0 0 0,0 0 0,0 0 15,0 0-15,0 0 0,0 0 0,0 0 0,0 0 0,0 0 16,0 0-16,1 0 0,-1 0 0,0 0 0,0 0 0,0 0 0,0 0 15,0 0-15,0 0 0,0 0 0,0 0 0,0 0 0,0 0 16,0 0-16,0 0 0,0 0 0,0 0 0,0 0 0,0 0 0,0 0 0,0 0 16,0 0-16,0-26 0,0 26 0,0 0 0,0 0 0,0 0 15,0 0-15,0 0 0,0 0 0,0 0 0,0 0 0,0 0 16,0 0-16,0 0 0,0 0 0,0-26 0,0 26 0,0 0 16,0 0-16,0 0 0,0 0 0,0 0 0,0 0 15,0 0-15,0 0 0,0 0 0,0 0 16,0 0-16,0 0 0,0 0 0,0 0 0,0 0 15,0 0-15,0 0 0,0 0 0,0 0 16,0 0-16,0 0 0,0 0 0,0 0 0,0 0 16,0 0-16,0 0 0,0 0 0,0 0 0,0 0 15,0 0-15,0 0 0,0 0 0,0 0 0,0 0 16,0 0-16,0 0 0,0 0 0,0 0 0,0 0 0,0 0 16,0 0-16,0 0 0,0 0 0,0 0 0,0 0 15,0 0-15,0 0 0,0 0 0,0 0 0,0 0 16,0 0-16,0 0 0,0 0 0,0 0 0,0 0 0,0 0 15,0 0-15,0 0 0,0 0 0,0 0 0,0 0 0,0 0 16,0 0-16,0 0 0,0 0 0,0 0 16,0 0-16,0 0 0,0 0 0,0 0 0,0 0 15,0 0-15,0 0 0,0 0 0,0 0 0,0 0 16,0 0-16,0 0 0,1 0 0,-1 0 0,0 0 16,0 0-16,0 0 0,0 0 0,0 0 15,0 0-15,0 0 0,0 0 0,0 0 0,0 0 16,0 0-16,0 0 0,0 0 0,0 0 0,0 0 0,0 0 15,0 0-15,0 0 0,0 0 0,0 0 0,0 0 16,0 0-16,0 0 0,0 0 0,0 0 16,0 0-16,0 0 0,0 0 0,26 26 15,-26-26-15,0 0 0,0 0 0,0 0 0,0 0 16,0 0-16,0 0 16,0 0-16,0 0 0,0 0 15,0 0-15,0 0 0,0 0 0,0 0 16,0 0-16,0 0 0,0 0 15,0 0-15,0 0 0,0 0 0,0 0 16,0 0-16,0 0 0,0 0 0,0 0 0,0 0 16,0 0-16,0 0 0,0 0 0,0 0 0,0 0 15,0 0-15,0 0 0,0 0 0,0 0 0,0 0 0,0 0 16,26 26-16,-26-26 0,0 0 0,0 0 0,0 0 0,0 0 0,0 0 16,0 0-16,0 0 0,0 0 0,0 0 0,0 0 0,0 0 15,0 0-15,0 0 0,0 0 0,0 0 0,0 0 0,0 0 16,0 0-16,26 26 0,-26-26 0,0 0 0,0 0 0,0 0 15,0 0-15,0 0 0,0 0 0,0 0 16,0 0-16,0 0 0,0 0 16,26 26-16,-26-26 0,0 0 15,0 0 1,0 0 31</inkml:trace>
+</inkml:ink>
 </file>
 
 <file path=ppt/notesMasters/notesMaster1.xml><?xml version="1.0" encoding="utf-8"?>
@@ -5696,6 +5784,57 @@
           </a:p>
         </p:txBody>
       </p:sp>
+      <mc:AlternateContent xmlns:mc="http://schemas.openxmlformats.org/markup-compatibility/2006">
+        <mc:Choice xmlns:p14="http://schemas.microsoft.com/office/powerpoint/2010/main" Requires="p14">
+          <p:contentPart p14:bwMode="auto" r:id="rId2">
+            <p14:nvContentPartPr>
+              <p14:cNvPr id="4" name="Ink 3">
+                <a:extLst>
+                  <a:ext uri="{FF2B5EF4-FFF2-40B4-BE49-F238E27FC236}">
+                    <a16:creationId xmlns:a16="http://schemas.microsoft.com/office/drawing/2014/main" id="{7C2AA3E2-810B-C1B5-4D26-C439DBEF1CF6}"/>
+                  </a:ext>
+                </a:extLst>
+              </p14:cNvPr>
+              <p14:cNvContentPartPr/>
+              <p14:nvPr/>
+            </p14:nvContentPartPr>
+            <p14:xfrm>
+              <a:off x="7206840" y="533520"/>
+              <a:ext cx="3127680" cy="1510560"/>
+            </p14:xfrm>
+          </p:contentPart>
+        </mc:Choice>
+        <mc:Fallback>
+          <p:pic>
+            <p:nvPicPr>
+              <p:cNvPr id="4" name="Ink 3">
+                <a:extLst>
+                  <a:ext uri="{FF2B5EF4-FFF2-40B4-BE49-F238E27FC236}">
+                    <a16:creationId xmlns:a16="http://schemas.microsoft.com/office/drawing/2014/main" id="{7C2AA3E2-810B-C1B5-4D26-C439DBEF1CF6}"/>
+                  </a:ext>
+                </a:extLst>
+              </p:cNvPr>
+              <p:cNvPicPr/>
+              <p:nvPr/>
+            </p:nvPicPr>
+            <p:blipFill>
+              <a:blip r:embed="rId3"/>
+              <a:stretch>
+                <a:fillRect/>
+              </a:stretch>
+            </p:blipFill>
+            <p:spPr>
+              <a:xfrm>
+                <a:off x="7197480" y="524160"/>
+                <a:ext cx="3146400" cy="1529280"/>
+              </a:xfrm>
+              <a:prstGeom prst="rect">
+                <a:avLst/>
+              </a:prstGeom>
+            </p:spPr>
+          </p:pic>
+        </mc:Fallback>
+      </mc:AlternateContent>
     </p:spTree>
     <p:extLst>
       <p:ext uri="{BB962C8B-B14F-4D97-AF65-F5344CB8AC3E}">
@@ -6952,6 +7091,57 @@
           </a:p>
         </p:txBody>
       </p:sp>
+      <mc:AlternateContent xmlns:mc="http://schemas.openxmlformats.org/markup-compatibility/2006">
+        <mc:Choice xmlns:p14="http://schemas.microsoft.com/office/powerpoint/2010/main" Requires="p14">
+          <p:contentPart p14:bwMode="auto" r:id="rId3">
+            <p14:nvContentPartPr>
+              <p14:cNvPr id="3" name="Ink 2">
+                <a:extLst>
+                  <a:ext uri="{FF2B5EF4-FFF2-40B4-BE49-F238E27FC236}">
+                    <a16:creationId xmlns:a16="http://schemas.microsoft.com/office/drawing/2014/main" id="{48A84676-7BE7-16EF-CD79-6A7FFAC96C08}"/>
+                  </a:ext>
+                </a:extLst>
+              </p14:cNvPr>
+              <p14:cNvContentPartPr/>
+              <p14:nvPr/>
+            </p14:nvContentPartPr>
+            <p14:xfrm>
+              <a:off x="2657520" y="1871280"/>
+              <a:ext cx="6363000" cy="1534680"/>
+            </p14:xfrm>
+          </p:contentPart>
+        </mc:Choice>
+        <mc:Fallback>
+          <p:pic>
+            <p:nvPicPr>
+              <p:cNvPr id="3" name="Ink 2">
+                <a:extLst>
+                  <a:ext uri="{FF2B5EF4-FFF2-40B4-BE49-F238E27FC236}">
+                    <a16:creationId xmlns:a16="http://schemas.microsoft.com/office/drawing/2014/main" id="{48A84676-7BE7-16EF-CD79-6A7FFAC96C08}"/>
+                  </a:ext>
+                </a:extLst>
+              </p:cNvPr>
+              <p:cNvPicPr/>
+              <p:nvPr/>
+            </p:nvPicPr>
+            <p:blipFill>
+              <a:blip r:embed="rId4"/>
+              <a:stretch>
+                <a:fillRect/>
+              </a:stretch>
+            </p:blipFill>
+            <p:spPr>
+              <a:xfrm>
+                <a:off x="2648160" y="1861920"/>
+                <a:ext cx="6381720" cy="1553400"/>
+              </a:xfrm>
+              <a:prstGeom prst="rect">
+                <a:avLst/>
+              </a:prstGeom>
+            </p:spPr>
+          </p:pic>
+        </mc:Fallback>
+      </mc:AlternateContent>
     </p:spTree>
     <p:extLst>
       <p:ext uri="{BB962C8B-B14F-4D97-AF65-F5344CB8AC3E}">
@@ -7283,16 +7473,12 @@
           </a:p>
           <a:p>
             <a:r>
+              <a:rPr lang="ru-RU"/>
+              <a:t>Приёмы объектно-ориентированного </a:t>
+            </a:r>
+            <a:r>
               <a:rPr lang="ru-RU" dirty="0"/>
-              <a:t>Приёмы </a:t>
-            </a:r>
-            <a:r>
-              <a:rPr lang="ru-RU" dirty="0" err="1"/>
-              <a:t>обектно</a:t>
-            </a:r>
-            <a:r>
-              <a:rPr lang="ru-RU" dirty="0"/>
-              <a:t>-ориентированного проектирования. Паттерны проектирования</a:t>
+              <a:t>проектирования. Паттерны проектирования</a:t>
             </a:r>
           </a:p>
         </p:txBody>

--- a/lectures/19.bridge/bridge.pptx
+++ b/lectures/19.bridge/bridge.pptx
@@ -5,35 +5,37 @@
     <p:sldMasterId id="2147483684" r:id="rId1"/>
   </p:sldMasterIdLst>
   <p:notesMasterIdLst>
-    <p:notesMasterId r:id="rId23"/>
+    <p:notesMasterId r:id="rId25"/>
   </p:notesMasterIdLst>
   <p:sldIdLst>
     <p:sldId id="320" r:id="rId2"/>
-    <p:sldId id="284" r:id="rId3"/>
-    <p:sldId id="285" r:id="rId4"/>
-    <p:sldId id="286" r:id="rId5"/>
-    <p:sldId id="287" r:id="rId6"/>
-    <p:sldId id="283" r:id="rId7"/>
-    <p:sldId id="292" r:id="rId8"/>
-    <p:sldId id="293" r:id="rId9"/>
-    <p:sldId id="294" r:id="rId10"/>
-    <p:sldId id="288" r:id="rId11"/>
-    <p:sldId id="289" r:id="rId12"/>
-    <p:sldId id="290" r:id="rId13"/>
-    <p:sldId id="291" r:id="rId14"/>
-    <p:sldId id="321" r:id="rId15"/>
-    <p:sldId id="295" r:id="rId16"/>
-    <p:sldId id="296" r:id="rId17"/>
-    <p:sldId id="297" r:id="rId18"/>
-    <p:sldId id="298" r:id="rId19"/>
-    <p:sldId id="299" r:id="rId20"/>
-    <p:sldId id="301" r:id="rId21"/>
-    <p:sldId id="300" r:id="rId22"/>
+    <p:sldId id="322" r:id="rId3"/>
+    <p:sldId id="323" r:id="rId4"/>
+    <p:sldId id="284" r:id="rId5"/>
+    <p:sldId id="285" r:id="rId6"/>
+    <p:sldId id="286" r:id="rId7"/>
+    <p:sldId id="287" r:id="rId8"/>
+    <p:sldId id="283" r:id="rId9"/>
+    <p:sldId id="292" r:id="rId10"/>
+    <p:sldId id="293" r:id="rId11"/>
+    <p:sldId id="294" r:id="rId12"/>
+    <p:sldId id="288" r:id="rId13"/>
+    <p:sldId id="289" r:id="rId14"/>
+    <p:sldId id="290" r:id="rId15"/>
+    <p:sldId id="291" r:id="rId16"/>
+    <p:sldId id="321" r:id="rId17"/>
+    <p:sldId id="295" r:id="rId18"/>
+    <p:sldId id="296" r:id="rId19"/>
+    <p:sldId id="297" r:id="rId20"/>
+    <p:sldId id="298" r:id="rId21"/>
+    <p:sldId id="299" r:id="rId22"/>
+    <p:sldId id="301" r:id="rId23"/>
+    <p:sldId id="300" r:id="rId24"/>
   </p:sldIdLst>
   <p:sldSz cx="12192000" cy="6858000"/>
   <p:notesSz cx="6858000" cy="9144000"/>
   <p:custDataLst>
-    <p:tags r:id="rId24"/>
+    <p:tags r:id="rId26"/>
   </p:custDataLst>
   <p:defaultTextStyle>
     <a:defPPr>
@@ -177,11 +179,11 @@
   </inkml:definitions>
   <inkml:trace contextRef="#ctx0" brushRef="#br0">20044 2011 1112 0,'0'0'864'0,"0"0"-424"0,0 0 8 0,-13-19 256 0,13 19 208 0,0 0-31 0,0-5-241 0,-12 5-224 16,12 0-192-16,0-5-88 31,0 5-16-31,0 0-56 0,0 0-16 16,0 0 8-16,0 0 24 15,0 0 24-15,0 0 64 0,0 0 48 16,0 0 40-16,0 0-40 16,0 0 56-16,0 0 0 31,0 5 104-31,0 10-168 0,0 12-15 16,0 16 95-16,12 7-64 15,1 11-8-15,-13 15-48 0,9-1-40 16,-9 4 8-16,12 0 0 15,-12-3-64-15,12-11-16 32,-12-4-48-32,12-14 0 0,-12-5-8 0,0-5-8 15,12-9-352-15,-12-10-368 16,0-8-601-16,13-5-1039 0,-13-5-2305 16</inkml:trace>
   <inkml:trace contextRef="#ctx0" brushRef="#br0" timeOffset="1365.82">20019 1763 2832 0,'0'0'1208'0,"0"0"-616"0,0 0-343 0,0 0 87 0,0 0 304 15,0 0-144-15,0 0-120 0,0 0 144 16,25 4 40 0,-4 6-168-16,15 0-32 15,-2-6 0 1,15 1 16-16,-4-1-71 0,13-4-73 15,-9 0-16-15,21 0-64 0,-12 0-8 16,12 0-64-16,3 0-32 0,-3 0 16 16,0 0 8-16,12 0-64 31,1 0 0-31,-1 0-8 16,12 0 0-16,-2 0 0 0,2-9-8 15,13 5 0-15,-13-11 8 16,1 10-24-16,-13-4-24 0,9-1 40 15,-18 6-72-15,-3-1-16 32,0 0-32-32,0 1 0 0,-12 0-24 15,-9-2-8-15,-15 2 8 16,2 4 16-16,-24 0 40 0,10 0 15 16,-22 0 1-16,12 0 72 15,0 0 0-15,0 0 8 31,0 0-8-31,13 4 8 0,-4 6-8 16,3-6 0-16,1 1 0 16,-4 0 0-16,3-1-64 15,1-4 24-15,-4 0-32 0,4 5-24 0,11-5 48 16,-15 5 40 0,16 0-72-1,0-1-56-15,-4-4 48 0,4 0-16 0,-16 0-96 16,3 5 88-1,1-5 40-15,-13 0 72 0,-12 0 0 16,0 5 8-16,0-5 80 0,0 0 0 31,0 0 0-31,0 4-16 16,0-4-64-16,0 6 0 0,12-2 0 16,-3 5 0-16,3-4-16 15,13 4-32-15,-1 0 48 0,-12 1 0 16,-3 4 0-16,16 4 8 31,-13 5 0-31,0 10 56 0,0 0 0 16,0 5-16-16,-12 4 24 15,10 5-8-15,-10-1 8 16,12 2 48-16,0 3-16 0,-12-4 64 16,12 4-40-16,0 1-32 31,1-1-88-31,-1 0 48 0,-12 5-48 15,9-3 8-15,3-7-8 0,0-8-8 16,0-6 8-16,-12 1-8 16,13-10 16-16,-13 1-8 0,0-16 49 15,0 3-1 1,0-2 272 0,-13-5-32-16,1 1-88 0,-21 4-120 15,8-4-72-15,-23-1-16 16,-10 2 64-16,-12-2 0 15,0 0 24-15,-49 1 16 0,-21 4 184 16,-37 1-136 0,0 4-40-1,4 5 120-15,8-5 120 0,10 0-144 0,3 5 56 16,-13 4-16-16,1 1 8 16,11-1-96-16,1-4-144 15,36-5 240-15,34-5 8 0,12-5-64 31,9 1-112-31,3-5-88 0,0 0-176 16,-3 0-232-16,28 0-528 16,-4 0-632-16,37-32-497 15,13 4-1823-15,11-1-864 0</inkml:trace>
-  <inkml:trace contextRef="#ctx0" brushRef="#br0" timeOffset="2185.26">20689 2095 5441 0,'0'0'760'0,"0"0"-536"0,0 0-96 16,0 0 336-16,0 0 328 15,0 0 32-15,-48-4-376 0,35 27-328 16,13 14-112-16,-12 14 48 31,3 15-40-31,-3 0-8 0,-13 8 0 0,1-4 0 16,12-8 0-16,-9-7 0 16,8-8-8-16,1-14-40 15,12-10-120-15,-12-14-152 16,12-9-16-16,0 0-88 15,0 0-136 1,0-18 56-16,12-20 320 0,-12-9 176 0,12-8 0 16,1-16 8-16,-1 1 0 15,-3 0 0-15,3 0-8 16,12 14 0-16,-11 9-72 0,11 15 24 31,-24 13-56-31,9 9 104 16,3 10 0-16,1 0 48 0,11 23 248 15,0 11 328-15,-2 7-128 16,14 6-320-16,-11 5-72 0,8-1-32 16,4 5-72-16,-16-4 16 31,3-10-8-31,1 5-8 16,-13-9 0-16,-3-2-152 0,-9-3-192 15,0 0-336-15,0-10-512 16,-9 6-240-16,-16-11-185 0,13-9-983 0</inkml:trace>
+  <inkml:trace contextRef="#ctx0" brushRef="#br0" timeOffset="2185.25">20689 2095 5441 0,'0'0'760'0,"0"0"-536"0,0 0-96 16,0 0 336-16,0 0 328 15,0 0 32-15,-48-4-376 0,35 27-328 16,13 14-112-16,-12 14 48 31,3 15-40-31,-3 0-8 0,-13 8 0 0,1-4 0 16,12-8 0-16,-9-7 0 16,8-8-8-16,1-14-40 15,12-10-120-15,-12-14-152 16,12-9-16-16,0 0-88 15,0 0-136 1,0-18 56-16,12-20 320 0,-12-9 176 0,12-8 0 16,1-16 8-16,-1 1 0 15,-3 0 0-15,3 0-8 16,12 14 0-16,-11 9-72 0,11 15 24 31,-24 13-56-31,9 9 104 16,3 10 0-16,1 0 48 0,11 23 248 15,0 11 328-15,-2 7-128 16,14 6-320-16,-11 5-72 0,8-1-32 16,4 5-72-16,-16-4 16 31,3-10-8-31,1 5-8 16,-13-9 0-16,-3-2-152 0,-9-3-192 15,0 0-336-15,0-10-512 16,-9 6-240-16,-16-11-185 0,13-9-983 0</inkml:trace>
   <inkml:trace contextRef="#ctx0" brushRef="#br0" timeOffset="2419.83">20583 2510 3568 0,'0'0'1729'0,"0"0"-1129"0,0 0-432 0,0 0 200 0,0 0 264 0,0 0-176 15,0 0-272-15,24 39-128 0,-15-35-56 32,40-4-328-32,-25 0-1048 15,22 0-1049-15</inkml:trace>
   <inkml:trace contextRef="#ctx0" brushRef="#br0" timeOffset="2981.12">21216 2441 5113 0,'0'0'2152'31,"0"0"-1600"-31,0 0-552 16,0 0-312-16,0 0 280 0,0 0 32 0,0 0 80 15,0 0-24-15,58-75-40 16,-34 47-8-16,1-1-8 0,-13 3 0 16,-3-8 0-1,3-3-280 1,1 0-232-16,-1-2-8 15,-12-2-88-15,0 8 200 0,0 0 408 0,0 10 16 16,-12 9 280 0,-13 0 248-16,16 9-104 0,-28 5 24 0,13 0-64 31,-9 23-272-31,-4 6-24 16,13 8 208-16,2 10 80 0,-2 9-112 15,12 1-48-15,12 8-24 16,0 0-88-16,0 0-40 0,24-4-23 15,1 1-1-15,8-11 24 32,16-9-80-32,-16-10-72 15,16-8-65-15,-15-10-143 0,2-5 48 16,-2-4 24-16,-10-5 24 16,0 0-80-16,-2-14-24 0,-10-5 200 15,-12 0 72-15,0-4-128 31,0-1 80-31,-12 6 64 16,-10-1 192-16,-2 1-40 0,-13 8-96 0,16 6 16 16,-3 4-72-1,-22 8-392-15,22 16-544 0,11-1-2081 0</inkml:trace>
   <inkml:trace contextRef="#ctx0" brushRef="#br0" timeOffset="3446.88">22002 2249 1688 0,'0'0'4257'0,"0"0"-3553"0,0 0-512 0,0 0-72 31,0 0 408-31,0 0 144 16,0 0-488-16,-103 10-168 0,78 4-8 15,13 3-8-15,-12-1-8 16,24 2 8-16,-13-4-48 0,13 4 32 16,0 2 0-16,0 3 8 31,0-5-48-31,25 6-40 15,-1-5-40-15,10-1-248 0,2-4-64 0,1 1 40 16,8-1 88-16,1-5 8 16,-9 1 32-16,-1-6 72 0,-2 9 40 15,-10-7-40 1,-12 2 64 0,-12 12 144-16,0-7 488 15,-12 6 384-15,-24 5-288 0,2 4 0 16,-15 0 0-16,4-6-152 0,-13 3-432 15,21-11-488-15,1-5-1912 16</inkml:trace>
-  <inkml:trace contextRef="#ctx0" brushRef="#br0" timeOffset="7286.47">26419 1618 1216 0,'0'0'2752'0,"0"0"-1591"0,0 0-617 0,0 0-88 16,0 0 216-16,0 0 48 15,0 0-224 1,0 0-48-16,0 0 8 0,0 0 49 16,0 0-41-16,0 5-104 15,-12 4-136-15,12 9-40 0,0 5 32 16,0 15 8-16,0 4-48 16,0 15-120-1,0-6-48 1,0 9 0-16,0 6 0 0,0 0 0 0,12-5-8 31,-12 4 8-31,0-9 0 0,0 5 0 0,0-9-8 0,0-5 0 16,0-1 0-16,-12-9-104 31,12 1-176-31,-13-10-160 16,13-4-152-16,0-11-241 0,0-3-487 15,0-10-1344 1</inkml:trace>
+  <inkml:trace contextRef="#ctx0" brushRef="#br0" timeOffset="7286.46">26419 1618 1216 0,'0'0'2752'0,"0"0"-1591"0,0 0-617 0,0 0-88 16,0 0 216-16,0 0 48 15,0 0-224 1,0 0-48-16,0 0 8 0,0 0 49 16,0 0-41-16,0 5-104 15,-12 4-136-15,12 9-40 0,0 5 32 16,0 15 8-16,0 4-48 16,0 15-120-1,0-6-48 1,0 9 0-16,0 6 0 0,0 0 0 0,12-5-8 31,-12 4 8-31,0-9 0 0,0 5 0 0,0-9-8 0,0-5 0 16,0-1 0-16,-12-9-104 31,12 1-176-31,-13-10-160 16,13-4-152-16,0-11-241 0,0-3-487 15,0-10-1344 1</inkml:trace>
   <inkml:trace contextRef="#ctx0" brushRef="#br0" timeOffset="8527.82">26452 1486 1384 0,'0'0'1592'0,"0"0"-1096"0,0 0-368 0,0 0-112 15,0 0 88-15,0 0 296 16,0 0 32-16,12-4-39 0,-12 4-17 16,0 0-40-16,0 0-56 15,0 0-88-15,0 0 8 0,0 0-48 16,0 0-64-16,0 0 136 31,13 4 432-31,11 11-216 16,-3-6-200-16,28 5-16 0,-3-5 8 15,15 5 16-15,9-4-72 16,12-1-16-16,0 1-16 0,0-7-39 16,10-3-25-16,-10 0-72 31,0 0 8-31,0 0-8 0,-8 0-8 15,-4 0 0-15,0 0 8 0,0 0-8 16,0 0 0 0,-12 0 0-16,3 0 0 0,9 0-8 0,-12 0 0 15,12 6-8 1,0-6-40 0,0 0-32-16,3 0-9 0,-3 0-111 15,-12 0 48-15,0 0 8 16,-22 0 80-16,10 0 64 15,-22 0-96-15,1 0 32 0,-16 0 64 0,3 0-8 32,-12 0 8-32,0-6-40 15,0 6 48-15,0 0 0 0,0 0 8 16,0-3 8-16,12 3-16 16,-12 0 0-16,0 0 0 0,0 0-16 15,0 0 8-15,0 0-48 16,0 0 56-16,0 0 312 0,0 0-24 31,0 0-80-31,0 9-208 16,0 10-8-16,0 3 8 15,0 12 0-15,0 7 8 0,0 6 0 16,0 5 40-16,0 9-40 16,0-1 48-16,0 1-56 0,12 1 8 31,0-2 0-31,1 1-8 15,8 0 0-15,-9-4 0 16,13-6-64-16,-13 0 64 0,0-9 0 0,0-9-56 16,-12 4-8-16,9-13-16 15,-9-1 8-15,0-4-24 16,0-1 96 0,0-8-8-16,0 3 8 15,0-3 0-15,0-1 0 0,0-3 8 16,0-2-8-16,0-4-8 0,0 4 8 15,-9-4 80-15,-3 5 32 16,0-5-96 0,-13 0-16-16,1 0 0 15,-10 0 48-15,-14 0 48 16,2-9-16-16,-12 5-7 16,-12-7 143-16,-12 3 40 0,0-7 32 31,-37 7-64-31,-21-2 112 0,-25 4-120 15,-11 6 120-15,23 0 224 16,13 20-80-16,-3-7-216 16,39 1 24-16,10 1-120 0,24-6-40 15,12-4 8-15,9-1-136 32,4 1-312-32,8-5-696 0,4 0-512 15,33-5-233-15,0-9-1287 0</inkml:trace>
   <inkml:trace contextRef="#ctx0" brushRef="#br0" timeOffset="9990.01">23026 2446 1328 0,'0'0'2288'0,"0"0"-1127"0,0 0-265 0,0 0 16 0,-13 0 112 0,13 0-256 0,0 0-352 15,0 0-104-15,0 0-96 16,0 0-39-16,0 0-73 0,0-9-96 16,13-6 64-1,8-12-48 1,3-2 32-16,13-3-40 16,-16 4-8-16,16-5 0 0,-4 5 0 15,-8 5 8-15,-1 3-16 0,0 1-16 16,-2 1-40-16,2 14 40 31,-24-6-96-31,12 10-153 16,0 0-175-16,-12 0-280 0,0 0-960 15,12 10-617-15,-12-2-551 0</inkml:trace>
   <inkml:trace contextRef="#ctx0" brushRef="#br0" timeOffset="10379.65">23001 2502 616 0,'0'0'4465'0,"0"0"-3273"0,0 0-824 15,0 0-264-15,0 0 24 16,0 0 184-16,0 0-24 0,0 0-128 16,0 0 80-16,12 5 112 15,13 4 96-15,-4 1 112 0,3 4-143 31,10 3-265-15,2-3-72-16,-11 6-16 0,8 3-64 16,4-4 0-16,-13-1-64 0,-2-4-192 15,2-4-233-15,0-1-311 16,-12-9-784-16,-2 0-2609 0</inkml:trace>
@@ -201,39 +203,10 @@
   <inkml:trace contextRef="#ctx0" brushRef="#br0" timeOffset="32390.8">27369 3199 1120 0,'0'0'1952'0,"0"0"-1016"0,0 0-95 0,0 0 511 0,0 0-368 16,0 0-544-1,0 0-200-15,-12 0-64 16,12 0-48-16,0 0 248 0,0 4 80 15,-12 1-39-15,12 9-97 16,-13 4-88 0,4 2-88-16,-3 7-80 0,-12-3-16 15,12 5-48-15,-13-2-312 16,4 11-473-16,-3-6-847 16,11 2-1673-16</inkml:trace>
   <inkml:trace contextRef="#ctx0" brushRef="#br0" timeOffset="32749.19">26946 3775 4384 0,'0'0'2553'0,"0"0"-1865"15,0 0-472-15,0 0 256 0,0 0-64 0,-25 27-296 16,25-8-96-1,-9-4-16-15,-3 8-16 0,0 0-96 16,0-4-144-16,-1 9-320 16,1 10-384-1,-9-6-752 1,9-9-1025-16</inkml:trace>
   <inkml:trace contextRef="#ctx0" brushRef="#br0" timeOffset="33074.08">26629 4256 3752 0,'0'0'2609'15,"0"0"-1785"1,0 0-488 0,0 0 168-16,0 0-144 0,0 0-256 15,-82 135-88-15,57-97-16 16,4 23-280-1,9-10-456-15,-13-9-1216 0</inkml:trace>
-  <inkml:trace contextRef="#ctx0" brushRef="#br0" timeOffset="43623.79">24469 4410 56 0,'0'0'1608'0,"0"0"-1040"0,0 0-296 0,0 0 112 15,0 15 120-15,0-1-96 0,0 4-32 16,-12 11-72-16,12 3-39 16,0 6 15-16,-12 8-8 15,0 5 160 1,0 10-72-16,2-1-144 0,-14 2-112 15,12-1 0-15,-25 0-96 16,28-5 0-16,-15-1-8 0,12-11-8 16,-1 2-312-16,1 1-376 15,0-14-385 1,12-1-871-16</inkml:trace>
+  <inkml:trace contextRef="#ctx0" brushRef="#br0" timeOffset="43623.78">24469 4410 56 0,'0'0'1608'0,"0"0"-1040"0,0 0-296 0,0 0 112 15,0 15 120-15,0-1-96 0,0 4-32 16,-12 11-72-16,12 3-39 16,0 6 15-16,-12 8-8 15,0 5 160 1,0 10-72-16,2-1-144 0,-14 2-112 15,12-1 0-15,-25 0-96 16,28-5 0-16,-15-1-8 0,12-11-8 16,-1 2-312-16,1 1-376 15,0-14-385 1,12-1-871-16</inkml:trace>
   <inkml:trace contextRef="#ctx0" brushRef="#br0" timeOffset="44988.02">24433 4466 360 0,'0'0'712'0,"0"0"40"0,0 0-72 0,0 0-40 16,0 0-192-16,0 0-192 15,0 0-40-15,0 0 40 0,12 0-40 16,0 0-55-16,0 0 71 16,0 0-48-16,1 0-56 0,8 0-48 15,3 0-64-15,1 0 40 31,-4 5 24-31,3-5 56 0,1 5 64 16,8-1-96-16,4 2-48 16,-4-6-48-16,4 0 0 0,-1 0 8 15,-2 0-8-15,15 0 0 16,-16 0-8-16,16 0 8 31,-3 0 8-31,-1 4-8 0,16-4-8 16,-3 0 0-16,12 5 8 15,-21-1-8-15,9-4 8 0,0 6 0 16,-13-2-8-16,4-4 0 16,-3 0 0-16,2 0-8 31,-2 0 8-31,3 0-88 0,-3 0 88 0,-10-4-8 16,10-2 0-16,-10 2-72 15,10-1 64-15,-9 1-88 0,-4-2 16 16,4 6 80-16,-16-4-56 0,16 4 0 31,-13 0 56-31,-3 0 0 16,16 0-88-16,-13 0-8 0,-3 0-112 15,4 0 88-15,-1 0-88 16,-2 0 47-16,2 0 65 0,-12-5 48 16,12 5 48-16,-2-5 0 31,2 5-40-31,-12 0 32 0,1 0-32 15,11 0 40-15,-3 0-64 16,4 0-8-16,-1 0 80 0,-3 0-16 16,16 0-488-16,-25 0 168 15,12 0 184-15,-14 0 48 32,14 0-8-32,-12 0-8 0,0 0 16 15,0 5 40-15,1-5 48 16,-4 0-96-16,3 5-96 0,0-5-304 15,0 4 368-15,0-4-64 16,13 6-200-16,-16-6 144 16,15 0 0-1,-11 0-96-15,-1 4 225 0</inkml:trace>
   <inkml:trace contextRef="#ctx0" brushRef="#br0" timeOffset="45192.7">26982 4499 80 0,'0'0'520'0,"0"0"-280"0,0 0-240 0,0 0-176 15,0 0-176-15,0 0 41 0</inkml:trace>
   <inkml:trace contextRef="#ctx0" brushRef="#br0" timeOffset="45697.38">26982 4499 760 0,'-61'-9'832'0,"61"9"-128"15,-9 0 176 1,9 0-24-16,0 0-167 15,-12 9-193-15,12 1-80 0,0 4 104 16,-12 4-24-16,12 0-136 16,-12 11-232-16,12 0-24 15,0 7 24-15,-13 2-80 0,13 0-48 32,-12-1 8-32,12 5 56 15,-9 1-16-15,9-1-32 0,-12 4 72 16,0-4 48-16,12 5-48 15,-12-6 0-15,-1-2-80 0,13-2 64 16,-12 0-72-16,12-3 16 31,-12-8-8-31,12-1 0 0,0-3-8 16,0 2 0-16,0-9-8 16,0-2-56-16,0-4-40 15,0 1 0-15,12-5-40 0,-12-1-184 16,12 1-344-16,1 0-824 31,-13-1-1081-31</inkml:trace>
-</inkml:ink>
-</file>
-
-<file path=ppt/ink/ink2.xml><?xml version="1.0" encoding="utf-8"?>
-<inkml:ink xmlns:inkml="http://www.w3.org/2003/InkML">
-  <inkml:definitions>
-    <inkml:context xml:id="ctx0">
-      <inkml:inkSource xml:id="inkSrc0">
-        <inkml:traceFormat>
-          <inkml:channel name="X" type="integer" max="3840" units="cm"/>
-          <inkml:channel name="Y" type="integer" max="1080" units="cm"/>
-          <inkml:channel name="T" type="integer" max="2.14748E9" units="dev"/>
-        </inkml:traceFormat>
-        <inkml:channelProperties>
-          <inkml:channelProperty channel="X" name="resolution" value="100.52356" units="1/cm"/>
-          <inkml:channelProperty channel="Y" name="resolution" value="50.23256" units="1/cm"/>
-          <inkml:channelProperty channel="T" name="resolution" value="1" units="1/dev"/>
-        </inkml:channelProperties>
-      </inkml:inkSource>
-      <inkml:timestamp xml:id="ts0" timeString="2024-12-13T17:32:20.352"/>
-    </inkml:context>
-    <inkml:brush xml:id="br0">
-      <inkml:brushProperty name="width" value="0.05292" units="cm"/>
-      <inkml:brushProperty name="height" value="0.05292" units="cm"/>
-      <inkml:brushProperty name="color" value="#FF0000"/>
-    </inkml:brush>
-  </inkml:definitions>
-  <inkml:trace contextRef="#ctx0" brushRef="#br0">7772 5224 0,'0'26'94,"0"0"-79,0 0 1,0 0-16,26 0 16,-26 0-16,0 0 15,0 0-15,0 0 16,0 0-16,0 0 15,26-26 1,-26 26-16,0 0 0,0 0 0,0 0 16,0 0-16,0 0 15,0 0-15,0 0 0,26-26 16,-26 26-16,0 0 16,0 0-16,0 0 15</inkml:trace>
-  <inkml:trace contextRef="#ctx0" brushRef="#br0" timeOffset="7812.32">7850 5458 0,'0'26'0,"0"0"16,0 0 0,0 0-1,0 0-15,0 0 16,0 0-16,0 0 16,0 0-16,0 0 0,0 0 15,0 0-15,0 0 0,0 0 16,0 0-16,0 0 0,0 0 0,0 0 15,0 0-15,0 0 0,0 0 0,0 0 16,0 0-16,0 0 0,0 0 0,0 0 0,0 0 16,0 0-16,0 0 0,0 0 0,0 0 15,0 0-15,0 0 0,0 0 16,-26-26-16,26 26 0,0 0 0,0 0 0,0 0 0,0 0 16,0 0-16,0 0 0,0 0 0,0 0 0,0 0 15,-26-26-15,26 26 0,0 0 0,0 0 0,0 0 16,0 0-16,0 0 0,0 0 0,0 0 15,-26-26-15,26 25 0,0 1 0,0 0 0,0 0 0,0 0 16,0 0-16,0 0 0,0 0 16,-26-26-16,26 26 0,0 0 0,0 0 0,-26-26 15,26 26-15,0 0 0,0 0 16,0 0-16,-26-26 0,26 26 0,0 0 16,0 0-16,0 0 0,0 0 15,-26-26-15,26 26 0,0 0 16,0 0-16,0 0 0,0 0 15,-26-26-15,26 26 0,0 0 0,0 0 16,-26-26-16,26 26 0,0 0 16,-26-26-16,26 26 0,0 0 0,0 0 0,0 0 15,0 0-15,-26-26 0,26 26 0,0 0 16,0 0-16,0 0 0,0 0 0,-26-26 0,26 26 16,0 0-16,0 0 0,0 0 0,-26-26 0,26 26 15,-26-26-15,26 26 0,0 0 0,0 0 0,0 0 16,0 0-16,-26-26 0,26 26 0,0 0 15,0 0-15,0 0 0,0 0 16,0 0-16,-26-26 0,26 26 0,0 0 0,0 0 16,0 0-16,0 0 0,0 0 0,0 0 15,0 0-15,0 0 0,0 0 16,0 0-16,0 0 0,0 0 0,0 0 16,0 0-16,0 0 0,0 0 0,0 0 15,0 0-15,0 0 0,0 0 0,-26-26 16,26 26-16,0 0 0,0 0 0,0 0 0,0 0 15,-26-26-15,26 26 0,0 0 16,0 0-16,0 0 0,0 0 16,0 0-16,0 0 0,0 0 15,0 0 1,26-26 93,0 0-109,0 0 16,-26-26-16,26 26 0,0 0 16,-26-26-16,26 26 0,0 0 0,0 0 0,0 0 15,-26-26-15,26 26 0,0 0 0,0 0 0,0 0 16,0 0-16,0 0 0,0 0 0,0 0 15,0 0-15,0 0 0,0 0 0,0 0 0,0 0 16,-1 0-16,1 0 0,0 0 0,0 0 16,0 0-16,0 0 0,0 0 0,0 0 0,0 0 15,0 0-15,0 0 0,0 0 0,0 0 0,0 0 16,0 0-16,0 0 0,0 0 0,0 0 16,0 0-16,0 0 0,0 0 0,0 0 0,0 0 15,0 0-15,0 0 0,0 0 0,0 0 16,0 0-16,0 0 0,0 0 0,0 0 15,0 0-15,0 0 0,0 0 16,0 0-16,0 0 0,0 0 0,0 0 16,0 0-16,0 0 0,0 0 0,-26 26 15,26-26-15,0 0 0,0 0 16,0 26-16,0-26 16,0 0-16,0 0 15,0 0-15,0 0 0,0 0 16,-26 26-16,26-26 0,0 0 0,0 0 0,0 0 15,0 0-15,0 0 16,0 0-16,0 0 0,0 0 0,0 0 16,0 0-16,0 0 0,0 0 0,0 0 15,0 0-15,0 0 0,0 0 16,0 0-16,0 0 0,0 0 16,0 0-16,0 0 0,0 0 15,0 0-15,0 0 16,-26 26-16,26-26 0,0 0 0,0 0 15,0 0-15,0 0 16,0 0-16,0 0 16,0 0-16,0 0 0,0 0 15,0 0-15,0 0 0,0 0 0,0 0 16,0 0-16,0 0 0,0 0 0,0 0 16,0 0-16,0 0 0,-26 25 0,26-25 0,0 0 15,0 0-15,0 0 0,0 0 0,0 0 0,-26 26 0,26-26 0,0 0 16,0 0-16,0 0 0,0 0 0,0 0 0,0 0 15,0 0-15,0 0 0,-26 26 0,26-26 0,0 0 16,0 0-16,0 0 0,-1 0 0,1 0 0,0 0 16,0 0-16,0 0 0,-26 26 0,26-26 0,0 0 0,0 0 15,0 0-15,0 0 0,0 0 0,0 0 0,0 0 0,0 0 16,0 0-16,0 26 0,0-26 0,0 0 0,0 0 16,0 0-16,0 0 0,0 0 0,0 0 0,0 0 15,0 0-15,0 0 0,0 0 0,0 0 16,0 0-16,0 0 0,0 0 0,-26 26 15,26-26-15,0 0 0,0 0 0,0 0 16,0 0-16,0 0 0,0 0 0,0 0 16,0 0-16,0 0 0,0 0 0,0 0 15,0 0-15,0 0 0,0 0 0,0 0 16,0 0-16,0 0 0,0 0 0,0 0 16,0 0-16,0 0 15,0 0-15,0 0 0,0 0 16,0 0-16,0 0 0,0 0 15,0 0-15,0 0 16,0 0-16,0 0 0,0 0 0,0 0 16,0 0-16,0 0 0,0 0 0,0 0 0,0 0 15,0 0-15,0 0 0,0 0 0,0 0 0,0 0 0,0 0 16,0 0-16,0 0 0,0 0 0,0 0 0,0 0 16,0 0-16,0 0 0,0 0 0,0 0 0,0 0 15,0 0-15,0 0 0,0 0 0,0 0 16,0 0-16,0 0 0,0 0 0,0 0 15,0 0-15,0 0 0,0 0 0,0 0 16,0 0-16,0 0 0,0 0 16,0 0-16,0 0 15,0 0-15,0 0 0,0 0 0,0 0 16,0 0-16,-26-26 0,26 26 0,0 0 0,0 0 16,0 0-16,0 0 0,0 0 0,0 0 15,-1 0-15,1 0 0,0 0 0,0 0 0,0 0 0,0 0 0,0 0 16,0 0-16,0 0 0,0 0 0,0 0 0,0 0 0,0 0 0,0 0 0,0 0 0,0 0 15,0 0-15,0 0 0,0 0 0,0 0 0,0 0 0,0 0 0,0 0 0,0 0 16,0 0-16,0 0 0,0 0 0,0 0 0,0 0 0,0 0 0,0 0 0,0 0 0,0 0 0,0 0 16,0 0-16,0 0 0,0 0 0,0 0 0,0 0 0,0 0 0,0 0 0,0 0 0,0 0 0,0 0 15,0 0-15,26 0 0,-26 0 0,0 0 0,0 0 0,0 0 0,0 0 16,0 0-16,0 0 0,0 0 0,0 0 0,0 0 0,0 0 0,0 0 0,0 0 0,0 0 16,0 0-16,0 0 0,0 0 0,0 0 0,26 0 0,-26 0 15,0 0-15,0 0 0,0 0 0,0 0 0,0 0 0,0 0 0,0 0 0,0 0 16,0 0-16,0 0 0,0 0 0,0 0 0,0 0 15,0 0-15,0 0 0,0 0 0,0 0 0,0 0 0,0 0 16,0 0-16,0 0 0,0 0 0,0 0 0,0 0 0,0 0 16,0 0-16,0 0 0,0 0 0,0 0 0,0 0 0,0 0 0,0 0 15,0 0-15,0 0 0,0 0 0,0 0 0,0 0 0,0 0 16,0 0-16,0 26 0,0-26 0,0 0 0,0 0 0,0 0 0,0 0 16,0 0-16,0 0 0,-1 0 0,1 0 0,0 0 0,0 0 0,0 0 15,0 0-15,0 0 0,0 0 0,0 0 0,0 0 0,-26 26 0,26-26 0,0 0 16,0 0-16,0 0 0,0 0 0,0 0 0,0 0 0,0 0 0,0 0 0,0 0 0,0 0 0,0 0 15,0 0-15,0 0 0,0 0 0,0 0 0,0 0 0,0 0 0,0 0 16,26 0-16,-26 0 0,0 0 0,0 0 0,0 0 0,0 0 0,0 0 0,0 0 0,0 0 16,0 0-16,0 0 0,0 0 0,0 0 0,0 0 0,0 0 0,0 0 0,0 0 15,0 0-15,0 0 0,0 0 0,0 0 0,0 0 0,0 0 0,0 0 0,0 0 0,0 0 16,0 0-16,0 0 0,0 0 0,0 0 0,0 0 0,0 0 0,0 0 16,0 0-16,0 0 0,0 0 0,-26 26 0,26-26 0,0 0 0,0 0 0,0 0 15,0 0-15,0 0 0,0 0 0,0 0 0,0 0 0,0 0 0,0 0 0,0 0 16,0 0-16,0 0 0,0 0 0,0 0 0,0 0 0,0 0 0,0 0 0,0 0 15,0 0-15,0 0 0,0 0 0,0 0 0,0 0 0,0 0 0,0 0 0,0 0 16,0 0-16,0 0 0,0 0 0,0 0 0,0 0 0,0 0 0,0 0 0,0 0 0,0 0 16,0 0-16,0 0 0,0 0 0,0 0 0,0 0 0,0 0 0,0 0 0,0 0 0,0 0 15,0 0-15,0 0 0,0 0 0,-1 0 0,1 0 0,0 0 0,0 0 0,0 0 0,-26 26 16,26-26-16,0 0 0,0 0 0,0 0 0,0 0 0,0 0 0,0 0 0,0 0 0,0 0 16,0 0-16,0 0 0,0 0 0,0 0 0,0 0 0,0 0 0,0 0 15,0 0-15,0 0 0,-26 26 0,26-26 0,0 0 0,0 0 0,0 0 0,0 0 0,0 0 16,0 0-16,0 0 0,0 0 0,0 0 0,0 0 0,0 0 0,0 0 15,0 0-15,0 0 0,0 0 0,0 0 0,0 0 0,0 0 0,0 0 0,0 0 16,0 0-16,0 0 0,0 0 0,0 0 0,0 0 0,0 0 0,0 0 16,0 0-16,0 0 0,0 0 0,0 0 0,0 0 0,0 0 0,0 0 15,0 0-15,0 0 0,0 0 0,-26-26 0,26 26 0,0 0 0,0 0 0,0 0 0,0 0 0,0 0 0,0 0 16,0 0-16,0 0 0,0 0 0,0 0 0,0 0 0,0 0 16,0 0-16,0 0 0,26 0 0,-52-26 0,52 26 0,-26 0 15,0 0-15,0 0 0,0 0 0,26 0 0,-26 0 0,0 0 16,0 0-16,0 0 0,0-26 0,0 26 0,0 0 0,0 0 0,0 0 15,0 0-15,-26-26 0,26 26 0,0 0 0,0 0 0,0 0 0,-26-26 16,26 26-16,0 0 0,0 0 0,0 0 0,0 0 0,0 0 16,0 0-16,0 0 0,-26-26 0,26 26 0,0 0 0,0 0 15,0 0-15,0 0 0,0 0 0,0 0 0,-1 0 16,1 0-16,0 0 0,0 0 0,0 0 0,0 0 0,0 0 0,0 0 16,0 0-16,0 0 0,0 0 15,0 0-15,0 0 0,0 0 0,0 0 0,0 0 16,0 0-16,0 0 0,0 0 0,0 0 15,0 0-15,0 0 0,0 0 16,0 0-16,0 0 0,0 0 0,0 0 16,0 0-16,0 0 0,-26-26 15,26 26-15,0 0 0,0 0 0,0 0 0,0 0 16,0 0-16,0 0 0,0 0 0,0 0 16,0 0-16,0 0 0,0 0 0,0 0 0,0 0 0,0 0 15,0 0-15,0 0 0,0 0 0,0 0 0,0 0 16,0 0-16,0 0 0,0 0 0,0 0 0,-26 26 0,26-26 15,0 0-15,0 0 0,0 0 0,0 0 0,0 0 16,0 0-16,0 0 0,-26 26 0,26-26 0,0 0 16,0 0-16,0 0 15,-26-26 79,0 0-78,0 0-16,0 0 0,0 1 15,0-1-15,0 0 0,0 0 0,0 0 16,0 0-16,0 0 0,0 0 0,0 0 16,0 0-16,0 0 0,0 0 0,0 0 0,0 0 0,0 0 0,0 0 0,0 0 15,0 0-15,0 0 0,0 0 0,0 0 0,0 0 0,0 0 0,0 0 16,0 0-16,0 0 0,0 0 0,0 0 0,0 0 0,0 0 0,0 0 0,0 0 15,0 0-15,0 0 0,0 0 0,0 0 0,0 0 0,0 0 0,0 0 16,26 26-16,-26-26 0,0 0 0,0 0 0,0 0 0,0 0 0,0 0 0,0 0 0,0 0 0,26 26 16,-26-26-16,0 0 0,0 0 0,0 0 0,0 0 0,0 0 0,26 0 0,-26 0 15,0 0-15,0 0 0,0 0 0,0 0 0,0 0 0,0 0 0,0 0 0,0 0 16,0 0-16,0 0 0,0 0 0,0 0 0,0 0 0,0 0 0,0 0 0,26 0 0,-26 0 16,0 0-16,0 0 0,0 0 0,0 0 0,0 0 0,0 0 0,0 0 0,0 0 15,0 0-15,0 0 0,0 0 0,0 0 0,0 0 0,0 0 0,0 0 16,26 26-16,-26-26 0,0 0 0,0 0 0,0 0 0,0 0 0,26 26 0,-26-25 0,0-1 15,26 26-15,-26-26 0,0 0 0,0 0 0,0 0 0,26 26 0,-26-26 0,0 0 0,0 0 16,0 0-16,0 0 0,0 0 0,26 26 0,-26-26 0,0 0 0,0 0 0,0 0 0,26 26 0,-26-26 16,26 26-16,-26-26 0,0 0 0,0 0 0,0 0 0,26 26 0,-26-26 0,0 0 0,0 0 15,0 0-15,26 26 0,-26-26 0,0 0 0,0 0 0,0 0 0,26 26 0,-26-26 0,0 0 16,0 0-16,26 26 0,-26-26 0,0 0 0,0-26 0,26 52 0,-26-26 16,0 0-16,0 0 0,0 0 0,0 0 0,26 26 0,-26-26 0,0 0 15,0 0-15,0 0 0,0 0 0,0 0 16,26 26-16,-26-26 0,0 0 0,0 0 0,0 0 15,-26 26 95,0 0-79,0 0-31,0 0 16,0 0-16,0 0 15,0 0-15,0 0 0,0 0 0,0 0 16,0 0-16,0 0 0,0 0 0,0 0 0,0 0 16,0 0-16,0 0 0,0 0 0,0 0 0,0 0 0,0 0 0,0 0 15,0 0-15,0 0 0,0 0 0,0 0 0,0 0 0,0 0 0,0 0 0,0 0 0,0 0 16,0 0-16,0 0 0,0 0 0,0 0 0,0 0 0,0 0 0,0 0 0,0 0 0,0 0 0,0 0 15,0 0-15,0 0 0,0-26 0,0 26 0,0 0 0,0-26 0,0 26 0,0 0 0,0 0 0,-26 0 0,26 0 16,0 0-16,0 0 0,0-26 0,0 26 0,0 0 0,0 0 0,-26 0 0,26-26 0,0 26 0,-26 0 0,52-26 0,-26 26 0,0 0 16,0 0-16,0 0 0,0 0 0,0 0 0,-26 0 0,52-26 0,-26 26 0,0 0 0,0 0 0,0 0 0,0 0 0,0 0 0,0 0 0,0-26 0,0 26 15,1 0-15,-1 0 0,0-26 0,0 26 0,0 0 0,0 0 0,0 0 0,0 0 0,0 0 0,0-26 0,0 26 0,0 0 16,0 0-16,0 0 0,0 0 0,0 0 0,0 0 0,0 0 0,-26 0 0,26-26 0,0 26 0,0 0 16,0 0-16,0 0 0,0 0 0,0 0 0,0 0 0,0 0 0,-26 0 0,26 0 0,0 0 0,0 0 15,0 0-15,0 0 0,0 0 0,0 0 0,0 0 0,0 0 0,0 0 0,0 0 0,0 0 0,0 0 0,0 0 16,0 0-16,0 0 0,0 0 0,0 0 0,0 0 0,0 0 0,0 0 0,0 0 0,0 0 0,0 0 0,0 0 15,0 0-15,0 0 0,0 0 0,0 0 0,0 0 0,0 0 0,0 0 0,0 0 0,0 0 0,0 0 0,0 0 16,0 0-16,0 0 0,0 0 0,0 0 0,0 0 0,0 0 0,0 0 0,0 0 0,0 0 0,0 0 0,0 0 0,26-26 0,-52 26 16,26 0-16,0 0 0,0 0 0,0 0 0,0 0 0,0 0 0,0 0 0,0 0 0,0 0 0,0 0 15,0-26-15,0 26 0,0 0 0,0 0 0,0 0 0,0 0 0,0 0 0,0 0 16,0 0-16,0 0 0,0 0 0,0 0 0,0 0 0,0 0 0,0 0 16,0 0-16,0 0 0,0 0 0,0 0 0,0 0 15,0 0-15,0 0 0,0 0 0,0 0 16,0 0-16,1 0 0,-1 0 0,0 0 0,0 0 0,0 0 15,0 0-15,0 0 0,0 0 0,0 0 0,26 26 16,-26-26-16,0 0 0,0 0 0,0 0 0,0 0 0,0 0 0,0 0 16,0 0-16,0 0 0,0 0 0,26 26 0,-26-26 0,0 0 0,0 0 0,0 0 15,0 0-15,0 0 0,0 0 0,0 0 0,0 0 0,0 0 0,0 0 16,26 26-16,-26-26 0,0 0 0,-26 0 0,26 0 0,0 0 0,0 0 0,0 0 0,0 26 16,0-26-16,0 0 0,0 0 0,0 0 0,0 0 0,26 26 0,-26-26 0,0 0 0,0 0 15,0 0-15,0 0 0,0 0 0,0 0 0,0 0 0,0 0 0,0 0 0,0 0 16,0 0-16,0 0 0,0 0 0,26 26 0,-26-26 0,0 0 0,0 0 0,0 0 0,0 0 15,0 0-15,0 0 0,0 0 0,0 0 0,0 0 0,0 0 0,0 0 0,0 0 16,0 0-16,0 0 0,0 0 0,26 26 0,-26-26 0,0 0 0,0 0 0,0 0 0,0 0 0,0 0 16,0 0-16,0 0 0,0 0 0,0 0 0,0 0 0,0 0 0,0 0 15,0 0-15,0 0 0,0 0 0,0 0 0,0 0 0,0 0 0,0 0 0,0 0 16,0 0-16,0 0 0,0 0 0,0 0 0,0 0 0,0 0 0,0 0 0,0 0 0,0 0 16,0 0-16,0 0 0,0 0 0,0 0 0,0 0 0,0 0 15,0 0-15,0 0 0,0 0 0,0 0 0,0 0 0,1 0 0,-1 0 0,0 0 0,0 0 16,0 0-16,0 0 0,0 0 0,0 0 0,0 0 0,0 0 0,0 0 15,0 0-15,0 0 0,0 0 0,0 0 0,0 0 0,0 0 0,0 0 16,0 0-16,0 0 0,0 0 0,0 0 0,0 0 0,0 0 0,0 0 0,0 0 16,0 0-16,0 0 0,0 0 0,0 0 0,0 0 0,0 0 0,0 0 0,0 0 0,0 0 15,0 0-15,0 0 0,0 0 0,0 0 0,0 0 0,0 0 0,0 0 0,0 0 16,0 0-16,0 0 0,0 0 0,0 0 0,0 0 0,0 0 0,0 0 0,0 0 0,0 0 16,0 0-16,0 0 0,0 0 0,0 0 0,0 0 0,0 0 0,0 0 0,0 0 0,0 0 15,0 0-15,0 0 0,0 0 0,0 0 0,0 0 0,0 0 0,0 0 0,0 0 16,0 0-16,0 0 0,0 0 0,0 0 0,0 0 0,0 0 15,0 0-15,0 0 0,0 0 0,0 0 0,0 0 0,0 0 0,0 0 16,0 0-16,0 0 0,0 0 0,0 0 0,0 0 16,0 0-16,0 0 0,0 0 0,0 0 0,0 0 15,0 0-15,0 0 0,0 0 0,0 0 0,0 0 0,0 0 16,0 0-16,0 0 0,0 0 0,0 0 0,0 0 16,0 0-16,0 0 0,0 0 0,0 0 0,0 0 15,0 0-15,0 0 0,0 0 0,0 0 0,0 0 0,0 0 16,0 0-16,1 0 0,-1 0 0,0 0 0,0 0 0,0 0 0,0 0 15,0 0-15,0 0 0,0 0 0,0 0 0,0 0 0,0 0 16,0 0-16,0 0 0,0 0 0,0 0 0,0 0 0,0 0 0,0 0 0,0 0 16,0 0-16,0-26 0,0 26 0,0 0 0,0 0 0,0 0 15,0 0-15,0 0 0,0 0 0,0 0 0,0 0 0,0 0 16,0 0-16,0 0 0,0 0 0,0-26 0,0 26 0,0 0 16,0 0-16,0 0 0,0 0 0,0 0 0,0 0 15,0 0-15,0 0 0,0 0 0,0 0 16,0 0-16,0 0 0,0 0 0,0 0 0,0 0 15,0 0-15,0 0 0,0 0 0,0 0 16,0 0-16,0 0 0,0 0 0,0 0 0,0 0 16,0 0-16,0 0 0,0 0 0,0 0 0,0 0 15,0 0-15,0 0 0,0 0 0,0 0 0,0 0 16,0 0-16,0 0 0,0 0 0,0 0 0,0 0 0,0 0 16,0 0-16,0 0 0,0 0 0,0 0 0,0 0 15,0 0-15,0 0 0,0 0 0,0 0 0,0 0 16,0 0-16,0 0 0,0 0 0,0 0 0,0 0 0,0 0 15,0 0-15,0 0 0,0 0 0,0 0 0,0 0 0,0 0 16,0 0-16,0 0 0,0 0 0,0 0 16,0 0-16,0 0 0,0 0 0,0 0 0,0 0 15,0 0-15,0 0 0,0 0 0,0 0 0,0 0 16,0 0-16,0 0 0,1 0 0,-1 0 0,0 0 16,0 0-16,0 0 0,0 0 0,0 0 15,0 0-15,0 0 0,0 0 0,0 0 0,0 0 16,0 0-16,0 0 0,0 0 0,0 0 0,0 0 0,0 0 15,0 0-15,0 0 0,0 0 0,0 0 0,0 0 16,0 0-16,0 0 0,0 0 0,0 0 16,0 0-16,0 0 0,0 0 0,26 26 15,-26-26-15,0 0 0,0 0 0,0 0 0,0 0 16,0 0-16,0 0 16,0 0-16,0 0 0,0 0 15,0 0-15,0 0 0,0 0 0,0 0 16,0 0-16,0 0 0,0 0 15,0 0-15,0 0 0,0 0 0,0 0 16,0 0-16,0 0 0,0 0 0,0 0 0,0 0 16,0 0-16,0 0 0,0 0 0,0 0 0,0 0 15,0 0-15,0 0 0,0 0 0,0 0 0,0 0 0,0 0 16,26 26-16,-26-26 0,0 0 0,0 0 0,0 0 0,0 0 0,0 0 16,0 0-16,0 0 0,0 0 0,0 0 0,0 0 0,0 0 15,0 0-15,0 0 0,0 0 0,0 0 0,0 0 0,0 0 16,0 0-16,26 26 0,-26-26 0,0 0 0,0 0 0,0 0 15,0 0-15,0 0 0,0 0 0,0 0 16,0 0-16,0 0 0,0 0 16,26 26-16,-26-26 0,0 0 15,0 0 1,0 0 31</inkml:trace>
 </inkml:ink>
 </file>
 
@@ -319,7 +292,7 @@
           <a:p>
             <a:fld id="{2F3DCB6D-0B48-4A3D-B663-06C3F903A9D3}" type="datetimeFigureOut">
               <a:rPr lang="ru-RU" smtClean="0"/>
-              <a:t>13.12.2024</a:t>
+              <a:t>02.02.2025</a:t>
             </a:fld>
             <a:endParaRPr lang="ru-RU"/>
           </a:p>
@@ -656,7 +629,7 @@
           <a:p>
             <a:fld id="{C72A1285-F988-4153-B7C5-B887A867730D}" type="slidenum">
               <a:rPr lang="ru-RU" smtClean="0"/>
-              <a:t>3</a:t>
+              <a:t>5</a:t>
             </a:fld>
             <a:endParaRPr lang="ru-RU"/>
           </a:p>
@@ -745,7 +718,7 @@
           <a:p>
             <a:fld id="{C72A1285-F988-4153-B7C5-B887A867730D}" type="slidenum">
               <a:rPr lang="ru-RU" smtClean="0"/>
-              <a:t>6</a:t>
+              <a:t>8</a:t>
             </a:fld>
             <a:endParaRPr lang="ru-RU"/>
           </a:p>
@@ -913,7 +886,7 @@
           <a:p>
             <a:fld id="{2590F9C9-AB92-4E86-B698-DEC9BF4350FF}" type="datetimeFigureOut">
               <a:rPr lang="ru-RU" smtClean="0"/>
-              <a:t>13.12.2024</a:t>
+              <a:t>02.02.2025</a:t>
             </a:fld>
             <a:endParaRPr lang="ru-RU"/>
           </a:p>
@@ -1113,7 +1086,7 @@
           <a:p>
             <a:fld id="{2590F9C9-AB92-4E86-B698-DEC9BF4350FF}" type="datetimeFigureOut">
               <a:rPr lang="ru-RU" smtClean="0"/>
-              <a:t>13.12.2024</a:t>
+              <a:t>02.02.2025</a:t>
             </a:fld>
             <a:endParaRPr lang="ru-RU"/>
           </a:p>
@@ -1323,7 +1296,7 @@
           <a:p>
             <a:fld id="{2590F9C9-AB92-4E86-B698-DEC9BF4350FF}" type="datetimeFigureOut">
               <a:rPr lang="ru-RU" smtClean="0"/>
-              <a:t>13.12.2024</a:t>
+              <a:t>02.02.2025</a:t>
             </a:fld>
             <a:endParaRPr lang="ru-RU"/>
           </a:p>
@@ -1523,7 +1496,7 @@
           <a:p>
             <a:fld id="{2590F9C9-AB92-4E86-B698-DEC9BF4350FF}" type="datetimeFigureOut">
               <a:rPr lang="ru-RU" smtClean="0"/>
-              <a:t>13.12.2024</a:t>
+              <a:t>02.02.2025</a:t>
             </a:fld>
             <a:endParaRPr lang="ru-RU"/>
           </a:p>
@@ -1799,7 +1772,7 @@
           <a:p>
             <a:fld id="{2590F9C9-AB92-4E86-B698-DEC9BF4350FF}" type="datetimeFigureOut">
               <a:rPr lang="ru-RU" smtClean="0"/>
-              <a:t>13.12.2024</a:t>
+              <a:t>02.02.2025</a:t>
             </a:fld>
             <a:endParaRPr lang="ru-RU"/>
           </a:p>
@@ -2067,7 +2040,7 @@
           <a:p>
             <a:fld id="{2590F9C9-AB92-4E86-B698-DEC9BF4350FF}" type="datetimeFigureOut">
               <a:rPr lang="ru-RU" smtClean="0"/>
-              <a:t>13.12.2024</a:t>
+              <a:t>02.02.2025</a:t>
             </a:fld>
             <a:endParaRPr lang="ru-RU"/>
           </a:p>
@@ -2482,7 +2455,7 @@
           <a:p>
             <a:fld id="{2590F9C9-AB92-4E86-B698-DEC9BF4350FF}" type="datetimeFigureOut">
               <a:rPr lang="ru-RU" smtClean="0"/>
-              <a:t>13.12.2024</a:t>
+              <a:t>02.02.2025</a:t>
             </a:fld>
             <a:endParaRPr lang="ru-RU"/>
           </a:p>
@@ -2624,7 +2597,7 @@
           <a:p>
             <a:fld id="{2590F9C9-AB92-4E86-B698-DEC9BF4350FF}" type="datetimeFigureOut">
               <a:rPr lang="ru-RU" smtClean="0"/>
-              <a:t>13.12.2024</a:t>
+              <a:t>02.02.2025</a:t>
             </a:fld>
             <a:endParaRPr lang="ru-RU"/>
           </a:p>
@@ -2737,7 +2710,7 @@
           <a:p>
             <a:fld id="{2590F9C9-AB92-4E86-B698-DEC9BF4350FF}" type="datetimeFigureOut">
               <a:rPr lang="ru-RU" smtClean="0"/>
-              <a:t>13.12.2024</a:t>
+              <a:t>02.02.2025</a:t>
             </a:fld>
             <a:endParaRPr lang="ru-RU"/>
           </a:p>
@@ -3050,7 +3023,7 @@
           <a:p>
             <a:fld id="{2590F9C9-AB92-4E86-B698-DEC9BF4350FF}" type="datetimeFigureOut">
               <a:rPr lang="ru-RU" smtClean="0"/>
-              <a:t>13.12.2024</a:t>
+              <a:t>02.02.2025</a:t>
             </a:fld>
             <a:endParaRPr lang="ru-RU"/>
           </a:p>
@@ -3339,7 +3312,7 @@
           <a:p>
             <a:fld id="{2590F9C9-AB92-4E86-B698-DEC9BF4350FF}" type="datetimeFigureOut">
               <a:rPr lang="ru-RU" smtClean="0"/>
-              <a:t>13.12.2024</a:t>
+              <a:t>02.02.2025</a:t>
             </a:fld>
             <a:endParaRPr lang="ru-RU"/>
           </a:p>
@@ -3582,7 +3555,7 @@
           <a:p>
             <a:fld id="{2590F9C9-AB92-4E86-B698-DEC9BF4350FF}" type="datetimeFigureOut">
               <a:rPr lang="ru-RU" smtClean="0"/>
-              <a:t>13.12.2024</a:t>
+              <a:t>02.02.2025</a:t>
             </a:fld>
             <a:endParaRPr lang="ru-RU"/>
           </a:p>
@@ -4041,8 +4014,8 @@
         </p:nvSpPr>
         <p:spPr>
           <a:xfrm>
-            <a:off x="335360" y="1122362"/>
-            <a:ext cx="11521280" cy="3818806"/>
+            <a:off x="335360" y="1340768"/>
+            <a:ext cx="11521280" cy="4176464"/>
           </a:xfrm>
         </p:spPr>
         <p:txBody>
@@ -4128,6 +4101,457 @@
 </file>
 
 <file path=ppt/slides/slide10.xml><?xml version="1.0" encoding="utf-8"?>
+<p:sld xmlns:a="http://schemas.openxmlformats.org/drawingml/2006/main" xmlns:r="http://schemas.openxmlformats.org/officeDocument/2006/relationships" xmlns:p="http://schemas.openxmlformats.org/presentationml/2006/main">
+  <p:cSld>
+    <p:spTree>
+      <p:nvGrpSpPr>
+        <p:cNvPr id="1" name=""/>
+        <p:cNvGrpSpPr/>
+        <p:nvPr/>
+      </p:nvGrpSpPr>
+      <p:grpSpPr>
+        <a:xfrm>
+          <a:off x="0" y="0"/>
+          <a:ext cx="0" cy="0"/>
+          <a:chOff x="0" y="0"/>
+          <a:chExt cx="0" cy="0"/>
+        </a:xfrm>
+      </p:grpSpPr>
+      <p:sp>
+        <p:nvSpPr>
+          <p:cNvPr id="2" name="Title 1"/>
+          <p:cNvSpPr>
+            <a:spLocks noGrp="1"/>
+          </p:cNvSpPr>
+          <p:nvPr>
+            <p:ph type="title"/>
+          </p:nvPr>
+        </p:nvSpPr>
+        <p:spPr/>
+        <p:txBody>
+          <a:bodyPr>
+            <a:normAutofit/>
+          </a:bodyPr>
+          <a:lstStyle/>
+          <a:p>
+            <a:r>
+              <a:rPr lang="ru-RU" dirty="0"/>
+              <a:t>Шаги реализации (продолжение)</a:t>
+            </a:r>
+          </a:p>
+        </p:txBody>
+      </p:sp>
+      <p:sp>
+        <p:nvSpPr>
+          <p:cNvPr id="3" name="Content Placeholder 2"/>
+          <p:cNvSpPr>
+            <a:spLocks noGrp="1"/>
+          </p:cNvSpPr>
+          <p:nvPr>
+            <p:ph idx="1"/>
+          </p:nvPr>
+        </p:nvSpPr>
+        <p:spPr/>
+        <p:txBody>
+          <a:bodyPr/>
+          <a:lstStyle/>
+          <a:p>
+            <a:r>
+              <a:rPr lang="ru-RU" dirty="0"/>
+              <a:t>Добавить ссылку на интерфейс Реализации в класс Абстракции</a:t>
+            </a:r>
+          </a:p>
+          <a:p>
+            <a:r>
+              <a:rPr lang="ru-RU" dirty="0"/>
+              <a:t>Реализовать методы Абстракции, делегируя основную работу связанному объекту Реализации</a:t>
+            </a:r>
+          </a:p>
+          <a:p>
+            <a:r>
+              <a:rPr lang="ru-RU" dirty="0"/>
+              <a:t>Создать при необходимости подклассы Абстракций</a:t>
+            </a:r>
+          </a:p>
+          <a:p>
+            <a:r>
+              <a:rPr lang="ru-RU" dirty="0"/>
+              <a:t>Передать объект реализации конструктору Абстракции</a:t>
+            </a:r>
+          </a:p>
+        </p:txBody>
+      </p:sp>
+    </p:spTree>
+    <p:extLst>
+      <p:ext uri="{BB962C8B-B14F-4D97-AF65-F5344CB8AC3E}">
+        <p14:creationId xmlns:p14="http://schemas.microsoft.com/office/powerpoint/2010/main" val="4175240833"/>
+      </p:ext>
+    </p:extLst>
+  </p:cSld>
+  <p:clrMapOvr>
+    <a:masterClrMapping/>
+  </p:clrMapOvr>
+  <p:timing>
+    <p:tnLst>
+      <p:par>
+        <p:cTn id="1" dur="indefinite" restart="never" nodeType="tmRoot">
+          <p:childTnLst>
+            <p:seq concurrent="1" nextAc="seek">
+              <p:cTn id="2" dur="indefinite" nodeType="mainSeq">
+                <p:childTnLst>
+                  <p:par>
+                    <p:cTn id="3" fill="hold">
+                      <p:stCondLst>
+                        <p:cond delay="indefinite"/>
+                      </p:stCondLst>
+                      <p:childTnLst>
+                        <p:par>
+                          <p:cTn id="4" fill="hold">
+                            <p:stCondLst>
+                              <p:cond delay="0"/>
+                            </p:stCondLst>
+                            <p:childTnLst>
+                              <p:par>
+                                <p:cTn id="5" presetID="10" presetClass="entr" presetSubtype="0" fill="hold" grpId="0" nodeType="clickEffect">
+                                  <p:stCondLst>
+                                    <p:cond delay="0"/>
+                                  </p:stCondLst>
+                                  <p:childTnLst>
+                                    <p:set>
+                                      <p:cBhvr>
+                                        <p:cTn id="6" dur="1" fill="hold">
+                                          <p:stCondLst>
+                                            <p:cond delay="0"/>
+                                          </p:stCondLst>
+                                        </p:cTn>
+                                        <p:tgtEl>
+                                          <p:spTgt spid="3">
+                                            <p:txEl>
+                                              <p:pRg st="0" end="0"/>
+                                            </p:txEl>
+                                          </p:spTgt>
+                                        </p:tgtEl>
+                                        <p:attrNameLst>
+                                          <p:attrName>style.visibility</p:attrName>
+                                        </p:attrNameLst>
+                                      </p:cBhvr>
+                                      <p:to>
+                                        <p:strVal val="visible"/>
+                                      </p:to>
+                                    </p:set>
+                                    <p:animEffect transition="in" filter="fade">
+                                      <p:cBhvr>
+                                        <p:cTn id="7" dur="500"/>
+                                        <p:tgtEl>
+                                          <p:spTgt spid="3">
+                                            <p:txEl>
+                                              <p:pRg st="0" end="0"/>
+                                            </p:txEl>
+                                          </p:spTgt>
+                                        </p:tgtEl>
+                                      </p:cBhvr>
+                                    </p:animEffect>
+                                  </p:childTnLst>
+                                </p:cTn>
+                              </p:par>
+                            </p:childTnLst>
+                          </p:cTn>
+                        </p:par>
+                      </p:childTnLst>
+                    </p:cTn>
+                  </p:par>
+                  <p:par>
+                    <p:cTn id="8" fill="hold">
+                      <p:stCondLst>
+                        <p:cond delay="indefinite"/>
+                      </p:stCondLst>
+                      <p:childTnLst>
+                        <p:par>
+                          <p:cTn id="9" fill="hold">
+                            <p:stCondLst>
+                              <p:cond delay="0"/>
+                            </p:stCondLst>
+                            <p:childTnLst>
+                              <p:par>
+                                <p:cTn id="10" presetID="10" presetClass="entr" presetSubtype="0" fill="hold" grpId="0" nodeType="clickEffect">
+                                  <p:stCondLst>
+                                    <p:cond delay="0"/>
+                                  </p:stCondLst>
+                                  <p:childTnLst>
+                                    <p:set>
+                                      <p:cBhvr>
+                                        <p:cTn id="11" dur="1" fill="hold">
+                                          <p:stCondLst>
+                                            <p:cond delay="0"/>
+                                          </p:stCondLst>
+                                        </p:cTn>
+                                        <p:tgtEl>
+                                          <p:spTgt spid="3">
+                                            <p:txEl>
+                                              <p:pRg st="1" end="1"/>
+                                            </p:txEl>
+                                          </p:spTgt>
+                                        </p:tgtEl>
+                                        <p:attrNameLst>
+                                          <p:attrName>style.visibility</p:attrName>
+                                        </p:attrNameLst>
+                                      </p:cBhvr>
+                                      <p:to>
+                                        <p:strVal val="visible"/>
+                                      </p:to>
+                                    </p:set>
+                                    <p:animEffect transition="in" filter="fade">
+                                      <p:cBhvr>
+                                        <p:cTn id="12" dur="500"/>
+                                        <p:tgtEl>
+                                          <p:spTgt spid="3">
+                                            <p:txEl>
+                                              <p:pRg st="1" end="1"/>
+                                            </p:txEl>
+                                          </p:spTgt>
+                                        </p:tgtEl>
+                                      </p:cBhvr>
+                                    </p:animEffect>
+                                  </p:childTnLst>
+                                </p:cTn>
+                              </p:par>
+                            </p:childTnLst>
+                          </p:cTn>
+                        </p:par>
+                      </p:childTnLst>
+                    </p:cTn>
+                  </p:par>
+                  <p:par>
+                    <p:cTn id="13" fill="hold">
+                      <p:stCondLst>
+                        <p:cond delay="indefinite"/>
+                      </p:stCondLst>
+                      <p:childTnLst>
+                        <p:par>
+                          <p:cTn id="14" fill="hold">
+                            <p:stCondLst>
+                              <p:cond delay="0"/>
+                            </p:stCondLst>
+                            <p:childTnLst>
+                              <p:par>
+                                <p:cTn id="15" presetID="10" presetClass="entr" presetSubtype="0" fill="hold" grpId="0" nodeType="clickEffect">
+                                  <p:stCondLst>
+                                    <p:cond delay="0"/>
+                                  </p:stCondLst>
+                                  <p:childTnLst>
+                                    <p:set>
+                                      <p:cBhvr>
+                                        <p:cTn id="16" dur="1" fill="hold">
+                                          <p:stCondLst>
+                                            <p:cond delay="0"/>
+                                          </p:stCondLst>
+                                        </p:cTn>
+                                        <p:tgtEl>
+                                          <p:spTgt spid="3">
+                                            <p:txEl>
+                                              <p:pRg st="2" end="2"/>
+                                            </p:txEl>
+                                          </p:spTgt>
+                                        </p:tgtEl>
+                                        <p:attrNameLst>
+                                          <p:attrName>style.visibility</p:attrName>
+                                        </p:attrNameLst>
+                                      </p:cBhvr>
+                                      <p:to>
+                                        <p:strVal val="visible"/>
+                                      </p:to>
+                                    </p:set>
+                                    <p:animEffect transition="in" filter="fade">
+                                      <p:cBhvr>
+                                        <p:cTn id="17" dur="500"/>
+                                        <p:tgtEl>
+                                          <p:spTgt spid="3">
+                                            <p:txEl>
+                                              <p:pRg st="2" end="2"/>
+                                            </p:txEl>
+                                          </p:spTgt>
+                                        </p:tgtEl>
+                                      </p:cBhvr>
+                                    </p:animEffect>
+                                  </p:childTnLst>
+                                </p:cTn>
+                              </p:par>
+                            </p:childTnLst>
+                          </p:cTn>
+                        </p:par>
+                      </p:childTnLst>
+                    </p:cTn>
+                  </p:par>
+                  <p:par>
+                    <p:cTn id="18" fill="hold">
+                      <p:stCondLst>
+                        <p:cond delay="indefinite"/>
+                      </p:stCondLst>
+                      <p:childTnLst>
+                        <p:par>
+                          <p:cTn id="19" fill="hold">
+                            <p:stCondLst>
+                              <p:cond delay="0"/>
+                            </p:stCondLst>
+                            <p:childTnLst>
+                              <p:par>
+                                <p:cTn id="20" presetID="10" presetClass="entr" presetSubtype="0" fill="hold" grpId="0" nodeType="clickEffect">
+                                  <p:stCondLst>
+                                    <p:cond delay="0"/>
+                                  </p:stCondLst>
+                                  <p:childTnLst>
+                                    <p:set>
+                                      <p:cBhvr>
+                                        <p:cTn id="21" dur="1" fill="hold">
+                                          <p:stCondLst>
+                                            <p:cond delay="0"/>
+                                          </p:stCondLst>
+                                        </p:cTn>
+                                        <p:tgtEl>
+                                          <p:spTgt spid="3">
+                                            <p:txEl>
+                                              <p:pRg st="3" end="3"/>
+                                            </p:txEl>
+                                          </p:spTgt>
+                                        </p:tgtEl>
+                                        <p:attrNameLst>
+                                          <p:attrName>style.visibility</p:attrName>
+                                        </p:attrNameLst>
+                                      </p:cBhvr>
+                                      <p:to>
+                                        <p:strVal val="visible"/>
+                                      </p:to>
+                                    </p:set>
+                                    <p:animEffect transition="in" filter="fade">
+                                      <p:cBhvr>
+                                        <p:cTn id="22" dur="500"/>
+                                        <p:tgtEl>
+                                          <p:spTgt spid="3">
+                                            <p:txEl>
+                                              <p:pRg st="3" end="3"/>
+                                            </p:txEl>
+                                          </p:spTgt>
+                                        </p:tgtEl>
+                                      </p:cBhvr>
+                                    </p:animEffect>
+                                  </p:childTnLst>
+                                </p:cTn>
+                              </p:par>
+                            </p:childTnLst>
+                          </p:cTn>
+                        </p:par>
+                      </p:childTnLst>
+                    </p:cTn>
+                  </p:par>
+                </p:childTnLst>
+              </p:cTn>
+              <p:prevCondLst>
+                <p:cond evt="onPrev" delay="0">
+                  <p:tgtEl>
+                    <p:sldTgt/>
+                  </p:tgtEl>
+                </p:cond>
+              </p:prevCondLst>
+              <p:nextCondLst>
+                <p:cond evt="onNext" delay="0">
+                  <p:tgtEl>
+                    <p:sldTgt/>
+                  </p:tgtEl>
+                </p:cond>
+              </p:nextCondLst>
+            </p:seq>
+          </p:childTnLst>
+        </p:cTn>
+      </p:par>
+    </p:tnLst>
+    <p:bldLst>
+      <p:bldP spid="3" grpId="0" build="p"/>
+    </p:bldLst>
+  </p:timing>
+</p:sld>
+</file>
+
+<file path=ppt/slides/slide11.xml><?xml version="1.0" encoding="utf-8"?>
+<p:sld xmlns:a="http://schemas.openxmlformats.org/drawingml/2006/main" xmlns:r="http://schemas.openxmlformats.org/officeDocument/2006/relationships" xmlns:p="http://schemas.openxmlformats.org/presentationml/2006/main">
+  <p:cSld>
+    <p:spTree>
+      <p:nvGrpSpPr>
+        <p:cNvPr id="1" name=""/>
+        <p:cNvGrpSpPr/>
+        <p:nvPr/>
+      </p:nvGrpSpPr>
+      <p:grpSpPr>
+        <a:xfrm>
+          <a:off x="0" y="0"/>
+          <a:ext cx="0" cy="0"/>
+          <a:chOff x="0" y="0"/>
+          <a:chExt cx="0" cy="0"/>
+        </a:xfrm>
+      </p:grpSpPr>
+      <p:sp>
+        <p:nvSpPr>
+          <p:cNvPr id="2" name="Title 1"/>
+          <p:cNvSpPr>
+            <a:spLocks noGrp="1"/>
+          </p:cNvSpPr>
+          <p:nvPr>
+            <p:ph type="title"/>
+          </p:nvPr>
+        </p:nvSpPr>
+        <p:spPr/>
+        <p:txBody>
+          <a:bodyPr>
+            <a:normAutofit/>
+          </a:bodyPr>
+          <a:lstStyle/>
+          <a:p>
+            <a:r>
+              <a:rPr lang="ru-RU" dirty="0"/>
+              <a:t>Возможный вариант реализации</a:t>
+            </a:r>
+          </a:p>
+        </p:txBody>
+      </p:sp>
+      <p:pic>
+        <p:nvPicPr>
+          <p:cNvPr id="5" name="Content Placeholder 4"/>
+          <p:cNvPicPr>
+            <a:picLocks noGrp="1" noChangeAspect="1"/>
+          </p:cNvPicPr>
+          <p:nvPr>
+            <p:ph idx="1"/>
+          </p:nvPr>
+        </p:nvPicPr>
+        <p:blipFill>
+          <a:blip r:embed="rId2"/>
+          <a:stretch>
+            <a:fillRect/>
+          </a:stretch>
+        </p:blipFill>
+        <p:spPr>
+          <a:xfrm>
+            <a:off x="1027980" y="1981300"/>
+            <a:ext cx="10136040" cy="4039988"/>
+          </a:xfrm>
+          <a:prstGeom prst="rect">
+            <a:avLst/>
+          </a:prstGeom>
+        </p:spPr>
+      </p:pic>
+    </p:spTree>
+    <p:extLst>
+      <p:ext uri="{BB962C8B-B14F-4D97-AF65-F5344CB8AC3E}">
+        <p14:creationId xmlns:p14="http://schemas.microsoft.com/office/powerpoint/2010/main" val="4146723188"/>
+      </p:ext>
+    </p:extLst>
+  </p:cSld>
+  <p:clrMapOvr>
+    <a:masterClrMapping/>
+  </p:clrMapOvr>
+</p:sld>
+</file>
+
+<file path=ppt/slides/slide12.xml><?xml version="1.0" encoding="utf-8"?>
 <p:sld xmlns:a="http://schemas.openxmlformats.org/drawingml/2006/main" xmlns:r="http://schemas.openxmlformats.org/officeDocument/2006/relationships" xmlns:p="http://schemas.openxmlformats.org/presentationml/2006/main">
   <p:cSld>
     <p:spTree>
@@ -4462,7 +4886,7 @@
 </p:sld>
 </file>
 
-<file path=ppt/slides/slide11.xml><?xml version="1.0" encoding="utf-8"?>
+<file path=ppt/slides/slide13.xml><?xml version="1.0" encoding="utf-8"?>
 <p:sld xmlns:a="http://schemas.openxmlformats.org/drawingml/2006/main" xmlns:r="http://schemas.openxmlformats.org/officeDocument/2006/relationships" xmlns:p="http://schemas.openxmlformats.org/presentationml/2006/main">
   <p:cSld>
     <p:spTree>
@@ -4881,7 +5305,7 @@
 </p:sld>
 </file>
 
-<file path=ppt/slides/slide12.xml><?xml version="1.0" encoding="utf-8"?>
+<file path=ppt/slides/slide14.xml><?xml version="1.0" encoding="utf-8"?>
 <p:sld xmlns:a="http://schemas.openxmlformats.org/drawingml/2006/main" xmlns:r="http://schemas.openxmlformats.org/officeDocument/2006/relationships" xmlns:p="http://schemas.openxmlformats.org/presentationml/2006/main">
   <p:cSld>
     <p:spTree>
@@ -5519,7 +5943,7 @@
 </p:sld>
 </file>
 
-<file path=ppt/slides/slide13.xml><?xml version="1.0" encoding="utf-8"?>
+<file path=ppt/slides/slide15.xml><?xml version="1.0" encoding="utf-8"?>
 <p:sld xmlns:a="http://schemas.openxmlformats.org/drawingml/2006/main" xmlns:r="http://schemas.openxmlformats.org/officeDocument/2006/relationships" xmlns:p="http://schemas.openxmlformats.org/presentationml/2006/main">
   <p:cSld>
     <p:spTree>
@@ -5593,7 +6017,7 @@
 </p:sld>
 </file>
 
-<file path=ppt/slides/slide14.xml><?xml version="1.0" encoding="utf-8"?>
+<file path=ppt/slides/slide16.xml><?xml version="1.0" encoding="utf-8"?>
 <p:sld xmlns:a="http://schemas.openxmlformats.org/drawingml/2006/main" xmlns:r="http://schemas.openxmlformats.org/officeDocument/2006/relationships" xmlns:p="http://schemas.openxmlformats.org/presentationml/2006/main">
   <p:cSld>
     <p:spTree>
@@ -5784,8 +6208,8 @@
           </a:p>
         </p:txBody>
       </p:sp>
-      <mc:AlternateContent xmlns:mc="http://schemas.openxmlformats.org/markup-compatibility/2006">
-        <mc:Choice xmlns:p14="http://schemas.microsoft.com/office/powerpoint/2010/main" Requires="p14">
+      <mc:AlternateContent xmlns:mc="http://schemas.openxmlformats.org/markup-compatibility/2006" xmlns:p14="http://schemas.microsoft.com/office/powerpoint/2010/main">
+        <mc:Choice Requires="p14">
           <p:contentPart p14:bwMode="auto" r:id="rId2">
             <p14:nvContentPartPr>
               <p14:cNvPr id="4" name="Ink 3">
@@ -5804,7 +6228,7 @@
             </p14:xfrm>
           </p:contentPart>
         </mc:Choice>
-        <mc:Fallback>
+        <mc:Fallback xmlns="">
           <p:pic>
             <p:nvPicPr>
               <p:cNvPr id="4" name="Ink 3">
@@ -6340,7 +6764,7 @@
 </p:sld>
 </file>
 
-<file path=ppt/slides/slide15.xml><?xml version="1.0" encoding="utf-8"?>
+<file path=ppt/slides/slide17.xml><?xml version="1.0" encoding="utf-8"?>
 <p:sld xmlns:a="http://schemas.openxmlformats.org/drawingml/2006/main" xmlns:r="http://schemas.openxmlformats.org/officeDocument/2006/relationships" xmlns:p="http://schemas.openxmlformats.org/presentationml/2006/main">
   <p:cSld>
     <p:spTree>
@@ -6580,7 +7004,7 @@
 </p:sld>
 </file>
 
-<file path=ppt/slides/slide16.xml><?xml version="1.0" encoding="utf-8"?>
+<file path=ppt/slides/slide18.xml><?xml version="1.0" encoding="utf-8"?>
 <p:sld xmlns:a="http://schemas.openxmlformats.org/drawingml/2006/main" xmlns:r="http://schemas.openxmlformats.org/officeDocument/2006/relationships" xmlns:p="http://schemas.openxmlformats.org/presentationml/2006/main">
   <p:cSld>
     <p:spTree>
@@ -6817,7 +7241,7 @@
 </p:sld>
 </file>
 
-<file path=ppt/slides/slide17.xml><?xml version="1.0" encoding="utf-8"?>
+<file path=ppt/slides/slide19.xml><?xml version="1.0" encoding="utf-8"?>
 <p:sld xmlns:a="http://schemas.openxmlformats.org/drawingml/2006/main" xmlns:r="http://schemas.openxmlformats.org/officeDocument/2006/relationships" xmlns:p="http://schemas.openxmlformats.org/presentationml/2006/main">
   <p:cSld>
     <p:spTree>
@@ -6860,28 +7284,51 @@
       </p:sp>
       <p:pic>
         <p:nvPicPr>
-          <p:cNvPr id="5" name="Content Placeholder 4"/>
+          <p:cNvPr id="6" name="Picture 2">
+            <a:extLst>
+              <a:ext uri="{FF2B5EF4-FFF2-40B4-BE49-F238E27FC236}">
+                <a16:creationId xmlns:a16="http://schemas.microsoft.com/office/drawing/2014/main" id="{AD8A0734-88BB-B6B8-82CF-8EF03BA697F2}"/>
+              </a:ext>
+            </a:extLst>
+          </p:cNvPr>
           <p:cNvPicPr>
-            <a:picLocks noGrp="1" noChangeAspect="1"/>
+            <a:picLocks noGrp="1" noChangeAspect="1" noChangeArrowheads="1"/>
           </p:cNvPicPr>
           <p:nvPr>
             <p:ph idx="1"/>
           </p:nvPr>
         </p:nvPicPr>
         <p:blipFill>
-          <a:blip r:embed="rId2"/>
+          <a:blip r:embed="rId2" cstate="print">
+            <a:extLst>
+              <a:ext uri="{28A0092B-C50C-407E-A947-70E740481C1C}">
+                <a14:useLocalDpi xmlns:a14="http://schemas.microsoft.com/office/drawing/2010/main" val="0"/>
+              </a:ext>
+            </a:extLst>
+          </a:blip>
+          <a:srcRect/>
           <a:stretch>
             <a:fillRect/>
           </a:stretch>
         </p:blipFill>
-        <p:spPr>
+        <p:spPr bwMode="auto">
           <a:xfrm>
-            <a:off x="1415480" y="1573542"/>
-            <a:ext cx="9361040" cy="5284458"/>
+            <a:off x="810626" y="1628800"/>
+            <a:ext cx="10570747" cy="5229200"/>
           </a:xfrm>
           <a:prstGeom prst="rect">
             <a:avLst/>
           </a:prstGeom>
+          <a:noFill/>
+          <a:extLst>
+            <a:ext uri="{909E8E84-426E-40DD-AFC4-6F175D3DCCD1}">
+              <a14:hiddenFill xmlns:a14="http://schemas.microsoft.com/office/drawing/2010/main">
+                <a:solidFill>
+                  <a:srgbClr val="FFFFFF"/>
+                </a:solidFill>
+              </a14:hiddenFill>
+            </a:ext>
+          </a:extLst>
         </p:spPr>
       </p:pic>
     </p:spTree>
@@ -6897,7 +7344,164 @@
 </p:sld>
 </file>
 
-<file path=ppt/slides/slide18.xml><?xml version="1.0" encoding="utf-8"?>
+<file path=ppt/slides/slide2.xml><?xml version="1.0" encoding="utf-8"?>
+<p:sld xmlns:a="http://schemas.openxmlformats.org/drawingml/2006/main" xmlns:r="http://schemas.openxmlformats.org/officeDocument/2006/relationships" xmlns:p="http://schemas.openxmlformats.org/presentationml/2006/main" show="0">
+  <p:cSld>
+    <p:spTree>
+      <p:nvGrpSpPr>
+        <p:cNvPr id="1" name="">
+          <a:extLst>
+            <a:ext uri="{FF2B5EF4-FFF2-40B4-BE49-F238E27FC236}">
+              <a16:creationId xmlns:a16="http://schemas.microsoft.com/office/drawing/2014/main" id="{FC965256-A104-AFB0-6599-D678C04AD123}"/>
+            </a:ext>
+          </a:extLst>
+        </p:cNvPr>
+        <p:cNvGrpSpPr/>
+        <p:nvPr/>
+      </p:nvGrpSpPr>
+      <p:grpSpPr>
+        <a:xfrm>
+          <a:off x="0" y="0"/>
+          <a:ext cx="0" cy="0"/>
+          <a:chOff x="0" y="0"/>
+          <a:chExt cx="0" cy="0"/>
+        </a:xfrm>
+      </p:grpSpPr>
+      <p:pic>
+        <p:nvPicPr>
+          <p:cNvPr id="5" name="Picture 4">
+            <a:extLst>
+              <a:ext uri="{FF2B5EF4-FFF2-40B4-BE49-F238E27FC236}">
+                <a16:creationId xmlns:a16="http://schemas.microsoft.com/office/drawing/2014/main" id="{F8AF2221-E2AE-029A-466F-2F1BA41B1D63}"/>
+              </a:ext>
+            </a:extLst>
+          </p:cNvPr>
+          <p:cNvPicPr>
+            <a:picLocks noChangeAspect="1"/>
+          </p:cNvPicPr>
+          <p:nvPr/>
+        </p:nvPicPr>
+        <p:blipFill>
+          <a:blip r:embed="rId2"/>
+          <a:stretch>
+            <a:fillRect/>
+          </a:stretch>
+        </p:blipFill>
+        <p:spPr>
+          <a:xfrm>
+            <a:off x="0" y="0"/>
+            <a:ext cx="12191999" cy="6858000"/>
+          </a:xfrm>
+          <a:prstGeom prst="rect">
+            <a:avLst/>
+          </a:prstGeom>
+        </p:spPr>
+      </p:pic>
+      <p:sp>
+        <p:nvSpPr>
+          <p:cNvPr id="2" name="Заголовок 1">
+            <a:extLst>
+              <a:ext uri="{FF2B5EF4-FFF2-40B4-BE49-F238E27FC236}">
+                <a16:creationId xmlns:a16="http://schemas.microsoft.com/office/drawing/2014/main" id="{6E7BDB30-3248-BB91-81EC-4A0ED3C54743}"/>
+              </a:ext>
+            </a:extLst>
+          </p:cNvPr>
+          <p:cNvSpPr>
+            <a:spLocks noGrp="1"/>
+          </p:cNvSpPr>
+          <p:nvPr>
+            <p:ph type="ctrTitle"/>
+          </p:nvPr>
+        </p:nvSpPr>
+        <p:spPr>
+          <a:xfrm>
+            <a:off x="335360" y="1122362"/>
+            <a:ext cx="11521280" cy="3818806"/>
+          </a:xfrm>
+        </p:spPr>
+        <p:txBody>
+          <a:bodyPr>
+            <a:noAutofit/>
+          </a:bodyPr>
+          <a:lstStyle/>
+          <a:p>
+            <a:r>
+              <a:rPr lang="ru-RU" sz="9600" dirty="0">
+                <a:solidFill>
+                  <a:schemeClr val="bg1"/>
+                </a:solidFill>
+                <a:effectLst>
+                  <a:outerShdw blurRad="38100" dist="38100" dir="2700000" algn="tl">
+                    <a:srgbClr val="000000">
+                      <a:alpha val="43137"/>
+                    </a:srgbClr>
+                  </a:outerShdw>
+                </a:effectLst>
+                <a:latin typeface="Impact" panose="020B0806030902050204" pitchFamily="34" charset="0"/>
+              </a:rPr>
+              <a:t>Паттерн</a:t>
+            </a:r>
+            <a:br>
+              <a:rPr lang="ru-RU" sz="8000" dirty="0">
+                <a:solidFill>
+                  <a:schemeClr val="bg1"/>
+                </a:solidFill>
+                <a:effectLst>
+                  <a:outerShdw blurRad="38100" dist="38100" dir="2700000" algn="tl">
+                    <a:srgbClr val="000000">
+                      <a:alpha val="43137"/>
+                    </a:srgbClr>
+                  </a:outerShdw>
+                </a:effectLst>
+                <a:latin typeface="Impact" panose="020B0806030902050204" pitchFamily="34" charset="0"/>
+              </a:rPr>
+            </a:br>
+            <a:r>
+              <a:rPr lang="ru-RU" sz="11500" dirty="0">
+                <a:solidFill>
+                  <a:schemeClr val="bg1"/>
+                </a:solidFill>
+                <a:effectLst>
+                  <a:outerShdw blurRad="38100" dist="38100" dir="2700000" algn="tl">
+                    <a:srgbClr val="000000">
+                      <a:alpha val="43137"/>
+                    </a:srgbClr>
+                  </a:outerShdw>
+                </a:effectLst>
+                <a:latin typeface="Impact" panose="020B0806030902050204" pitchFamily="34" charset="0"/>
+              </a:rPr>
+              <a:t> «Мост»</a:t>
+            </a:r>
+            <a:endParaRPr lang="ru-RU" sz="9600" dirty="0">
+              <a:solidFill>
+                <a:schemeClr val="bg1"/>
+              </a:solidFill>
+              <a:effectLst>
+                <a:outerShdw blurRad="38100" dist="38100" dir="2700000" algn="tl">
+                  <a:srgbClr val="000000">
+                    <a:alpha val="43137"/>
+                  </a:srgbClr>
+                </a:outerShdw>
+              </a:effectLst>
+              <a:latin typeface="Impact" panose="020B0806030902050204" pitchFamily="34" charset="0"/>
+            </a:endParaRPr>
+          </a:p>
+        </p:txBody>
+      </p:sp>
+    </p:spTree>
+    <p:extLst>
+      <p:ext uri="{BB962C8B-B14F-4D97-AF65-F5344CB8AC3E}">
+        <p14:creationId xmlns:p14="http://schemas.microsoft.com/office/powerpoint/2010/main" val="1801468368"/>
+      </p:ext>
+    </p:extLst>
+  </p:cSld>
+  <p:clrMapOvr>
+    <a:masterClrMapping/>
+  </p:clrMapOvr>
+</p:sld>
+</file>
+
+<file path=ppt/slides/slide20.xml><?xml version="1.0" encoding="utf-8"?>
 <p:sld xmlns:a="http://schemas.openxmlformats.org/drawingml/2006/main" xmlns:r="http://schemas.openxmlformats.org/officeDocument/2006/relationships" xmlns:p="http://schemas.openxmlformats.org/presentationml/2006/main">
   <p:cSld>
     <p:spTree>
@@ -6985,7 +7589,7 @@
 </p:sld>
 </file>
 
-<file path=ppt/slides/slide19.xml><?xml version="1.0" encoding="utf-8"?>
+<file path=ppt/slides/slide21.xml><?xml version="1.0" encoding="utf-8"?>
 <p:sld xmlns:a="http://schemas.openxmlformats.org/drawingml/2006/main" xmlns:r="http://schemas.openxmlformats.org/officeDocument/2006/relationships" xmlns:p="http://schemas.openxmlformats.org/presentationml/2006/main">
   <p:cSld>
     <p:spTree>
@@ -7091,57 +7695,6 @@
           </a:p>
         </p:txBody>
       </p:sp>
-      <mc:AlternateContent xmlns:mc="http://schemas.openxmlformats.org/markup-compatibility/2006">
-        <mc:Choice xmlns:p14="http://schemas.microsoft.com/office/powerpoint/2010/main" Requires="p14">
-          <p:contentPart p14:bwMode="auto" r:id="rId3">
-            <p14:nvContentPartPr>
-              <p14:cNvPr id="3" name="Ink 2">
-                <a:extLst>
-                  <a:ext uri="{FF2B5EF4-FFF2-40B4-BE49-F238E27FC236}">
-                    <a16:creationId xmlns:a16="http://schemas.microsoft.com/office/drawing/2014/main" id="{48A84676-7BE7-16EF-CD79-6A7FFAC96C08}"/>
-                  </a:ext>
-                </a:extLst>
-              </p14:cNvPr>
-              <p14:cNvContentPartPr/>
-              <p14:nvPr/>
-            </p14:nvContentPartPr>
-            <p14:xfrm>
-              <a:off x="2657520" y="1871280"/>
-              <a:ext cx="6363000" cy="1534680"/>
-            </p14:xfrm>
-          </p:contentPart>
-        </mc:Choice>
-        <mc:Fallback>
-          <p:pic>
-            <p:nvPicPr>
-              <p:cNvPr id="3" name="Ink 2">
-                <a:extLst>
-                  <a:ext uri="{FF2B5EF4-FFF2-40B4-BE49-F238E27FC236}">
-                    <a16:creationId xmlns:a16="http://schemas.microsoft.com/office/drawing/2014/main" id="{48A84676-7BE7-16EF-CD79-6A7FFAC96C08}"/>
-                  </a:ext>
-                </a:extLst>
-              </p:cNvPr>
-              <p:cNvPicPr/>
-              <p:nvPr/>
-            </p:nvPicPr>
-            <p:blipFill>
-              <a:blip r:embed="rId4"/>
-              <a:stretch>
-                <a:fillRect/>
-              </a:stretch>
-            </p:blipFill>
-            <p:spPr>
-              <a:xfrm>
-                <a:off x="2648160" y="1861920"/>
-                <a:ext cx="6381720" cy="1553400"/>
-              </a:xfrm>
-              <a:prstGeom prst="rect">
-                <a:avLst/>
-              </a:prstGeom>
-            </p:spPr>
-          </p:pic>
-        </mc:Fallback>
-      </mc:AlternateContent>
     </p:spTree>
     <p:extLst>
       <p:ext uri="{BB962C8B-B14F-4D97-AF65-F5344CB8AC3E}">
@@ -7241,7 +7794,339 @@
 </p:sld>
 </file>
 
-<file path=ppt/slides/slide2.xml><?xml version="1.0" encoding="utf-8"?>
+<file path=ppt/slides/slide22.xml><?xml version="1.0" encoding="utf-8"?>
+<p:sld xmlns:a="http://schemas.openxmlformats.org/drawingml/2006/main" xmlns:r="http://schemas.openxmlformats.org/officeDocument/2006/relationships" xmlns:p="http://schemas.openxmlformats.org/presentationml/2006/main">
+  <p:cSld>
+    <p:spTree>
+      <p:nvGrpSpPr>
+        <p:cNvPr id="1" name=""/>
+        <p:cNvGrpSpPr/>
+        <p:nvPr/>
+      </p:nvGrpSpPr>
+      <p:grpSpPr>
+        <a:xfrm>
+          <a:off x="0" y="0"/>
+          <a:ext cx="0" cy="0"/>
+          <a:chOff x="0" y="0"/>
+          <a:chExt cx="0" cy="0"/>
+        </a:xfrm>
+      </p:grpSpPr>
+      <p:sp>
+        <p:nvSpPr>
+          <p:cNvPr id="2" name="Title 1"/>
+          <p:cNvSpPr>
+            <a:spLocks noGrp="1"/>
+          </p:cNvSpPr>
+          <p:nvPr>
+            <p:ph type="title"/>
+          </p:nvPr>
+        </p:nvSpPr>
+        <p:spPr/>
+        <p:txBody>
+          <a:bodyPr/>
+          <a:lstStyle/>
+          <a:p>
+            <a:r>
+              <a:rPr lang="ru-RU" dirty="0"/>
+              <a:t>Итоги</a:t>
+            </a:r>
+          </a:p>
+        </p:txBody>
+      </p:sp>
+      <p:sp>
+        <p:nvSpPr>
+          <p:cNvPr id="3" name="Content Placeholder 2"/>
+          <p:cNvSpPr>
+            <a:spLocks noGrp="1"/>
+          </p:cNvSpPr>
+          <p:nvPr>
+            <p:ph idx="1"/>
+          </p:nvPr>
+        </p:nvSpPr>
+        <p:spPr/>
+        <p:txBody>
+          <a:bodyPr/>
+          <a:lstStyle/>
+          <a:p>
+            <a:r>
+              <a:rPr lang="ru-RU" dirty="0"/>
+              <a:t>Композиция и агрегация часто являются лучшей альтернативой наследованию</a:t>
+            </a:r>
+          </a:p>
+          <a:p>
+            <a:r>
+              <a:rPr lang="ru-RU" dirty="0"/>
+              <a:t>Паттерн </a:t>
+            </a:r>
+            <a:r>
+              <a:rPr lang="ru-RU"/>
+              <a:t>Мост делает код </a:t>
+            </a:r>
+            <a:r>
+              <a:rPr lang="ru-RU" dirty="0"/>
+              <a:t>не зависящим от деталей инфраструктуры</a:t>
+            </a:r>
+          </a:p>
+        </p:txBody>
+      </p:sp>
+    </p:spTree>
+    <p:extLst>
+      <p:ext uri="{BB962C8B-B14F-4D97-AF65-F5344CB8AC3E}">
+        <p14:creationId xmlns:p14="http://schemas.microsoft.com/office/powerpoint/2010/main" val="2986408610"/>
+      </p:ext>
+    </p:extLst>
+  </p:cSld>
+  <p:clrMapOvr>
+    <a:masterClrMapping/>
+  </p:clrMapOvr>
+</p:sld>
+</file>
+
+<file path=ppt/slides/slide23.xml><?xml version="1.0" encoding="utf-8"?>
+<p:sld xmlns:a="http://schemas.openxmlformats.org/drawingml/2006/main" xmlns:r="http://schemas.openxmlformats.org/officeDocument/2006/relationships" xmlns:p="http://schemas.openxmlformats.org/presentationml/2006/main">
+  <p:cSld>
+    <p:spTree>
+      <p:nvGrpSpPr>
+        <p:cNvPr id="1" name=""/>
+        <p:cNvGrpSpPr/>
+        <p:nvPr/>
+      </p:nvGrpSpPr>
+      <p:grpSpPr>
+        <a:xfrm>
+          <a:off x="0" y="0"/>
+          <a:ext cx="0" cy="0"/>
+          <a:chOff x="0" y="0"/>
+          <a:chExt cx="0" cy="0"/>
+        </a:xfrm>
+      </p:grpSpPr>
+      <p:sp>
+        <p:nvSpPr>
+          <p:cNvPr id="2" name="Title 1"/>
+          <p:cNvSpPr>
+            <a:spLocks noGrp="1"/>
+          </p:cNvSpPr>
+          <p:nvPr>
+            <p:ph type="title"/>
+          </p:nvPr>
+        </p:nvSpPr>
+        <p:spPr/>
+        <p:txBody>
+          <a:bodyPr/>
+          <a:lstStyle/>
+          <a:p>
+            <a:r>
+              <a:rPr lang="ru-RU" dirty="0"/>
+              <a:t>Ссылки</a:t>
+            </a:r>
+          </a:p>
+        </p:txBody>
+      </p:sp>
+      <p:sp>
+        <p:nvSpPr>
+          <p:cNvPr id="3" name="Content Placeholder 2"/>
+          <p:cNvSpPr>
+            <a:spLocks noGrp="1"/>
+          </p:cNvSpPr>
+          <p:nvPr>
+            <p:ph idx="1"/>
+          </p:nvPr>
+        </p:nvSpPr>
+        <p:spPr/>
+        <p:txBody>
+          <a:bodyPr/>
+          <a:lstStyle/>
+          <a:p>
+            <a:r>
+              <a:rPr lang="en-US" dirty="0">
+                <a:hlinkClick r:id="rId2"/>
+              </a:rPr>
+              <a:t>https://refactoring.guru/ru/design-patterns/bridge</a:t>
+            </a:r>
+            <a:endParaRPr lang="ru-RU" dirty="0"/>
+          </a:p>
+          <a:p>
+            <a:r>
+              <a:rPr lang="ru-RU"/>
+              <a:t>Приёмы объектно-ориентированного </a:t>
+            </a:r>
+            <a:r>
+              <a:rPr lang="ru-RU" dirty="0"/>
+              <a:t>проектирования. Паттерны проектирования</a:t>
+            </a:r>
+          </a:p>
+        </p:txBody>
+      </p:sp>
+    </p:spTree>
+    <p:extLst>
+      <p:ext uri="{BB962C8B-B14F-4D97-AF65-F5344CB8AC3E}">
+        <p14:creationId xmlns:p14="http://schemas.microsoft.com/office/powerpoint/2010/main" val="1249107859"/>
+      </p:ext>
+    </p:extLst>
+  </p:cSld>
+  <p:clrMapOvr>
+    <a:masterClrMapping/>
+  </p:clrMapOvr>
+</p:sld>
+</file>
+
+<file path=ppt/slides/slide3.xml><?xml version="1.0" encoding="utf-8"?>
+<p:sld xmlns:a="http://schemas.openxmlformats.org/drawingml/2006/main" xmlns:r="http://schemas.openxmlformats.org/officeDocument/2006/relationships" xmlns:p="http://schemas.openxmlformats.org/presentationml/2006/main" show="0">
+  <p:cSld>
+    <p:spTree>
+      <p:nvGrpSpPr>
+        <p:cNvPr id="1" name="">
+          <a:extLst>
+            <a:ext uri="{FF2B5EF4-FFF2-40B4-BE49-F238E27FC236}">
+              <a16:creationId xmlns:a16="http://schemas.microsoft.com/office/drawing/2014/main" id="{D5631566-1EB7-7E31-E7CC-6505E90749BF}"/>
+            </a:ext>
+          </a:extLst>
+        </p:cNvPr>
+        <p:cNvGrpSpPr/>
+        <p:nvPr/>
+      </p:nvGrpSpPr>
+      <p:grpSpPr>
+        <a:xfrm>
+          <a:off x="0" y="0"/>
+          <a:ext cx="0" cy="0"/>
+          <a:chOff x="0" y="0"/>
+          <a:chExt cx="0" cy="0"/>
+        </a:xfrm>
+      </p:grpSpPr>
+      <p:pic>
+        <p:nvPicPr>
+          <p:cNvPr id="5" name="Picture 4">
+            <a:extLst>
+              <a:ext uri="{FF2B5EF4-FFF2-40B4-BE49-F238E27FC236}">
+                <a16:creationId xmlns:a16="http://schemas.microsoft.com/office/drawing/2014/main" id="{22467D97-2F5E-6890-F346-328BDB7DFFDC}"/>
+              </a:ext>
+            </a:extLst>
+          </p:cNvPr>
+          <p:cNvPicPr>
+            <a:picLocks noChangeAspect="1"/>
+          </p:cNvPicPr>
+          <p:nvPr/>
+        </p:nvPicPr>
+        <p:blipFill>
+          <a:blip r:embed="rId2"/>
+          <a:stretch>
+            <a:fillRect/>
+          </a:stretch>
+        </p:blipFill>
+        <p:spPr>
+          <a:xfrm>
+            <a:off x="0" y="0"/>
+            <a:ext cx="12191999" cy="6858000"/>
+          </a:xfrm>
+          <a:prstGeom prst="rect">
+            <a:avLst/>
+          </a:prstGeom>
+        </p:spPr>
+      </p:pic>
+      <p:sp>
+        <p:nvSpPr>
+          <p:cNvPr id="2" name="Заголовок 1">
+            <a:extLst>
+              <a:ext uri="{FF2B5EF4-FFF2-40B4-BE49-F238E27FC236}">
+                <a16:creationId xmlns:a16="http://schemas.microsoft.com/office/drawing/2014/main" id="{1C38B5BD-553E-26CB-0D45-E57339A2007A}"/>
+              </a:ext>
+            </a:extLst>
+          </p:cNvPr>
+          <p:cNvSpPr>
+            <a:spLocks noGrp="1"/>
+          </p:cNvSpPr>
+          <p:nvPr>
+            <p:ph type="ctrTitle"/>
+          </p:nvPr>
+        </p:nvSpPr>
+        <p:spPr>
+          <a:xfrm>
+            <a:off x="335360" y="1122362"/>
+            <a:ext cx="11521280" cy="4466878"/>
+          </a:xfrm>
+        </p:spPr>
+        <p:txBody>
+          <a:bodyPr>
+            <a:noAutofit/>
+          </a:bodyPr>
+          <a:lstStyle/>
+          <a:p>
+            <a:r>
+              <a:rPr lang="ru-RU" sz="9600" dirty="0">
+                <a:solidFill>
+                  <a:schemeClr val="bg1"/>
+                </a:solidFill>
+                <a:effectLst>
+                  <a:outerShdw blurRad="38100" dist="38100" dir="2700000" algn="tl">
+                    <a:srgbClr val="000000">
+                      <a:alpha val="43137"/>
+                    </a:srgbClr>
+                  </a:outerShdw>
+                </a:effectLst>
+                <a:latin typeface="Impact" panose="020B0806030902050204" pitchFamily="34" charset="0"/>
+              </a:rPr>
+              <a:t>Паттерн проектирования</a:t>
+            </a:r>
+            <a:br>
+              <a:rPr lang="ru-RU" sz="8000" dirty="0">
+                <a:solidFill>
+                  <a:schemeClr val="bg1"/>
+                </a:solidFill>
+                <a:effectLst>
+                  <a:outerShdw blurRad="38100" dist="38100" dir="2700000" algn="tl">
+                    <a:srgbClr val="000000">
+                      <a:alpha val="43137"/>
+                    </a:srgbClr>
+                  </a:outerShdw>
+                </a:effectLst>
+                <a:latin typeface="Impact" panose="020B0806030902050204" pitchFamily="34" charset="0"/>
+              </a:rPr>
+            </a:br>
+            <a:r>
+              <a:rPr lang="ru-RU" sz="11500" dirty="0">
+                <a:solidFill>
+                  <a:schemeClr val="bg1"/>
+                </a:solidFill>
+                <a:effectLst>
+                  <a:outerShdw blurRad="38100" dist="38100" dir="2700000" algn="tl">
+                    <a:srgbClr val="000000">
+                      <a:alpha val="43137"/>
+                    </a:srgbClr>
+                  </a:outerShdw>
+                </a:effectLst>
+                <a:latin typeface="Impact" panose="020B0806030902050204" pitchFamily="34" charset="0"/>
+              </a:rPr>
+              <a:t> «Мост»</a:t>
+            </a:r>
+            <a:endParaRPr lang="ru-RU" sz="9600" dirty="0">
+              <a:solidFill>
+                <a:schemeClr val="bg1"/>
+              </a:solidFill>
+              <a:effectLst>
+                <a:outerShdw blurRad="38100" dist="38100" dir="2700000" algn="tl">
+                  <a:srgbClr val="000000">
+                    <a:alpha val="43137"/>
+                  </a:srgbClr>
+                </a:outerShdw>
+              </a:effectLst>
+              <a:latin typeface="Impact" panose="020B0806030902050204" pitchFamily="34" charset="0"/>
+            </a:endParaRPr>
+          </a:p>
+        </p:txBody>
+      </p:sp>
+    </p:spTree>
+    <p:extLst>
+      <p:ext uri="{BB962C8B-B14F-4D97-AF65-F5344CB8AC3E}">
+        <p14:creationId xmlns:p14="http://schemas.microsoft.com/office/powerpoint/2010/main" val="2598665943"/>
+      </p:ext>
+    </p:extLst>
+  </p:cSld>
+  <p:clrMapOvr>
+    <a:masterClrMapping/>
+  </p:clrMapOvr>
+</p:sld>
+</file>
+
+<file path=ppt/slides/slide4.xml><?xml version="1.0" encoding="utf-8"?>
 <p:sld xmlns:a="http://schemas.openxmlformats.org/drawingml/2006/main" xmlns:r="http://schemas.openxmlformats.org/officeDocument/2006/relationships" xmlns:p="http://schemas.openxmlformats.org/presentationml/2006/main">
   <p:cSld>
     <p:spTree>
@@ -7321,182 +8206,7 @@
 </p:sld>
 </file>
 
-<file path=ppt/slides/slide20.xml><?xml version="1.0" encoding="utf-8"?>
-<p:sld xmlns:a="http://schemas.openxmlformats.org/drawingml/2006/main" xmlns:r="http://schemas.openxmlformats.org/officeDocument/2006/relationships" xmlns:p="http://schemas.openxmlformats.org/presentationml/2006/main">
-  <p:cSld>
-    <p:spTree>
-      <p:nvGrpSpPr>
-        <p:cNvPr id="1" name=""/>
-        <p:cNvGrpSpPr/>
-        <p:nvPr/>
-      </p:nvGrpSpPr>
-      <p:grpSpPr>
-        <a:xfrm>
-          <a:off x="0" y="0"/>
-          <a:ext cx="0" cy="0"/>
-          <a:chOff x="0" y="0"/>
-          <a:chExt cx="0" cy="0"/>
-        </a:xfrm>
-      </p:grpSpPr>
-      <p:sp>
-        <p:nvSpPr>
-          <p:cNvPr id="2" name="Title 1"/>
-          <p:cNvSpPr>
-            <a:spLocks noGrp="1"/>
-          </p:cNvSpPr>
-          <p:nvPr>
-            <p:ph type="title"/>
-          </p:nvPr>
-        </p:nvSpPr>
-        <p:spPr/>
-        <p:txBody>
-          <a:bodyPr/>
-          <a:lstStyle/>
-          <a:p>
-            <a:r>
-              <a:rPr lang="ru-RU" dirty="0"/>
-              <a:t>Итоги</a:t>
-            </a:r>
-          </a:p>
-        </p:txBody>
-      </p:sp>
-      <p:sp>
-        <p:nvSpPr>
-          <p:cNvPr id="3" name="Content Placeholder 2"/>
-          <p:cNvSpPr>
-            <a:spLocks noGrp="1"/>
-          </p:cNvSpPr>
-          <p:nvPr>
-            <p:ph idx="1"/>
-          </p:nvPr>
-        </p:nvSpPr>
-        <p:spPr/>
-        <p:txBody>
-          <a:bodyPr/>
-          <a:lstStyle/>
-          <a:p>
-            <a:r>
-              <a:rPr lang="ru-RU" dirty="0"/>
-              <a:t>Композиция и агрегация часто являются лучшей альтернативой наследованию</a:t>
-            </a:r>
-          </a:p>
-          <a:p>
-            <a:r>
-              <a:rPr lang="ru-RU" dirty="0"/>
-              <a:t>Паттерн </a:t>
-            </a:r>
-            <a:r>
-              <a:rPr lang="ru-RU"/>
-              <a:t>Мост делает код </a:t>
-            </a:r>
-            <a:r>
-              <a:rPr lang="ru-RU" dirty="0"/>
-              <a:t>не зависящим от деталей инфраструктуры</a:t>
-            </a:r>
-          </a:p>
-        </p:txBody>
-      </p:sp>
-    </p:spTree>
-    <p:extLst>
-      <p:ext uri="{BB962C8B-B14F-4D97-AF65-F5344CB8AC3E}">
-        <p14:creationId xmlns:p14="http://schemas.microsoft.com/office/powerpoint/2010/main" val="2986408610"/>
-      </p:ext>
-    </p:extLst>
-  </p:cSld>
-  <p:clrMapOvr>
-    <a:masterClrMapping/>
-  </p:clrMapOvr>
-</p:sld>
-</file>
-
-<file path=ppt/slides/slide21.xml><?xml version="1.0" encoding="utf-8"?>
-<p:sld xmlns:a="http://schemas.openxmlformats.org/drawingml/2006/main" xmlns:r="http://schemas.openxmlformats.org/officeDocument/2006/relationships" xmlns:p="http://schemas.openxmlformats.org/presentationml/2006/main">
-  <p:cSld>
-    <p:spTree>
-      <p:nvGrpSpPr>
-        <p:cNvPr id="1" name=""/>
-        <p:cNvGrpSpPr/>
-        <p:nvPr/>
-      </p:nvGrpSpPr>
-      <p:grpSpPr>
-        <a:xfrm>
-          <a:off x="0" y="0"/>
-          <a:ext cx="0" cy="0"/>
-          <a:chOff x="0" y="0"/>
-          <a:chExt cx="0" cy="0"/>
-        </a:xfrm>
-      </p:grpSpPr>
-      <p:sp>
-        <p:nvSpPr>
-          <p:cNvPr id="2" name="Title 1"/>
-          <p:cNvSpPr>
-            <a:spLocks noGrp="1"/>
-          </p:cNvSpPr>
-          <p:nvPr>
-            <p:ph type="title"/>
-          </p:nvPr>
-        </p:nvSpPr>
-        <p:spPr/>
-        <p:txBody>
-          <a:bodyPr/>
-          <a:lstStyle/>
-          <a:p>
-            <a:r>
-              <a:rPr lang="ru-RU" dirty="0"/>
-              <a:t>Ссылки</a:t>
-            </a:r>
-          </a:p>
-        </p:txBody>
-      </p:sp>
-      <p:sp>
-        <p:nvSpPr>
-          <p:cNvPr id="3" name="Content Placeholder 2"/>
-          <p:cNvSpPr>
-            <a:spLocks noGrp="1"/>
-          </p:cNvSpPr>
-          <p:nvPr>
-            <p:ph idx="1"/>
-          </p:nvPr>
-        </p:nvSpPr>
-        <p:spPr/>
-        <p:txBody>
-          <a:bodyPr/>
-          <a:lstStyle/>
-          <a:p>
-            <a:r>
-              <a:rPr lang="en-US" dirty="0">
-                <a:hlinkClick r:id="rId2"/>
-              </a:rPr>
-              <a:t>https://refactoring.guru/ru/design-patterns/bridge</a:t>
-            </a:r>
-            <a:endParaRPr lang="ru-RU" dirty="0"/>
-          </a:p>
-          <a:p>
-            <a:r>
-              <a:rPr lang="ru-RU"/>
-              <a:t>Приёмы объектно-ориентированного </a:t>
-            </a:r>
-            <a:r>
-              <a:rPr lang="ru-RU" dirty="0"/>
-              <a:t>проектирования. Паттерны проектирования</a:t>
-            </a:r>
-          </a:p>
-        </p:txBody>
-      </p:sp>
-    </p:spTree>
-    <p:extLst>
-      <p:ext uri="{BB962C8B-B14F-4D97-AF65-F5344CB8AC3E}">
-        <p14:creationId xmlns:p14="http://schemas.microsoft.com/office/powerpoint/2010/main" val="1249107859"/>
-      </p:ext>
-    </p:extLst>
-  </p:cSld>
-  <p:clrMapOvr>
-    <a:masterClrMapping/>
-  </p:clrMapOvr>
-</p:sld>
-</file>
-
-<file path=ppt/slides/slide3.xml><?xml version="1.0" encoding="utf-8"?>
+<file path=ppt/slides/slide5.xml><?xml version="1.0" encoding="utf-8"?>
 <p:sld xmlns:a="http://schemas.openxmlformats.org/drawingml/2006/main" xmlns:r="http://schemas.openxmlformats.org/officeDocument/2006/relationships" xmlns:p="http://schemas.openxmlformats.org/presentationml/2006/main">
   <p:cSld>
     <p:spTree>
@@ -7668,7 +8378,7 @@
 </p:sld>
 </file>
 
-<file path=ppt/slides/slide4.xml><?xml version="1.0" encoding="utf-8"?>
+<file path=ppt/slides/slide6.xml><?xml version="1.0" encoding="utf-8"?>
 <p:sld xmlns:a="http://schemas.openxmlformats.org/drawingml/2006/main" xmlns:r="http://schemas.openxmlformats.org/officeDocument/2006/relationships" xmlns:p="http://schemas.openxmlformats.org/presentationml/2006/main">
   <p:cSld>
     <p:spTree>
@@ -8020,7 +8730,7 @@
 </p:sld>
 </file>
 
-<file path=ppt/slides/slide5.xml><?xml version="1.0" encoding="utf-8"?>
+<file path=ppt/slides/slide7.xml><?xml version="1.0" encoding="utf-8"?>
 <p:sld xmlns:a="http://schemas.openxmlformats.org/drawingml/2006/main" xmlns:r="http://schemas.openxmlformats.org/officeDocument/2006/relationships" xmlns:p="http://schemas.openxmlformats.org/presentationml/2006/main">
   <p:cSld>
     <p:spTree>
@@ -8142,7 +8852,7 @@
 </p:sld>
 </file>
 
-<file path=ppt/slides/slide6.xml><?xml version="1.0" encoding="utf-8"?>
+<file path=ppt/slides/slide8.xml><?xml version="1.0" encoding="utf-8"?>
 <p:sld xmlns:a="http://schemas.openxmlformats.org/drawingml/2006/main" xmlns:r="http://schemas.openxmlformats.org/officeDocument/2006/relationships" xmlns:p="http://schemas.openxmlformats.org/presentationml/2006/main">
   <p:cSld>
     <p:spTree>
@@ -9095,7 +9805,7 @@
 </p:sld>
 </file>
 
-<file path=ppt/slides/slide7.xml><?xml version="1.0" encoding="utf-8"?>
+<file path=ppt/slides/slide9.xml><?xml version="1.0" encoding="utf-8"?>
 <p:sld xmlns:a="http://schemas.openxmlformats.org/drawingml/2006/main" xmlns:r="http://schemas.openxmlformats.org/officeDocument/2006/relationships" xmlns:p="http://schemas.openxmlformats.org/presentationml/2006/main">
   <p:cSld>
     <p:spTree>
@@ -9496,457 +10206,6 @@
       <p:bldP spid="3" grpId="0" build="p"/>
     </p:bldLst>
   </p:timing>
-</p:sld>
-</file>
-
-<file path=ppt/slides/slide8.xml><?xml version="1.0" encoding="utf-8"?>
-<p:sld xmlns:a="http://schemas.openxmlformats.org/drawingml/2006/main" xmlns:r="http://schemas.openxmlformats.org/officeDocument/2006/relationships" xmlns:p="http://schemas.openxmlformats.org/presentationml/2006/main">
-  <p:cSld>
-    <p:spTree>
-      <p:nvGrpSpPr>
-        <p:cNvPr id="1" name=""/>
-        <p:cNvGrpSpPr/>
-        <p:nvPr/>
-      </p:nvGrpSpPr>
-      <p:grpSpPr>
-        <a:xfrm>
-          <a:off x="0" y="0"/>
-          <a:ext cx="0" cy="0"/>
-          <a:chOff x="0" y="0"/>
-          <a:chExt cx="0" cy="0"/>
-        </a:xfrm>
-      </p:grpSpPr>
-      <p:sp>
-        <p:nvSpPr>
-          <p:cNvPr id="2" name="Title 1"/>
-          <p:cNvSpPr>
-            <a:spLocks noGrp="1"/>
-          </p:cNvSpPr>
-          <p:nvPr>
-            <p:ph type="title"/>
-          </p:nvPr>
-        </p:nvSpPr>
-        <p:spPr/>
-        <p:txBody>
-          <a:bodyPr>
-            <a:normAutofit/>
-          </a:bodyPr>
-          <a:lstStyle/>
-          <a:p>
-            <a:r>
-              <a:rPr lang="ru-RU" dirty="0"/>
-              <a:t>Шаги реализации (продолжение)</a:t>
-            </a:r>
-          </a:p>
-        </p:txBody>
-      </p:sp>
-      <p:sp>
-        <p:nvSpPr>
-          <p:cNvPr id="3" name="Content Placeholder 2"/>
-          <p:cNvSpPr>
-            <a:spLocks noGrp="1"/>
-          </p:cNvSpPr>
-          <p:nvPr>
-            <p:ph idx="1"/>
-          </p:nvPr>
-        </p:nvSpPr>
-        <p:spPr/>
-        <p:txBody>
-          <a:bodyPr/>
-          <a:lstStyle/>
-          <a:p>
-            <a:r>
-              <a:rPr lang="ru-RU" dirty="0"/>
-              <a:t>Добавить ссылку на интерфейс Реализации в класс Абстракции</a:t>
-            </a:r>
-          </a:p>
-          <a:p>
-            <a:r>
-              <a:rPr lang="ru-RU" dirty="0"/>
-              <a:t>Реализовать методы Абстракции, делегируя основную работу связанному объекту Реализации</a:t>
-            </a:r>
-          </a:p>
-          <a:p>
-            <a:r>
-              <a:rPr lang="ru-RU" dirty="0"/>
-              <a:t>Создать при необходимости подклассы Абстракций</a:t>
-            </a:r>
-          </a:p>
-          <a:p>
-            <a:r>
-              <a:rPr lang="ru-RU" dirty="0"/>
-              <a:t>Передать объект реализации конструктору Абстракции</a:t>
-            </a:r>
-          </a:p>
-        </p:txBody>
-      </p:sp>
-    </p:spTree>
-    <p:extLst>
-      <p:ext uri="{BB962C8B-B14F-4D97-AF65-F5344CB8AC3E}">
-        <p14:creationId xmlns:p14="http://schemas.microsoft.com/office/powerpoint/2010/main" val="4175240833"/>
-      </p:ext>
-    </p:extLst>
-  </p:cSld>
-  <p:clrMapOvr>
-    <a:masterClrMapping/>
-  </p:clrMapOvr>
-  <p:timing>
-    <p:tnLst>
-      <p:par>
-        <p:cTn id="1" dur="indefinite" restart="never" nodeType="tmRoot">
-          <p:childTnLst>
-            <p:seq concurrent="1" nextAc="seek">
-              <p:cTn id="2" dur="indefinite" nodeType="mainSeq">
-                <p:childTnLst>
-                  <p:par>
-                    <p:cTn id="3" fill="hold">
-                      <p:stCondLst>
-                        <p:cond delay="indefinite"/>
-                      </p:stCondLst>
-                      <p:childTnLst>
-                        <p:par>
-                          <p:cTn id="4" fill="hold">
-                            <p:stCondLst>
-                              <p:cond delay="0"/>
-                            </p:stCondLst>
-                            <p:childTnLst>
-                              <p:par>
-                                <p:cTn id="5" presetID="10" presetClass="entr" presetSubtype="0" fill="hold" grpId="0" nodeType="clickEffect">
-                                  <p:stCondLst>
-                                    <p:cond delay="0"/>
-                                  </p:stCondLst>
-                                  <p:childTnLst>
-                                    <p:set>
-                                      <p:cBhvr>
-                                        <p:cTn id="6" dur="1" fill="hold">
-                                          <p:stCondLst>
-                                            <p:cond delay="0"/>
-                                          </p:stCondLst>
-                                        </p:cTn>
-                                        <p:tgtEl>
-                                          <p:spTgt spid="3">
-                                            <p:txEl>
-                                              <p:pRg st="0" end="0"/>
-                                            </p:txEl>
-                                          </p:spTgt>
-                                        </p:tgtEl>
-                                        <p:attrNameLst>
-                                          <p:attrName>style.visibility</p:attrName>
-                                        </p:attrNameLst>
-                                      </p:cBhvr>
-                                      <p:to>
-                                        <p:strVal val="visible"/>
-                                      </p:to>
-                                    </p:set>
-                                    <p:animEffect transition="in" filter="fade">
-                                      <p:cBhvr>
-                                        <p:cTn id="7" dur="500"/>
-                                        <p:tgtEl>
-                                          <p:spTgt spid="3">
-                                            <p:txEl>
-                                              <p:pRg st="0" end="0"/>
-                                            </p:txEl>
-                                          </p:spTgt>
-                                        </p:tgtEl>
-                                      </p:cBhvr>
-                                    </p:animEffect>
-                                  </p:childTnLst>
-                                </p:cTn>
-                              </p:par>
-                            </p:childTnLst>
-                          </p:cTn>
-                        </p:par>
-                      </p:childTnLst>
-                    </p:cTn>
-                  </p:par>
-                  <p:par>
-                    <p:cTn id="8" fill="hold">
-                      <p:stCondLst>
-                        <p:cond delay="indefinite"/>
-                      </p:stCondLst>
-                      <p:childTnLst>
-                        <p:par>
-                          <p:cTn id="9" fill="hold">
-                            <p:stCondLst>
-                              <p:cond delay="0"/>
-                            </p:stCondLst>
-                            <p:childTnLst>
-                              <p:par>
-                                <p:cTn id="10" presetID="10" presetClass="entr" presetSubtype="0" fill="hold" grpId="0" nodeType="clickEffect">
-                                  <p:stCondLst>
-                                    <p:cond delay="0"/>
-                                  </p:stCondLst>
-                                  <p:childTnLst>
-                                    <p:set>
-                                      <p:cBhvr>
-                                        <p:cTn id="11" dur="1" fill="hold">
-                                          <p:stCondLst>
-                                            <p:cond delay="0"/>
-                                          </p:stCondLst>
-                                        </p:cTn>
-                                        <p:tgtEl>
-                                          <p:spTgt spid="3">
-                                            <p:txEl>
-                                              <p:pRg st="1" end="1"/>
-                                            </p:txEl>
-                                          </p:spTgt>
-                                        </p:tgtEl>
-                                        <p:attrNameLst>
-                                          <p:attrName>style.visibility</p:attrName>
-                                        </p:attrNameLst>
-                                      </p:cBhvr>
-                                      <p:to>
-                                        <p:strVal val="visible"/>
-                                      </p:to>
-                                    </p:set>
-                                    <p:animEffect transition="in" filter="fade">
-                                      <p:cBhvr>
-                                        <p:cTn id="12" dur="500"/>
-                                        <p:tgtEl>
-                                          <p:spTgt spid="3">
-                                            <p:txEl>
-                                              <p:pRg st="1" end="1"/>
-                                            </p:txEl>
-                                          </p:spTgt>
-                                        </p:tgtEl>
-                                      </p:cBhvr>
-                                    </p:animEffect>
-                                  </p:childTnLst>
-                                </p:cTn>
-                              </p:par>
-                            </p:childTnLst>
-                          </p:cTn>
-                        </p:par>
-                      </p:childTnLst>
-                    </p:cTn>
-                  </p:par>
-                  <p:par>
-                    <p:cTn id="13" fill="hold">
-                      <p:stCondLst>
-                        <p:cond delay="indefinite"/>
-                      </p:stCondLst>
-                      <p:childTnLst>
-                        <p:par>
-                          <p:cTn id="14" fill="hold">
-                            <p:stCondLst>
-                              <p:cond delay="0"/>
-                            </p:stCondLst>
-                            <p:childTnLst>
-                              <p:par>
-                                <p:cTn id="15" presetID="10" presetClass="entr" presetSubtype="0" fill="hold" grpId="0" nodeType="clickEffect">
-                                  <p:stCondLst>
-                                    <p:cond delay="0"/>
-                                  </p:stCondLst>
-                                  <p:childTnLst>
-                                    <p:set>
-                                      <p:cBhvr>
-                                        <p:cTn id="16" dur="1" fill="hold">
-                                          <p:stCondLst>
-                                            <p:cond delay="0"/>
-                                          </p:stCondLst>
-                                        </p:cTn>
-                                        <p:tgtEl>
-                                          <p:spTgt spid="3">
-                                            <p:txEl>
-                                              <p:pRg st="2" end="2"/>
-                                            </p:txEl>
-                                          </p:spTgt>
-                                        </p:tgtEl>
-                                        <p:attrNameLst>
-                                          <p:attrName>style.visibility</p:attrName>
-                                        </p:attrNameLst>
-                                      </p:cBhvr>
-                                      <p:to>
-                                        <p:strVal val="visible"/>
-                                      </p:to>
-                                    </p:set>
-                                    <p:animEffect transition="in" filter="fade">
-                                      <p:cBhvr>
-                                        <p:cTn id="17" dur="500"/>
-                                        <p:tgtEl>
-                                          <p:spTgt spid="3">
-                                            <p:txEl>
-                                              <p:pRg st="2" end="2"/>
-                                            </p:txEl>
-                                          </p:spTgt>
-                                        </p:tgtEl>
-                                      </p:cBhvr>
-                                    </p:animEffect>
-                                  </p:childTnLst>
-                                </p:cTn>
-                              </p:par>
-                            </p:childTnLst>
-                          </p:cTn>
-                        </p:par>
-                      </p:childTnLst>
-                    </p:cTn>
-                  </p:par>
-                  <p:par>
-                    <p:cTn id="18" fill="hold">
-                      <p:stCondLst>
-                        <p:cond delay="indefinite"/>
-                      </p:stCondLst>
-                      <p:childTnLst>
-                        <p:par>
-                          <p:cTn id="19" fill="hold">
-                            <p:stCondLst>
-                              <p:cond delay="0"/>
-                            </p:stCondLst>
-                            <p:childTnLst>
-                              <p:par>
-                                <p:cTn id="20" presetID="10" presetClass="entr" presetSubtype="0" fill="hold" grpId="0" nodeType="clickEffect">
-                                  <p:stCondLst>
-                                    <p:cond delay="0"/>
-                                  </p:stCondLst>
-                                  <p:childTnLst>
-                                    <p:set>
-                                      <p:cBhvr>
-                                        <p:cTn id="21" dur="1" fill="hold">
-                                          <p:stCondLst>
-                                            <p:cond delay="0"/>
-                                          </p:stCondLst>
-                                        </p:cTn>
-                                        <p:tgtEl>
-                                          <p:spTgt spid="3">
-                                            <p:txEl>
-                                              <p:pRg st="3" end="3"/>
-                                            </p:txEl>
-                                          </p:spTgt>
-                                        </p:tgtEl>
-                                        <p:attrNameLst>
-                                          <p:attrName>style.visibility</p:attrName>
-                                        </p:attrNameLst>
-                                      </p:cBhvr>
-                                      <p:to>
-                                        <p:strVal val="visible"/>
-                                      </p:to>
-                                    </p:set>
-                                    <p:animEffect transition="in" filter="fade">
-                                      <p:cBhvr>
-                                        <p:cTn id="22" dur="500"/>
-                                        <p:tgtEl>
-                                          <p:spTgt spid="3">
-                                            <p:txEl>
-                                              <p:pRg st="3" end="3"/>
-                                            </p:txEl>
-                                          </p:spTgt>
-                                        </p:tgtEl>
-                                      </p:cBhvr>
-                                    </p:animEffect>
-                                  </p:childTnLst>
-                                </p:cTn>
-                              </p:par>
-                            </p:childTnLst>
-                          </p:cTn>
-                        </p:par>
-                      </p:childTnLst>
-                    </p:cTn>
-                  </p:par>
-                </p:childTnLst>
-              </p:cTn>
-              <p:prevCondLst>
-                <p:cond evt="onPrev" delay="0">
-                  <p:tgtEl>
-                    <p:sldTgt/>
-                  </p:tgtEl>
-                </p:cond>
-              </p:prevCondLst>
-              <p:nextCondLst>
-                <p:cond evt="onNext" delay="0">
-                  <p:tgtEl>
-                    <p:sldTgt/>
-                  </p:tgtEl>
-                </p:cond>
-              </p:nextCondLst>
-            </p:seq>
-          </p:childTnLst>
-        </p:cTn>
-      </p:par>
-    </p:tnLst>
-    <p:bldLst>
-      <p:bldP spid="3" grpId="0" build="p"/>
-    </p:bldLst>
-  </p:timing>
-</p:sld>
-</file>
-
-<file path=ppt/slides/slide9.xml><?xml version="1.0" encoding="utf-8"?>
-<p:sld xmlns:a="http://schemas.openxmlformats.org/drawingml/2006/main" xmlns:r="http://schemas.openxmlformats.org/officeDocument/2006/relationships" xmlns:p="http://schemas.openxmlformats.org/presentationml/2006/main">
-  <p:cSld>
-    <p:spTree>
-      <p:nvGrpSpPr>
-        <p:cNvPr id="1" name=""/>
-        <p:cNvGrpSpPr/>
-        <p:nvPr/>
-      </p:nvGrpSpPr>
-      <p:grpSpPr>
-        <a:xfrm>
-          <a:off x="0" y="0"/>
-          <a:ext cx="0" cy="0"/>
-          <a:chOff x="0" y="0"/>
-          <a:chExt cx="0" cy="0"/>
-        </a:xfrm>
-      </p:grpSpPr>
-      <p:sp>
-        <p:nvSpPr>
-          <p:cNvPr id="2" name="Title 1"/>
-          <p:cNvSpPr>
-            <a:spLocks noGrp="1"/>
-          </p:cNvSpPr>
-          <p:nvPr>
-            <p:ph type="title"/>
-          </p:nvPr>
-        </p:nvSpPr>
-        <p:spPr/>
-        <p:txBody>
-          <a:bodyPr>
-            <a:normAutofit/>
-          </a:bodyPr>
-          <a:lstStyle/>
-          <a:p>
-            <a:r>
-              <a:rPr lang="ru-RU" dirty="0"/>
-              <a:t>Возможный вариант реализации</a:t>
-            </a:r>
-          </a:p>
-        </p:txBody>
-      </p:sp>
-      <p:pic>
-        <p:nvPicPr>
-          <p:cNvPr id="5" name="Content Placeholder 4"/>
-          <p:cNvPicPr>
-            <a:picLocks noGrp="1" noChangeAspect="1"/>
-          </p:cNvPicPr>
-          <p:nvPr>
-            <p:ph idx="1"/>
-          </p:nvPr>
-        </p:nvPicPr>
-        <p:blipFill>
-          <a:blip r:embed="rId2"/>
-          <a:stretch>
-            <a:fillRect/>
-          </a:stretch>
-        </p:blipFill>
-        <p:spPr>
-          <a:xfrm>
-            <a:off x="1027980" y="1981300"/>
-            <a:ext cx="10136040" cy="4039988"/>
-          </a:xfrm>
-          <a:prstGeom prst="rect">
-            <a:avLst/>
-          </a:prstGeom>
-        </p:spPr>
-      </p:pic>
-    </p:spTree>
-    <p:extLst>
-      <p:ext uri="{BB962C8B-B14F-4D97-AF65-F5344CB8AC3E}">
-        <p14:creationId xmlns:p14="http://schemas.microsoft.com/office/powerpoint/2010/main" val="4146723188"/>
-      </p:ext>
-    </p:extLst>
-  </p:cSld>
-  <p:clrMapOvr>
-    <a:masterClrMapping/>
-  </p:clrMapOvr>
 </p:sld>
 </file>
 

--- a/lectures/19.bridge/bridge.pptx
+++ b/lectures/19.bridge/bridge.pptx
@@ -5,37 +5,35 @@
     <p:sldMasterId id="2147483684" r:id="rId1"/>
   </p:sldMasterIdLst>
   <p:notesMasterIdLst>
-    <p:notesMasterId r:id="rId25"/>
+    <p:notesMasterId r:id="rId23"/>
   </p:notesMasterIdLst>
   <p:sldIdLst>
     <p:sldId id="320" r:id="rId2"/>
-    <p:sldId id="322" r:id="rId3"/>
-    <p:sldId id="323" r:id="rId4"/>
-    <p:sldId id="284" r:id="rId5"/>
-    <p:sldId id="285" r:id="rId6"/>
-    <p:sldId id="286" r:id="rId7"/>
-    <p:sldId id="287" r:id="rId8"/>
-    <p:sldId id="283" r:id="rId9"/>
-    <p:sldId id="292" r:id="rId10"/>
-    <p:sldId id="293" r:id="rId11"/>
-    <p:sldId id="294" r:id="rId12"/>
-    <p:sldId id="288" r:id="rId13"/>
-    <p:sldId id="289" r:id="rId14"/>
-    <p:sldId id="290" r:id="rId15"/>
-    <p:sldId id="291" r:id="rId16"/>
-    <p:sldId id="321" r:id="rId17"/>
-    <p:sldId id="295" r:id="rId18"/>
-    <p:sldId id="296" r:id="rId19"/>
-    <p:sldId id="297" r:id="rId20"/>
-    <p:sldId id="298" r:id="rId21"/>
-    <p:sldId id="299" r:id="rId22"/>
-    <p:sldId id="301" r:id="rId23"/>
-    <p:sldId id="300" r:id="rId24"/>
+    <p:sldId id="284" r:id="rId3"/>
+    <p:sldId id="285" r:id="rId4"/>
+    <p:sldId id="286" r:id="rId5"/>
+    <p:sldId id="287" r:id="rId6"/>
+    <p:sldId id="283" r:id="rId7"/>
+    <p:sldId id="292" r:id="rId8"/>
+    <p:sldId id="293" r:id="rId9"/>
+    <p:sldId id="294" r:id="rId10"/>
+    <p:sldId id="288" r:id="rId11"/>
+    <p:sldId id="289" r:id="rId12"/>
+    <p:sldId id="290" r:id="rId13"/>
+    <p:sldId id="291" r:id="rId14"/>
+    <p:sldId id="321" r:id="rId15"/>
+    <p:sldId id="295" r:id="rId16"/>
+    <p:sldId id="296" r:id="rId17"/>
+    <p:sldId id="297" r:id="rId18"/>
+    <p:sldId id="298" r:id="rId19"/>
+    <p:sldId id="299" r:id="rId20"/>
+    <p:sldId id="301" r:id="rId21"/>
+    <p:sldId id="300" r:id="rId22"/>
   </p:sldIdLst>
   <p:sldSz cx="12192000" cy="6858000"/>
   <p:notesSz cx="6858000" cy="9144000"/>
   <p:custDataLst>
-    <p:tags r:id="rId26"/>
+    <p:tags r:id="rId24"/>
   </p:custDataLst>
   <p:defaultTextStyle>
     <a:defPPr>
@@ -292,7 +290,7 @@
           <a:p>
             <a:fld id="{2F3DCB6D-0B48-4A3D-B663-06C3F903A9D3}" type="datetimeFigureOut">
               <a:rPr lang="ru-RU" smtClean="0"/>
-              <a:t>02.02.2025</a:t>
+              <a:t>26.11.2025</a:t>
             </a:fld>
             <a:endParaRPr lang="ru-RU"/>
           </a:p>
@@ -629,7 +627,7 @@
           <a:p>
             <a:fld id="{C72A1285-F988-4153-B7C5-B887A867730D}" type="slidenum">
               <a:rPr lang="ru-RU" smtClean="0"/>
-              <a:t>5</a:t>
+              <a:t>3</a:t>
             </a:fld>
             <a:endParaRPr lang="ru-RU"/>
           </a:p>
@@ -718,7 +716,7 @@
           <a:p>
             <a:fld id="{C72A1285-F988-4153-B7C5-B887A867730D}" type="slidenum">
               <a:rPr lang="ru-RU" smtClean="0"/>
-              <a:t>8</a:t>
+              <a:t>6</a:t>
             </a:fld>
             <a:endParaRPr lang="ru-RU"/>
           </a:p>
@@ -886,7 +884,7 @@
           <a:p>
             <a:fld id="{2590F9C9-AB92-4E86-B698-DEC9BF4350FF}" type="datetimeFigureOut">
               <a:rPr lang="ru-RU" smtClean="0"/>
-              <a:t>02.02.2025</a:t>
+              <a:t>26.11.2025</a:t>
             </a:fld>
             <a:endParaRPr lang="ru-RU"/>
           </a:p>
@@ -1086,7 +1084,7 @@
           <a:p>
             <a:fld id="{2590F9C9-AB92-4E86-B698-DEC9BF4350FF}" type="datetimeFigureOut">
               <a:rPr lang="ru-RU" smtClean="0"/>
-              <a:t>02.02.2025</a:t>
+              <a:t>26.11.2025</a:t>
             </a:fld>
             <a:endParaRPr lang="ru-RU"/>
           </a:p>
@@ -1296,7 +1294,7 @@
           <a:p>
             <a:fld id="{2590F9C9-AB92-4E86-B698-DEC9BF4350FF}" type="datetimeFigureOut">
               <a:rPr lang="ru-RU" smtClean="0"/>
-              <a:t>02.02.2025</a:t>
+              <a:t>26.11.2025</a:t>
             </a:fld>
             <a:endParaRPr lang="ru-RU"/>
           </a:p>
@@ -1496,7 +1494,7 @@
           <a:p>
             <a:fld id="{2590F9C9-AB92-4E86-B698-DEC9BF4350FF}" type="datetimeFigureOut">
               <a:rPr lang="ru-RU" smtClean="0"/>
-              <a:t>02.02.2025</a:t>
+              <a:t>26.11.2025</a:t>
             </a:fld>
             <a:endParaRPr lang="ru-RU"/>
           </a:p>
@@ -1772,7 +1770,7 @@
           <a:p>
             <a:fld id="{2590F9C9-AB92-4E86-B698-DEC9BF4350FF}" type="datetimeFigureOut">
               <a:rPr lang="ru-RU" smtClean="0"/>
-              <a:t>02.02.2025</a:t>
+              <a:t>26.11.2025</a:t>
             </a:fld>
             <a:endParaRPr lang="ru-RU"/>
           </a:p>
@@ -2040,7 +2038,7 @@
           <a:p>
             <a:fld id="{2590F9C9-AB92-4E86-B698-DEC9BF4350FF}" type="datetimeFigureOut">
               <a:rPr lang="ru-RU" smtClean="0"/>
-              <a:t>02.02.2025</a:t>
+              <a:t>26.11.2025</a:t>
             </a:fld>
             <a:endParaRPr lang="ru-RU"/>
           </a:p>
@@ -2455,7 +2453,7 @@
           <a:p>
             <a:fld id="{2590F9C9-AB92-4E86-B698-DEC9BF4350FF}" type="datetimeFigureOut">
               <a:rPr lang="ru-RU" smtClean="0"/>
-              <a:t>02.02.2025</a:t>
+              <a:t>26.11.2025</a:t>
             </a:fld>
             <a:endParaRPr lang="ru-RU"/>
           </a:p>
@@ -2597,7 +2595,7 @@
           <a:p>
             <a:fld id="{2590F9C9-AB92-4E86-B698-DEC9BF4350FF}" type="datetimeFigureOut">
               <a:rPr lang="ru-RU" smtClean="0"/>
-              <a:t>02.02.2025</a:t>
+              <a:t>26.11.2025</a:t>
             </a:fld>
             <a:endParaRPr lang="ru-RU"/>
           </a:p>
@@ -2710,7 +2708,7 @@
           <a:p>
             <a:fld id="{2590F9C9-AB92-4E86-B698-DEC9BF4350FF}" type="datetimeFigureOut">
               <a:rPr lang="ru-RU" smtClean="0"/>
-              <a:t>02.02.2025</a:t>
+              <a:t>26.11.2025</a:t>
             </a:fld>
             <a:endParaRPr lang="ru-RU"/>
           </a:p>
@@ -3023,7 +3021,7 @@
           <a:p>
             <a:fld id="{2590F9C9-AB92-4E86-B698-DEC9BF4350FF}" type="datetimeFigureOut">
               <a:rPr lang="ru-RU" smtClean="0"/>
-              <a:t>02.02.2025</a:t>
+              <a:t>26.11.2025</a:t>
             </a:fld>
             <a:endParaRPr lang="ru-RU"/>
           </a:p>
@@ -3312,7 +3310,7 @@
           <a:p>
             <a:fld id="{2590F9C9-AB92-4E86-B698-DEC9BF4350FF}" type="datetimeFigureOut">
               <a:rPr lang="ru-RU" smtClean="0"/>
-              <a:t>02.02.2025</a:t>
+              <a:t>26.11.2025</a:t>
             </a:fld>
             <a:endParaRPr lang="ru-RU"/>
           </a:p>
@@ -3555,7 +3553,7 @@
           <a:p>
             <a:fld id="{2590F9C9-AB92-4E86-B698-DEC9BF4350FF}" type="datetimeFigureOut">
               <a:rPr lang="ru-RU" smtClean="0"/>
-              <a:t>02.02.2025</a:t>
+              <a:t>26.11.2025</a:t>
             </a:fld>
             <a:endParaRPr lang="ru-RU"/>
           </a:p>
@@ -3972,50 +3970,20 @@
           <a:chExt cx="0" cy="0"/>
         </a:xfrm>
       </p:grpSpPr>
-      <p:pic>
-        <p:nvPicPr>
-          <p:cNvPr id="5" name="Picture 4">
-            <a:extLst>
-              <a:ext uri="{FF2B5EF4-FFF2-40B4-BE49-F238E27FC236}">
-                <a16:creationId xmlns:a16="http://schemas.microsoft.com/office/drawing/2014/main" id="{754E85F0-DCD6-42D1-0560-0E0070092A4A}"/>
-              </a:ext>
-            </a:extLst>
-          </p:cNvPr>
-          <p:cNvPicPr>
-            <a:picLocks noChangeAspect="1"/>
-          </p:cNvPicPr>
-          <p:nvPr/>
-        </p:nvPicPr>
-        <p:blipFill>
-          <a:blip r:embed="rId2"/>
-          <a:stretch>
-            <a:fillRect/>
-          </a:stretch>
-        </p:blipFill>
+      <p:sp>
+        <p:nvSpPr>
+          <p:cNvPr id="2" name="Заголовок 1"/>
+          <p:cNvSpPr>
+            <a:spLocks noGrp="1"/>
+          </p:cNvSpPr>
+          <p:nvPr>
+            <p:ph type="ctrTitle"/>
+          </p:nvPr>
+        </p:nvSpPr>
         <p:spPr>
           <a:xfrm>
-            <a:off x="0" y="0"/>
-            <a:ext cx="12191999" cy="6858000"/>
-          </a:xfrm>
-          <a:prstGeom prst="rect">
-            <a:avLst/>
-          </a:prstGeom>
-        </p:spPr>
-      </p:pic>
-      <p:sp>
-        <p:nvSpPr>
-          <p:cNvPr id="2" name="Заголовок 1"/>
-          <p:cNvSpPr>
-            <a:spLocks noGrp="1"/>
-          </p:cNvSpPr>
-          <p:nvPr>
-            <p:ph type="ctrTitle"/>
-          </p:nvPr>
-        </p:nvSpPr>
-        <p:spPr>
-          <a:xfrm>
-            <a:off x="335360" y="1340768"/>
-            <a:ext cx="11521280" cy="4176464"/>
+            <a:off x="1524000" y="1122363"/>
+            <a:ext cx="9144000" cy="2387600"/>
           </a:xfrm>
         </p:spPr>
         <p:txBody>
@@ -4025,65 +3993,38 @@
           <a:lstStyle/>
           <a:p>
             <a:r>
-              <a:rPr lang="ru-RU" sz="8800" dirty="0">
-                <a:solidFill>
-                  <a:schemeClr val="bg1"/>
-                </a:solidFill>
-                <a:effectLst>
-                  <a:outerShdw blurRad="38100" dist="38100" dir="2700000" algn="tl">
-                    <a:srgbClr val="000000">
-                      <a:alpha val="43137"/>
-                    </a:srgbClr>
-                  </a:outerShdw>
-                </a:effectLst>
-                <a:latin typeface="Impact" panose="020B0806030902050204" pitchFamily="34" charset="0"/>
-              </a:rPr>
-              <a:t>Паттерн проектирования</a:t>
-            </a:r>
-            <a:br>
-              <a:rPr lang="ru-RU" sz="8000" dirty="0">
-                <a:solidFill>
-                  <a:schemeClr val="bg1"/>
-                </a:solidFill>
-                <a:effectLst>
-                  <a:outerShdw blurRad="38100" dist="38100" dir="2700000" algn="tl">
-                    <a:srgbClr val="000000">
-                      <a:alpha val="43137"/>
-                    </a:srgbClr>
-                  </a:outerShdw>
-                </a:effectLst>
-                <a:latin typeface="Impact" panose="020B0806030902050204" pitchFamily="34" charset="0"/>
-              </a:rPr>
-            </a:br>
-            <a:r>
-              <a:rPr lang="ru-RU" sz="11500" dirty="0">
-                <a:solidFill>
-                  <a:schemeClr val="bg1"/>
-                </a:solidFill>
-                <a:effectLst>
-                  <a:outerShdw blurRad="38100" dist="38100" dir="2700000" algn="tl">
-                    <a:srgbClr val="000000">
-                      <a:alpha val="43137"/>
-                    </a:srgbClr>
-                  </a:outerShdw>
-                </a:effectLst>
-                <a:latin typeface="Impact" panose="020B0806030902050204" pitchFamily="34" charset="0"/>
-              </a:rPr>
-              <a:t> «Мост»</a:t>
-            </a:r>
-            <a:endParaRPr lang="ru-RU" sz="9600" dirty="0">
-              <a:solidFill>
-                <a:schemeClr val="bg1"/>
-              </a:solidFill>
-              <a:effectLst>
-                <a:outerShdw blurRad="38100" dist="38100" dir="2700000" algn="tl">
-                  <a:srgbClr val="000000">
-                    <a:alpha val="43137"/>
-                  </a:srgbClr>
-                </a:outerShdw>
-              </a:effectLst>
-              <a:latin typeface="Impact" panose="020B0806030902050204" pitchFamily="34" charset="0"/>
-            </a:endParaRPr>
+              <a:rPr lang="ru-RU"/>
+              <a:t>Паттерн </a:t>
+            </a:r>
+            <a:r>
+              <a:rPr lang="ru-RU" dirty="0"/>
+              <a:t>«Мост»</a:t>
+            </a:r>
+          </a:p>
+        </p:txBody>
+      </p:sp>
+      <p:sp>
+        <p:nvSpPr>
+          <p:cNvPr id="4" name="Subtitle 3">
+            <a:extLst>
+              <a:ext uri="{FF2B5EF4-FFF2-40B4-BE49-F238E27FC236}">
+                <a16:creationId xmlns:a16="http://schemas.microsoft.com/office/drawing/2014/main" id="{736A3854-8934-816D-7316-78FAF12F91C7}"/>
+              </a:ext>
+            </a:extLst>
+          </p:cNvPr>
+          <p:cNvSpPr>
+            <a:spLocks noGrp="1"/>
+          </p:cNvSpPr>
+          <p:nvPr>
+            <p:ph type="subTitle" idx="1"/>
+          </p:nvPr>
+        </p:nvSpPr>
+        <p:spPr/>
+        <p:txBody>
+          <a:bodyPr/>
+          <a:lstStyle/>
+          <a:p>
+            <a:endParaRPr lang="en-US"/>
           </a:p>
         </p:txBody>
       </p:sp>
@@ -4101,457 +4042,6 @@
 </file>
 
 <file path=ppt/slides/slide10.xml><?xml version="1.0" encoding="utf-8"?>
-<p:sld xmlns:a="http://schemas.openxmlformats.org/drawingml/2006/main" xmlns:r="http://schemas.openxmlformats.org/officeDocument/2006/relationships" xmlns:p="http://schemas.openxmlformats.org/presentationml/2006/main">
-  <p:cSld>
-    <p:spTree>
-      <p:nvGrpSpPr>
-        <p:cNvPr id="1" name=""/>
-        <p:cNvGrpSpPr/>
-        <p:nvPr/>
-      </p:nvGrpSpPr>
-      <p:grpSpPr>
-        <a:xfrm>
-          <a:off x="0" y="0"/>
-          <a:ext cx="0" cy="0"/>
-          <a:chOff x="0" y="0"/>
-          <a:chExt cx="0" cy="0"/>
-        </a:xfrm>
-      </p:grpSpPr>
-      <p:sp>
-        <p:nvSpPr>
-          <p:cNvPr id="2" name="Title 1"/>
-          <p:cNvSpPr>
-            <a:spLocks noGrp="1"/>
-          </p:cNvSpPr>
-          <p:nvPr>
-            <p:ph type="title"/>
-          </p:nvPr>
-        </p:nvSpPr>
-        <p:spPr/>
-        <p:txBody>
-          <a:bodyPr>
-            <a:normAutofit/>
-          </a:bodyPr>
-          <a:lstStyle/>
-          <a:p>
-            <a:r>
-              <a:rPr lang="ru-RU" dirty="0"/>
-              <a:t>Шаги реализации (продолжение)</a:t>
-            </a:r>
-          </a:p>
-        </p:txBody>
-      </p:sp>
-      <p:sp>
-        <p:nvSpPr>
-          <p:cNvPr id="3" name="Content Placeholder 2"/>
-          <p:cNvSpPr>
-            <a:spLocks noGrp="1"/>
-          </p:cNvSpPr>
-          <p:nvPr>
-            <p:ph idx="1"/>
-          </p:nvPr>
-        </p:nvSpPr>
-        <p:spPr/>
-        <p:txBody>
-          <a:bodyPr/>
-          <a:lstStyle/>
-          <a:p>
-            <a:r>
-              <a:rPr lang="ru-RU" dirty="0"/>
-              <a:t>Добавить ссылку на интерфейс Реализации в класс Абстракции</a:t>
-            </a:r>
-          </a:p>
-          <a:p>
-            <a:r>
-              <a:rPr lang="ru-RU" dirty="0"/>
-              <a:t>Реализовать методы Абстракции, делегируя основную работу связанному объекту Реализации</a:t>
-            </a:r>
-          </a:p>
-          <a:p>
-            <a:r>
-              <a:rPr lang="ru-RU" dirty="0"/>
-              <a:t>Создать при необходимости подклассы Абстракций</a:t>
-            </a:r>
-          </a:p>
-          <a:p>
-            <a:r>
-              <a:rPr lang="ru-RU" dirty="0"/>
-              <a:t>Передать объект реализации конструктору Абстракции</a:t>
-            </a:r>
-          </a:p>
-        </p:txBody>
-      </p:sp>
-    </p:spTree>
-    <p:extLst>
-      <p:ext uri="{BB962C8B-B14F-4D97-AF65-F5344CB8AC3E}">
-        <p14:creationId xmlns:p14="http://schemas.microsoft.com/office/powerpoint/2010/main" val="4175240833"/>
-      </p:ext>
-    </p:extLst>
-  </p:cSld>
-  <p:clrMapOvr>
-    <a:masterClrMapping/>
-  </p:clrMapOvr>
-  <p:timing>
-    <p:tnLst>
-      <p:par>
-        <p:cTn id="1" dur="indefinite" restart="never" nodeType="tmRoot">
-          <p:childTnLst>
-            <p:seq concurrent="1" nextAc="seek">
-              <p:cTn id="2" dur="indefinite" nodeType="mainSeq">
-                <p:childTnLst>
-                  <p:par>
-                    <p:cTn id="3" fill="hold">
-                      <p:stCondLst>
-                        <p:cond delay="indefinite"/>
-                      </p:stCondLst>
-                      <p:childTnLst>
-                        <p:par>
-                          <p:cTn id="4" fill="hold">
-                            <p:stCondLst>
-                              <p:cond delay="0"/>
-                            </p:stCondLst>
-                            <p:childTnLst>
-                              <p:par>
-                                <p:cTn id="5" presetID="10" presetClass="entr" presetSubtype="0" fill="hold" grpId="0" nodeType="clickEffect">
-                                  <p:stCondLst>
-                                    <p:cond delay="0"/>
-                                  </p:stCondLst>
-                                  <p:childTnLst>
-                                    <p:set>
-                                      <p:cBhvr>
-                                        <p:cTn id="6" dur="1" fill="hold">
-                                          <p:stCondLst>
-                                            <p:cond delay="0"/>
-                                          </p:stCondLst>
-                                        </p:cTn>
-                                        <p:tgtEl>
-                                          <p:spTgt spid="3">
-                                            <p:txEl>
-                                              <p:pRg st="0" end="0"/>
-                                            </p:txEl>
-                                          </p:spTgt>
-                                        </p:tgtEl>
-                                        <p:attrNameLst>
-                                          <p:attrName>style.visibility</p:attrName>
-                                        </p:attrNameLst>
-                                      </p:cBhvr>
-                                      <p:to>
-                                        <p:strVal val="visible"/>
-                                      </p:to>
-                                    </p:set>
-                                    <p:animEffect transition="in" filter="fade">
-                                      <p:cBhvr>
-                                        <p:cTn id="7" dur="500"/>
-                                        <p:tgtEl>
-                                          <p:spTgt spid="3">
-                                            <p:txEl>
-                                              <p:pRg st="0" end="0"/>
-                                            </p:txEl>
-                                          </p:spTgt>
-                                        </p:tgtEl>
-                                      </p:cBhvr>
-                                    </p:animEffect>
-                                  </p:childTnLst>
-                                </p:cTn>
-                              </p:par>
-                            </p:childTnLst>
-                          </p:cTn>
-                        </p:par>
-                      </p:childTnLst>
-                    </p:cTn>
-                  </p:par>
-                  <p:par>
-                    <p:cTn id="8" fill="hold">
-                      <p:stCondLst>
-                        <p:cond delay="indefinite"/>
-                      </p:stCondLst>
-                      <p:childTnLst>
-                        <p:par>
-                          <p:cTn id="9" fill="hold">
-                            <p:stCondLst>
-                              <p:cond delay="0"/>
-                            </p:stCondLst>
-                            <p:childTnLst>
-                              <p:par>
-                                <p:cTn id="10" presetID="10" presetClass="entr" presetSubtype="0" fill="hold" grpId="0" nodeType="clickEffect">
-                                  <p:stCondLst>
-                                    <p:cond delay="0"/>
-                                  </p:stCondLst>
-                                  <p:childTnLst>
-                                    <p:set>
-                                      <p:cBhvr>
-                                        <p:cTn id="11" dur="1" fill="hold">
-                                          <p:stCondLst>
-                                            <p:cond delay="0"/>
-                                          </p:stCondLst>
-                                        </p:cTn>
-                                        <p:tgtEl>
-                                          <p:spTgt spid="3">
-                                            <p:txEl>
-                                              <p:pRg st="1" end="1"/>
-                                            </p:txEl>
-                                          </p:spTgt>
-                                        </p:tgtEl>
-                                        <p:attrNameLst>
-                                          <p:attrName>style.visibility</p:attrName>
-                                        </p:attrNameLst>
-                                      </p:cBhvr>
-                                      <p:to>
-                                        <p:strVal val="visible"/>
-                                      </p:to>
-                                    </p:set>
-                                    <p:animEffect transition="in" filter="fade">
-                                      <p:cBhvr>
-                                        <p:cTn id="12" dur="500"/>
-                                        <p:tgtEl>
-                                          <p:spTgt spid="3">
-                                            <p:txEl>
-                                              <p:pRg st="1" end="1"/>
-                                            </p:txEl>
-                                          </p:spTgt>
-                                        </p:tgtEl>
-                                      </p:cBhvr>
-                                    </p:animEffect>
-                                  </p:childTnLst>
-                                </p:cTn>
-                              </p:par>
-                            </p:childTnLst>
-                          </p:cTn>
-                        </p:par>
-                      </p:childTnLst>
-                    </p:cTn>
-                  </p:par>
-                  <p:par>
-                    <p:cTn id="13" fill="hold">
-                      <p:stCondLst>
-                        <p:cond delay="indefinite"/>
-                      </p:stCondLst>
-                      <p:childTnLst>
-                        <p:par>
-                          <p:cTn id="14" fill="hold">
-                            <p:stCondLst>
-                              <p:cond delay="0"/>
-                            </p:stCondLst>
-                            <p:childTnLst>
-                              <p:par>
-                                <p:cTn id="15" presetID="10" presetClass="entr" presetSubtype="0" fill="hold" grpId="0" nodeType="clickEffect">
-                                  <p:stCondLst>
-                                    <p:cond delay="0"/>
-                                  </p:stCondLst>
-                                  <p:childTnLst>
-                                    <p:set>
-                                      <p:cBhvr>
-                                        <p:cTn id="16" dur="1" fill="hold">
-                                          <p:stCondLst>
-                                            <p:cond delay="0"/>
-                                          </p:stCondLst>
-                                        </p:cTn>
-                                        <p:tgtEl>
-                                          <p:spTgt spid="3">
-                                            <p:txEl>
-                                              <p:pRg st="2" end="2"/>
-                                            </p:txEl>
-                                          </p:spTgt>
-                                        </p:tgtEl>
-                                        <p:attrNameLst>
-                                          <p:attrName>style.visibility</p:attrName>
-                                        </p:attrNameLst>
-                                      </p:cBhvr>
-                                      <p:to>
-                                        <p:strVal val="visible"/>
-                                      </p:to>
-                                    </p:set>
-                                    <p:animEffect transition="in" filter="fade">
-                                      <p:cBhvr>
-                                        <p:cTn id="17" dur="500"/>
-                                        <p:tgtEl>
-                                          <p:spTgt spid="3">
-                                            <p:txEl>
-                                              <p:pRg st="2" end="2"/>
-                                            </p:txEl>
-                                          </p:spTgt>
-                                        </p:tgtEl>
-                                      </p:cBhvr>
-                                    </p:animEffect>
-                                  </p:childTnLst>
-                                </p:cTn>
-                              </p:par>
-                            </p:childTnLst>
-                          </p:cTn>
-                        </p:par>
-                      </p:childTnLst>
-                    </p:cTn>
-                  </p:par>
-                  <p:par>
-                    <p:cTn id="18" fill="hold">
-                      <p:stCondLst>
-                        <p:cond delay="indefinite"/>
-                      </p:stCondLst>
-                      <p:childTnLst>
-                        <p:par>
-                          <p:cTn id="19" fill="hold">
-                            <p:stCondLst>
-                              <p:cond delay="0"/>
-                            </p:stCondLst>
-                            <p:childTnLst>
-                              <p:par>
-                                <p:cTn id="20" presetID="10" presetClass="entr" presetSubtype="0" fill="hold" grpId="0" nodeType="clickEffect">
-                                  <p:stCondLst>
-                                    <p:cond delay="0"/>
-                                  </p:stCondLst>
-                                  <p:childTnLst>
-                                    <p:set>
-                                      <p:cBhvr>
-                                        <p:cTn id="21" dur="1" fill="hold">
-                                          <p:stCondLst>
-                                            <p:cond delay="0"/>
-                                          </p:stCondLst>
-                                        </p:cTn>
-                                        <p:tgtEl>
-                                          <p:spTgt spid="3">
-                                            <p:txEl>
-                                              <p:pRg st="3" end="3"/>
-                                            </p:txEl>
-                                          </p:spTgt>
-                                        </p:tgtEl>
-                                        <p:attrNameLst>
-                                          <p:attrName>style.visibility</p:attrName>
-                                        </p:attrNameLst>
-                                      </p:cBhvr>
-                                      <p:to>
-                                        <p:strVal val="visible"/>
-                                      </p:to>
-                                    </p:set>
-                                    <p:animEffect transition="in" filter="fade">
-                                      <p:cBhvr>
-                                        <p:cTn id="22" dur="500"/>
-                                        <p:tgtEl>
-                                          <p:spTgt spid="3">
-                                            <p:txEl>
-                                              <p:pRg st="3" end="3"/>
-                                            </p:txEl>
-                                          </p:spTgt>
-                                        </p:tgtEl>
-                                      </p:cBhvr>
-                                    </p:animEffect>
-                                  </p:childTnLst>
-                                </p:cTn>
-                              </p:par>
-                            </p:childTnLst>
-                          </p:cTn>
-                        </p:par>
-                      </p:childTnLst>
-                    </p:cTn>
-                  </p:par>
-                </p:childTnLst>
-              </p:cTn>
-              <p:prevCondLst>
-                <p:cond evt="onPrev" delay="0">
-                  <p:tgtEl>
-                    <p:sldTgt/>
-                  </p:tgtEl>
-                </p:cond>
-              </p:prevCondLst>
-              <p:nextCondLst>
-                <p:cond evt="onNext" delay="0">
-                  <p:tgtEl>
-                    <p:sldTgt/>
-                  </p:tgtEl>
-                </p:cond>
-              </p:nextCondLst>
-            </p:seq>
-          </p:childTnLst>
-        </p:cTn>
-      </p:par>
-    </p:tnLst>
-    <p:bldLst>
-      <p:bldP spid="3" grpId="0" build="p"/>
-    </p:bldLst>
-  </p:timing>
-</p:sld>
-</file>
-
-<file path=ppt/slides/slide11.xml><?xml version="1.0" encoding="utf-8"?>
-<p:sld xmlns:a="http://schemas.openxmlformats.org/drawingml/2006/main" xmlns:r="http://schemas.openxmlformats.org/officeDocument/2006/relationships" xmlns:p="http://schemas.openxmlformats.org/presentationml/2006/main">
-  <p:cSld>
-    <p:spTree>
-      <p:nvGrpSpPr>
-        <p:cNvPr id="1" name=""/>
-        <p:cNvGrpSpPr/>
-        <p:nvPr/>
-      </p:nvGrpSpPr>
-      <p:grpSpPr>
-        <a:xfrm>
-          <a:off x="0" y="0"/>
-          <a:ext cx="0" cy="0"/>
-          <a:chOff x="0" y="0"/>
-          <a:chExt cx="0" cy="0"/>
-        </a:xfrm>
-      </p:grpSpPr>
-      <p:sp>
-        <p:nvSpPr>
-          <p:cNvPr id="2" name="Title 1"/>
-          <p:cNvSpPr>
-            <a:spLocks noGrp="1"/>
-          </p:cNvSpPr>
-          <p:nvPr>
-            <p:ph type="title"/>
-          </p:nvPr>
-        </p:nvSpPr>
-        <p:spPr/>
-        <p:txBody>
-          <a:bodyPr>
-            <a:normAutofit/>
-          </a:bodyPr>
-          <a:lstStyle/>
-          <a:p>
-            <a:r>
-              <a:rPr lang="ru-RU" dirty="0"/>
-              <a:t>Возможный вариант реализации</a:t>
-            </a:r>
-          </a:p>
-        </p:txBody>
-      </p:sp>
-      <p:pic>
-        <p:nvPicPr>
-          <p:cNvPr id="5" name="Content Placeholder 4"/>
-          <p:cNvPicPr>
-            <a:picLocks noGrp="1" noChangeAspect="1"/>
-          </p:cNvPicPr>
-          <p:nvPr>
-            <p:ph idx="1"/>
-          </p:nvPr>
-        </p:nvPicPr>
-        <p:blipFill>
-          <a:blip r:embed="rId2"/>
-          <a:stretch>
-            <a:fillRect/>
-          </a:stretch>
-        </p:blipFill>
-        <p:spPr>
-          <a:xfrm>
-            <a:off x="1027980" y="1981300"/>
-            <a:ext cx="10136040" cy="4039988"/>
-          </a:xfrm>
-          <a:prstGeom prst="rect">
-            <a:avLst/>
-          </a:prstGeom>
-        </p:spPr>
-      </p:pic>
-    </p:spTree>
-    <p:extLst>
-      <p:ext uri="{BB962C8B-B14F-4D97-AF65-F5344CB8AC3E}">
-        <p14:creationId xmlns:p14="http://schemas.microsoft.com/office/powerpoint/2010/main" val="4146723188"/>
-      </p:ext>
-    </p:extLst>
-  </p:cSld>
-  <p:clrMapOvr>
-    <a:masterClrMapping/>
-  </p:clrMapOvr>
-</p:sld>
-</file>
-
-<file path=ppt/slides/slide12.xml><?xml version="1.0" encoding="utf-8"?>
 <p:sld xmlns:a="http://schemas.openxmlformats.org/drawingml/2006/main" xmlns:r="http://schemas.openxmlformats.org/officeDocument/2006/relationships" xmlns:p="http://schemas.openxmlformats.org/presentationml/2006/main">
   <p:cSld>
     <p:spTree>
@@ -4886,7 +4376,7 @@
 </p:sld>
 </file>
 
-<file path=ppt/slides/slide13.xml><?xml version="1.0" encoding="utf-8"?>
+<file path=ppt/slides/slide11.xml><?xml version="1.0" encoding="utf-8"?>
 <p:sld xmlns:a="http://schemas.openxmlformats.org/drawingml/2006/main" xmlns:r="http://schemas.openxmlformats.org/officeDocument/2006/relationships" xmlns:p="http://schemas.openxmlformats.org/presentationml/2006/main">
   <p:cSld>
     <p:spTree>
@@ -5305,7 +4795,7 @@
 </p:sld>
 </file>
 
-<file path=ppt/slides/slide14.xml><?xml version="1.0" encoding="utf-8"?>
+<file path=ppt/slides/slide12.xml><?xml version="1.0" encoding="utf-8"?>
 <p:sld xmlns:a="http://schemas.openxmlformats.org/drawingml/2006/main" xmlns:r="http://schemas.openxmlformats.org/officeDocument/2006/relationships" xmlns:p="http://schemas.openxmlformats.org/presentationml/2006/main">
   <p:cSld>
     <p:spTree>
@@ -5943,7 +5433,7 @@
 </p:sld>
 </file>
 
-<file path=ppt/slides/slide15.xml><?xml version="1.0" encoding="utf-8"?>
+<file path=ppt/slides/slide13.xml><?xml version="1.0" encoding="utf-8"?>
 <p:sld xmlns:a="http://schemas.openxmlformats.org/drawingml/2006/main" xmlns:r="http://schemas.openxmlformats.org/officeDocument/2006/relationships" xmlns:p="http://schemas.openxmlformats.org/presentationml/2006/main">
   <p:cSld>
     <p:spTree>
@@ -6017,7 +5507,7 @@
 </p:sld>
 </file>
 
-<file path=ppt/slides/slide16.xml><?xml version="1.0" encoding="utf-8"?>
+<file path=ppt/slides/slide14.xml><?xml version="1.0" encoding="utf-8"?>
 <p:sld xmlns:a="http://schemas.openxmlformats.org/drawingml/2006/main" xmlns:r="http://schemas.openxmlformats.org/officeDocument/2006/relationships" xmlns:p="http://schemas.openxmlformats.org/presentationml/2006/main">
   <p:cSld>
     <p:spTree>
@@ -6764,7 +6254,7 @@
 </p:sld>
 </file>
 
-<file path=ppt/slides/slide17.xml><?xml version="1.0" encoding="utf-8"?>
+<file path=ppt/slides/slide15.xml><?xml version="1.0" encoding="utf-8"?>
 <p:sld xmlns:a="http://schemas.openxmlformats.org/drawingml/2006/main" xmlns:r="http://schemas.openxmlformats.org/officeDocument/2006/relationships" xmlns:p="http://schemas.openxmlformats.org/presentationml/2006/main">
   <p:cSld>
     <p:spTree>
@@ -7004,7 +6494,7 @@
 </p:sld>
 </file>
 
-<file path=ppt/slides/slide18.xml><?xml version="1.0" encoding="utf-8"?>
+<file path=ppt/slides/slide16.xml><?xml version="1.0" encoding="utf-8"?>
 <p:sld xmlns:a="http://schemas.openxmlformats.org/drawingml/2006/main" xmlns:r="http://schemas.openxmlformats.org/officeDocument/2006/relationships" xmlns:p="http://schemas.openxmlformats.org/presentationml/2006/main">
   <p:cSld>
     <p:spTree>
@@ -7241,7 +6731,7 @@
 </p:sld>
 </file>
 
-<file path=ppt/slides/slide19.xml><?xml version="1.0" encoding="utf-8"?>
+<file path=ppt/slides/slide17.xml><?xml version="1.0" encoding="utf-8"?>
 <p:sld xmlns:a="http://schemas.openxmlformats.org/drawingml/2006/main" xmlns:r="http://schemas.openxmlformats.org/officeDocument/2006/relationships" xmlns:p="http://schemas.openxmlformats.org/presentationml/2006/main">
   <p:cSld>
     <p:spTree>
@@ -7344,164 +6834,7 @@
 </p:sld>
 </file>
 
-<file path=ppt/slides/slide2.xml><?xml version="1.0" encoding="utf-8"?>
-<p:sld xmlns:a="http://schemas.openxmlformats.org/drawingml/2006/main" xmlns:r="http://schemas.openxmlformats.org/officeDocument/2006/relationships" xmlns:p="http://schemas.openxmlformats.org/presentationml/2006/main" show="0">
-  <p:cSld>
-    <p:spTree>
-      <p:nvGrpSpPr>
-        <p:cNvPr id="1" name="">
-          <a:extLst>
-            <a:ext uri="{FF2B5EF4-FFF2-40B4-BE49-F238E27FC236}">
-              <a16:creationId xmlns:a16="http://schemas.microsoft.com/office/drawing/2014/main" id="{FC965256-A104-AFB0-6599-D678C04AD123}"/>
-            </a:ext>
-          </a:extLst>
-        </p:cNvPr>
-        <p:cNvGrpSpPr/>
-        <p:nvPr/>
-      </p:nvGrpSpPr>
-      <p:grpSpPr>
-        <a:xfrm>
-          <a:off x="0" y="0"/>
-          <a:ext cx="0" cy="0"/>
-          <a:chOff x="0" y="0"/>
-          <a:chExt cx="0" cy="0"/>
-        </a:xfrm>
-      </p:grpSpPr>
-      <p:pic>
-        <p:nvPicPr>
-          <p:cNvPr id="5" name="Picture 4">
-            <a:extLst>
-              <a:ext uri="{FF2B5EF4-FFF2-40B4-BE49-F238E27FC236}">
-                <a16:creationId xmlns:a16="http://schemas.microsoft.com/office/drawing/2014/main" id="{F8AF2221-E2AE-029A-466F-2F1BA41B1D63}"/>
-              </a:ext>
-            </a:extLst>
-          </p:cNvPr>
-          <p:cNvPicPr>
-            <a:picLocks noChangeAspect="1"/>
-          </p:cNvPicPr>
-          <p:nvPr/>
-        </p:nvPicPr>
-        <p:blipFill>
-          <a:blip r:embed="rId2"/>
-          <a:stretch>
-            <a:fillRect/>
-          </a:stretch>
-        </p:blipFill>
-        <p:spPr>
-          <a:xfrm>
-            <a:off x="0" y="0"/>
-            <a:ext cx="12191999" cy="6858000"/>
-          </a:xfrm>
-          <a:prstGeom prst="rect">
-            <a:avLst/>
-          </a:prstGeom>
-        </p:spPr>
-      </p:pic>
-      <p:sp>
-        <p:nvSpPr>
-          <p:cNvPr id="2" name="Заголовок 1">
-            <a:extLst>
-              <a:ext uri="{FF2B5EF4-FFF2-40B4-BE49-F238E27FC236}">
-                <a16:creationId xmlns:a16="http://schemas.microsoft.com/office/drawing/2014/main" id="{6E7BDB30-3248-BB91-81EC-4A0ED3C54743}"/>
-              </a:ext>
-            </a:extLst>
-          </p:cNvPr>
-          <p:cNvSpPr>
-            <a:spLocks noGrp="1"/>
-          </p:cNvSpPr>
-          <p:nvPr>
-            <p:ph type="ctrTitle"/>
-          </p:nvPr>
-        </p:nvSpPr>
-        <p:spPr>
-          <a:xfrm>
-            <a:off x="335360" y="1122362"/>
-            <a:ext cx="11521280" cy="3818806"/>
-          </a:xfrm>
-        </p:spPr>
-        <p:txBody>
-          <a:bodyPr>
-            <a:noAutofit/>
-          </a:bodyPr>
-          <a:lstStyle/>
-          <a:p>
-            <a:r>
-              <a:rPr lang="ru-RU" sz="9600" dirty="0">
-                <a:solidFill>
-                  <a:schemeClr val="bg1"/>
-                </a:solidFill>
-                <a:effectLst>
-                  <a:outerShdw blurRad="38100" dist="38100" dir="2700000" algn="tl">
-                    <a:srgbClr val="000000">
-                      <a:alpha val="43137"/>
-                    </a:srgbClr>
-                  </a:outerShdw>
-                </a:effectLst>
-                <a:latin typeface="Impact" panose="020B0806030902050204" pitchFamily="34" charset="0"/>
-              </a:rPr>
-              <a:t>Паттерн</a:t>
-            </a:r>
-            <a:br>
-              <a:rPr lang="ru-RU" sz="8000" dirty="0">
-                <a:solidFill>
-                  <a:schemeClr val="bg1"/>
-                </a:solidFill>
-                <a:effectLst>
-                  <a:outerShdw blurRad="38100" dist="38100" dir="2700000" algn="tl">
-                    <a:srgbClr val="000000">
-                      <a:alpha val="43137"/>
-                    </a:srgbClr>
-                  </a:outerShdw>
-                </a:effectLst>
-                <a:latin typeface="Impact" panose="020B0806030902050204" pitchFamily="34" charset="0"/>
-              </a:rPr>
-            </a:br>
-            <a:r>
-              <a:rPr lang="ru-RU" sz="11500" dirty="0">
-                <a:solidFill>
-                  <a:schemeClr val="bg1"/>
-                </a:solidFill>
-                <a:effectLst>
-                  <a:outerShdw blurRad="38100" dist="38100" dir="2700000" algn="tl">
-                    <a:srgbClr val="000000">
-                      <a:alpha val="43137"/>
-                    </a:srgbClr>
-                  </a:outerShdw>
-                </a:effectLst>
-                <a:latin typeface="Impact" panose="020B0806030902050204" pitchFamily="34" charset="0"/>
-              </a:rPr>
-              <a:t> «Мост»</a:t>
-            </a:r>
-            <a:endParaRPr lang="ru-RU" sz="9600" dirty="0">
-              <a:solidFill>
-                <a:schemeClr val="bg1"/>
-              </a:solidFill>
-              <a:effectLst>
-                <a:outerShdw blurRad="38100" dist="38100" dir="2700000" algn="tl">
-                  <a:srgbClr val="000000">
-                    <a:alpha val="43137"/>
-                  </a:srgbClr>
-                </a:outerShdw>
-              </a:effectLst>
-              <a:latin typeface="Impact" panose="020B0806030902050204" pitchFamily="34" charset="0"/>
-            </a:endParaRPr>
-          </a:p>
-        </p:txBody>
-      </p:sp>
-    </p:spTree>
-    <p:extLst>
-      <p:ext uri="{BB962C8B-B14F-4D97-AF65-F5344CB8AC3E}">
-        <p14:creationId xmlns:p14="http://schemas.microsoft.com/office/powerpoint/2010/main" val="1801468368"/>
-      </p:ext>
-    </p:extLst>
-  </p:cSld>
-  <p:clrMapOvr>
-    <a:masterClrMapping/>
-  </p:clrMapOvr>
-</p:sld>
-</file>
-
-<file path=ppt/slides/slide20.xml><?xml version="1.0" encoding="utf-8"?>
+<file path=ppt/slides/slide18.xml><?xml version="1.0" encoding="utf-8"?>
 <p:sld xmlns:a="http://schemas.openxmlformats.org/drawingml/2006/main" xmlns:r="http://schemas.openxmlformats.org/officeDocument/2006/relationships" xmlns:p="http://schemas.openxmlformats.org/presentationml/2006/main">
   <p:cSld>
     <p:spTree>
@@ -7589,7 +6922,7 @@
 </p:sld>
 </file>
 
-<file path=ppt/slides/slide21.xml><?xml version="1.0" encoding="utf-8"?>
+<file path=ppt/slides/slide19.xml><?xml version="1.0" encoding="utf-8"?>
 <p:sld xmlns:a="http://schemas.openxmlformats.org/drawingml/2006/main" xmlns:r="http://schemas.openxmlformats.org/officeDocument/2006/relationships" xmlns:p="http://schemas.openxmlformats.org/presentationml/2006/main">
   <p:cSld>
     <p:spTree>
@@ -7794,339 +7127,7 @@
 </p:sld>
 </file>
 
-<file path=ppt/slides/slide22.xml><?xml version="1.0" encoding="utf-8"?>
-<p:sld xmlns:a="http://schemas.openxmlformats.org/drawingml/2006/main" xmlns:r="http://schemas.openxmlformats.org/officeDocument/2006/relationships" xmlns:p="http://schemas.openxmlformats.org/presentationml/2006/main">
-  <p:cSld>
-    <p:spTree>
-      <p:nvGrpSpPr>
-        <p:cNvPr id="1" name=""/>
-        <p:cNvGrpSpPr/>
-        <p:nvPr/>
-      </p:nvGrpSpPr>
-      <p:grpSpPr>
-        <a:xfrm>
-          <a:off x="0" y="0"/>
-          <a:ext cx="0" cy="0"/>
-          <a:chOff x="0" y="0"/>
-          <a:chExt cx="0" cy="0"/>
-        </a:xfrm>
-      </p:grpSpPr>
-      <p:sp>
-        <p:nvSpPr>
-          <p:cNvPr id="2" name="Title 1"/>
-          <p:cNvSpPr>
-            <a:spLocks noGrp="1"/>
-          </p:cNvSpPr>
-          <p:nvPr>
-            <p:ph type="title"/>
-          </p:nvPr>
-        </p:nvSpPr>
-        <p:spPr/>
-        <p:txBody>
-          <a:bodyPr/>
-          <a:lstStyle/>
-          <a:p>
-            <a:r>
-              <a:rPr lang="ru-RU" dirty="0"/>
-              <a:t>Итоги</a:t>
-            </a:r>
-          </a:p>
-        </p:txBody>
-      </p:sp>
-      <p:sp>
-        <p:nvSpPr>
-          <p:cNvPr id="3" name="Content Placeholder 2"/>
-          <p:cNvSpPr>
-            <a:spLocks noGrp="1"/>
-          </p:cNvSpPr>
-          <p:nvPr>
-            <p:ph idx="1"/>
-          </p:nvPr>
-        </p:nvSpPr>
-        <p:spPr/>
-        <p:txBody>
-          <a:bodyPr/>
-          <a:lstStyle/>
-          <a:p>
-            <a:r>
-              <a:rPr lang="ru-RU" dirty="0"/>
-              <a:t>Композиция и агрегация часто являются лучшей альтернативой наследованию</a:t>
-            </a:r>
-          </a:p>
-          <a:p>
-            <a:r>
-              <a:rPr lang="ru-RU" dirty="0"/>
-              <a:t>Паттерн </a:t>
-            </a:r>
-            <a:r>
-              <a:rPr lang="ru-RU"/>
-              <a:t>Мост делает код </a:t>
-            </a:r>
-            <a:r>
-              <a:rPr lang="ru-RU" dirty="0"/>
-              <a:t>не зависящим от деталей инфраструктуры</a:t>
-            </a:r>
-          </a:p>
-        </p:txBody>
-      </p:sp>
-    </p:spTree>
-    <p:extLst>
-      <p:ext uri="{BB962C8B-B14F-4D97-AF65-F5344CB8AC3E}">
-        <p14:creationId xmlns:p14="http://schemas.microsoft.com/office/powerpoint/2010/main" val="2986408610"/>
-      </p:ext>
-    </p:extLst>
-  </p:cSld>
-  <p:clrMapOvr>
-    <a:masterClrMapping/>
-  </p:clrMapOvr>
-</p:sld>
-</file>
-
-<file path=ppt/slides/slide23.xml><?xml version="1.0" encoding="utf-8"?>
-<p:sld xmlns:a="http://schemas.openxmlformats.org/drawingml/2006/main" xmlns:r="http://schemas.openxmlformats.org/officeDocument/2006/relationships" xmlns:p="http://schemas.openxmlformats.org/presentationml/2006/main">
-  <p:cSld>
-    <p:spTree>
-      <p:nvGrpSpPr>
-        <p:cNvPr id="1" name=""/>
-        <p:cNvGrpSpPr/>
-        <p:nvPr/>
-      </p:nvGrpSpPr>
-      <p:grpSpPr>
-        <a:xfrm>
-          <a:off x="0" y="0"/>
-          <a:ext cx="0" cy="0"/>
-          <a:chOff x="0" y="0"/>
-          <a:chExt cx="0" cy="0"/>
-        </a:xfrm>
-      </p:grpSpPr>
-      <p:sp>
-        <p:nvSpPr>
-          <p:cNvPr id="2" name="Title 1"/>
-          <p:cNvSpPr>
-            <a:spLocks noGrp="1"/>
-          </p:cNvSpPr>
-          <p:nvPr>
-            <p:ph type="title"/>
-          </p:nvPr>
-        </p:nvSpPr>
-        <p:spPr/>
-        <p:txBody>
-          <a:bodyPr/>
-          <a:lstStyle/>
-          <a:p>
-            <a:r>
-              <a:rPr lang="ru-RU" dirty="0"/>
-              <a:t>Ссылки</a:t>
-            </a:r>
-          </a:p>
-        </p:txBody>
-      </p:sp>
-      <p:sp>
-        <p:nvSpPr>
-          <p:cNvPr id="3" name="Content Placeholder 2"/>
-          <p:cNvSpPr>
-            <a:spLocks noGrp="1"/>
-          </p:cNvSpPr>
-          <p:nvPr>
-            <p:ph idx="1"/>
-          </p:nvPr>
-        </p:nvSpPr>
-        <p:spPr/>
-        <p:txBody>
-          <a:bodyPr/>
-          <a:lstStyle/>
-          <a:p>
-            <a:r>
-              <a:rPr lang="en-US" dirty="0">
-                <a:hlinkClick r:id="rId2"/>
-              </a:rPr>
-              <a:t>https://refactoring.guru/ru/design-patterns/bridge</a:t>
-            </a:r>
-            <a:endParaRPr lang="ru-RU" dirty="0"/>
-          </a:p>
-          <a:p>
-            <a:r>
-              <a:rPr lang="ru-RU"/>
-              <a:t>Приёмы объектно-ориентированного </a:t>
-            </a:r>
-            <a:r>
-              <a:rPr lang="ru-RU" dirty="0"/>
-              <a:t>проектирования. Паттерны проектирования</a:t>
-            </a:r>
-          </a:p>
-        </p:txBody>
-      </p:sp>
-    </p:spTree>
-    <p:extLst>
-      <p:ext uri="{BB962C8B-B14F-4D97-AF65-F5344CB8AC3E}">
-        <p14:creationId xmlns:p14="http://schemas.microsoft.com/office/powerpoint/2010/main" val="1249107859"/>
-      </p:ext>
-    </p:extLst>
-  </p:cSld>
-  <p:clrMapOvr>
-    <a:masterClrMapping/>
-  </p:clrMapOvr>
-</p:sld>
-</file>
-
-<file path=ppt/slides/slide3.xml><?xml version="1.0" encoding="utf-8"?>
-<p:sld xmlns:a="http://schemas.openxmlformats.org/drawingml/2006/main" xmlns:r="http://schemas.openxmlformats.org/officeDocument/2006/relationships" xmlns:p="http://schemas.openxmlformats.org/presentationml/2006/main" show="0">
-  <p:cSld>
-    <p:spTree>
-      <p:nvGrpSpPr>
-        <p:cNvPr id="1" name="">
-          <a:extLst>
-            <a:ext uri="{FF2B5EF4-FFF2-40B4-BE49-F238E27FC236}">
-              <a16:creationId xmlns:a16="http://schemas.microsoft.com/office/drawing/2014/main" id="{D5631566-1EB7-7E31-E7CC-6505E90749BF}"/>
-            </a:ext>
-          </a:extLst>
-        </p:cNvPr>
-        <p:cNvGrpSpPr/>
-        <p:nvPr/>
-      </p:nvGrpSpPr>
-      <p:grpSpPr>
-        <a:xfrm>
-          <a:off x="0" y="0"/>
-          <a:ext cx="0" cy="0"/>
-          <a:chOff x="0" y="0"/>
-          <a:chExt cx="0" cy="0"/>
-        </a:xfrm>
-      </p:grpSpPr>
-      <p:pic>
-        <p:nvPicPr>
-          <p:cNvPr id="5" name="Picture 4">
-            <a:extLst>
-              <a:ext uri="{FF2B5EF4-FFF2-40B4-BE49-F238E27FC236}">
-                <a16:creationId xmlns:a16="http://schemas.microsoft.com/office/drawing/2014/main" id="{22467D97-2F5E-6890-F346-328BDB7DFFDC}"/>
-              </a:ext>
-            </a:extLst>
-          </p:cNvPr>
-          <p:cNvPicPr>
-            <a:picLocks noChangeAspect="1"/>
-          </p:cNvPicPr>
-          <p:nvPr/>
-        </p:nvPicPr>
-        <p:blipFill>
-          <a:blip r:embed="rId2"/>
-          <a:stretch>
-            <a:fillRect/>
-          </a:stretch>
-        </p:blipFill>
-        <p:spPr>
-          <a:xfrm>
-            <a:off x="0" y="0"/>
-            <a:ext cx="12191999" cy="6858000"/>
-          </a:xfrm>
-          <a:prstGeom prst="rect">
-            <a:avLst/>
-          </a:prstGeom>
-        </p:spPr>
-      </p:pic>
-      <p:sp>
-        <p:nvSpPr>
-          <p:cNvPr id="2" name="Заголовок 1">
-            <a:extLst>
-              <a:ext uri="{FF2B5EF4-FFF2-40B4-BE49-F238E27FC236}">
-                <a16:creationId xmlns:a16="http://schemas.microsoft.com/office/drawing/2014/main" id="{1C38B5BD-553E-26CB-0D45-E57339A2007A}"/>
-              </a:ext>
-            </a:extLst>
-          </p:cNvPr>
-          <p:cNvSpPr>
-            <a:spLocks noGrp="1"/>
-          </p:cNvSpPr>
-          <p:nvPr>
-            <p:ph type="ctrTitle"/>
-          </p:nvPr>
-        </p:nvSpPr>
-        <p:spPr>
-          <a:xfrm>
-            <a:off x="335360" y="1122362"/>
-            <a:ext cx="11521280" cy="4466878"/>
-          </a:xfrm>
-        </p:spPr>
-        <p:txBody>
-          <a:bodyPr>
-            <a:noAutofit/>
-          </a:bodyPr>
-          <a:lstStyle/>
-          <a:p>
-            <a:r>
-              <a:rPr lang="ru-RU" sz="9600" dirty="0">
-                <a:solidFill>
-                  <a:schemeClr val="bg1"/>
-                </a:solidFill>
-                <a:effectLst>
-                  <a:outerShdw blurRad="38100" dist="38100" dir="2700000" algn="tl">
-                    <a:srgbClr val="000000">
-                      <a:alpha val="43137"/>
-                    </a:srgbClr>
-                  </a:outerShdw>
-                </a:effectLst>
-                <a:latin typeface="Impact" panose="020B0806030902050204" pitchFamily="34" charset="0"/>
-              </a:rPr>
-              <a:t>Паттерн проектирования</a:t>
-            </a:r>
-            <a:br>
-              <a:rPr lang="ru-RU" sz="8000" dirty="0">
-                <a:solidFill>
-                  <a:schemeClr val="bg1"/>
-                </a:solidFill>
-                <a:effectLst>
-                  <a:outerShdw blurRad="38100" dist="38100" dir="2700000" algn="tl">
-                    <a:srgbClr val="000000">
-                      <a:alpha val="43137"/>
-                    </a:srgbClr>
-                  </a:outerShdw>
-                </a:effectLst>
-                <a:latin typeface="Impact" panose="020B0806030902050204" pitchFamily="34" charset="0"/>
-              </a:rPr>
-            </a:br>
-            <a:r>
-              <a:rPr lang="ru-RU" sz="11500" dirty="0">
-                <a:solidFill>
-                  <a:schemeClr val="bg1"/>
-                </a:solidFill>
-                <a:effectLst>
-                  <a:outerShdw blurRad="38100" dist="38100" dir="2700000" algn="tl">
-                    <a:srgbClr val="000000">
-                      <a:alpha val="43137"/>
-                    </a:srgbClr>
-                  </a:outerShdw>
-                </a:effectLst>
-                <a:latin typeface="Impact" panose="020B0806030902050204" pitchFamily="34" charset="0"/>
-              </a:rPr>
-              <a:t> «Мост»</a:t>
-            </a:r>
-            <a:endParaRPr lang="ru-RU" sz="9600" dirty="0">
-              <a:solidFill>
-                <a:schemeClr val="bg1"/>
-              </a:solidFill>
-              <a:effectLst>
-                <a:outerShdw blurRad="38100" dist="38100" dir="2700000" algn="tl">
-                  <a:srgbClr val="000000">
-                    <a:alpha val="43137"/>
-                  </a:srgbClr>
-                </a:outerShdw>
-              </a:effectLst>
-              <a:latin typeface="Impact" panose="020B0806030902050204" pitchFamily="34" charset="0"/>
-            </a:endParaRPr>
-          </a:p>
-        </p:txBody>
-      </p:sp>
-    </p:spTree>
-    <p:extLst>
-      <p:ext uri="{BB962C8B-B14F-4D97-AF65-F5344CB8AC3E}">
-        <p14:creationId xmlns:p14="http://schemas.microsoft.com/office/powerpoint/2010/main" val="2598665943"/>
-      </p:ext>
-    </p:extLst>
-  </p:cSld>
-  <p:clrMapOvr>
-    <a:masterClrMapping/>
-  </p:clrMapOvr>
-</p:sld>
-</file>
-
-<file path=ppt/slides/slide4.xml><?xml version="1.0" encoding="utf-8"?>
+<file path=ppt/slides/slide2.xml><?xml version="1.0" encoding="utf-8"?>
 <p:sld xmlns:a="http://schemas.openxmlformats.org/drawingml/2006/main" xmlns:r="http://schemas.openxmlformats.org/officeDocument/2006/relationships" xmlns:p="http://schemas.openxmlformats.org/presentationml/2006/main">
   <p:cSld>
     <p:spTree>
@@ -8206,7 +7207,182 @@
 </p:sld>
 </file>
 
-<file path=ppt/slides/slide5.xml><?xml version="1.0" encoding="utf-8"?>
+<file path=ppt/slides/slide20.xml><?xml version="1.0" encoding="utf-8"?>
+<p:sld xmlns:a="http://schemas.openxmlformats.org/drawingml/2006/main" xmlns:r="http://schemas.openxmlformats.org/officeDocument/2006/relationships" xmlns:p="http://schemas.openxmlformats.org/presentationml/2006/main">
+  <p:cSld>
+    <p:spTree>
+      <p:nvGrpSpPr>
+        <p:cNvPr id="1" name=""/>
+        <p:cNvGrpSpPr/>
+        <p:nvPr/>
+      </p:nvGrpSpPr>
+      <p:grpSpPr>
+        <a:xfrm>
+          <a:off x="0" y="0"/>
+          <a:ext cx="0" cy="0"/>
+          <a:chOff x="0" y="0"/>
+          <a:chExt cx="0" cy="0"/>
+        </a:xfrm>
+      </p:grpSpPr>
+      <p:sp>
+        <p:nvSpPr>
+          <p:cNvPr id="2" name="Title 1"/>
+          <p:cNvSpPr>
+            <a:spLocks noGrp="1"/>
+          </p:cNvSpPr>
+          <p:nvPr>
+            <p:ph type="title"/>
+          </p:nvPr>
+        </p:nvSpPr>
+        <p:spPr/>
+        <p:txBody>
+          <a:bodyPr/>
+          <a:lstStyle/>
+          <a:p>
+            <a:r>
+              <a:rPr lang="ru-RU" dirty="0"/>
+              <a:t>Итоги</a:t>
+            </a:r>
+          </a:p>
+        </p:txBody>
+      </p:sp>
+      <p:sp>
+        <p:nvSpPr>
+          <p:cNvPr id="3" name="Content Placeholder 2"/>
+          <p:cNvSpPr>
+            <a:spLocks noGrp="1"/>
+          </p:cNvSpPr>
+          <p:nvPr>
+            <p:ph idx="1"/>
+          </p:nvPr>
+        </p:nvSpPr>
+        <p:spPr/>
+        <p:txBody>
+          <a:bodyPr/>
+          <a:lstStyle/>
+          <a:p>
+            <a:r>
+              <a:rPr lang="ru-RU" dirty="0"/>
+              <a:t>Композиция и агрегация часто являются лучшей альтернативой наследованию</a:t>
+            </a:r>
+          </a:p>
+          <a:p>
+            <a:r>
+              <a:rPr lang="ru-RU" dirty="0"/>
+              <a:t>Паттерн </a:t>
+            </a:r>
+            <a:r>
+              <a:rPr lang="ru-RU"/>
+              <a:t>Мост делает код </a:t>
+            </a:r>
+            <a:r>
+              <a:rPr lang="ru-RU" dirty="0"/>
+              <a:t>не зависящим от деталей инфраструктуры</a:t>
+            </a:r>
+          </a:p>
+        </p:txBody>
+      </p:sp>
+    </p:spTree>
+    <p:extLst>
+      <p:ext uri="{BB962C8B-B14F-4D97-AF65-F5344CB8AC3E}">
+        <p14:creationId xmlns:p14="http://schemas.microsoft.com/office/powerpoint/2010/main" val="2986408610"/>
+      </p:ext>
+    </p:extLst>
+  </p:cSld>
+  <p:clrMapOvr>
+    <a:masterClrMapping/>
+  </p:clrMapOvr>
+</p:sld>
+</file>
+
+<file path=ppt/slides/slide21.xml><?xml version="1.0" encoding="utf-8"?>
+<p:sld xmlns:a="http://schemas.openxmlformats.org/drawingml/2006/main" xmlns:r="http://schemas.openxmlformats.org/officeDocument/2006/relationships" xmlns:p="http://schemas.openxmlformats.org/presentationml/2006/main">
+  <p:cSld>
+    <p:spTree>
+      <p:nvGrpSpPr>
+        <p:cNvPr id="1" name=""/>
+        <p:cNvGrpSpPr/>
+        <p:nvPr/>
+      </p:nvGrpSpPr>
+      <p:grpSpPr>
+        <a:xfrm>
+          <a:off x="0" y="0"/>
+          <a:ext cx="0" cy="0"/>
+          <a:chOff x="0" y="0"/>
+          <a:chExt cx="0" cy="0"/>
+        </a:xfrm>
+      </p:grpSpPr>
+      <p:sp>
+        <p:nvSpPr>
+          <p:cNvPr id="2" name="Title 1"/>
+          <p:cNvSpPr>
+            <a:spLocks noGrp="1"/>
+          </p:cNvSpPr>
+          <p:nvPr>
+            <p:ph type="title"/>
+          </p:nvPr>
+        </p:nvSpPr>
+        <p:spPr/>
+        <p:txBody>
+          <a:bodyPr/>
+          <a:lstStyle/>
+          <a:p>
+            <a:r>
+              <a:rPr lang="ru-RU" dirty="0"/>
+              <a:t>Ссылки</a:t>
+            </a:r>
+          </a:p>
+        </p:txBody>
+      </p:sp>
+      <p:sp>
+        <p:nvSpPr>
+          <p:cNvPr id="3" name="Content Placeholder 2"/>
+          <p:cNvSpPr>
+            <a:spLocks noGrp="1"/>
+          </p:cNvSpPr>
+          <p:nvPr>
+            <p:ph idx="1"/>
+          </p:nvPr>
+        </p:nvSpPr>
+        <p:spPr/>
+        <p:txBody>
+          <a:bodyPr/>
+          <a:lstStyle/>
+          <a:p>
+            <a:r>
+              <a:rPr lang="en-US" dirty="0">
+                <a:hlinkClick r:id="rId2"/>
+              </a:rPr>
+              <a:t>https://refactoring.guru/ru/design-patterns/bridge</a:t>
+            </a:r>
+            <a:endParaRPr lang="ru-RU" dirty="0"/>
+          </a:p>
+          <a:p>
+            <a:r>
+              <a:rPr lang="ru-RU"/>
+              <a:t>Приёмы объектно-ориентированного </a:t>
+            </a:r>
+            <a:r>
+              <a:rPr lang="ru-RU" dirty="0"/>
+              <a:t>проектирования. Паттерны проектирования</a:t>
+            </a:r>
+          </a:p>
+        </p:txBody>
+      </p:sp>
+    </p:spTree>
+    <p:extLst>
+      <p:ext uri="{BB962C8B-B14F-4D97-AF65-F5344CB8AC3E}">
+        <p14:creationId xmlns:p14="http://schemas.microsoft.com/office/powerpoint/2010/main" val="1249107859"/>
+      </p:ext>
+    </p:extLst>
+  </p:cSld>
+  <p:clrMapOvr>
+    <a:masterClrMapping/>
+  </p:clrMapOvr>
+</p:sld>
+</file>
+
+<file path=ppt/slides/slide3.xml><?xml version="1.0" encoding="utf-8"?>
 <p:sld xmlns:a="http://schemas.openxmlformats.org/drawingml/2006/main" xmlns:r="http://schemas.openxmlformats.org/officeDocument/2006/relationships" xmlns:p="http://schemas.openxmlformats.org/presentationml/2006/main">
   <p:cSld>
     <p:spTree>
@@ -8378,7 +7554,7 @@
 </p:sld>
 </file>
 
-<file path=ppt/slides/slide6.xml><?xml version="1.0" encoding="utf-8"?>
+<file path=ppt/slides/slide4.xml><?xml version="1.0" encoding="utf-8"?>
 <p:sld xmlns:a="http://schemas.openxmlformats.org/drawingml/2006/main" xmlns:r="http://schemas.openxmlformats.org/officeDocument/2006/relationships" xmlns:p="http://schemas.openxmlformats.org/presentationml/2006/main">
   <p:cSld>
     <p:spTree>
@@ -8730,7 +7906,7 @@
 </p:sld>
 </file>
 
-<file path=ppt/slides/slide7.xml><?xml version="1.0" encoding="utf-8"?>
+<file path=ppt/slides/slide5.xml><?xml version="1.0" encoding="utf-8"?>
 <p:sld xmlns:a="http://schemas.openxmlformats.org/drawingml/2006/main" xmlns:r="http://schemas.openxmlformats.org/officeDocument/2006/relationships" xmlns:p="http://schemas.openxmlformats.org/presentationml/2006/main">
   <p:cSld>
     <p:spTree>
@@ -8852,7 +8028,7 @@
 </p:sld>
 </file>
 
-<file path=ppt/slides/slide8.xml><?xml version="1.0" encoding="utf-8"?>
+<file path=ppt/slides/slide6.xml><?xml version="1.0" encoding="utf-8"?>
 <p:sld xmlns:a="http://schemas.openxmlformats.org/drawingml/2006/main" xmlns:r="http://schemas.openxmlformats.org/officeDocument/2006/relationships" xmlns:p="http://schemas.openxmlformats.org/presentationml/2006/main">
   <p:cSld>
     <p:spTree>
@@ -9805,7 +8981,7 @@
 </p:sld>
 </file>
 
-<file path=ppt/slides/slide9.xml><?xml version="1.0" encoding="utf-8"?>
+<file path=ppt/slides/slide7.xml><?xml version="1.0" encoding="utf-8"?>
 <p:sld xmlns:a="http://schemas.openxmlformats.org/drawingml/2006/main" xmlns:r="http://schemas.openxmlformats.org/officeDocument/2006/relationships" xmlns:p="http://schemas.openxmlformats.org/presentationml/2006/main">
   <p:cSld>
     <p:spTree>
@@ -10206,6 +9382,457 @@
       <p:bldP spid="3" grpId="0" build="p"/>
     </p:bldLst>
   </p:timing>
+</p:sld>
+</file>
+
+<file path=ppt/slides/slide8.xml><?xml version="1.0" encoding="utf-8"?>
+<p:sld xmlns:a="http://schemas.openxmlformats.org/drawingml/2006/main" xmlns:r="http://schemas.openxmlformats.org/officeDocument/2006/relationships" xmlns:p="http://schemas.openxmlformats.org/presentationml/2006/main">
+  <p:cSld>
+    <p:spTree>
+      <p:nvGrpSpPr>
+        <p:cNvPr id="1" name=""/>
+        <p:cNvGrpSpPr/>
+        <p:nvPr/>
+      </p:nvGrpSpPr>
+      <p:grpSpPr>
+        <a:xfrm>
+          <a:off x="0" y="0"/>
+          <a:ext cx="0" cy="0"/>
+          <a:chOff x="0" y="0"/>
+          <a:chExt cx="0" cy="0"/>
+        </a:xfrm>
+      </p:grpSpPr>
+      <p:sp>
+        <p:nvSpPr>
+          <p:cNvPr id="2" name="Title 1"/>
+          <p:cNvSpPr>
+            <a:spLocks noGrp="1"/>
+          </p:cNvSpPr>
+          <p:nvPr>
+            <p:ph type="title"/>
+          </p:nvPr>
+        </p:nvSpPr>
+        <p:spPr/>
+        <p:txBody>
+          <a:bodyPr>
+            <a:normAutofit/>
+          </a:bodyPr>
+          <a:lstStyle/>
+          <a:p>
+            <a:r>
+              <a:rPr lang="ru-RU" dirty="0"/>
+              <a:t>Шаги реализации (продолжение)</a:t>
+            </a:r>
+          </a:p>
+        </p:txBody>
+      </p:sp>
+      <p:sp>
+        <p:nvSpPr>
+          <p:cNvPr id="3" name="Content Placeholder 2"/>
+          <p:cNvSpPr>
+            <a:spLocks noGrp="1"/>
+          </p:cNvSpPr>
+          <p:nvPr>
+            <p:ph idx="1"/>
+          </p:nvPr>
+        </p:nvSpPr>
+        <p:spPr/>
+        <p:txBody>
+          <a:bodyPr/>
+          <a:lstStyle/>
+          <a:p>
+            <a:r>
+              <a:rPr lang="ru-RU" dirty="0"/>
+              <a:t>Добавить ссылку на интерфейс Реализации в класс Абстракции</a:t>
+            </a:r>
+          </a:p>
+          <a:p>
+            <a:r>
+              <a:rPr lang="ru-RU" dirty="0"/>
+              <a:t>Реализовать методы Абстракции, делегируя основную работу связанному объекту Реализации</a:t>
+            </a:r>
+          </a:p>
+          <a:p>
+            <a:r>
+              <a:rPr lang="ru-RU" dirty="0"/>
+              <a:t>Создать при необходимости подклассы Абстракций</a:t>
+            </a:r>
+          </a:p>
+          <a:p>
+            <a:r>
+              <a:rPr lang="ru-RU" dirty="0"/>
+              <a:t>Передать объект реализации конструктору Абстракции</a:t>
+            </a:r>
+          </a:p>
+        </p:txBody>
+      </p:sp>
+    </p:spTree>
+    <p:extLst>
+      <p:ext uri="{BB962C8B-B14F-4D97-AF65-F5344CB8AC3E}">
+        <p14:creationId xmlns:p14="http://schemas.microsoft.com/office/powerpoint/2010/main" val="4175240833"/>
+      </p:ext>
+    </p:extLst>
+  </p:cSld>
+  <p:clrMapOvr>
+    <a:masterClrMapping/>
+  </p:clrMapOvr>
+  <p:timing>
+    <p:tnLst>
+      <p:par>
+        <p:cTn id="1" dur="indefinite" restart="never" nodeType="tmRoot">
+          <p:childTnLst>
+            <p:seq concurrent="1" nextAc="seek">
+              <p:cTn id="2" dur="indefinite" nodeType="mainSeq">
+                <p:childTnLst>
+                  <p:par>
+                    <p:cTn id="3" fill="hold">
+                      <p:stCondLst>
+                        <p:cond delay="indefinite"/>
+                      </p:stCondLst>
+                      <p:childTnLst>
+                        <p:par>
+                          <p:cTn id="4" fill="hold">
+                            <p:stCondLst>
+                              <p:cond delay="0"/>
+                            </p:stCondLst>
+                            <p:childTnLst>
+                              <p:par>
+                                <p:cTn id="5" presetID="10" presetClass="entr" presetSubtype="0" fill="hold" grpId="0" nodeType="clickEffect">
+                                  <p:stCondLst>
+                                    <p:cond delay="0"/>
+                                  </p:stCondLst>
+                                  <p:childTnLst>
+                                    <p:set>
+                                      <p:cBhvr>
+                                        <p:cTn id="6" dur="1" fill="hold">
+                                          <p:stCondLst>
+                                            <p:cond delay="0"/>
+                                          </p:stCondLst>
+                                        </p:cTn>
+                                        <p:tgtEl>
+                                          <p:spTgt spid="3">
+                                            <p:txEl>
+                                              <p:pRg st="0" end="0"/>
+                                            </p:txEl>
+                                          </p:spTgt>
+                                        </p:tgtEl>
+                                        <p:attrNameLst>
+                                          <p:attrName>style.visibility</p:attrName>
+                                        </p:attrNameLst>
+                                      </p:cBhvr>
+                                      <p:to>
+                                        <p:strVal val="visible"/>
+                                      </p:to>
+                                    </p:set>
+                                    <p:animEffect transition="in" filter="fade">
+                                      <p:cBhvr>
+                                        <p:cTn id="7" dur="500"/>
+                                        <p:tgtEl>
+                                          <p:spTgt spid="3">
+                                            <p:txEl>
+                                              <p:pRg st="0" end="0"/>
+                                            </p:txEl>
+                                          </p:spTgt>
+                                        </p:tgtEl>
+                                      </p:cBhvr>
+                                    </p:animEffect>
+                                  </p:childTnLst>
+                                </p:cTn>
+                              </p:par>
+                            </p:childTnLst>
+                          </p:cTn>
+                        </p:par>
+                      </p:childTnLst>
+                    </p:cTn>
+                  </p:par>
+                  <p:par>
+                    <p:cTn id="8" fill="hold">
+                      <p:stCondLst>
+                        <p:cond delay="indefinite"/>
+                      </p:stCondLst>
+                      <p:childTnLst>
+                        <p:par>
+                          <p:cTn id="9" fill="hold">
+                            <p:stCondLst>
+                              <p:cond delay="0"/>
+                            </p:stCondLst>
+                            <p:childTnLst>
+                              <p:par>
+                                <p:cTn id="10" presetID="10" presetClass="entr" presetSubtype="0" fill="hold" grpId="0" nodeType="clickEffect">
+                                  <p:stCondLst>
+                                    <p:cond delay="0"/>
+                                  </p:stCondLst>
+                                  <p:childTnLst>
+                                    <p:set>
+                                      <p:cBhvr>
+                                        <p:cTn id="11" dur="1" fill="hold">
+                                          <p:stCondLst>
+                                            <p:cond delay="0"/>
+                                          </p:stCondLst>
+                                        </p:cTn>
+                                        <p:tgtEl>
+                                          <p:spTgt spid="3">
+                                            <p:txEl>
+                                              <p:pRg st="1" end="1"/>
+                                            </p:txEl>
+                                          </p:spTgt>
+                                        </p:tgtEl>
+                                        <p:attrNameLst>
+                                          <p:attrName>style.visibility</p:attrName>
+                                        </p:attrNameLst>
+                                      </p:cBhvr>
+                                      <p:to>
+                                        <p:strVal val="visible"/>
+                                      </p:to>
+                                    </p:set>
+                                    <p:animEffect transition="in" filter="fade">
+                                      <p:cBhvr>
+                                        <p:cTn id="12" dur="500"/>
+                                        <p:tgtEl>
+                                          <p:spTgt spid="3">
+                                            <p:txEl>
+                                              <p:pRg st="1" end="1"/>
+                                            </p:txEl>
+                                          </p:spTgt>
+                                        </p:tgtEl>
+                                      </p:cBhvr>
+                                    </p:animEffect>
+                                  </p:childTnLst>
+                                </p:cTn>
+                              </p:par>
+                            </p:childTnLst>
+                          </p:cTn>
+                        </p:par>
+                      </p:childTnLst>
+                    </p:cTn>
+                  </p:par>
+                  <p:par>
+                    <p:cTn id="13" fill="hold">
+                      <p:stCondLst>
+                        <p:cond delay="indefinite"/>
+                      </p:stCondLst>
+                      <p:childTnLst>
+                        <p:par>
+                          <p:cTn id="14" fill="hold">
+                            <p:stCondLst>
+                              <p:cond delay="0"/>
+                            </p:stCondLst>
+                            <p:childTnLst>
+                              <p:par>
+                                <p:cTn id="15" presetID="10" presetClass="entr" presetSubtype="0" fill="hold" grpId="0" nodeType="clickEffect">
+                                  <p:stCondLst>
+                                    <p:cond delay="0"/>
+                                  </p:stCondLst>
+                                  <p:childTnLst>
+                                    <p:set>
+                                      <p:cBhvr>
+                                        <p:cTn id="16" dur="1" fill="hold">
+                                          <p:stCondLst>
+                                            <p:cond delay="0"/>
+                                          </p:stCondLst>
+                                        </p:cTn>
+                                        <p:tgtEl>
+                                          <p:spTgt spid="3">
+                                            <p:txEl>
+                                              <p:pRg st="2" end="2"/>
+                                            </p:txEl>
+                                          </p:spTgt>
+                                        </p:tgtEl>
+                                        <p:attrNameLst>
+                                          <p:attrName>style.visibility</p:attrName>
+                                        </p:attrNameLst>
+                                      </p:cBhvr>
+                                      <p:to>
+                                        <p:strVal val="visible"/>
+                                      </p:to>
+                                    </p:set>
+                                    <p:animEffect transition="in" filter="fade">
+                                      <p:cBhvr>
+                                        <p:cTn id="17" dur="500"/>
+                                        <p:tgtEl>
+                                          <p:spTgt spid="3">
+                                            <p:txEl>
+                                              <p:pRg st="2" end="2"/>
+                                            </p:txEl>
+                                          </p:spTgt>
+                                        </p:tgtEl>
+                                      </p:cBhvr>
+                                    </p:animEffect>
+                                  </p:childTnLst>
+                                </p:cTn>
+                              </p:par>
+                            </p:childTnLst>
+                          </p:cTn>
+                        </p:par>
+                      </p:childTnLst>
+                    </p:cTn>
+                  </p:par>
+                  <p:par>
+                    <p:cTn id="18" fill="hold">
+                      <p:stCondLst>
+                        <p:cond delay="indefinite"/>
+                      </p:stCondLst>
+                      <p:childTnLst>
+                        <p:par>
+                          <p:cTn id="19" fill="hold">
+                            <p:stCondLst>
+                              <p:cond delay="0"/>
+                            </p:stCondLst>
+                            <p:childTnLst>
+                              <p:par>
+                                <p:cTn id="20" presetID="10" presetClass="entr" presetSubtype="0" fill="hold" grpId="0" nodeType="clickEffect">
+                                  <p:stCondLst>
+                                    <p:cond delay="0"/>
+                                  </p:stCondLst>
+                                  <p:childTnLst>
+                                    <p:set>
+                                      <p:cBhvr>
+                                        <p:cTn id="21" dur="1" fill="hold">
+                                          <p:stCondLst>
+                                            <p:cond delay="0"/>
+                                          </p:stCondLst>
+                                        </p:cTn>
+                                        <p:tgtEl>
+                                          <p:spTgt spid="3">
+                                            <p:txEl>
+                                              <p:pRg st="3" end="3"/>
+                                            </p:txEl>
+                                          </p:spTgt>
+                                        </p:tgtEl>
+                                        <p:attrNameLst>
+                                          <p:attrName>style.visibility</p:attrName>
+                                        </p:attrNameLst>
+                                      </p:cBhvr>
+                                      <p:to>
+                                        <p:strVal val="visible"/>
+                                      </p:to>
+                                    </p:set>
+                                    <p:animEffect transition="in" filter="fade">
+                                      <p:cBhvr>
+                                        <p:cTn id="22" dur="500"/>
+                                        <p:tgtEl>
+                                          <p:spTgt spid="3">
+                                            <p:txEl>
+                                              <p:pRg st="3" end="3"/>
+                                            </p:txEl>
+                                          </p:spTgt>
+                                        </p:tgtEl>
+                                      </p:cBhvr>
+                                    </p:animEffect>
+                                  </p:childTnLst>
+                                </p:cTn>
+                              </p:par>
+                            </p:childTnLst>
+                          </p:cTn>
+                        </p:par>
+                      </p:childTnLst>
+                    </p:cTn>
+                  </p:par>
+                </p:childTnLst>
+              </p:cTn>
+              <p:prevCondLst>
+                <p:cond evt="onPrev" delay="0">
+                  <p:tgtEl>
+                    <p:sldTgt/>
+                  </p:tgtEl>
+                </p:cond>
+              </p:prevCondLst>
+              <p:nextCondLst>
+                <p:cond evt="onNext" delay="0">
+                  <p:tgtEl>
+                    <p:sldTgt/>
+                  </p:tgtEl>
+                </p:cond>
+              </p:nextCondLst>
+            </p:seq>
+          </p:childTnLst>
+        </p:cTn>
+      </p:par>
+    </p:tnLst>
+    <p:bldLst>
+      <p:bldP spid="3" grpId="0" build="p"/>
+    </p:bldLst>
+  </p:timing>
+</p:sld>
+</file>
+
+<file path=ppt/slides/slide9.xml><?xml version="1.0" encoding="utf-8"?>
+<p:sld xmlns:a="http://schemas.openxmlformats.org/drawingml/2006/main" xmlns:r="http://schemas.openxmlformats.org/officeDocument/2006/relationships" xmlns:p="http://schemas.openxmlformats.org/presentationml/2006/main">
+  <p:cSld>
+    <p:spTree>
+      <p:nvGrpSpPr>
+        <p:cNvPr id="1" name=""/>
+        <p:cNvGrpSpPr/>
+        <p:nvPr/>
+      </p:nvGrpSpPr>
+      <p:grpSpPr>
+        <a:xfrm>
+          <a:off x="0" y="0"/>
+          <a:ext cx="0" cy="0"/>
+          <a:chOff x="0" y="0"/>
+          <a:chExt cx="0" cy="0"/>
+        </a:xfrm>
+      </p:grpSpPr>
+      <p:sp>
+        <p:nvSpPr>
+          <p:cNvPr id="2" name="Title 1"/>
+          <p:cNvSpPr>
+            <a:spLocks noGrp="1"/>
+          </p:cNvSpPr>
+          <p:nvPr>
+            <p:ph type="title"/>
+          </p:nvPr>
+        </p:nvSpPr>
+        <p:spPr/>
+        <p:txBody>
+          <a:bodyPr>
+            <a:normAutofit/>
+          </a:bodyPr>
+          <a:lstStyle/>
+          <a:p>
+            <a:r>
+              <a:rPr lang="ru-RU" dirty="0"/>
+              <a:t>Возможный вариант реализации</a:t>
+            </a:r>
+          </a:p>
+        </p:txBody>
+      </p:sp>
+      <p:pic>
+        <p:nvPicPr>
+          <p:cNvPr id="5" name="Content Placeholder 4"/>
+          <p:cNvPicPr>
+            <a:picLocks noGrp="1" noChangeAspect="1"/>
+          </p:cNvPicPr>
+          <p:nvPr>
+            <p:ph idx="1"/>
+          </p:nvPr>
+        </p:nvPicPr>
+        <p:blipFill>
+          <a:blip r:embed="rId2"/>
+          <a:stretch>
+            <a:fillRect/>
+          </a:stretch>
+        </p:blipFill>
+        <p:spPr>
+          <a:xfrm>
+            <a:off x="1027980" y="1981300"/>
+            <a:ext cx="10136040" cy="4039988"/>
+          </a:xfrm>
+          <a:prstGeom prst="rect">
+            <a:avLst/>
+          </a:prstGeom>
+        </p:spPr>
+      </p:pic>
+    </p:spTree>
+    <p:extLst>
+      <p:ext uri="{BB962C8B-B14F-4D97-AF65-F5344CB8AC3E}">
+        <p14:creationId xmlns:p14="http://schemas.microsoft.com/office/powerpoint/2010/main" val="4146723188"/>
+      </p:ext>
+    </p:extLst>
+  </p:cSld>
+  <p:clrMapOvr>
+    <a:masterClrMapping/>
+  </p:clrMapOvr>
 </p:sld>
 </file>
 
